--- a/jmva_presentation.pptx
+++ b/jmva_presentation.pptx
@@ -2,10 +2,13 @@
 <file path=ppt/presentation.xml><?xml version="1.0" encoding="utf-8"?>
 <p:presentation xmlns:a="http://schemas.openxmlformats.org/drawingml/2006/main" xmlns:r="http://schemas.openxmlformats.org/officeDocument/2006/relationships" xmlns:p="http://schemas.openxmlformats.org/presentationml/2006/main" saveSubsetFonts="1" autoCompressPictures="0">
   <p:sldMasterIdLst>
-    <p:sldMasterId id="2147483648" r:id="rId1"/>
+    <p:sldMasterId id="2147483660" r:id="rId1"/>
   </p:sldMasterIdLst>
   <p:sldIdLst>
-    <p:sldId id="256" r:id="rId2"/>
+    <p:sldId id="257" r:id="rId2"/>
+    <p:sldId id="258" r:id="rId3"/>
+    <p:sldId id="260" r:id="rId4"/>
+    <p:sldId id="259" r:id="rId5"/>
   </p:sldIdLst>
   <p:sldSz cx="9144000" cy="6858000" type="screen4x3"/>
   <p:notesSz cx="6858000" cy="9144000"/>
@@ -173,93 +176,39 @@
           <a:lstStyle>
             <a:lvl1pPr marL="0" indent="0" algn="ctr">
               <a:buNone/>
-              <a:defRPr>
-                <a:solidFill>
-                  <a:schemeClr val="tx1">
-                    <a:tint val="75000"/>
-                  </a:schemeClr>
-                </a:solidFill>
-              </a:defRPr>
+              <a:defRPr/>
             </a:lvl1pPr>
             <a:lvl2pPr marL="457200" indent="0" algn="ctr">
               <a:buNone/>
-              <a:defRPr>
-                <a:solidFill>
-                  <a:schemeClr val="tx1">
-                    <a:tint val="75000"/>
-                  </a:schemeClr>
-                </a:solidFill>
-              </a:defRPr>
+              <a:defRPr/>
             </a:lvl2pPr>
             <a:lvl3pPr marL="914400" indent="0" algn="ctr">
               <a:buNone/>
-              <a:defRPr>
-                <a:solidFill>
-                  <a:schemeClr val="tx1">
-                    <a:tint val="75000"/>
-                  </a:schemeClr>
-                </a:solidFill>
-              </a:defRPr>
+              <a:defRPr/>
             </a:lvl3pPr>
             <a:lvl4pPr marL="1371600" indent="0" algn="ctr">
               <a:buNone/>
-              <a:defRPr>
-                <a:solidFill>
-                  <a:schemeClr val="tx1">
-                    <a:tint val="75000"/>
-                  </a:schemeClr>
-                </a:solidFill>
-              </a:defRPr>
+              <a:defRPr/>
             </a:lvl4pPr>
             <a:lvl5pPr marL="1828800" indent="0" algn="ctr">
               <a:buNone/>
-              <a:defRPr>
-                <a:solidFill>
-                  <a:schemeClr val="tx1">
-                    <a:tint val="75000"/>
-                  </a:schemeClr>
-                </a:solidFill>
-              </a:defRPr>
+              <a:defRPr/>
             </a:lvl5pPr>
             <a:lvl6pPr marL="2286000" indent="0" algn="ctr">
               <a:buNone/>
-              <a:defRPr>
-                <a:solidFill>
-                  <a:schemeClr val="tx1">
-                    <a:tint val="75000"/>
-                  </a:schemeClr>
-                </a:solidFill>
-              </a:defRPr>
+              <a:defRPr/>
             </a:lvl6pPr>
             <a:lvl7pPr marL="2743200" indent="0" algn="ctr">
               <a:buNone/>
-              <a:defRPr>
-                <a:solidFill>
-                  <a:schemeClr val="tx1">
-                    <a:tint val="75000"/>
-                  </a:schemeClr>
-                </a:solidFill>
-              </a:defRPr>
+              <a:defRPr/>
             </a:lvl7pPr>
             <a:lvl8pPr marL="3200400" indent="0" algn="ctr">
               <a:buNone/>
-              <a:defRPr>
-                <a:solidFill>
-                  <a:schemeClr val="tx1">
-                    <a:tint val="75000"/>
-                  </a:schemeClr>
-                </a:solidFill>
-              </a:defRPr>
+              <a:defRPr/>
             </a:lvl8pPr>
             <a:lvl9pPr marL="3657600" indent="0" algn="ctr">
               <a:buNone/>
-              <a:defRPr>
-                <a:solidFill>
-                  <a:schemeClr val="tx1">
-                    <a:tint val="75000"/>
-                  </a:schemeClr>
-                </a:solidFill>
-              </a:defRPr>
+              <a:defRPr/>
             </a:lvl9pPr>
           </a:lstStyle>
           <a:p>
@@ -284,13 +233,17 @@
         <p:spPr/>
         <p:txBody>
           <a:bodyPr/>
-          <a:lstStyle/>
-          <a:p>
-            <a:fld id="{132551ED-77B7-F445-B4C1-75B6F6C773C1}" type="datetimeFigureOut">
-              <a:rPr lang="en-US" smtClean="0"/>
-              <a:t>10/22/12</a:t>
-            </a:fld>
-            <a:endParaRPr lang="en-US"/>
+          <a:lstStyle>
+            <a:lvl1pPr>
+              <a:defRPr/>
+            </a:lvl1pPr>
+          </a:lstStyle>
+          <a:p>
+            <a:endParaRPr lang="es-ES">
+              <a:solidFill>
+                <a:srgbClr val="000000"/>
+              </a:solidFill>
+            </a:endParaRPr>
           </a:p>
         </p:txBody>
       </p:sp>
@@ -307,9 +260,17 @@
         <p:spPr/>
         <p:txBody>
           <a:bodyPr/>
-          <a:lstStyle/>
-          <a:p>
-            <a:endParaRPr lang="en-US"/>
+          <a:lstStyle>
+            <a:lvl1pPr>
+              <a:defRPr/>
+            </a:lvl1pPr>
+          </a:lstStyle>
+          <a:p>
+            <a:endParaRPr lang="es-ES">
+              <a:solidFill>
+                <a:srgbClr val="000000"/>
+              </a:solidFill>
+            </a:endParaRPr>
           </a:p>
         </p:txBody>
       </p:sp>
@@ -326,20 +287,33 @@
         <p:spPr/>
         <p:txBody>
           <a:bodyPr/>
-          <a:lstStyle/>
-          <a:p>
-            <a:fld id="{A94B77C0-5EE8-9549-B476-431AD0CC4A9E}" type="slidenum">
-              <a:rPr lang="en-US" smtClean="0"/>
+          <a:lstStyle>
+            <a:lvl1pPr>
+              <a:defRPr/>
+            </a:lvl1pPr>
+          </a:lstStyle>
+          <a:p>
+            <a:fld id="{074AFDA7-40B9-234B-B907-52119A8748C9}" type="slidenum">
+              <a:rPr lang="es-ES">
+                <a:solidFill>
+                  <a:srgbClr val="000000"/>
+                </a:solidFill>
+              </a:rPr>
+              <a:pPr/>
               <a:t>‹#›</a:t>
             </a:fld>
-            <a:endParaRPr lang="en-US"/>
+            <a:endParaRPr lang="es-ES">
+              <a:solidFill>
+                <a:srgbClr val="000000"/>
+              </a:solidFill>
+            </a:endParaRPr>
           </a:p>
         </p:txBody>
       </p:sp>
     </p:spTree>
     <p:extLst>
       <p:ext uri="{BB962C8B-B14F-4D97-AF65-F5344CB8AC3E}">
-        <p14:creationId xmlns:p14="http://schemas.microsoft.com/office/powerpoint/2010/main" val="1969287280"/>
+        <p14:creationId xmlns:p14="http://schemas.microsoft.com/office/powerpoint/2010/main" val="1863170436"/>
       </p:ext>
     </p:extLst>
   </p:cSld>
@@ -454,13 +428,17 @@
         <p:spPr/>
         <p:txBody>
           <a:bodyPr/>
-          <a:lstStyle/>
-          <a:p>
-            <a:fld id="{132551ED-77B7-F445-B4C1-75B6F6C773C1}" type="datetimeFigureOut">
-              <a:rPr lang="en-US" smtClean="0"/>
-              <a:t>10/22/12</a:t>
-            </a:fld>
-            <a:endParaRPr lang="en-US"/>
+          <a:lstStyle>
+            <a:lvl1pPr>
+              <a:defRPr/>
+            </a:lvl1pPr>
+          </a:lstStyle>
+          <a:p>
+            <a:endParaRPr lang="es-ES">
+              <a:solidFill>
+                <a:srgbClr val="000000"/>
+              </a:solidFill>
+            </a:endParaRPr>
           </a:p>
         </p:txBody>
       </p:sp>
@@ -477,9 +455,17 @@
         <p:spPr/>
         <p:txBody>
           <a:bodyPr/>
-          <a:lstStyle/>
-          <a:p>
-            <a:endParaRPr lang="en-US"/>
+          <a:lstStyle>
+            <a:lvl1pPr>
+              <a:defRPr/>
+            </a:lvl1pPr>
+          </a:lstStyle>
+          <a:p>
+            <a:endParaRPr lang="es-ES">
+              <a:solidFill>
+                <a:srgbClr val="000000"/>
+              </a:solidFill>
+            </a:endParaRPr>
           </a:p>
         </p:txBody>
       </p:sp>
@@ -496,20 +482,33 @@
         <p:spPr/>
         <p:txBody>
           <a:bodyPr/>
-          <a:lstStyle/>
-          <a:p>
-            <a:fld id="{A94B77C0-5EE8-9549-B476-431AD0CC4A9E}" type="slidenum">
-              <a:rPr lang="en-US" smtClean="0"/>
+          <a:lstStyle>
+            <a:lvl1pPr>
+              <a:defRPr/>
+            </a:lvl1pPr>
+          </a:lstStyle>
+          <a:p>
+            <a:fld id="{F7527BBD-8204-C74C-B806-D74C2893117F}" type="slidenum">
+              <a:rPr lang="es-ES">
+                <a:solidFill>
+                  <a:srgbClr val="000000"/>
+                </a:solidFill>
+              </a:rPr>
+              <a:pPr/>
               <a:t>‹#›</a:t>
             </a:fld>
-            <a:endParaRPr lang="en-US"/>
+            <a:endParaRPr lang="es-ES">
+              <a:solidFill>
+                <a:srgbClr val="000000"/>
+              </a:solidFill>
+            </a:endParaRPr>
           </a:p>
         </p:txBody>
       </p:sp>
     </p:spTree>
     <p:extLst>
       <p:ext uri="{BB962C8B-B14F-4D97-AF65-F5344CB8AC3E}">
-        <p14:creationId xmlns:p14="http://schemas.microsoft.com/office/powerpoint/2010/main" val="321996898"/>
+        <p14:creationId xmlns:p14="http://schemas.microsoft.com/office/powerpoint/2010/main" val="1119312538"/>
       </p:ext>
     </p:extLst>
   </p:cSld>
@@ -634,13 +633,17 @@
         <p:spPr/>
         <p:txBody>
           <a:bodyPr/>
-          <a:lstStyle/>
-          <a:p>
-            <a:fld id="{132551ED-77B7-F445-B4C1-75B6F6C773C1}" type="datetimeFigureOut">
-              <a:rPr lang="en-US" smtClean="0"/>
-              <a:t>10/22/12</a:t>
-            </a:fld>
-            <a:endParaRPr lang="en-US"/>
+          <a:lstStyle>
+            <a:lvl1pPr>
+              <a:defRPr/>
+            </a:lvl1pPr>
+          </a:lstStyle>
+          <a:p>
+            <a:endParaRPr lang="es-ES">
+              <a:solidFill>
+                <a:srgbClr val="000000"/>
+              </a:solidFill>
+            </a:endParaRPr>
           </a:p>
         </p:txBody>
       </p:sp>
@@ -657,9 +660,17 @@
         <p:spPr/>
         <p:txBody>
           <a:bodyPr/>
-          <a:lstStyle/>
-          <a:p>
-            <a:endParaRPr lang="en-US"/>
+          <a:lstStyle>
+            <a:lvl1pPr>
+              <a:defRPr/>
+            </a:lvl1pPr>
+          </a:lstStyle>
+          <a:p>
+            <a:endParaRPr lang="es-ES">
+              <a:solidFill>
+                <a:srgbClr val="000000"/>
+              </a:solidFill>
+            </a:endParaRPr>
           </a:p>
         </p:txBody>
       </p:sp>
@@ -676,20 +687,33 @@
         <p:spPr/>
         <p:txBody>
           <a:bodyPr/>
-          <a:lstStyle/>
-          <a:p>
-            <a:fld id="{A94B77C0-5EE8-9549-B476-431AD0CC4A9E}" type="slidenum">
-              <a:rPr lang="en-US" smtClean="0"/>
+          <a:lstStyle>
+            <a:lvl1pPr>
+              <a:defRPr/>
+            </a:lvl1pPr>
+          </a:lstStyle>
+          <a:p>
+            <a:fld id="{69015BCA-ECC5-9443-B18B-03807FEA97B4}" type="slidenum">
+              <a:rPr lang="es-ES">
+                <a:solidFill>
+                  <a:srgbClr val="000000"/>
+                </a:solidFill>
+              </a:rPr>
+              <a:pPr/>
               <a:t>‹#›</a:t>
             </a:fld>
-            <a:endParaRPr lang="en-US"/>
+            <a:endParaRPr lang="es-ES">
+              <a:solidFill>
+                <a:srgbClr val="000000"/>
+              </a:solidFill>
+            </a:endParaRPr>
           </a:p>
         </p:txBody>
       </p:sp>
     </p:spTree>
     <p:extLst>
       <p:ext uri="{BB962C8B-B14F-4D97-AF65-F5344CB8AC3E}">
-        <p14:creationId xmlns:p14="http://schemas.microsoft.com/office/powerpoint/2010/main" val="37382102"/>
+        <p14:creationId xmlns:p14="http://schemas.microsoft.com/office/powerpoint/2010/main" val="1388389279"/>
       </p:ext>
     </p:extLst>
   </p:cSld>
@@ -804,13 +828,17 @@
         <p:spPr/>
         <p:txBody>
           <a:bodyPr/>
-          <a:lstStyle/>
-          <a:p>
-            <a:fld id="{132551ED-77B7-F445-B4C1-75B6F6C773C1}" type="datetimeFigureOut">
-              <a:rPr lang="en-US" smtClean="0"/>
-              <a:t>10/22/12</a:t>
-            </a:fld>
-            <a:endParaRPr lang="en-US"/>
+          <a:lstStyle>
+            <a:lvl1pPr>
+              <a:defRPr/>
+            </a:lvl1pPr>
+          </a:lstStyle>
+          <a:p>
+            <a:endParaRPr lang="es-ES">
+              <a:solidFill>
+                <a:srgbClr val="000000"/>
+              </a:solidFill>
+            </a:endParaRPr>
           </a:p>
         </p:txBody>
       </p:sp>
@@ -827,9 +855,17 @@
         <p:spPr/>
         <p:txBody>
           <a:bodyPr/>
-          <a:lstStyle/>
-          <a:p>
-            <a:endParaRPr lang="en-US"/>
+          <a:lstStyle>
+            <a:lvl1pPr>
+              <a:defRPr/>
+            </a:lvl1pPr>
+          </a:lstStyle>
+          <a:p>
+            <a:endParaRPr lang="es-ES">
+              <a:solidFill>
+                <a:srgbClr val="000000"/>
+              </a:solidFill>
+            </a:endParaRPr>
           </a:p>
         </p:txBody>
       </p:sp>
@@ -846,20 +882,33 @@
         <p:spPr/>
         <p:txBody>
           <a:bodyPr/>
-          <a:lstStyle/>
-          <a:p>
-            <a:fld id="{A94B77C0-5EE8-9549-B476-431AD0CC4A9E}" type="slidenum">
-              <a:rPr lang="en-US" smtClean="0"/>
+          <a:lstStyle>
+            <a:lvl1pPr>
+              <a:defRPr/>
+            </a:lvl1pPr>
+          </a:lstStyle>
+          <a:p>
+            <a:fld id="{45EE26E5-566A-AF49-BFD9-33660DDC8A6D}" type="slidenum">
+              <a:rPr lang="es-ES">
+                <a:solidFill>
+                  <a:srgbClr val="000000"/>
+                </a:solidFill>
+              </a:rPr>
+              <a:pPr/>
               <a:t>‹#›</a:t>
             </a:fld>
-            <a:endParaRPr lang="en-US"/>
+            <a:endParaRPr lang="es-ES">
+              <a:solidFill>
+                <a:srgbClr val="000000"/>
+              </a:solidFill>
+            </a:endParaRPr>
           </a:p>
         </p:txBody>
       </p:sp>
     </p:spTree>
     <p:extLst>
       <p:ext uri="{BB962C8B-B14F-4D97-AF65-F5344CB8AC3E}">
-        <p14:creationId xmlns:p14="http://schemas.microsoft.com/office/powerpoint/2010/main" val="2241278391"/>
+        <p14:creationId xmlns:p14="http://schemas.microsoft.com/office/powerpoint/2010/main" val="3496311454"/>
       </p:ext>
     </p:extLst>
   </p:cSld>
@@ -939,93 +988,39 @@
           <a:lstStyle>
             <a:lvl1pPr marL="0" indent="0">
               <a:buNone/>
-              <a:defRPr sz="2000">
-                <a:solidFill>
-                  <a:schemeClr val="tx1">
-                    <a:tint val="75000"/>
-                  </a:schemeClr>
-                </a:solidFill>
-              </a:defRPr>
+              <a:defRPr sz="2000"/>
             </a:lvl1pPr>
             <a:lvl2pPr marL="457200" indent="0">
               <a:buNone/>
-              <a:defRPr sz="1800">
-                <a:solidFill>
-                  <a:schemeClr val="tx1">
-                    <a:tint val="75000"/>
-                  </a:schemeClr>
-                </a:solidFill>
-              </a:defRPr>
+              <a:defRPr sz="1800"/>
             </a:lvl2pPr>
             <a:lvl3pPr marL="914400" indent="0">
               <a:buNone/>
-              <a:defRPr sz="1600">
-                <a:solidFill>
-                  <a:schemeClr val="tx1">
-                    <a:tint val="75000"/>
-                  </a:schemeClr>
-                </a:solidFill>
-              </a:defRPr>
+              <a:defRPr sz="1600"/>
             </a:lvl3pPr>
             <a:lvl4pPr marL="1371600" indent="0">
               <a:buNone/>
-              <a:defRPr sz="1400">
-                <a:solidFill>
-                  <a:schemeClr val="tx1">
-                    <a:tint val="75000"/>
-                  </a:schemeClr>
-                </a:solidFill>
-              </a:defRPr>
+              <a:defRPr sz="1400"/>
             </a:lvl4pPr>
             <a:lvl5pPr marL="1828800" indent="0">
               <a:buNone/>
-              <a:defRPr sz="1400">
-                <a:solidFill>
-                  <a:schemeClr val="tx1">
-                    <a:tint val="75000"/>
-                  </a:schemeClr>
-                </a:solidFill>
-              </a:defRPr>
+              <a:defRPr sz="1400"/>
             </a:lvl5pPr>
             <a:lvl6pPr marL="2286000" indent="0">
               <a:buNone/>
-              <a:defRPr sz="1400">
-                <a:solidFill>
-                  <a:schemeClr val="tx1">
-                    <a:tint val="75000"/>
-                  </a:schemeClr>
-                </a:solidFill>
-              </a:defRPr>
+              <a:defRPr sz="1400"/>
             </a:lvl6pPr>
             <a:lvl7pPr marL="2743200" indent="0">
               <a:buNone/>
-              <a:defRPr sz="1400">
-                <a:solidFill>
-                  <a:schemeClr val="tx1">
-                    <a:tint val="75000"/>
-                  </a:schemeClr>
-                </a:solidFill>
-              </a:defRPr>
+              <a:defRPr sz="1400"/>
             </a:lvl7pPr>
             <a:lvl8pPr marL="3200400" indent="0">
               <a:buNone/>
-              <a:defRPr sz="1400">
-                <a:solidFill>
-                  <a:schemeClr val="tx1">
-                    <a:tint val="75000"/>
-                  </a:schemeClr>
-                </a:solidFill>
-              </a:defRPr>
+              <a:defRPr sz="1400"/>
             </a:lvl8pPr>
             <a:lvl9pPr marL="3657600" indent="0">
               <a:buNone/>
-              <a:defRPr sz="1400">
-                <a:solidFill>
-                  <a:schemeClr val="tx1">
-                    <a:tint val="75000"/>
-                  </a:schemeClr>
-                </a:solidFill>
-              </a:defRPr>
+              <a:defRPr sz="1400"/>
             </a:lvl9pPr>
           </a:lstStyle>
           <a:p>
@@ -1050,13 +1045,17 @@
         <p:spPr/>
         <p:txBody>
           <a:bodyPr/>
-          <a:lstStyle/>
-          <a:p>
-            <a:fld id="{132551ED-77B7-F445-B4C1-75B6F6C773C1}" type="datetimeFigureOut">
-              <a:rPr lang="en-US" smtClean="0"/>
-              <a:t>10/22/12</a:t>
-            </a:fld>
-            <a:endParaRPr lang="en-US"/>
+          <a:lstStyle>
+            <a:lvl1pPr>
+              <a:defRPr/>
+            </a:lvl1pPr>
+          </a:lstStyle>
+          <a:p>
+            <a:endParaRPr lang="es-ES">
+              <a:solidFill>
+                <a:srgbClr val="000000"/>
+              </a:solidFill>
+            </a:endParaRPr>
           </a:p>
         </p:txBody>
       </p:sp>
@@ -1073,9 +1072,17 @@
         <p:spPr/>
         <p:txBody>
           <a:bodyPr/>
-          <a:lstStyle/>
-          <a:p>
-            <a:endParaRPr lang="en-US"/>
+          <a:lstStyle>
+            <a:lvl1pPr>
+              <a:defRPr/>
+            </a:lvl1pPr>
+          </a:lstStyle>
+          <a:p>
+            <a:endParaRPr lang="es-ES">
+              <a:solidFill>
+                <a:srgbClr val="000000"/>
+              </a:solidFill>
+            </a:endParaRPr>
           </a:p>
         </p:txBody>
       </p:sp>
@@ -1092,20 +1099,33 @@
         <p:spPr/>
         <p:txBody>
           <a:bodyPr/>
-          <a:lstStyle/>
-          <a:p>
-            <a:fld id="{A94B77C0-5EE8-9549-B476-431AD0CC4A9E}" type="slidenum">
-              <a:rPr lang="en-US" smtClean="0"/>
+          <a:lstStyle>
+            <a:lvl1pPr>
+              <a:defRPr/>
+            </a:lvl1pPr>
+          </a:lstStyle>
+          <a:p>
+            <a:fld id="{ED1EE67F-23CA-F84C-8FDA-3C59C6670292}" type="slidenum">
+              <a:rPr lang="es-ES">
+                <a:solidFill>
+                  <a:srgbClr val="000000"/>
+                </a:solidFill>
+              </a:rPr>
+              <a:pPr/>
               <a:t>‹#›</a:t>
             </a:fld>
-            <a:endParaRPr lang="en-US"/>
+            <a:endParaRPr lang="es-ES">
+              <a:solidFill>
+                <a:srgbClr val="000000"/>
+              </a:solidFill>
+            </a:endParaRPr>
           </a:p>
         </p:txBody>
       </p:sp>
     </p:spTree>
     <p:extLst>
       <p:ext uri="{BB962C8B-B14F-4D97-AF65-F5344CB8AC3E}">
-        <p14:creationId xmlns:p14="http://schemas.microsoft.com/office/powerpoint/2010/main" val="2948494792"/>
+        <p14:creationId xmlns:p14="http://schemas.microsoft.com/office/powerpoint/2010/main" val="2013067578"/>
       </p:ext>
     </p:extLst>
   </p:cSld>
@@ -1338,13 +1358,17 @@
         <p:spPr/>
         <p:txBody>
           <a:bodyPr/>
-          <a:lstStyle/>
-          <a:p>
-            <a:fld id="{132551ED-77B7-F445-B4C1-75B6F6C773C1}" type="datetimeFigureOut">
-              <a:rPr lang="en-US" smtClean="0"/>
-              <a:t>10/22/12</a:t>
-            </a:fld>
-            <a:endParaRPr lang="en-US"/>
+          <a:lstStyle>
+            <a:lvl1pPr>
+              <a:defRPr/>
+            </a:lvl1pPr>
+          </a:lstStyle>
+          <a:p>
+            <a:endParaRPr lang="es-ES">
+              <a:solidFill>
+                <a:srgbClr val="000000"/>
+              </a:solidFill>
+            </a:endParaRPr>
           </a:p>
         </p:txBody>
       </p:sp>
@@ -1361,9 +1385,17 @@
         <p:spPr/>
         <p:txBody>
           <a:bodyPr/>
-          <a:lstStyle/>
-          <a:p>
-            <a:endParaRPr lang="en-US"/>
+          <a:lstStyle>
+            <a:lvl1pPr>
+              <a:defRPr/>
+            </a:lvl1pPr>
+          </a:lstStyle>
+          <a:p>
+            <a:endParaRPr lang="es-ES">
+              <a:solidFill>
+                <a:srgbClr val="000000"/>
+              </a:solidFill>
+            </a:endParaRPr>
           </a:p>
         </p:txBody>
       </p:sp>
@@ -1380,20 +1412,33 @@
         <p:spPr/>
         <p:txBody>
           <a:bodyPr/>
-          <a:lstStyle/>
-          <a:p>
-            <a:fld id="{A94B77C0-5EE8-9549-B476-431AD0CC4A9E}" type="slidenum">
-              <a:rPr lang="en-US" smtClean="0"/>
+          <a:lstStyle>
+            <a:lvl1pPr>
+              <a:defRPr/>
+            </a:lvl1pPr>
+          </a:lstStyle>
+          <a:p>
+            <a:fld id="{D24B53F1-813C-2E40-A7AA-879214AA5805}" type="slidenum">
+              <a:rPr lang="es-ES">
+                <a:solidFill>
+                  <a:srgbClr val="000000"/>
+                </a:solidFill>
+              </a:rPr>
+              <a:pPr/>
               <a:t>‹#›</a:t>
             </a:fld>
-            <a:endParaRPr lang="en-US"/>
+            <a:endParaRPr lang="es-ES">
+              <a:solidFill>
+                <a:srgbClr val="000000"/>
+              </a:solidFill>
+            </a:endParaRPr>
           </a:p>
         </p:txBody>
       </p:sp>
     </p:spTree>
     <p:extLst>
       <p:ext uri="{BB962C8B-B14F-4D97-AF65-F5344CB8AC3E}">
-        <p14:creationId xmlns:p14="http://schemas.microsoft.com/office/powerpoint/2010/main" val="2221569651"/>
+        <p14:creationId xmlns:p14="http://schemas.microsoft.com/office/powerpoint/2010/main" val="1435843994"/>
       </p:ext>
     </p:extLst>
   </p:cSld>
@@ -1760,13 +1805,17 @@
         <p:spPr/>
         <p:txBody>
           <a:bodyPr/>
-          <a:lstStyle/>
-          <a:p>
-            <a:fld id="{132551ED-77B7-F445-B4C1-75B6F6C773C1}" type="datetimeFigureOut">
-              <a:rPr lang="en-US" smtClean="0"/>
-              <a:t>10/22/12</a:t>
-            </a:fld>
-            <a:endParaRPr lang="en-US"/>
+          <a:lstStyle>
+            <a:lvl1pPr>
+              <a:defRPr/>
+            </a:lvl1pPr>
+          </a:lstStyle>
+          <a:p>
+            <a:endParaRPr lang="es-ES">
+              <a:solidFill>
+                <a:srgbClr val="000000"/>
+              </a:solidFill>
+            </a:endParaRPr>
           </a:p>
         </p:txBody>
       </p:sp>
@@ -1783,9 +1832,17 @@
         <p:spPr/>
         <p:txBody>
           <a:bodyPr/>
-          <a:lstStyle/>
-          <a:p>
-            <a:endParaRPr lang="en-US"/>
+          <a:lstStyle>
+            <a:lvl1pPr>
+              <a:defRPr/>
+            </a:lvl1pPr>
+          </a:lstStyle>
+          <a:p>
+            <a:endParaRPr lang="es-ES">
+              <a:solidFill>
+                <a:srgbClr val="000000"/>
+              </a:solidFill>
+            </a:endParaRPr>
           </a:p>
         </p:txBody>
       </p:sp>
@@ -1802,20 +1859,33 @@
         <p:spPr/>
         <p:txBody>
           <a:bodyPr/>
-          <a:lstStyle/>
-          <a:p>
-            <a:fld id="{A94B77C0-5EE8-9549-B476-431AD0CC4A9E}" type="slidenum">
-              <a:rPr lang="en-US" smtClean="0"/>
+          <a:lstStyle>
+            <a:lvl1pPr>
+              <a:defRPr/>
+            </a:lvl1pPr>
+          </a:lstStyle>
+          <a:p>
+            <a:fld id="{E3AB138F-DABF-2547-BD52-DA07BB09E9C2}" type="slidenum">
+              <a:rPr lang="es-ES">
+                <a:solidFill>
+                  <a:srgbClr val="000000"/>
+                </a:solidFill>
+              </a:rPr>
+              <a:pPr/>
               <a:t>‹#›</a:t>
             </a:fld>
-            <a:endParaRPr lang="en-US"/>
+            <a:endParaRPr lang="es-ES">
+              <a:solidFill>
+                <a:srgbClr val="000000"/>
+              </a:solidFill>
+            </a:endParaRPr>
           </a:p>
         </p:txBody>
       </p:sp>
     </p:spTree>
     <p:extLst>
       <p:ext uri="{BB962C8B-B14F-4D97-AF65-F5344CB8AC3E}">
-        <p14:creationId xmlns:p14="http://schemas.microsoft.com/office/powerpoint/2010/main" val="1668036765"/>
+        <p14:creationId xmlns:p14="http://schemas.microsoft.com/office/powerpoint/2010/main" val="840111532"/>
       </p:ext>
     </p:extLst>
   </p:cSld>
@@ -1878,13 +1948,17 @@
         <p:spPr/>
         <p:txBody>
           <a:bodyPr/>
-          <a:lstStyle/>
-          <a:p>
-            <a:fld id="{132551ED-77B7-F445-B4C1-75B6F6C773C1}" type="datetimeFigureOut">
-              <a:rPr lang="en-US" smtClean="0"/>
-              <a:t>10/22/12</a:t>
-            </a:fld>
-            <a:endParaRPr lang="en-US"/>
+          <a:lstStyle>
+            <a:lvl1pPr>
+              <a:defRPr/>
+            </a:lvl1pPr>
+          </a:lstStyle>
+          <a:p>
+            <a:endParaRPr lang="es-ES">
+              <a:solidFill>
+                <a:srgbClr val="000000"/>
+              </a:solidFill>
+            </a:endParaRPr>
           </a:p>
         </p:txBody>
       </p:sp>
@@ -1901,9 +1975,17 @@
         <p:spPr/>
         <p:txBody>
           <a:bodyPr/>
-          <a:lstStyle/>
-          <a:p>
-            <a:endParaRPr lang="en-US"/>
+          <a:lstStyle>
+            <a:lvl1pPr>
+              <a:defRPr/>
+            </a:lvl1pPr>
+          </a:lstStyle>
+          <a:p>
+            <a:endParaRPr lang="es-ES">
+              <a:solidFill>
+                <a:srgbClr val="000000"/>
+              </a:solidFill>
+            </a:endParaRPr>
           </a:p>
         </p:txBody>
       </p:sp>
@@ -1920,20 +2002,33 @@
         <p:spPr/>
         <p:txBody>
           <a:bodyPr/>
-          <a:lstStyle/>
-          <a:p>
-            <a:fld id="{A94B77C0-5EE8-9549-B476-431AD0CC4A9E}" type="slidenum">
-              <a:rPr lang="en-US" smtClean="0"/>
+          <a:lstStyle>
+            <a:lvl1pPr>
+              <a:defRPr/>
+            </a:lvl1pPr>
+          </a:lstStyle>
+          <a:p>
+            <a:fld id="{633BB677-039E-8040-BEF0-3AD41B823622}" type="slidenum">
+              <a:rPr lang="es-ES">
+                <a:solidFill>
+                  <a:srgbClr val="000000"/>
+                </a:solidFill>
+              </a:rPr>
+              <a:pPr/>
               <a:t>‹#›</a:t>
             </a:fld>
-            <a:endParaRPr lang="en-US"/>
+            <a:endParaRPr lang="es-ES">
+              <a:solidFill>
+                <a:srgbClr val="000000"/>
+              </a:solidFill>
+            </a:endParaRPr>
           </a:p>
         </p:txBody>
       </p:sp>
     </p:spTree>
     <p:extLst>
       <p:ext uri="{BB962C8B-B14F-4D97-AF65-F5344CB8AC3E}">
-        <p14:creationId xmlns:p14="http://schemas.microsoft.com/office/powerpoint/2010/main" val="624767611"/>
+        <p14:creationId xmlns:p14="http://schemas.microsoft.com/office/powerpoint/2010/main" val="2639495310"/>
       </p:ext>
     </p:extLst>
   </p:cSld>
@@ -1973,13 +2068,17 @@
         <p:spPr/>
         <p:txBody>
           <a:bodyPr/>
-          <a:lstStyle/>
-          <a:p>
-            <a:fld id="{132551ED-77B7-F445-B4C1-75B6F6C773C1}" type="datetimeFigureOut">
-              <a:rPr lang="en-US" smtClean="0"/>
-              <a:t>10/22/12</a:t>
-            </a:fld>
-            <a:endParaRPr lang="en-US"/>
+          <a:lstStyle>
+            <a:lvl1pPr>
+              <a:defRPr/>
+            </a:lvl1pPr>
+          </a:lstStyle>
+          <a:p>
+            <a:endParaRPr lang="es-ES">
+              <a:solidFill>
+                <a:srgbClr val="000000"/>
+              </a:solidFill>
+            </a:endParaRPr>
           </a:p>
         </p:txBody>
       </p:sp>
@@ -1996,9 +2095,17 @@
         <p:spPr/>
         <p:txBody>
           <a:bodyPr/>
-          <a:lstStyle/>
-          <a:p>
-            <a:endParaRPr lang="en-US"/>
+          <a:lstStyle>
+            <a:lvl1pPr>
+              <a:defRPr/>
+            </a:lvl1pPr>
+          </a:lstStyle>
+          <a:p>
+            <a:endParaRPr lang="es-ES">
+              <a:solidFill>
+                <a:srgbClr val="000000"/>
+              </a:solidFill>
+            </a:endParaRPr>
           </a:p>
         </p:txBody>
       </p:sp>
@@ -2015,20 +2122,33 @@
         <p:spPr/>
         <p:txBody>
           <a:bodyPr/>
-          <a:lstStyle/>
-          <a:p>
-            <a:fld id="{A94B77C0-5EE8-9549-B476-431AD0CC4A9E}" type="slidenum">
-              <a:rPr lang="en-US" smtClean="0"/>
+          <a:lstStyle>
+            <a:lvl1pPr>
+              <a:defRPr/>
+            </a:lvl1pPr>
+          </a:lstStyle>
+          <a:p>
+            <a:fld id="{4C76E098-994E-9842-BC15-CC972C28F310}" type="slidenum">
+              <a:rPr lang="es-ES">
+                <a:solidFill>
+                  <a:srgbClr val="000000"/>
+                </a:solidFill>
+              </a:rPr>
+              <a:pPr/>
               <a:t>‹#›</a:t>
             </a:fld>
-            <a:endParaRPr lang="en-US"/>
+            <a:endParaRPr lang="es-ES">
+              <a:solidFill>
+                <a:srgbClr val="000000"/>
+              </a:solidFill>
+            </a:endParaRPr>
           </a:p>
         </p:txBody>
       </p:sp>
     </p:spTree>
     <p:extLst>
       <p:ext uri="{BB962C8B-B14F-4D97-AF65-F5344CB8AC3E}">
-        <p14:creationId xmlns:p14="http://schemas.microsoft.com/office/powerpoint/2010/main" val="3740370758"/>
+        <p14:creationId xmlns:p14="http://schemas.microsoft.com/office/powerpoint/2010/main" val="3082703209"/>
       </p:ext>
     </p:extLst>
   </p:cSld>
@@ -2250,13 +2370,17 @@
         <p:spPr/>
         <p:txBody>
           <a:bodyPr/>
-          <a:lstStyle/>
-          <a:p>
-            <a:fld id="{132551ED-77B7-F445-B4C1-75B6F6C773C1}" type="datetimeFigureOut">
-              <a:rPr lang="en-US" smtClean="0"/>
-              <a:t>10/22/12</a:t>
-            </a:fld>
-            <a:endParaRPr lang="en-US"/>
+          <a:lstStyle>
+            <a:lvl1pPr>
+              <a:defRPr/>
+            </a:lvl1pPr>
+          </a:lstStyle>
+          <a:p>
+            <a:endParaRPr lang="es-ES">
+              <a:solidFill>
+                <a:srgbClr val="000000"/>
+              </a:solidFill>
+            </a:endParaRPr>
           </a:p>
         </p:txBody>
       </p:sp>
@@ -2273,9 +2397,17 @@
         <p:spPr/>
         <p:txBody>
           <a:bodyPr/>
-          <a:lstStyle/>
-          <a:p>
-            <a:endParaRPr lang="en-US"/>
+          <a:lstStyle>
+            <a:lvl1pPr>
+              <a:defRPr/>
+            </a:lvl1pPr>
+          </a:lstStyle>
+          <a:p>
+            <a:endParaRPr lang="es-ES">
+              <a:solidFill>
+                <a:srgbClr val="000000"/>
+              </a:solidFill>
+            </a:endParaRPr>
           </a:p>
         </p:txBody>
       </p:sp>
@@ -2292,20 +2424,33 @@
         <p:spPr/>
         <p:txBody>
           <a:bodyPr/>
-          <a:lstStyle/>
-          <a:p>
-            <a:fld id="{A94B77C0-5EE8-9549-B476-431AD0CC4A9E}" type="slidenum">
-              <a:rPr lang="en-US" smtClean="0"/>
+          <a:lstStyle>
+            <a:lvl1pPr>
+              <a:defRPr/>
+            </a:lvl1pPr>
+          </a:lstStyle>
+          <a:p>
+            <a:fld id="{40FB39BE-EFE4-3243-B9A8-A8530BFD738C}" type="slidenum">
+              <a:rPr lang="es-ES">
+                <a:solidFill>
+                  <a:srgbClr val="000000"/>
+                </a:solidFill>
+              </a:rPr>
+              <a:pPr/>
               <a:t>‹#›</a:t>
             </a:fld>
-            <a:endParaRPr lang="en-US"/>
+            <a:endParaRPr lang="es-ES">
+              <a:solidFill>
+                <a:srgbClr val="000000"/>
+              </a:solidFill>
+            </a:endParaRPr>
           </a:p>
         </p:txBody>
       </p:sp>
     </p:spTree>
     <p:extLst>
       <p:ext uri="{BB962C8B-B14F-4D97-AF65-F5344CB8AC3E}">
-        <p14:creationId xmlns:p14="http://schemas.microsoft.com/office/powerpoint/2010/main" val="737951175"/>
+        <p14:creationId xmlns:p14="http://schemas.microsoft.com/office/powerpoint/2010/main" val="2222535840"/>
       </p:ext>
     </p:extLst>
   </p:cSld>
@@ -2503,13 +2648,17 @@
         <p:spPr/>
         <p:txBody>
           <a:bodyPr/>
-          <a:lstStyle/>
-          <a:p>
-            <a:fld id="{132551ED-77B7-F445-B4C1-75B6F6C773C1}" type="datetimeFigureOut">
-              <a:rPr lang="en-US" smtClean="0"/>
-              <a:t>10/22/12</a:t>
-            </a:fld>
-            <a:endParaRPr lang="en-US"/>
+          <a:lstStyle>
+            <a:lvl1pPr>
+              <a:defRPr/>
+            </a:lvl1pPr>
+          </a:lstStyle>
+          <a:p>
+            <a:endParaRPr lang="es-ES">
+              <a:solidFill>
+                <a:srgbClr val="000000"/>
+              </a:solidFill>
+            </a:endParaRPr>
           </a:p>
         </p:txBody>
       </p:sp>
@@ -2526,9 +2675,17 @@
         <p:spPr/>
         <p:txBody>
           <a:bodyPr/>
-          <a:lstStyle/>
-          <a:p>
-            <a:endParaRPr lang="en-US"/>
+          <a:lstStyle>
+            <a:lvl1pPr>
+              <a:defRPr/>
+            </a:lvl1pPr>
+          </a:lstStyle>
+          <a:p>
+            <a:endParaRPr lang="es-ES">
+              <a:solidFill>
+                <a:srgbClr val="000000"/>
+              </a:solidFill>
+            </a:endParaRPr>
           </a:p>
         </p:txBody>
       </p:sp>
@@ -2545,20 +2702,33 @@
         <p:spPr/>
         <p:txBody>
           <a:bodyPr/>
-          <a:lstStyle/>
-          <a:p>
-            <a:fld id="{A94B77C0-5EE8-9549-B476-431AD0CC4A9E}" type="slidenum">
-              <a:rPr lang="en-US" smtClean="0"/>
+          <a:lstStyle>
+            <a:lvl1pPr>
+              <a:defRPr/>
+            </a:lvl1pPr>
+          </a:lstStyle>
+          <a:p>
+            <a:fld id="{80635574-4FD6-1943-80A2-96D044574053}" type="slidenum">
+              <a:rPr lang="es-ES">
+                <a:solidFill>
+                  <a:srgbClr val="000000"/>
+                </a:solidFill>
+              </a:rPr>
+              <a:pPr/>
               <a:t>‹#›</a:t>
             </a:fld>
-            <a:endParaRPr lang="en-US"/>
+            <a:endParaRPr lang="es-ES">
+              <a:solidFill>
+                <a:srgbClr val="000000"/>
+              </a:solidFill>
+            </a:endParaRPr>
           </a:p>
         </p:txBody>
       </p:sp>
     </p:spTree>
     <p:extLst>
       <p:ext uri="{BB962C8B-B14F-4D97-AF65-F5344CB8AC3E}">
-        <p14:creationId xmlns:p14="http://schemas.microsoft.com/office/powerpoint/2010/main" val="3541608232"/>
+        <p14:creationId xmlns:p14="http://schemas.microsoft.com/office/powerpoint/2010/main" val="1493495757"/>
       </p:ext>
     </p:extLst>
   </p:cSld>
@@ -2572,9 +2742,16 @@
 <p:sldMaster xmlns:a="http://schemas.openxmlformats.org/drawingml/2006/main" xmlns:r="http://schemas.openxmlformats.org/officeDocument/2006/relationships" xmlns:p="http://schemas.openxmlformats.org/presentationml/2006/main">
   <p:cSld>
     <p:bg>
-      <p:bgRef idx="1001">
-        <a:schemeClr val="bg1"/>
-      </p:bgRef>
+      <p:bgPr>
+        <a:blipFill dpi="0" rotWithShape="0">
+          <a:blip r:embed="rId13"/>
+          <a:srcRect/>
+          <a:stretch>
+            <a:fillRect/>
+          </a:stretch>
+        </a:blipFill>
+        <a:effectLst/>
+      </p:bgPr>
     </p:bg>
     <p:spTree>
       <p:nvGrpSpPr>
@@ -2592,15 +2769,15 @@
       </p:grpSpPr>
       <p:sp>
         <p:nvSpPr>
-          <p:cNvPr id="2" name="Title Placeholder 1"/>
-          <p:cNvSpPr>
-            <a:spLocks noGrp="1"/>
+          <p:cNvPr id="1026" name="Rectangle 2"/>
+          <p:cNvSpPr>
+            <a:spLocks noGrp="1" noChangeArrowheads="1"/>
           </p:cNvSpPr>
           <p:nvPr>
             <p:ph type="title"/>
           </p:nvPr>
         </p:nvSpPr>
-        <p:spPr>
+        <p:spPr bwMode="auto">
           <a:xfrm>
             <a:off x="457200" y="274638"/>
             <a:ext cx="8229600" cy="1143000"/>
@@ -2608,32 +2785,72 @@
           <a:prstGeom prst="rect">
             <a:avLst/>
           </a:prstGeom>
+          <a:noFill/>
+          <a:ln>
+            <a:noFill/>
+          </a:ln>
+          <a:effectLst/>
+          <a:extLst>
+            <a:ext uri="{909E8E84-426E-40dd-AFC4-6F175D3DCCD1}">
+              <a14:hiddenFill xmlns:a14="http://schemas.microsoft.com/office/drawing/2010/main">
+                <a:solidFill>
+                  <a:schemeClr val="accent1"/>
+                </a:solidFill>
+              </a14:hiddenFill>
+            </a:ext>
+            <a:ext uri="{91240B29-F687-4f45-9708-019B960494DF}">
+              <a14:hiddenLine xmlns:a14="http://schemas.microsoft.com/office/drawing/2010/main" w="9525">
+                <a:solidFill>
+                  <a:schemeClr val="tx1"/>
+                </a:solidFill>
+                <a:miter lim="800000"/>
+                <a:headEnd/>
+                <a:tailEnd/>
+              </a14:hiddenLine>
+            </a:ext>
+            <a:ext uri="{AF507438-7753-43e0-B8FC-AC1667EBCBE1}">
+              <a14:hiddenEffects xmlns:a14="http://schemas.microsoft.com/office/drawing/2010/main">
+                <a:effectLst>
+                  <a:outerShdw blurRad="63500" dist="38099" dir="2700000" algn="ctr" rotWithShape="0">
+                    <a:schemeClr val="bg2">
+                      <a:alpha val="74998"/>
+                    </a:schemeClr>
+                  </a:outerShdw>
+                </a:effectLst>
+              </a14:hiddenEffects>
+            </a:ext>
+            <a:ext uri="{FAA26D3D-D897-4be2-8F04-BA451C77F1D7}">
+              <ma14:placeholderFlag xmlns:ma14="http://schemas.microsoft.com/office/mac/drawingml/2011/main" val="1"/>
+            </a:ext>
+          </a:extLst>
         </p:spPr>
         <p:txBody>
-          <a:bodyPr vert="horz" lIns="91440" tIns="45720" rIns="91440" bIns="45720" rtlCol="0" anchor="ctr">
-            <a:normAutofit/>
+          <a:bodyPr vert="horz" wrap="square" lIns="91440" tIns="45720" rIns="91440" bIns="45720" numCol="1" anchor="ctr" anchorCtr="0" compatLnSpc="1">
+            <a:prstTxWarp prst="textNoShape">
+              <a:avLst/>
+            </a:prstTxWarp>
           </a:bodyPr>
           <a:lstStyle/>
           <a:p>
-            <a:r>
-              <a:rPr lang="en-US" smtClean="0"/>
-              <a:t>Click to edit Master title style</a:t>
-            </a:r>
-            <a:endParaRPr lang="en-US"/>
-          </a:p>
-        </p:txBody>
-      </p:sp>
-      <p:sp>
-        <p:nvSpPr>
-          <p:cNvPr id="3" name="Text Placeholder 2"/>
-          <p:cNvSpPr>
-            <a:spLocks noGrp="1"/>
+            <a:pPr lvl="0"/>
+            <a:r>
+              <a:rPr lang="es-ES"/>
+              <a:t>Haga clic para cambiar el estilo de título	</a:t>
+            </a:r>
+          </a:p>
+        </p:txBody>
+      </p:sp>
+      <p:sp>
+        <p:nvSpPr>
+          <p:cNvPr id="1027" name="Rectangle 3"/>
+          <p:cNvSpPr>
+            <a:spLocks noGrp="1" noChangeArrowheads="1"/>
           </p:cNvSpPr>
           <p:nvPr>
             <p:ph type="body" idx="1"/>
           </p:nvPr>
         </p:nvSpPr>
-        <p:spPr>
+        <p:spPr bwMode="auto">
           <a:xfrm>
             <a:off x="457200" y="1600200"/>
             <a:ext cx="8229600" cy="4525963"/>
@@ -2641,215 +2858,550 @@
           <a:prstGeom prst="rect">
             <a:avLst/>
           </a:prstGeom>
+          <a:noFill/>
+          <a:ln>
+            <a:noFill/>
+          </a:ln>
+          <a:effectLst/>
+          <a:extLst>
+            <a:ext uri="{909E8E84-426E-40dd-AFC4-6F175D3DCCD1}">
+              <a14:hiddenFill xmlns:a14="http://schemas.microsoft.com/office/drawing/2010/main">
+                <a:solidFill>
+                  <a:schemeClr val="accent1"/>
+                </a:solidFill>
+              </a14:hiddenFill>
+            </a:ext>
+            <a:ext uri="{91240B29-F687-4f45-9708-019B960494DF}">
+              <a14:hiddenLine xmlns:a14="http://schemas.microsoft.com/office/drawing/2010/main" w="9525">
+                <a:solidFill>
+                  <a:schemeClr val="tx1"/>
+                </a:solidFill>
+                <a:miter lim="800000"/>
+                <a:headEnd/>
+                <a:tailEnd/>
+              </a14:hiddenLine>
+            </a:ext>
+            <a:ext uri="{AF507438-7753-43e0-B8FC-AC1667EBCBE1}">
+              <a14:hiddenEffects xmlns:a14="http://schemas.microsoft.com/office/drawing/2010/main">
+                <a:effectLst>
+                  <a:outerShdw blurRad="63500" dist="38099" dir="2700000" algn="ctr" rotWithShape="0">
+                    <a:schemeClr val="bg2">
+                      <a:alpha val="74998"/>
+                    </a:schemeClr>
+                  </a:outerShdw>
+                </a:effectLst>
+              </a14:hiddenEffects>
+            </a:ext>
+            <a:ext uri="{FAA26D3D-D897-4be2-8F04-BA451C77F1D7}">
+              <ma14:placeholderFlag xmlns:ma14="http://schemas.microsoft.com/office/mac/drawingml/2011/main" val="1"/>
+            </a:ext>
+          </a:extLst>
         </p:spPr>
         <p:txBody>
-          <a:bodyPr vert="horz" lIns="91440" tIns="45720" rIns="91440" bIns="45720" rtlCol="0">
-            <a:normAutofit/>
+          <a:bodyPr vert="horz" wrap="square" lIns="91440" tIns="45720" rIns="91440" bIns="45720" numCol="1" anchor="t" anchorCtr="0" compatLnSpc="1">
+            <a:prstTxWarp prst="textNoShape">
+              <a:avLst/>
+            </a:prstTxWarp>
           </a:bodyPr>
           <a:lstStyle/>
           <a:p>
             <a:pPr lvl="0"/>
             <a:r>
-              <a:rPr lang="en-US" smtClean="0"/>
-              <a:t>Click to edit Master text styles</a:t>
+              <a:rPr lang="es-ES"/>
+              <a:t>Haga clic para modificar el estilo de texto del patrón</a:t>
             </a:r>
           </a:p>
           <a:p>
             <a:pPr lvl="1"/>
             <a:r>
-              <a:rPr lang="en-US" smtClean="0"/>
-              <a:t>Second level</a:t>
+              <a:rPr lang="es-ES"/>
+              <a:t>Segundo nivel</a:t>
             </a:r>
           </a:p>
           <a:p>
             <a:pPr lvl="2"/>
             <a:r>
-              <a:rPr lang="en-US" smtClean="0"/>
-              <a:t>Third level</a:t>
+              <a:rPr lang="es-ES"/>
+              <a:t>Tercer nivel</a:t>
             </a:r>
           </a:p>
           <a:p>
             <a:pPr lvl="3"/>
             <a:r>
-              <a:rPr lang="en-US" smtClean="0"/>
-              <a:t>Fourth level</a:t>
+              <a:rPr lang="es-ES"/>
+              <a:t>Cuarto nivel</a:t>
             </a:r>
           </a:p>
           <a:p>
             <a:pPr lvl="4"/>
             <a:r>
-              <a:rPr lang="en-US" smtClean="0"/>
-              <a:t>Fifth level</a:t>
-            </a:r>
-            <a:endParaRPr lang="en-US"/>
-          </a:p>
-        </p:txBody>
-      </p:sp>
-      <p:sp>
-        <p:nvSpPr>
-          <p:cNvPr id="4" name="Date Placeholder 3"/>
-          <p:cNvSpPr>
-            <a:spLocks noGrp="1"/>
+              <a:rPr lang="es-ES"/>
+              <a:t>Quinto nivel</a:t>
+            </a:r>
+          </a:p>
+        </p:txBody>
+      </p:sp>
+      <p:sp>
+        <p:nvSpPr>
+          <p:cNvPr id="1028" name="Rectangle 4"/>
+          <p:cNvSpPr>
+            <a:spLocks noGrp="1" noChangeArrowheads="1"/>
           </p:cNvSpPr>
           <p:nvPr>
             <p:ph type="dt" sz="half" idx="2"/>
           </p:nvPr>
         </p:nvSpPr>
-        <p:spPr>
+        <p:spPr bwMode="auto">
           <a:xfrm>
-            <a:off x="457200" y="6356350"/>
-            <a:ext cx="2133600" cy="365125"/>
+            <a:off x="457200" y="6245225"/>
+            <a:ext cx="2133600" cy="476250"/>
           </a:xfrm>
           <a:prstGeom prst="rect">
             <a:avLst/>
           </a:prstGeom>
+          <a:noFill/>
+          <a:ln>
+            <a:noFill/>
+          </a:ln>
+          <a:effectLst/>
+          <a:extLst>
+            <a:ext uri="{909E8E84-426E-40dd-AFC4-6F175D3DCCD1}">
+              <a14:hiddenFill xmlns:a14="http://schemas.microsoft.com/office/drawing/2010/main">
+                <a:solidFill>
+                  <a:schemeClr val="accent1"/>
+                </a:solidFill>
+              </a14:hiddenFill>
+            </a:ext>
+            <a:ext uri="{91240B29-F687-4f45-9708-019B960494DF}">
+              <a14:hiddenLine xmlns:a14="http://schemas.microsoft.com/office/drawing/2010/main" w="9525">
+                <a:solidFill>
+                  <a:schemeClr val="tx1"/>
+                </a:solidFill>
+                <a:miter lim="800000"/>
+                <a:headEnd/>
+                <a:tailEnd/>
+              </a14:hiddenLine>
+            </a:ext>
+            <a:ext uri="{AF507438-7753-43e0-B8FC-AC1667EBCBE1}">
+              <a14:hiddenEffects xmlns:a14="http://schemas.microsoft.com/office/drawing/2010/main">
+                <a:effectLst>
+                  <a:outerShdw blurRad="63500" dist="38099" dir="2700000" algn="ctr" rotWithShape="0">
+                    <a:schemeClr val="bg2">
+                      <a:alpha val="74998"/>
+                    </a:schemeClr>
+                  </a:outerShdw>
+                </a:effectLst>
+              </a14:hiddenEffects>
+            </a:ext>
+            <a:ext uri="{FAA26D3D-D897-4be2-8F04-BA451C77F1D7}">
+              <ma14:placeholderFlag xmlns:ma14="http://schemas.microsoft.com/office/mac/drawingml/2011/main" val="1"/>
+            </a:ext>
+          </a:extLst>
         </p:spPr>
         <p:txBody>
-          <a:bodyPr vert="horz" lIns="91440" tIns="45720" rIns="91440" bIns="45720" rtlCol="0" anchor="ctr"/>
+          <a:bodyPr vert="horz" wrap="square" lIns="91440" tIns="45720" rIns="91440" bIns="45720" numCol="1" anchor="t" anchorCtr="0" compatLnSpc="1">
+            <a:prstTxWarp prst="textNoShape">
+              <a:avLst/>
+            </a:prstTxWarp>
+          </a:bodyPr>
           <a:lstStyle>
-            <a:lvl1pPr algn="l">
-              <a:defRPr sz="1200">
-                <a:solidFill>
-                  <a:schemeClr val="tx1">
-                    <a:tint val="75000"/>
-                  </a:schemeClr>
-                </a:solidFill>
-              </a:defRPr>
+            <a:lvl1pPr>
+              <a:defRPr sz="1400"/>
             </a:lvl1pPr>
           </a:lstStyle>
           <a:p>
-            <a:fld id="{132551ED-77B7-F445-B4C1-75B6F6C773C1}" type="datetimeFigureOut">
-              <a:rPr lang="en-US" smtClean="0"/>
-              <a:t>10/22/12</a:t>
-            </a:fld>
-            <a:endParaRPr lang="en-US"/>
-          </a:p>
-        </p:txBody>
-      </p:sp>
-      <p:sp>
-        <p:nvSpPr>
-          <p:cNvPr id="5" name="Footer Placeholder 4"/>
-          <p:cNvSpPr>
-            <a:spLocks noGrp="1"/>
+            <a:pPr defTabSz="914400" fontAlgn="base">
+              <a:spcBef>
+                <a:spcPct val="0"/>
+              </a:spcBef>
+              <a:spcAft>
+                <a:spcPct val="0"/>
+              </a:spcAft>
+            </a:pPr>
+            <a:endParaRPr lang="es-ES" smtClean="0">
+              <a:solidFill>
+                <a:srgbClr val="000000"/>
+              </a:solidFill>
+              <a:latin typeface="Arial" charset="0"/>
+              <a:ea typeface="ＭＳ Ｐゴシック" charset="0"/>
+              <a:cs typeface="Arial" charset="0"/>
+            </a:endParaRPr>
+          </a:p>
+        </p:txBody>
+      </p:sp>
+      <p:sp>
+        <p:nvSpPr>
+          <p:cNvPr id="1029" name="Rectangle 5"/>
+          <p:cNvSpPr>
+            <a:spLocks noGrp="1" noChangeArrowheads="1"/>
           </p:cNvSpPr>
           <p:nvPr>
             <p:ph type="ftr" sz="quarter" idx="3"/>
           </p:nvPr>
         </p:nvSpPr>
-        <p:spPr>
+        <p:spPr bwMode="auto">
           <a:xfrm>
-            <a:off x="3124200" y="6356350"/>
-            <a:ext cx="2895600" cy="365125"/>
+            <a:off x="3124200" y="6245225"/>
+            <a:ext cx="2895600" cy="476250"/>
           </a:xfrm>
           <a:prstGeom prst="rect">
             <a:avLst/>
           </a:prstGeom>
+          <a:noFill/>
+          <a:ln>
+            <a:noFill/>
+          </a:ln>
+          <a:effectLst/>
+          <a:extLst>
+            <a:ext uri="{909E8E84-426E-40dd-AFC4-6F175D3DCCD1}">
+              <a14:hiddenFill xmlns:a14="http://schemas.microsoft.com/office/drawing/2010/main">
+                <a:solidFill>
+                  <a:schemeClr val="accent1"/>
+                </a:solidFill>
+              </a14:hiddenFill>
+            </a:ext>
+            <a:ext uri="{91240B29-F687-4f45-9708-019B960494DF}">
+              <a14:hiddenLine xmlns:a14="http://schemas.microsoft.com/office/drawing/2010/main" w="9525">
+                <a:solidFill>
+                  <a:schemeClr val="tx1"/>
+                </a:solidFill>
+                <a:miter lim="800000"/>
+                <a:headEnd/>
+                <a:tailEnd/>
+              </a14:hiddenLine>
+            </a:ext>
+            <a:ext uri="{AF507438-7753-43e0-B8FC-AC1667EBCBE1}">
+              <a14:hiddenEffects xmlns:a14="http://schemas.microsoft.com/office/drawing/2010/main">
+                <a:effectLst>
+                  <a:outerShdw blurRad="63500" dist="38099" dir="2700000" algn="ctr" rotWithShape="0">
+                    <a:schemeClr val="bg2">
+                      <a:alpha val="74998"/>
+                    </a:schemeClr>
+                  </a:outerShdw>
+                </a:effectLst>
+              </a14:hiddenEffects>
+            </a:ext>
+            <a:ext uri="{FAA26D3D-D897-4be2-8F04-BA451C77F1D7}">
+              <ma14:placeholderFlag xmlns:ma14="http://schemas.microsoft.com/office/mac/drawingml/2011/main" val="1"/>
+            </a:ext>
+          </a:extLst>
         </p:spPr>
         <p:txBody>
-          <a:bodyPr vert="horz" lIns="91440" tIns="45720" rIns="91440" bIns="45720" rtlCol="0" anchor="ctr"/>
+          <a:bodyPr vert="horz" wrap="square" lIns="91440" tIns="45720" rIns="91440" bIns="45720" numCol="1" anchor="t" anchorCtr="0" compatLnSpc="1">
+            <a:prstTxWarp prst="textNoShape">
+              <a:avLst/>
+            </a:prstTxWarp>
+          </a:bodyPr>
           <a:lstStyle>
             <a:lvl1pPr algn="ctr">
-              <a:defRPr sz="1200">
-                <a:solidFill>
-                  <a:schemeClr val="tx1">
-                    <a:tint val="75000"/>
-                  </a:schemeClr>
-                </a:solidFill>
-              </a:defRPr>
+              <a:defRPr sz="1400"/>
             </a:lvl1pPr>
           </a:lstStyle>
           <a:p>
-            <a:endParaRPr lang="en-US"/>
-          </a:p>
-        </p:txBody>
-      </p:sp>
-      <p:sp>
-        <p:nvSpPr>
-          <p:cNvPr id="6" name="Slide Number Placeholder 5"/>
-          <p:cNvSpPr>
-            <a:spLocks noGrp="1"/>
+            <a:pPr defTabSz="914400" fontAlgn="base">
+              <a:spcBef>
+                <a:spcPct val="0"/>
+              </a:spcBef>
+              <a:spcAft>
+                <a:spcPct val="0"/>
+              </a:spcAft>
+            </a:pPr>
+            <a:endParaRPr lang="es-ES" smtClean="0">
+              <a:solidFill>
+                <a:srgbClr val="000000"/>
+              </a:solidFill>
+              <a:latin typeface="Arial" charset="0"/>
+              <a:ea typeface="ＭＳ Ｐゴシック" charset="0"/>
+              <a:cs typeface="Arial" charset="0"/>
+            </a:endParaRPr>
+          </a:p>
+        </p:txBody>
+      </p:sp>
+      <p:sp>
+        <p:nvSpPr>
+          <p:cNvPr id="1030" name="Rectangle 6"/>
+          <p:cNvSpPr>
+            <a:spLocks noGrp="1" noChangeArrowheads="1"/>
           </p:cNvSpPr>
           <p:nvPr>
             <p:ph type="sldNum" sz="quarter" idx="4"/>
           </p:nvPr>
         </p:nvSpPr>
-        <p:spPr>
+        <p:spPr bwMode="auto">
           <a:xfrm>
-            <a:off x="6553200" y="6356350"/>
-            <a:ext cx="2133600" cy="365125"/>
+            <a:off x="6553200" y="6245225"/>
+            <a:ext cx="2133600" cy="476250"/>
           </a:xfrm>
           <a:prstGeom prst="rect">
             <a:avLst/>
           </a:prstGeom>
+          <a:noFill/>
+          <a:ln>
+            <a:noFill/>
+          </a:ln>
+          <a:effectLst/>
+          <a:extLst>
+            <a:ext uri="{909E8E84-426E-40dd-AFC4-6F175D3DCCD1}">
+              <a14:hiddenFill xmlns:a14="http://schemas.microsoft.com/office/drawing/2010/main">
+                <a:solidFill>
+                  <a:schemeClr val="accent1"/>
+                </a:solidFill>
+              </a14:hiddenFill>
+            </a:ext>
+            <a:ext uri="{91240B29-F687-4f45-9708-019B960494DF}">
+              <a14:hiddenLine xmlns:a14="http://schemas.microsoft.com/office/drawing/2010/main" w="9525">
+                <a:solidFill>
+                  <a:schemeClr val="tx1"/>
+                </a:solidFill>
+                <a:miter lim="800000"/>
+                <a:headEnd/>
+                <a:tailEnd/>
+              </a14:hiddenLine>
+            </a:ext>
+            <a:ext uri="{AF507438-7753-43e0-B8FC-AC1667EBCBE1}">
+              <a14:hiddenEffects xmlns:a14="http://schemas.microsoft.com/office/drawing/2010/main">
+                <a:effectLst>
+                  <a:outerShdw blurRad="63500" dist="38099" dir="2700000" algn="ctr" rotWithShape="0">
+                    <a:schemeClr val="bg2">
+                      <a:alpha val="74998"/>
+                    </a:schemeClr>
+                  </a:outerShdw>
+                </a:effectLst>
+              </a14:hiddenEffects>
+            </a:ext>
+            <a:ext uri="{FAA26D3D-D897-4be2-8F04-BA451C77F1D7}">
+              <ma14:placeholderFlag xmlns:ma14="http://schemas.microsoft.com/office/mac/drawingml/2011/main" val="1"/>
+            </a:ext>
+          </a:extLst>
         </p:spPr>
         <p:txBody>
-          <a:bodyPr vert="horz" lIns="91440" tIns="45720" rIns="91440" bIns="45720" rtlCol="0" anchor="ctr"/>
+          <a:bodyPr vert="horz" wrap="square" lIns="91440" tIns="45720" rIns="91440" bIns="45720" numCol="1" anchor="t" anchorCtr="0" compatLnSpc="1">
+            <a:prstTxWarp prst="textNoShape">
+              <a:avLst/>
+            </a:prstTxWarp>
+          </a:bodyPr>
           <a:lstStyle>
             <a:lvl1pPr algn="r">
-              <a:defRPr sz="1200">
-                <a:solidFill>
-                  <a:schemeClr val="tx1">
-                    <a:tint val="75000"/>
-                  </a:schemeClr>
-                </a:solidFill>
-              </a:defRPr>
+              <a:defRPr sz="1400"/>
             </a:lvl1pPr>
           </a:lstStyle>
           <a:p>
-            <a:fld id="{A94B77C0-5EE8-9549-B476-431AD0CC4A9E}" type="slidenum">
-              <a:rPr lang="en-US" smtClean="0"/>
+            <a:pPr defTabSz="914400" fontAlgn="base">
+              <a:spcBef>
+                <a:spcPct val="0"/>
+              </a:spcBef>
+              <a:spcAft>
+                <a:spcPct val="0"/>
+              </a:spcAft>
+            </a:pPr>
+            <a:fld id="{98B585B8-A53B-BE46-8B28-F5A1FA43C530}" type="slidenum">
+              <a:rPr lang="es-ES" smtClean="0">
+                <a:solidFill>
+                  <a:srgbClr val="000000"/>
+                </a:solidFill>
+                <a:latin typeface="Arial" charset="0"/>
+                <a:ea typeface="ＭＳ Ｐゴシック" charset="0"/>
+                <a:cs typeface="Arial" charset="0"/>
+              </a:rPr>
+              <a:pPr defTabSz="914400" fontAlgn="base">
+                <a:spcBef>
+                  <a:spcPct val="0"/>
+                </a:spcBef>
+                <a:spcAft>
+                  <a:spcPct val="0"/>
+                </a:spcAft>
+              </a:pPr>
               <a:t>‹#›</a:t>
             </a:fld>
-            <a:endParaRPr lang="en-US"/>
+            <a:endParaRPr lang="es-ES" smtClean="0">
+              <a:solidFill>
+                <a:srgbClr val="000000"/>
+              </a:solidFill>
+              <a:latin typeface="Arial" charset="0"/>
+              <a:ea typeface="ＭＳ Ｐゴシック" charset="0"/>
+              <a:cs typeface="Arial" charset="0"/>
+            </a:endParaRPr>
           </a:p>
         </p:txBody>
       </p:sp>
     </p:spTree>
     <p:extLst>
       <p:ext uri="{BB962C8B-B14F-4D97-AF65-F5344CB8AC3E}">
-        <p14:creationId xmlns:p14="http://schemas.microsoft.com/office/powerpoint/2010/main" val="787798102"/>
+        <p14:creationId xmlns:p14="http://schemas.microsoft.com/office/powerpoint/2010/main" val="1389051371"/>
       </p:ext>
     </p:extLst>
   </p:cSld>
   <p:clrMap bg1="lt1" tx1="dk1" bg2="lt2" tx2="dk2" accent1="accent1" accent2="accent2" accent3="accent3" accent4="accent4" accent5="accent5" accent6="accent6" hlink="hlink" folHlink="folHlink"/>
   <p:sldLayoutIdLst>
-    <p:sldLayoutId id="2147483649" r:id="rId1"/>
-    <p:sldLayoutId id="2147483650" r:id="rId2"/>
-    <p:sldLayoutId id="2147483651" r:id="rId3"/>
-    <p:sldLayoutId id="2147483652" r:id="rId4"/>
-    <p:sldLayoutId id="2147483653" r:id="rId5"/>
-    <p:sldLayoutId id="2147483654" r:id="rId6"/>
-    <p:sldLayoutId id="2147483655" r:id="rId7"/>
-    <p:sldLayoutId id="2147483656" r:id="rId8"/>
-    <p:sldLayoutId id="2147483657" r:id="rId9"/>
-    <p:sldLayoutId id="2147483658" r:id="rId10"/>
-    <p:sldLayoutId id="2147483659" r:id="rId11"/>
+    <p:sldLayoutId id="2147483661" r:id="rId1"/>
+    <p:sldLayoutId id="2147483662" r:id="rId2"/>
+    <p:sldLayoutId id="2147483663" r:id="rId3"/>
+    <p:sldLayoutId id="2147483664" r:id="rId4"/>
+    <p:sldLayoutId id="2147483665" r:id="rId5"/>
+    <p:sldLayoutId id="2147483666" r:id="rId6"/>
+    <p:sldLayoutId id="2147483667" r:id="rId7"/>
+    <p:sldLayoutId id="2147483668" r:id="rId8"/>
+    <p:sldLayoutId id="2147483669" r:id="rId9"/>
+    <p:sldLayoutId id="2147483670" r:id="rId10"/>
+    <p:sldLayoutId id="2147483671" r:id="rId11"/>
   </p:sldLayoutIdLst>
   <p:txStyles>
     <p:titleStyle>
-      <a:lvl1pPr algn="ctr" defTabSz="457200" rtl="0" eaLnBrk="1" latinLnBrk="0" hangingPunct="1">
+      <a:lvl1pPr algn="ctr" rtl="0" fontAlgn="base">
         <a:spcBef>
           <a:spcPct val="0"/>
         </a:spcBef>
-        <a:buNone/>
-        <a:defRPr sz="4400" kern="1200">
+        <a:spcAft>
+          <a:spcPct val="0"/>
+        </a:spcAft>
+        <a:defRPr sz="4400">
           <a:solidFill>
-            <a:schemeClr val="tx1"/>
+            <a:schemeClr val="tx2"/>
           </a:solidFill>
           <a:latin typeface="+mj-lt"/>
           <a:ea typeface="+mj-ea"/>
           <a:cs typeface="+mj-cs"/>
         </a:defRPr>
       </a:lvl1pPr>
+      <a:lvl2pPr algn="ctr" rtl="0" fontAlgn="base">
+        <a:spcBef>
+          <a:spcPct val="0"/>
+        </a:spcBef>
+        <a:spcAft>
+          <a:spcPct val="0"/>
+        </a:spcAft>
+        <a:defRPr sz="4400">
+          <a:solidFill>
+            <a:schemeClr val="tx2"/>
+          </a:solidFill>
+          <a:latin typeface="Arial" charset="0"/>
+          <a:ea typeface="ＭＳ Ｐゴシック" charset="0"/>
+          <a:cs typeface="Arial" charset="0"/>
+        </a:defRPr>
+      </a:lvl2pPr>
+      <a:lvl3pPr algn="ctr" rtl="0" fontAlgn="base">
+        <a:spcBef>
+          <a:spcPct val="0"/>
+        </a:spcBef>
+        <a:spcAft>
+          <a:spcPct val="0"/>
+        </a:spcAft>
+        <a:defRPr sz="4400">
+          <a:solidFill>
+            <a:schemeClr val="tx2"/>
+          </a:solidFill>
+          <a:latin typeface="Arial" charset="0"/>
+          <a:ea typeface="ＭＳ Ｐゴシック" charset="0"/>
+          <a:cs typeface="Arial" charset="0"/>
+        </a:defRPr>
+      </a:lvl3pPr>
+      <a:lvl4pPr algn="ctr" rtl="0" fontAlgn="base">
+        <a:spcBef>
+          <a:spcPct val="0"/>
+        </a:spcBef>
+        <a:spcAft>
+          <a:spcPct val="0"/>
+        </a:spcAft>
+        <a:defRPr sz="4400">
+          <a:solidFill>
+            <a:schemeClr val="tx2"/>
+          </a:solidFill>
+          <a:latin typeface="Arial" charset="0"/>
+          <a:ea typeface="ＭＳ Ｐゴシック" charset="0"/>
+          <a:cs typeface="Arial" charset="0"/>
+        </a:defRPr>
+      </a:lvl4pPr>
+      <a:lvl5pPr algn="ctr" rtl="0" fontAlgn="base">
+        <a:spcBef>
+          <a:spcPct val="0"/>
+        </a:spcBef>
+        <a:spcAft>
+          <a:spcPct val="0"/>
+        </a:spcAft>
+        <a:defRPr sz="4400">
+          <a:solidFill>
+            <a:schemeClr val="tx2"/>
+          </a:solidFill>
+          <a:latin typeface="Arial" charset="0"/>
+          <a:ea typeface="ＭＳ Ｐゴシック" charset="0"/>
+          <a:cs typeface="Arial" charset="0"/>
+        </a:defRPr>
+      </a:lvl5pPr>
+      <a:lvl6pPr marL="457200" algn="ctr" rtl="0" fontAlgn="base">
+        <a:spcBef>
+          <a:spcPct val="0"/>
+        </a:spcBef>
+        <a:spcAft>
+          <a:spcPct val="0"/>
+        </a:spcAft>
+        <a:defRPr sz="4400">
+          <a:solidFill>
+            <a:schemeClr val="tx2"/>
+          </a:solidFill>
+          <a:latin typeface="Arial" charset="0"/>
+          <a:ea typeface="ＭＳ Ｐゴシック" charset="0"/>
+          <a:cs typeface="Arial" charset="0"/>
+        </a:defRPr>
+      </a:lvl6pPr>
+      <a:lvl7pPr marL="914400" algn="ctr" rtl="0" fontAlgn="base">
+        <a:spcBef>
+          <a:spcPct val="0"/>
+        </a:spcBef>
+        <a:spcAft>
+          <a:spcPct val="0"/>
+        </a:spcAft>
+        <a:defRPr sz="4400">
+          <a:solidFill>
+            <a:schemeClr val="tx2"/>
+          </a:solidFill>
+          <a:latin typeface="Arial" charset="0"/>
+          <a:ea typeface="ＭＳ Ｐゴシック" charset="0"/>
+          <a:cs typeface="Arial" charset="0"/>
+        </a:defRPr>
+      </a:lvl7pPr>
+      <a:lvl8pPr marL="1371600" algn="ctr" rtl="0" fontAlgn="base">
+        <a:spcBef>
+          <a:spcPct val="0"/>
+        </a:spcBef>
+        <a:spcAft>
+          <a:spcPct val="0"/>
+        </a:spcAft>
+        <a:defRPr sz="4400">
+          <a:solidFill>
+            <a:schemeClr val="tx2"/>
+          </a:solidFill>
+          <a:latin typeface="Arial" charset="0"/>
+          <a:ea typeface="ＭＳ Ｐゴシック" charset="0"/>
+          <a:cs typeface="Arial" charset="0"/>
+        </a:defRPr>
+      </a:lvl8pPr>
+      <a:lvl9pPr marL="1828800" algn="ctr" rtl="0" fontAlgn="base">
+        <a:spcBef>
+          <a:spcPct val="0"/>
+        </a:spcBef>
+        <a:spcAft>
+          <a:spcPct val="0"/>
+        </a:spcAft>
+        <a:defRPr sz="4400">
+          <a:solidFill>
+            <a:schemeClr val="tx2"/>
+          </a:solidFill>
+          <a:latin typeface="Arial" charset="0"/>
+          <a:ea typeface="ＭＳ Ｐゴシック" charset="0"/>
+          <a:cs typeface="Arial" charset="0"/>
+        </a:defRPr>
+      </a:lvl9pPr>
     </p:titleStyle>
     <p:bodyStyle>
-      <a:lvl1pPr marL="342900" indent="-342900" algn="l" defTabSz="457200" rtl="0" eaLnBrk="1" latinLnBrk="0" hangingPunct="1">
+      <a:lvl1pPr marL="342900" indent="-342900" algn="l" rtl="0" fontAlgn="base">
         <a:spcBef>
           <a:spcPct val="20000"/>
         </a:spcBef>
-        <a:buFont typeface="Arial"/>
+        <a:spcAft>
+          <a:spcPct val="0"/>
+        </a:spcAft>
         <a:buChar char="•"/>
-        <a:defRPr sz="3200" kern="1200">
+        <a:defRPr sz="3200">
           <a:solidFill>
             <a:schemeClr val="tx1"/>
           </a:solidFill>
@@ -2858,123 +3410,139 @@
           <a:cs typeface="+mn-cs"/>
         </a:defRPr>
       </a:lvl1pPr>
-      <a:lvl2pPr marL="742950" indent="-285750" algn="l" defTabSz="457200" rtl="0" eaLnBrk="1" latinLnBrk="0" hangingPunct="1">
+      <a:lvl2pPr marL="742950" indent="-285750" algn="l" rtl="0" fontAlgn="base">
         <a:spcBef>
           <a:spcPct val="20000"/>
         </a:spcBef>
-        <a:buFont typeface="Arial"/>
+        <a:spcAft>
+          <a:spcPct val="0"/>
+        </a:spcAft>
         <a:buChar char="–"/>
-        <a:defRPr sz="2800" kern="1200">
+        <a:defRPr sz="2800">
           <a:solidFill>
             <a:schemeClr val="tx1"/>
           </a:solidFill>
           <a:latin typeface="+mn-lt"/>
-          <a:ea typeface="+mn-ea"/>
+          <a:ea typeface="Arial" charset="0"/>
           <a:cs typeface="+mn-cs"/>
         </a:defRPr>
       </a:lvl2pPr>
-      <a:lvl3pPr marL="1143000" indent="-228600" algn="l" defTabSz="457200" rtl="0" eaLnBrk="1" latinLnBrk="0" hangingPunct="1">
+      <a:lvl3pPr marL="1143000" indent="-228600" algn="l" rtl="0" fontAlgn="base">
         <a:spcBef>
           <a:spcPct val="20000"/>
         </a:spcBef>
-        <a:buFont typeface="Arial"/>
+        <a:spcAft>
+          <a:spcPct val="0"/>
+        </a:spcAft>
         <a:buChar char="•"/>
-        <a:defRPr sz="2400" kern="1200">
+        <a:defRPr sz="2400">
           <a:solidFill>
             <a:schemeClr val="tx1"/>
           </a:solidFill>
           <a:latin typeface="+mn-lt"/>
-          <a:ea typeface="+mn-ea"/>
+          <a:ea typeface="Arial" charset="0"/>
           <a:cs typeface="+mn-cs"/>
         </a:defRPr>
       </a:lvl3pPr>
-      <a:lvl4pPr marL="1600200" indent="-228600" algn="l" defTabSz="457200" rtl="0" eaLnBrk="1" latinLnBrk="0" hangingPunct="1">
+      <a:lvl4pPr marL="1600200" indent="-228600" algn="l" rtl="0" fontAlgn="base">
         <a:spcBef>
           <a:spcPct val="20000"/>
         </a:spcBef>
-        <a:buFont typeface="Arial"/>
+        <a:spcAft>
+          <a:spcPct val="0"/>
+        </a:spcAft>
         <a:buChar char="–"/>
-        <a:defRPr sz="2000" kern="1200">
+        <a:defRPr sz="2000">
           <a:solidFill>
             <a:schemeClr val="tx1"/>
           </a:solidFill>
           <a:latin typeface="+mn-lt"/>
-          <a:ea typeface="+mn-ea"/>
+          <a:ea typeface="Arial" charset="0"/>
           <a:cs typeface="+mn-cs"/>
         </a:defRPr>
       </a:lvl4pPr>
-      <a:lvl5pPr marL="2057400" indent="-228600" algn="l" defTabSz="457200" rtl="0" eaLnBrk="1" latinLnBrk="0" hangingPunct="1">
+      <a:lvl5pPr marL="2057400" indent="-228600" algn="l" rtl="0" fontAlgn="base">
         <a:spcBef>
           <a:spcPct val="20000"/>
         </a:spcBef>
-        <a:buFont typeface="Arial"/>
+        <a:spcAft>
+          <a:spcPct val="0"/>
+        </a:spcAft>
         <a:buChar char="»"/>
-        <a:defRPr sz="2000" kern="1200">
+        <a:defRPr sz="2000">
           <a:solidFill>
             <a:schemeClr val="tx1"/>
           </a:solidFill>
           <a:latin typeface="+mn-lt"/>
-          <a:ea typeface="+mn-ea"/>
+          <a:ea typeface="Arial" charset="0"/>
           <a:cs typeface="+mn-cs"/>
         </a:defRPr>
       </a:lvl5pPr>
-      <a:lvl6pPr marL="2514600" indent="-228600" algn="l" defTabSz="457200" rtl="0" eaLnBrk="1" latinLnBrk="0" hangingPunct="1">
+      <a:lvl6pPr marL="2514600" indent="-228600" algn="l" rtl="0" fontAlgn="base">
         <a:spcBef>
           <a:spcPct val="20000"/>
         </a:spcBef>
-        <a:buFont typeface="Arial"/>
-        <a:buChar char="•"/>
-        <a:defRPr sz="2000" kern="1200">
+        <a:spcAft>
+          <a:spcPct val="0"/>
+        </a:spcAft>
+        <a:buChar char="»"/>
+        <a:defRPr sz="2000">
           <a:solidFill>
             <a:schemeClr val="tx1"/>
           </a:solidFill>
           <a:latin typeface="+mn-lt"/>
-          <a:ea typeface="+mn-ea"/>
+          <a:ea typeface="Arial" charset="0"/>
           <a:cs typeface="+mn-cs"/>
         </a:defRPr>
       </a:lvl6pPr>
-      <a:lvl7pPr marL="2971800" indent="-228600" algn="l" defTabSz="457200" rtl="0" eaLnBrk="1" latinLnBrk="0" hangingPunct="1">
+      <a:lvl7pPr marL="2971800" indent="-228600" algn="l" rtl="0" fontAlgn="base">
         <a:spcBef>
           <a:spcPct val="20000"/>
         </a:spcBef>
-        <a:buFont typeface="Arial"/>
-        <a:buChar char="•"/>
-        <a:defRPr sz="2000" kern="1200">
+        <a:spcAft>
+          <a:spcPct val="0"/>
+        </a:spcAft>
+        <a:buChar char="»"/>
+        <a:defRPr sz="2000">
           <a:solidFill>
             <a:schemeClr val="tx1"/>
           </a:solidFill>
           <a:latin typeface="+mn-lt"/>
-          <a:ea typeface="+mn-ea"/>
+          <a:ea typeface="Arial" charset="0"/>
           <a:cs typeface="+mn-cs"/>
         </a:defRPr>
       </a:lvl7pPr>
-      <a:lvl8pPr marL="3429000" indent="-228600" algn="l" defTabSz="457200" rtl="0" eaLnBrk="1" latinLnBrk="0" hangingPunct="1">
+      <a:lvl8pPr marL="3429000" indent="-228600" algn="l" rtl="0" fontAlgn="base">
         <a:spcBef>
           <a:spcPct val="20000"/>
         </a:spcBef>
-        <a:buFont typeface="Arial"/>
-        <a:buChar char="•"/>
-        <a:defRPr sz="2000" kern="1200">
+        <a:spcAft>
+          <a:spcPct val="0"/>
+        </a:spcAft>
+        <a:buChar char="»"/>
+        <a:defRPr sz="2000">
           <a:solidFill>
             <a:schemeClr val="tx1"/>
           </a:solidFill>
           <a:latin typeface="+mn-lt"/>
-          <a:ea typeface="+mn-ea"/>
+          <a:ea typeface="Arial" charset="0"/>
           <a:cs typeface="+mn-cs"/>
         </a:defRPr>
       </a:lvl8pPr>
-      <a:lvl9pPr marL="3886200" indent="-228600" algn="l" defTabSz="457200" rtl="0" eaLnBrk="1" latinLnBrk="0" hangingPunct="1">
+      <a:lvl9pPr marL="3886200" indent="-228600" algn="l" rtl="0" fontAlgn="base">
         <a:spcBef>
           <a:spcPct val="20000"/>
         </a:spcBef>
-        <a:buFont typeface="Arial"/>
-        <a:buChar char="•"/>
-        <a:defRPr sz="2000" kern="1200">
+        <a:spcAft>
+          <a:spcPct val="0"/>
+        </a:spcAft>
+        <a:buChar char="»"/>
+        <a:defRPr sz="2000">
           <a:solidFill>
             <a:schemeClr val="tx1"/>
           </a:solidFill>
           <a:latin typeface="+mn-lt"/>
-          <a:ea typeface="+mn-ea"/>
+          <a:ea typeface="Arial" charset="0"/>
           <a:cs typeface="+mn-cs"/>
         </a:defRPr>
       </a:lvl9pPr>
@@ -3081,6 +3649,18 @@
 <file path=ppt/slides/slide1.xml><?xml version="1.0" encoding="utf-8"?>
 <p:sld xmlns:a="http://schemas.openxmlformats.org/drawingml/2006/main" xmlns:r="http://schemas.openxmlformats.org/officeDocument/2006/relationships" xmlns:p="http://schemas.openxmlformats.org/presentationml/2006/main">
   <p:cSld>
+    <p:bg>
+      <p:bgPr>
+        <a:blipFill dpi="0" rotWithShape="0">
+          <a:blip r:embed="rId2"/>
+          <a:srcRect/>
+          <a:stretch>
+            <a:fillRect/>
+          </a:stretch>
+        </a:blipFill>
+        <a:effectLst/>
+      </p:bgPr>
+    </p:bg>
     <p:spTree>
       <p:nvGrpSpPr>
         <p:cNvPr id="1" name=""/>
@@ -3097,87 +3677,832 @@
       </p:grpSpPr>
       <p:sp>
         <p:nvSpPr>
-          <p:cNvPr id="2" name="Title 1"/>
-          <p:cNvSpPr>
-            <a:spLocks noGrp="1"/>
+          <p:cNvPr id="2138" name="Rectangle 90"/>
+          <p:cNvSpPr>
+            <a:spLocks noGrp="1" noChangeArrowheads="1"/>
           </p:cNvSpPr>
           <p:nvPr>
             <p:ph type="ctrTitle"/>
           </p:nvPr>
         </p:nvSpPr>
-        <p:spPr/>
-        <p:txBody>
-          <a:bodyPr>
-            <a:normAutofit fontScale="90000"/>
-          </a:bodyPr>
+        <p:spPr>
+          <a:xfrm>
+            <a:off x="179388" y="4005263"/>
+            <a:ext cx="7864266" cy="792162"/>
+          </a:xfrm>
+        </p:spPr>
+        <p:txBody>
+          <a:bodyPr/>
           <a:lstStyle/>
           <a:p>
-            <a:r>
-              <a:rPr lang="en-US" dirty="0" smtClean="0"/>
-              <a:t>Software Engineering for Industry</a:t>
-            </a:r>
-            <a:br>
-              <a:rPr lang="en-US" dirty="0" smtClean="0"/>
-            </a:br>
-            <a:r>
-              <a:rPr lang="en-US" dirty="0" smtClean="0"/>
-              <a:t>Analysis of JMVA codebase</a:t>
-            </a:r>
-            <a:endParaRPr lang="en-US" dirty="0"/>
-          </a:p>
-        </p:txBody>
-      </p:sp>
-      <p:sp>
-        <p:nvSpPr>
-          <p:cNvPr id="3" name="Subtitle 2"/>
-          <p:cNvSpPr>
-            <a:spLocks noGrp="1"/>
+            <a:pPr algn="l"/>
+            <a:r>
+              <a:rPr lang="es-ES" sz="3200" b="1" dirty="0" smtClean="0">
+                <a:solidFill>
+                  <a:schemeClr val="bg1"/>
+                </a:solidFill>
+              </a:rPr>
+              <a:t>Software </a:t>
+            </a:r>
+            <a:r>
+              <a:rPr lang="es-ES" sz="3200" b="1" dirty="0" err="1" smtClean="0">
+                <a:solidFill>
+                  <a:schemeClr val="bg1"/>
+                </a:solidFill>
+              </a:rPr>
+              <a:t>Engineering</a:t>
+            </a:r>
+            <a:r>
+              <a:rPr lang="es-ES" sz="3200" b="1" dirty="0" smtClean="0">
+                <a:solidFill>
+                  <a:schemeClr val="bg1"/>
+                </a:solidFill>
+              </a:rPr>
+              <a:t> </a:t>
+            </a:r>
+            <a:r>
+              <a:rPr lang="es-ES" sz="3200" b="1" dirty="0" err="1" smtClean="0">
+                <a:solidFill>
+                  <a:schemeClr val="bg1"/>
+                </a:solidFill>
+              </a:rPr>
+              <a:t>for</a:t>
+            </a:r>
+            <a:r>
+              <a:rPr lang="es-ES" sz="3200" b="1" dirty="0" smtClean="0">
+                <a:solidFill>
+                  <a:schemeClr val="bg1"/>
+                </a:solidFill>
+              </a:rPr>
+              <a:t> </a:t>
+            </a:r>
+            <a:r>
+              <a:rPr lang="es-ES" sz="3200" b="1" dirty="0" err="1" smtClean="0">
+                <a:solidFill>
+                  <a:schemeClr val="bg1"/>
+                </a:solidFill>
+              </a:rPr>
+              <a:t>Industry</a:t>
+            </a:r>
+            <a:r>
+              <a:rPr lang="es-ES" sz="3200" b="1" dirty="0" smtClean="0">
+                <a:solidFill>
+                  <a:schemeClr val="bg1"/>
+                </a:solidFill>
+              </a:rPr>
+              <a:t>: </a:t>
+            </a:r>
+            <a:r>
+              <a:rPr lang="es-ES" sz="3200" b="1" dirty="0" err="1" smtClean="0">
+                <a:solidFill>
+                  <a:schemeClr val="bg1"/>
+                </a:solidFill>
+              </a:rPr>
+              <a:t>analysis</a:t>
+            </a:r>
+            <a:r>
+              <a:rPr lang="es-ES" sz="3200" b="1" dirty="0" smtClean="0">
+                <a:solidFill>
+                  <a:schemeClr val="bg1"/>
+                </a:solidFill>
+              </a:rPr>
+              <a:t> of JMVA </a:t>
+            </a:r>
+            <a:r>
+              <a:rPr lang="es-ES" sz="3200" b="1" dirty="0" err="1" smtClean="0">
+                <a:solidFill>
+                  <a:schemeClr val="bg1"/>
+                </a:solidFill>
+              </a:rPr>
+              <a:t>codebase</a:t>
+            </a:r>
+            <a:endParaRPr lang="es-ES" sz="3200" b="1" dirty="0">
+              <a:solidFill>
+                <a:schemeClr val="bg1"/>
+              </a:solidFill>
+            </a:endParaRPr>
+          </a:p>
+        </p:txBody>
+      </p:sp>
+      <p:sp>
+        <p:nvSpPr>
+          <p:cNvPr id="2139" name="Rectangle 91"/>
+          <p:cNvSpPr>
+            <a:spLocks noGrp="1" noChangeArrowheads="1"/>
           </p:cNvSpPr>
           <p:nvPr>
             <p:ph type="subTitle" idx="1"/>
           </p:nvPr>
         </p:nvSpPr>
-        <p:spPr/>
+        <p:spPr>
+          <a:xfrm>
+            <a:off x="250825" y="4972616"/>
+            <a:ext cx="5384114" cy="1757640"/>
+          </a:xfrm>
+        </p:spPr>
         <p:txBody>
           <a:bodyPr/>
           <a:lstStyle/>
           <a:p>
-            <a:r>
-              <a:rPr lang="en-US" dirty="0" err="1" smtClean="0"/>
+            <a:pPr algn="l"/>
+            <a:r>
+              <a:rPr lang="de-DE" sz="1800" b="1" dirty="0" err="1" smtClean="0">
+                <a:solidFill>
+                  <a:schemeClr val="bg1"/>
+                </a:solidFill>
+              </a:rPr>
               <a:t>Yufei</a:t>
             </a:r>
             <a:r>
-              <a:rPr lang="en-US" dirty="0" smtClean="0"/>
-              <a:t> </a:t>
-            </a:r>
-            <a:r>
-              <a:rPr lang="en-US" smtClean="0"/>
-              <a:t>Wang, Paul </a:t>
-            </a:r>
-            <a:r>
-              <a:rPr lang="en-US" dirty="0" err="1" smtClean="0"/>
+              <a:rPr lang="de-DE" sz="1800" b="1" dirty="0" smtClean="0">
+                <a:solidFill>
+                  <a:schemeClr val="bg1"/>
+                </a:solidFill>
+              </a:rPr>
+              <a:t> Wang (yw6312) </a:t>
+            </a:r>
+          </a:p>
+          <a:p>
+            <a:pPr algn="l"/>
+            <a:r>
+              <a:rPr lang="de-DE" sz="1800" b="1" dirty="0" smtClean="0">
+                <a:solidFill>
+                  <a:schemeClr val="bg1"/>
+                </a:solidFill>
+              </a:rPr>
+              <a:t>Paul </a:t>
+            </a:r>
+            <a:r>
+              <a:rPr lang="de-DE" sz="1800" b="1" dirty="0" err="1" smtClean="0">
+                <a:solidFill>
+                  <a:schemeClr val="bg1"/>
+                </a:solidFill>
+              </a:rPr>
               <a:t>Gribleyuk</a:t>
             </a:r>
             <a:r>
-              <a:rPr lang="en-US" dirty="0" smtClean="0"/>
-              <a:t>, </a:t>
-            </a:r>
-            <a:r>
-              <a:rPr lang="en-US" dirty="0" err="1" smtClean="0"/>
+              <a:rPr lang="de-DE" sz="1800" b="1" dirty="0" smtClean="0">
+                <a:solidFill>
+                  <a:schemeClr val="bg1"/>
+                </a:solidFill>
+              </a:rPr>
+              <a:t> (pg1312)</a:t>
+            </a:r>
+          </a:p>
+          <a:p>
+            <a:pPr algn="l"/>
+            <a:r>
+              <a:rPr lang="de-DE" sz="1800" b="1" dirty="0" err="1" smtClean="0">
+                <a:solidFill>
+                  <a:schemeClr val="bg1"/>
+                </a:solidFill>
+              </a:rPr>
               <a:t>Yawei</a:t>
             </a:r>
             <a:r>
-              <a:rPr lang="en-US" dirty="0" smtClean="0"/>
-              <a:t> Li, Jun He</a:t>
-            </a:r>
-            <a:endParaRPr lang="en-US" dirty="0"/>
-          </a:p>
-        </p:txBody>
-      </p:sp>
+              <a:rPr lang="de-DE" sz="1800" b="1" dirty="0" smtClean="0">
+                <a:solidFill>
+                  <a:schemeClr val="bg1"/>
+                </a:solidFill>
+              </a:rPr>
+              <a:t> Li (yl8012)</a:t>
+            </a:r>
+          </a:p>
+          <a:p>
+            <a:pPr algn="l"/>
+            <a:r>
+              <a:rPr lang="de-DE" sz="1800" b="1" dirty="0" smtClean="0">
+                <a:solidFill>
+                  <a:schemeClr val="bg1"/>
+                </a:solidFill>
+              </a:rPr>
+              <a:t>Jun He (jh1212)</a:t>
+            </a:r>
+          </a:p>
+          <a:p>
+            <a:pPr algn="l"/>
+            <a:r>
+              <a:rPr lang="de-DE" sz="1800" b="1" dirty="0" err="1" smtClean="0">
+                <a:solidFill>
+                  <a:schemeClr val="bg1"/>
+                </a:solidFill>
+              </a:rPr>
+              <a:t>Xiaoxing</a:t>
+            </a:r>
+            <a:r>
+              <a:rPr lang="de-DE" sz="1800" b="1" dirty="0" smtClean="0">
+                <a:solidFill>
+                  <a:schemeClr val="bg1"/>
+                </a:solidFill>
+              </a:rPr>
+              <a:t> Yang (xy212)</a:t>
+            </a:r>
+          </a:p>
+        </p:txBody>
+      </p:sp>
+      <p:pic>
+        <p:nvPicPr>
+          <p:cNvPr id="2" name="Picture 1" descr="icl_screenshot.png"/>
+          <p:cNvPicPr>
+            <a:picLocks noChangeAspect="1"/>
+          </p:cNvPicPr>
+          <p:nvPr/>
+        </p:nvPicPr>
+        <p:blipFill>
+          <a:blip r:embed="rId3">
+            <a:extLst>
+              <a:ext uri="{28A0092B-C50C-407E-A947-70E740481C1C}">
+                <a14:useLocalDpi xmlns:a14="http://schemas.microsoft.com/office/drawing/2010/main" val="0"/>
+              </a:ext>
+            </a:extLst>
+          </a:blip>
+          <a:stretch>
+            <a:fillRect/>
+          </a:stretch>
+        </p:blipFill>
+        <p:spPr>
+          <a:xfrm>
+            <a:off x="6832600" y="6165850"/>
+            <a:ext cx="2311400" cy="692150"/>
+          </a:xfrm>
+          <a:prstGeom prst="rect">
+            <a:avLst/>
+          </a:prstGeom>
+        </p:spPr>
+      </p:pic>
     </p:spTree>
     <p:extLst>
       <p:ext uri="{BB962C8B-B14F-4D97-AF65-F5344CB8AC3E}">
-        <p14:creationId xmlns:p14="http://schemas.microsoft.com/office/powerpoint/2010/main" val="1802636877"/>
+        <p14:creationId xmlns:p14="http://schemas.microsoft.com/office/powerpoint/2010/main" val="3474199942"/>
+      </p:ext>
+    </p:extLst>
+  </p:cSld>
+  <p:clrMapOvr>
+    <a:masterClrMapping/>
+  </p:clrMapOvr>
+  <p:timing>
+    <p:tnLst>
+      <p:par>
+        <p:cTn xmlns:p14="http://schemas.microsoft.com/office/powerpoint/2010/main" id="1" dur="indefinite" restart="never" nodeType="tmRoot"/>
+      </p:par>
+    </p:tnLst>
+  </p:timing>
+</p:sld>
+</file>
+
+<file path=ppt/slides/slide2.xml><?xml version="1.0" encoding="utf-8"?>
+<p:sld xmlns:a="http://schemas.openxmlformats.org/drawingml/2006/main" xmlns:r="http://schemas.openxmlformats.org/officeDocument/2006/relationships" xmlns:p="http://schemas.openxmlformats.org/presentationml/2006/main">
+  <p:cSld>
+    <p:bg>
+      <p:bgPr>
+        <a:blipFill dpi="0" rotWithShape="1">
+          <a:blip r:embed="rId2"/>
+          <a:srcRect/>
+          <a:stretch>
+            <a:fillRect/>
+          </a:stretch>
+        </a:blipFill>
+        <a:effectLst/>
+      </p:bgPr>
+    </p:bg>
+    <p:spTree>
+      <p:nvGrpSpPr>
+        <p:cNvPr id="1" name=""/>
+        <p:cNvGrpSpPr/>
+        <p:nvPr/>
+      </p:nvGrpSpPr>
+      <p:grpSpPr>
+        <a:xfrm>
+          <a:off x="0" y="0"/>
+          <a:ext cx="0" cy="0"/>
+          <a:chOff x="0" y="0"/>
+          <a:chExt cx="0" cy="0"/>
+        </a:xfrm>
+      </p:grpSpPr>
+      <p:sp>
+        <p:nvSpPr>
+          <p:cNvPr id="2" name="Title 1"/>
+          <p:cNvSpPr>
+            <a:spLocks noGrp="1"/>
+          </p:cNvSpPr>
+          <p:nvPr>
+            <p:ph type="title"/>
+          </p:nvPr>
+        </p:nvSpPr>
+        <p:spPr/>
+        <p:txBody>
+          <a:bodyPr/>
+          <a:lstStyle/>
+          <a:p>
+            <a:pPr algn="l"/>
+            <a:r>
+              <a:rPr lang="en-US" sz="3200" dirty="0" smtClean="0">
+                <a:latin typeface="Bank Gothic"/>
+                <a:cs typeface="Bank Gothic"/>
+              </a:rPr>
+              <a:t>Deciphering the Codebase</a:t>
+            </a:r>
+            <a:endParaRPr lang="en-US" sz="3200" dirty="0">
+              <a:latin typeface="Bank Gothic"/>
+              <a:cs typeface="Bank Gothic"/>
+            </a:endParaRPr>
+          </a:p>
+        </p:txBody>
+      </p:sp>
+      <p:sp>
+        <p:nvSpPr>
+          <p:cNvPr id="3" name="Content Placeholder 2"/>
+          <p:cNvSpPr>
+            <a:spLocks noGrp="1"/>
+          </p:cNvSpPr>
+          <p:nvPr>
+            <p:ph idx="1"/>
+          </p:nvPr>
+        </p:nvSpPr>
+        <p:spPr>
+          <a:xfrm>
+            <a:off x="457200" y="1219200"/>
+            <a:ext cx="8229600" cy="4525963"/>
+          </a:xfrm>
+        </p:spPr>
+        <p:txBody>
+          <a:bodyPr/>
+          <a:lstStyle/>
+          <a:p>
+            <a:r>
+              <a:rPr lang="en-US" sz="2000" dirty="0" smtClean="0">
+                <a:latin typeface="Monaco"/>
+                <a:cs typeface="Monaco"/>
+              </a:rPr>
+              <a:t>Initial Steps:</a:t>
+            </a:r>
+          </a:p>
+          <a:p>
+            <a:pPr lvl="1"/>
+            <a:r>
+              <a:rPr lang="en-US" sz="1600" dirty="0" smtClean="0">
+                <a:latin typeface="Monaco"/>
+                <a:cs typeface="Monaco"/>
+              </a:rPr>
+              <a:t>Downloading code from SVN and importing into IntelliJ IDEA</a:t>
+            </a:r>
+          </a:p>
+          <a:p>
+            <a:pPr lvl="1"/>
+            <a:r>
+              <a:rPr lang="en-US" sz="1600" dirty="0" smtClean="0">
+                <a:latin typeface="Monaco"/>
+                <a:cs typeface="Monaco"/>
+              </a:rPr>
+              <a:t>Fixed encoding issue (UTF-8 </a:t>
+            </a:r>
+            <a:r>
+              <a:rPr lang="en-US" sz="1600" dirty="0" err="1" smtClean="0">
+                <a:latin typeface="Monaco"/>
+                <a:cs typeface="Monaco"/>
+              </a:rPr>
+              <a:t>vs</a:t>
+            </a:r>
+            <a:r>
+              <a:rPr lang="en-US" sz="1600" dirty="0" smtClean="0">
+                <a:latin typeface="Monaco"/>
+                <a:cs typeface="Monaco"/>
+              </a:rPr>
+              <a:t> ISO-8859-1)</a:t>
+            </a:r>
+          </a:p>
+          <a:p>
+            <a:pPr lvl="1"/>
+            <a:r>
+              <a:rPr lang="en-US" sz="1600" dirty="0" smtClean="0">
+                <a:latin typeface="Monaco"/>
+                <a:cs typeface="Monaco"/>
+              </a:rPr>
+              <a:t>Found </a:t>
+            </a:r>
+            <a:r>
+              <a:rPr lang="en-US" sz="1600" dirty="0" smtClean="0">
+                <a:latin typeface="Courier New"/>
+                <a:cs typeface="Courier New"/>
+              </a:rPr>
+              <a:t>main</a:t>
+            </a:r>
+            <a:r>
+              <a:rPr lang="en-US" sz="1600" dirty="0">
+                <a:latin typeface="Monaco"/>
+                <a:cs typeface="Monaco"/>
+              </a:rPr>
+              <a:t> </a:t>
+            </a:r>
+            <a:r>
+              <a:rPr lang="en-US" sz="1600" dirty="0" smtClean="0">
+                <a:latin typeface="Monaco"/>
+                <a:cs typeface="Monaco"/>
+              </a:rPr>
+              <a:t>method in </a:t>
+            </a:r>
+            <a:r>
+              <a:rPr lang="en-US" sz="1600" dirty="0" err="1" smtClean="0">
+                <a:latin typeface="Courier New"/>
+                <a:cs typeface="Courier New"/>
+              </a:rPr>
+              <a:t>GraphStartScreen</a:t>
+            </a:r>
+            <a:r>
+              <a:rPr lang="en-US" sz="1600" dirty="0" smtClean="0">
+                <a:latin typeface="Monaco"/>
+                <a:cs typeface="Monaco"/>
+              </a:rPr>
+              <a:t> </a:t>
+            </a:r>
+            <a:r>
+              <a:rPr lang="en-US" sz="1600" dirty="0" smtClean="0">
+                <a:latin typeface="Monaco"/>
+                <a:cs typeface="Monaco"/>
+              </a:rPr>
+              <a:t>(3 exist in the code) and ran it to determine relationship between JMT and JMVA</a:t>
+            </a:r>
+          </a:p>
+          <a:p>
+            <a:pPr lvl="1"/>
+            <a:r>
+              <a:rPr lang="en-US" sz="1600" dirty="0" smtClean="0">
+                <a:latin typeface="Monaco"/>
+                <a:cs typeface="Monaco"/>
+              </a:rPr>
+              <a:t>Found entry point into JMVA component (</a:t>
+            </a:r>
+            <a:r>
+              <a:rPr lang="en-US" sz="1600" dirty="0" err="1" smtClean="0">
+                <a:latin typeface="Courier New"/>
+                <a:cs typeface="Courier New"/>
+              </a:rPr>
+              <a:t>ExactWizard</a:t>
+            </a:r>
+            <a:r>
+              <a:rPr lang="en-US" sz="1600" dirty="0" smtClean="0">
+                <a:latin typeface="Monaco"/>
+                <a:cs typeface="Monaco"/>
+              </a:rPr>
+              <a:t> class)</a:t>
+            </a:r>
+          </a:p>
+          <a:p>
+            <a:pPr lvl="1"/>
+            <a:r>
+              <a:rPr lang="en-US" sz="1600" dirty="0" smtClean="0">
+                <a:latin typeface="Monaco"/>
+                <a:cs typeface="Monaco"/>
+              </a:rPr>
+              <a:t>Traced execution of button clicks (</a:t>
+            </a:r>
+            <a:r>
+              <a:rPr lang="en-US" sz="1600" dirty="0" err="1" smtClean="0">
+                <a:latin typeface="Courier New"/>
+                <a:cs typeface="Courier New"/>
+              </a:rPr>
+              <a:t>Jbutton</a:t>
+            </a:r>
+            <a:r>
+              <a:rPr lang="en-US" sz="1600" dirty="0" smtClean="0">
+                <a:latin typeface="Monaco"/>
+                <a:cs typeface="Monaco"/>
+              </a:rPr>
+              <a:t> </a:t>
+            </a:r>
+            <a:r>
+              <a:rPr lang="en-US" sz="1600" dirty="0" smtClean="0">
+                <a:latin typeface="Monaco"/>
+                <a:cs typeface="Monaco"/>
+              </a:rPr>
+              <a:t>and </a:t>
+            </a:r>
+            <a:r>
+              <a:rPr lang="en-US" sz="1600" dirty="0" err="1" smtClean="0">
+                <a:latin typeface="Courier New"/>
+                <a:cs typeface="Courier New"/>
+              </a:rPr>
+              <a:t>Jpanel</a:t>
+            </a:r>
+            <a:r>
+              <a:rPr lang="en-US" sz="1600" dirty="0" smtClean="0">
+                <a:latin typeface="Monaco"/>
+                <a:cs typeface="Monaco"/>
+              </a:rPr>
+              <a:t>)</a:t>
+            </a:r>
+            <a:endParaRPr lang="en-US" sz="1600" dirty="0">
+              <a:latin typeface="Monaco"/>
+              <a:cs typeface="Monaco"/>
+            </a:endParaRPr>
+          </a:p>
+          <a:p>
+            <a:r>
+              <a:rPr lang="en-US" sz="2000" dirty="0" smtClean="0">
+                <a:latin typeface="Monaco"/>
+                <a:cs typeface="Monaco"/>
+              </a:rPr>
+              <a:t>Deeper Analysis using Dependency Matrix</a:t>
+            </a:r>
+          </a:p>
+          <a:p>
+            <a:pPr lvl="1"/>
+            <a:r>
+              <a:rPr lang="en-US" sz="1600" dirty="0" smtClean="0">
+                <a:latin typeface="Monaco"/>
+                <a:cs typeface="Monaco"/>
+              </a:rPr>
+              <a:t>IntelliJ Pro Dependency Matrix of JMVA (Figure 1) shows the coupling between packages (i.e. </a:t>
+            </a:r>
+            <a:r>
+              <a:rPr lang="en-US" sz="1600" dirty="0" smtClean="0">
+                <a:latin typeface="Courier New"/>
+                <a:cs typeface="Courier New"/>
+              </a:rPr>
+              <a:t>exact </a:t>
+            </a:r>
+            <a:r>
+              <a:rPr lang="en-US" sz="1600" dirty="0" smtClean="0">
+                <a:latin typeface="Monaco"/>
+                <a:cs typeface="Monaco"/>
+              </a:rPr>
+              <a:t>package depends on </a:t>
+            </a:r>
+            <a:r>
+              <a:rPr lang="en-US" sz="1600" dirty="0" smtClean="0">
+                <a:latin typeface="Courier New"/>
+                <a:cs typeface="Courier New"/>
+              </a:rPr>
+              <a:t>analytical </a:t>
+            </a:r>
+            <a:r>
+              <a:rPr lang="en-US" sz="1600" dirty="0" smtClean="0">
+                <a:latin typeface="Monaco"/>
+                <a:cs typeface="Monaco"/>
+              </a:rPr>
+              <a:t>package, etc.)</a:t>
+            </a:r>
+          </a:p>
+          <a:p>
+            <a:pPr lvl="1"/>
+            <a:endParaRPr lang="en-US" sz="1600" dirty="0" smtClean="0">
+              <a:latin typeface="Monaco"/>
+              <a:cs typeface="Monaco"/>
+            </a:endParaRPr>
+          </a:p>
+          <a:p>
+            <a:pPr lvl="1"/>
+            <a:r>
+              <a:rPr lang="en-US" sz="1600" dirty="0" smtClean="0">
+                <a:latin typeface="Monaco"/>
+                <a:cs typeface="Monaco"/>
+              </a:rPr>
+              <a:t>Use of JDepend was not helpful because of the size of the project and large number of circular dependencies</a:t>
+            </a:r>
+          </a:p>
+          <a:p>
+            <a:endParaRPr lang="en-US" sz="2000" dirty="0" smtClean="0">
+              <a:latin typeface="Monaco"/>
+              <a:cs typeface="Monaco"/>
+            </a:endParaRPr>
+          </a:p>
+          <a:p>
+            <a:pPr lvl="1"/>
+            <a:endParaRPr lang="en-US" sz="1600" dirty="0" smtClean="0">
+              <a:latin typeface="Monaco"/>
+              <a:cs typeface="Monaco"/>
+            </a:endParaRPr>
+          </a:p>
+        </p:txBody>
+      </p:sp>
+    </p:spTree>
+    <p:extLst>
+      <p:ext uri="{BB962C8B-B14F-4D97-AF65-F5344CB8AC3E}">
+        <p14:creationId xmlns:p14="http://schemas.microsoft.com/office/powerpoint/2010/main" val="887637315"/>
+      </p:ext>
+    </p:extLst>
+  </p:cSld>
+  <p:clrMapOvr>
+    <a:masterClrMapping/>
+  </p:clrMapOvr>
+</p:sld>
+</file>
+
+<file path=ppt/slides/slide3.xml><?xml version="1.0" encoding="utf-8"?>
+<p:sld xmlns:a="http://schemas.openxmlformats.org/drawingml/2006/main" xmlns:r="http://schemas.openxmlformats.org/officeDocument/2006/relationships" xmlns:p="http://schemas.openxmlformats.org/presentationml/2006/main">
+  <p:cSld>
+    <p:bg>
+      <p:bgPr>
+        <a:blipFill dpi="0" rotWithShape="1">
+          <a:blip r:embed="rId2"/>
+          <a:srcRect/>
+          <a:stretch>
+            <a:fillRect/>
+          </a:stretch>
+        </a:blipFill>
+        <a:effectLst/>
+      </p:bgPr>
+    </p:bg>
+    <p:spTree>
+      <p:nvGrpSpPr>
+        <p:cNvPr id="1" name=""/>
+        <p:cNvGrpSpPr/>
+        <p:nvPr/>
+      </p:nvGrpSpPr>
+      <p:grpSpPr>
+        <a:xfrm>
+          <a:off x="0" y="0"/>
+          <a:ext cx="0" cy="0"/>
+          <a:chOff x="0" y="0"/>
+          <a:chExt cx="0" cy="0"/>
+        </a:xfrm>
+      </p:grpSpPr>
+      <p:sp>
+        <p:nvSpPr>
+          <p:cNvPr id="2" name="Title 1"/>
+          <p:cNvSpPr>
+            <a:spLocks noGrp="1"/>
+          </p:cNvSpPr>
+          <p:nvPr>
+            <p:ph type="title"/>
+          </p:nvPr>
+        </p:nvSpPr>
+        <p:spPr/>
+        <p:txBody>
+          <a:bodyPr/>
+          <a:lstStyle/>
+          <a:p>
+            <a:pPr algn="l"/>
+            <a:r>
+              <a:rPr lang="en-US" sz="3200" dirty="0" smtClean="0">
+                <a:latin typeface="Bank Gothic"/>
+                <a:cs typeface="Bank Gothic"/>
+              </a:rPr>
+              <a:t>Deciphering the Codebase</a:t>
+            </a:r>
+            <a:endParaRPr lang="en-US" sz="3200" dirty="0">
+              <a:latin typeface="Bank Gothic"/>
+              <a:cs typeface="Bank Gothic"/>
+            </a:endParaRPr>
+          </a:p>
+        </p:txBody>
+      </p:sp>
+      <p:sp>
+        <p:nvSpPr>
+          <p:cNvPr id="3" name="Content Placeholder 2"/>
+          <p:cNvSpPr>
+            <a:spLocks noGrp="1"/>
+          </p:cNvSpPr>
+          <p:nvPr>
+            <p:ph idx="1"/>
+          </p:nvPr>
+        </p:nvSpPr>
+        <p:spPr/>
+        <p:txBody>
+          <a:bodyPr/>
+          <a:lstStyle/>
+          <a:p>
+            <a:endParaRPr lang="en-US" sz="2000" dirty="0" smtClean="0">
+              <a:latin typeface="Monaco"/>
+              <a:cs typeface="Monaco"/>
+            </a:endParaRPr>
+          </a:p>
+          <a:p>
+            <a:endParaRPr lang="en-US" sz="2000" dirty="0">
+              <a:latin typeface="Monaco"/>
+              <a:cs typeface="Monaco"/>
+            </a:endParaRPr>
+          </a:p>
+          <a:p>
+            <a:r>
+              <a:rPr lang="en-US" sz="2000" dirty="0" smtClean="0">
+                <a:latin typeface="Monaco"/>
+                <a:cs typeface="Monaco"/>
+              </a:rPr>
+              <a:t>Use of STAN tool:</a:t>
+            </a:r>
+          </a:p>
+          <a:p>
+            <a:pPr lvl="1"/>
+            <a:r>
+              <a:rPr lang="en-US" sz="1600" dirty="0" smtClean="0">
+                <a:latin typeface="Monaco"/>
+                <a:cs typeface="Monaco"/>
+              </a:rPr>
+              <a:t> to visualize layers of the code and find where changes will have greatest effect</a:t>
+            </a:r>
+          </a:p>
+          <a:p>
+            <a:pPr lvl="1"/>
+            <a:r>
+              <a:rPr lang="en-US" sz="1600" dirty="0" smtClean="0">
+                <a:latin typeface="Monaco"/>
+                <a:cs typeface="Monaco"/>
+              </a:rPr>
+              <a:t>Figure 2</a:t>
+            </a:r>
+          </a:p>
+        </p:txBody>
+      </p:sp>
+    </p:spTree>
+    <p:extLst>
+      <p:ext uri="{BB962C8B-B14F-4D97-AF65-F5344CB8AC3E}">
+        <p14:creationId xmlns:p14="http://schemas.microsoft.com/office/powerpoint/2010/main" val="887637315"/>
+      </p:ext>
+    </p:extLst>
+  </p:cSld>
+  <p:clrMapOvr>
+    <a:masterClrMapping/>
+  </p:clrMapOvr>
+</p:sld>
+</file>
+
+<file path=ppt/slides/slide4.xml><?xml version="1.0" encoding="utf-8"?>
+<p:sld xmlns:a="http://schemas.openxmlformats.org/drawingml/2006/main" xmlns:r="http://schemas.openxmlformats.org/officeDocument/2006/relationships" xmlns:p="http://schemas.openxmlformats.org/presentationml/2006/main">
+  <p:cSld>
+    <p:bg>
+      <p:bgPr>
+        <a:blipFill dpi="0" rotWithShape="1">
+          <a:blip r:embed="rId2"/>
+          <a:srcRect/>
+          <a:stretch>
+            <a:fillRect/>
+          </a:stretch>
+        </a:blipFill>
+        <a:effectLst/>
+      </p:bgPr>
+    </p:bg>
+    <p:spTree>
+      <p:nvGrpSpPr>
+        <p:cNvPr id="1" name=""/>
+        <p:cNvGrpSpPr/>
+        <p:nvPr/>
+      </p:nvGrpSpPr>
+      <p:grpSpPr>
+        <a:xfrm>
+          <a:off x="0" y="0"/>
+          <a:ext cx="0" cy="0"/>
+          <a:chOff x="0" y="0"/>
+          <a:chExt cx="0" cy="0"/>
+        </a:xfrm>
+      </p:grpSpPr>
+      <p:sp>
+        <p:nvSpPr>
+          <p:cNvPr id="2" name="Title 1"/>
+          <p:cNvSpPr>
+            <a:spLocks noGrp="1"/>
+          </p:cNvSpPr>
+          <p:nvPr>
+            <p:ph type="title"/>
+          </p:nvPr>
+        </p:nvSpPr>
+        <p:spPr/>
+        <p:txBody>
+          <a:bodyPr/>
+          <a:lstStyle/>
+          <a:p>
+            <a:pPr algn="l"/>
+            <a:r>
+              <a:rPr lang="en-US" sz="3200" dirty="0" smtClean="0">
+                <a:latin typeface="Bank Gothic"/>
+                <a:cs typeface="Bank Gothic"/>
+              </a:rPr>
+              <a:t>Deciphering the Codebase</a:t>
+            </a:r>
+            <a:endParaRPr lang="en-US" sz="3200" dirty="0">
+              <a:latin typeface="Bank Gothic"/>
+              <a:cs typeface="Bank Gothic"/>
+            </a:endParaRPr>
+          </a:p>
+        </p:txBody>
+      </p:sp>
+      <p:sp>
+        <p:nvSpPr>
+          <p:cNvPr id="3" name="Content Placeholder 2"/>
+          <p:cNvSpPr>
+            <a:spLocks noGrp="1"/>
+          </p:cNvSpPr>
+          <p:nvPr>
+            <p:ph idx="1"/>
+          </p:nvPr>
+        </p:nvSpPr>
+        <p:spPr/>
+        <p:txBody>
+          <a:bodyPr/>
+          <a:lstStyle/>
+          <a:p>
+            <a:pPr lvl="1"/>
+            <a:endParaRPr lang="en-US" sz="1600" dirty="0" smtClean="0">
+              <a:latin typeface="Monaco"/>
+              <a:cs typeface="Monaco"/>
+            </a:endParaRPr>
+          </a:p>
+        </p:txBody>
+      </p:sp>
+    </p:spTree>
+    <p:extLst>
+      <p:ext uri="{BB962C8B-B14F-4D97-AF65-F5344CB8AC3E}">
+        <p14:creationId xmlns:p14="http://schemas.microsoft.com/office/powerpoint/2010/main" val="887637315"/>
       </p:ext>
     </p:extLst>
   </p:cSld>
@@ -3188,116 +4513,56 @@
 </file>
 
 <file path=ppt/theme/theme1.xml><?xml version="1.0" encoding="utf-8"?>
-<a:theme xmlns:a="http://schemas.openxmlformats.org/drawingml/2006/main" name="Office Theme">
+<a:theme xmlns:a="http://schemas.openxmlformats.org/drawingml/2006/main" name="Diseño predeterminado">
   <a:themeElements>
-    <a:clrScheme name="Office">
+    <a:clrScheme name="Diseño predeterminado 1">
       <a:dk1>
-        <a:sysClr val="windowText" lastClr="000000"/>
+        <a:srgbClr val="000000"/>
       </a:dk1>
       <a:lt1>
-        <a:sysClr val="window" lastClr="FFFFFF"/>
+        <a:srgbClr val="FFFFFF"/>
       </a:lt1>
       <a:dk2>
-        <a:srgbClr val="1F497D"/>
+        <a:srgbClr val="000000"/>
       </a:dk2>
       <a:lt2>
-        <a:srgbClr val="EEECE1"/>
+        <a:srgbClr val="808080"/>
       </a:lt2>
       <a:accent1>
-        <a:srgbClr val="4F81BD"/>
+        <a:srgbClr val="BBE0E3"/>
       </a:accent1>
       <a:accent2>
-        <a:srgbClr val="C0504D"/>
+        <a:srgbClr val="333399"/>
       </a:accent2>
       <a:accent3>
-        <a:srgbClr val="9BBB59"/>
+        <a:srgbClr val="FFFFFF"/>
       </a:accent3>
       <a:accent4>
-        <a:srgbClr val="8064A2"/>
+        <a:srgbClr val="000000"/>
       </a:accent4>
       <a:accent5>
-        <a:srgbClr val="4BACC6"/>
+        <a:srgbClr val="DAEDEF"/>
       </a:accent5>
       <a:accent6>
-        <a:srgbClr val="F79646"/>
+        <a:srgbClr val="2D2D8A"/>
       </a:accent6>
       <a:hlink>
-        <a:srgbClr val="0000FF"/>
+        <a:srgbClr val="009999"/>
       </a:hlink>
       <a:folHlink>
-        <a:srgbClr val="800080"/>
+        <a:srgbClr val="99CC00"/>
       </a:folHlink>
     </a:clrScheme>
-    <a:fontScheme name="Office">
+    <a:fontScheme name="Diseño predeterminado">
       <a:majorFont>
-        <a:latin typeface="Calibri"/>
-        <a:ea typeface=""/>
-        <a:cs typeface=""/>
-        <a:font script="Jpan" typeface="ＭＳ Ｐゴシック"/>
-        <a:font script="Hang" typeface="맑은 고딕"/>
-        <a:font script="Hans" typeface="宋体"/>
-        <a:font script="Hant" typeface="新細明體"/>
-        <a:font script="Arab" typeface="Times New Roman"/>
-        <a:font script="Hebr" typeface="Times New Roman"/>
-        <a:font script="Thai" typeface="Angsana New"/>
-        <a:font script="Ethi" typeface="Nyala"/>
-        <a:font script="Beng" typeface="Vrinda"/>
-        <a:font script="Gujr" typeface="Shruti"/>
-        <a:font script="Khmr" typeface="MoolBoran"/>
-        <a:font script="Knda" typeface="Tunga"/>
-        <a:font script="Guru" typeface="Raavi"/>
-        <a:font script="Cans" typeface="Euphemia"/>
-        <a:font script="Cher" typeface="Plantagenet Cherokee"/>
-        <a:font script="Yiii" typeface="Microsoft Yi Baiti"/>
-        <a:font script="Tibt" typeface="Microsoft Himalaya"/>
-        <a:font script="Thaa" typeface="MV Boli"/>
-        <a:font script="Deva" typeface="Mangal"/>
-        <a:font script="Telu" typeface="Gautami"/>
-        <a:font script="Taml" typeface="Latha"/>
-        <a:font script="Syrc" typeface="Estrangelo Edessa"/>
-        <a:font script="Orya" typeface="Kalinga"/>
-        <a:font script="Mlym" typeface="Kartika"/>
-        <a:font script="Laoo" typeface="DokChampa"/>
-        <a:font script="Sinh" typeface="Iskoola Pota"/>
-        <a:font script="Mong" typeface="Mongolian Baiti"/>
-        <a:font script="Viet" typeface="Times New Roman"/>
-        <a:font script="Uigh" typeface="Microsoft Uighur"/>
-        <a:font script="Geor" typeface="Sylfaen"/>
+        <a:latin typeface="Arial"/>
+        <a:ea typeface="ＭＳ Ｐゴシック"/>
+        <a:cs typeface="Arial"/>
       </a:majorFont>
       <a:minorFont>
-        <a:latin typeface="Calibri"/>
-        <a:ea typeface=""/>
-        <a:cs typeface=""/>
-        <a:font script="Jpan" typeface="ＭＳ Ｐゴシック"/>
-        <a:font script="Hang" typeface="맑은 고딕"/>
-        <a:font script="Hans" typeface="宋体"/>
-        <a:font script="Hant" typeface="新細明體"/>
-        <a:font script="Arab" typeface="Arial"/>
-        <a:font script="Hebr" typeface="Arial"/>
-        <a:font script="Thai" typeface="Cordia New"/>
-        <a:font script="Ethi" typeface="Nyala"/>
-        <a:font script="Beng" typeface="Vrinda"/>
-        <a:font script="Gujr" typeface="Shruti"/>
-        <a:font script="Khmr" typeface="DaunPenh"/>
-        <a:font script="Knda" typeface="Tunga"/>
-        <a:font script="Guru" typeface="Raavi"/>
-        <a:font script="Cans" typeface="Euphemia"/>
-        <a:font script="Cher" typeface="Plantagenet Cherokee"/>
-        <a:font script="Yiii" typeface="Microsoft Yi Baiti"/>
-        <a:font script="Tibt" typeface="Microsoft Himalaya"/>
-        <a:font script="Thaa" typeface="MV Boli"/>
-        <a:font script="Deva" typeface="Mangal"/>
-        <a:font script="Telu" typeface="Gautami"/>
-        <a:font script="Taml" typeface="Latha"/>
-        <a:font script="Syrc" typeface="Estrangelo Edessa"/>
-        <a:font script="Orya" typeface="Kalinga"/>
-        <a:font script="Mlym" typeface="Kartika"/>
-        <a:font script="Laoo" typeface="DokChampa"/>
-        <a:font script="Sinh" typeface="Iskoola Pota"/>
-        <a:font script="Mong" typeface="Mongolian Baiti"/>
-        <a:font script="Viet" typeface="Arial"/>
-        <a:font script="Uigh" typeface="Microsoft Uighur"/>
-        <a:font script="Geor" typeface="Sylfaen"/>
+        <a:latin typeface="Arial"/>
+        <a:ea typeface="ＭＳ Ｐゴシック"/>
+        <a:cs typeface="Arial"/>
       </a:minorFont>
     </a:fontScheme>
     <a:fmtScheme name="Office">
@@ -3503,6 +4768,499 @@
       </a:style>
     </a:lnDef>
   </a:objectDefaults>
-  <a:extraClrSchemeLst/>
+  <a:extraClrSchemeLst>
+    <a:extraClrScheme>
+      <a:clrScheme name="Diseño predeterminado 1">
+        <a:dk1>
+          <a:srgbClr val="000000"/>
+        </a:dk1>
+        <a:lt1>
+          <a:srgbClr val="FFFFFF"/>
+        </a:lt1>
+        <a:dk2>
+          <a:srgbClr val="000000"/>
+        </a:dk2>
+        <a:lt2>
+          <a:srgbClr val="808080"/>
+        </a:lt2>
+        <a:accent1>
+          <a:srgbClr val="BBE0E3"/>
+        </a:accent1>
+        <a:accent2>
+          <a:srgbClr val="333399"/>
+        </a:accent2>
+        <a:accent3>
+          <a:srgbClr val="FFFFFF"/>
+        </a:accent3>
+        <a:accent4>
+          <a:srgbClr val="000000"/>
+        </a:accent4>
+        <a:accent5>
+          <a:srgbClr val="DAEDEF"/>
+        </a:accent5>
+        <a:accent6>
+          <a:srgbClr val="2D2D8A"/>
+        </a:accent6>
+        <a:hlink>
+          <a:srgbClr val="009999"/>
+        </a:hlink>
+        <a:folHlink>
+          <a:srgbClr val="99CC00"/>
+        </a:folHlink>
+      </a:clrScheme>
+      <a:clrMap bg1="lt1" tx1="dk1" bg2="lt2" tx2="dk2" accent1="accent1" accent2="accent2" accent3="accent3" accent4="accent4" accent5="accent5" accent6="accent6" hlink="hlink" folHlink="folHlink"/>
+    </a:extraClrScheme>
+    <a:extraClrScheme>
+      <a:clrScheme name="Diseño predeterminado 2">
+        <a:dk1>
+          <a:srgbClr val="000000"/>
+        </a:dk1>
+        <a:lt1>
+          <a:srgbClr val="FFFFFF"/>
+        </a:lt1>
+        <a:dk2>
+          <a:srgbClr val="000000"/>
+        </a:dk2>
+        <a:lt2>
+          <a:srgbClr val="969696"/>
+        </a:lt2>
+        <a:accent1>
+          <a:srgbClr val="FBDF53"/>
+        </a:accent1>
+        <a:accent2>
+          <a:srgbClr val="FF9966"/>
+        </a:accent2>
+        <a:accent3>
+          <a:srgbClr val="FFFFFF"/>
+        </a:accent3>
+        <a:accent4>
+          <a:srgbClr val="000000"/>
+        </a:accent4>
+        <a:accent5>
+          <a:srgbClr val="FDECB3"/>
+        </a:accent5>
+        <a:accent6>
+          <a:srgbClr val="E78A5C"/>
+        </a:accent6>
+        <a:hlink>
+          <a:srgbClr val="CC3300"/>
+        </a:hlink>
+        <a:folHlink>
+          <a:srgbClr val="996600"/>
+        </a:folHlink>
+      </a:clrScheme>
+      <a:clrMap bg1="lt1" tx1="dk1" bg2="lt2" tx2="dk2" accent1="accent1" accent2="accent2" accent3="accent3" accent4="accent4" accent5="accent5" accent6="accent6" hlink="hlink" folHlink="folHlink"/>
+    </a:extraClrScheme>
+    <a:extraClrScheme>
+      <a:clrScheme name="Diseño predeterminado 3">
+        <a:dk1>
+          <a:srgbClr val="000000"/>
+        </a:dk1>
+        <a:lt1>
+          <a:srgbClr val="FFFFFF"/>
+        </a:lt1>
+        <a:dk2>
+          <a:srgbClr val="000000"/>
+        </a:dk2>
+        <a:lt2>
+          <a:srgbClr val="808080"/>
+        </a:lt2>
+        <a:accent1>
+          <a:srgbClr val="99CCFF"/>
+        </a:accent1>
+        <a:accent2>
+          <a:srgbClr val="CCCCFF"/>
+        </a:accent2>
+        <a:accent3>
+          <a:srgbClr val="FFFFFF"/>
+        </a:accent3>
+        <a:accent4>
+          <a:srgbClr val="000000"/>
+        </a:accent4>
+        <a:accent5>
+          <a:srgbClr val="CAE2FF"/>
+        </a:accent5>
+        <a:accent6>
+          <a:srgbClr val="B9B9E7"/>
+        </a:accent6>
+        <a:hlink>
+          <a:srgbClr val="3333CC"/>
+        </a:hlink>
+        <a:folHlink>
+          <a:srgbClr val="AF67FF"/>
+        </a:folHlink>
+      </a:clrScheme>
+      <a:clrMap bg1="lt1" tx1="dk1" bg2="lt2" tx2="dk2" accent1="accent1" accent2="accent2" accent3="accent3" accent4="accent4" accent5="accent5" accent6="accent6" hlink="hlink" folHlink="folHlink"/>
+    </a:extraClrScheme>
+    <a:extraClrScheme>
+      <a:clrScheme name="Diseño predeterminado 4">
+        <a:dk1>
+          <a:srgbClr val="000000"/>
+        </a:dk1>
+        <a:lt1>
+          <a:srgbClr val="DEF6F1"/>
+        </a:lt1>
+        <a:dk2>
+          <a:srgbClr val="000000"/>
+        </a:dk2>
+        <a:lt2>
+          <a:srgbClr val="969696"/>
+        </a:lt2>
+        <a:accent1>
+          <a:srgbClr val="FFFFFF"/>
+        </a:accent1>
+        <a:accent2>
+          <a:srgbClr val="8DC6FF"/>
+        </a:accent2>
+        <a:accent3>
+          <a:srgbClr val="ECFAF7"/>
+        </a:accent3>
+        <a:accent4>
+          <a:srgbClr val="000000"/>
+        </a:accent4>
+        <a:accent5>
+          <a:srgbClr val="FFFFFF"/>
+        </a:accent5>
+        <a:accent6>
+          <a:srgbClr val="7FB3E7"/>
+        </a:accent6>
+        <a:hlink>
+          <a:srgbClr val="0066CC"/>
+        </a:hlink>
+        <a:folHlink>
+          <a:srgbClr val="00A800"/>
+        </a:folHlink>
+      </a:clrScheme>
+      <a:clrMap bg1="lt1" tx1="dk1" bg2="lt2" tx2="dk2" accent1="accent1" accent2="accent2" accent3="accent3" accent4="accent4" accent5="accent5" accent6="accent6" hlink="hlink" folHlink="folHlink"/>
+    </a:extraClrScheme>
+    <a:extraClrScheme>
+      <a:clrScheme name="Diseño predeterminado 5">
+        <a:dk1>
+          <a:srgbClr val="000000"/>
+        </a:dk1>
+        <a:lt1>
+          <a:srgbClr val="FFFFD9"/>
+        </a:lt1>
+        <a:dk2>
+          <a:srgbClr val="000000"/>
+        </a:dk2>
+        <a:lt2>
+          <a:srgbClr val="777777"/>
+        </a:lt2>
+        <a:accent1>
+          <a:srgbClr val="FFFFF7"/>
+        </a:accent1>
+        <a:accent2>
+          <a:srgbClr val="33CCCC"/>
+        </a:accent2>
+        <a:accent3>
+          <a:srgbClr val="FFFFE9"/>
+        </a:accent3>
+        <a:accent4>
+          <a:srgbClr val="000000"/>
+        </a:accent4>
+        <a:accent5>
+          <a:srgbClr val="FFFFFA"/>
+        </a:accent5>
+        <a:accent6>
+          <a:srgbClr val="2DB9B9"/>
+        </a:accent6>
+        <a:hlink>
+          <a:srgbClr val="FF5050"/>
+        </a:hlink>
+        <a:folHlink>
+          <a:srgbClr val="FF9900"/>
+        </a:folHlink>
+      </a:clrScheme>
+      <a:clrMap bg1="lt1" tx1="dk1" bg2="lt2" tx2="dk2" accent1="accent1" accent2="accent2" accent3="accent3" accent4="accent4" accent5="accent5" accent6="accent6" hlink="hlink" folHlink="folHlink"/>
+    </a:extraClrScheme>
+    <a:extraClrScheme>
+      <a:clrScheme name="Diseño predeterminado 6">
+        <a:dk1>
+          <a:srgbClr val="005A58"/>
+        </a:dk1>
+        <a:lt1>
+          <a:srgbClr val="FFFFFF"/>
+        </a:lt1>
+        <a:dk2>
+          <a:srgbClr val="008080"/>
+        </a:dk2>
+        <a:lt2>
+          <a:srgbClr val="FFFF99"/>
+        </a:lt2>
+        <a:accent1>
+          <a:srgbClr val="006462"/>
+        </a:accent1>
+        <a:accent2>
+          <a:srgbClr val="6D6FC7"/>
+        </a:accent2>
+        <a:accent3>
+          <a:srgbClr val="AAC0C0"/>
+        </a:accent3>
+        <a:accent4>
+          <a:srgbClr val="DADADA"/>
+        </a:accent4>
+        <a:accent5>
+          <a:srgbClr val="AAB8B7"/>
+        </a:accent5>
+        <a:accent6>
+          <a:srgbClr val="6264B4"/>
+        </a:accent6>
+        <a:hlink>
+          <a:srgbClr val="00FFFF"/>
+        </a:hlink>
+        <a:folHlink>
+          <a:srgbClr val="00FF00"/>
+        </a:folHlink>
+      </a:clrScheme>
+      <a:clrMap bg1="dk2" tx1="lt1" bg2="dk1" tx2="lt2" accent1="accent1" accent2="accent2" accent3="accent3" accent4="accent4" accent5="accent5" accent6="accent6" hlink="hlink" folHlink="folHlink"/>
+    </a:extraClrScheme>
+    <a:extraClrScheme>
+      <a:clrScheme name="Diseño predeterminado 7">
+        <a:dk1>
+          <a:srgbClr val="5C1F00"/>
+        </a:dk1>
+        <a:lt1>
+          <a:srgbClr val="FFFFFF"/>
+        </a:lt1>
+        <a:dk2>
+          <a:srgbClr val="800000"/>
+        </a:dk2>
+        <a:lt2>
+          <a:srgbClr val="DFD293"/>
+        </a:lt2>
+        <a:accent1>
+          <a:srgbClr val="CC3300"/>
+        </a:accent1>
+        <a:accent2>
+          <a:srgbClr val="BE7960"/>
+        </a:accent2>
+        <a:accent3>
+          <a:srgbClr val="C0AAAA"/>
+        </a:accent3>
+        <a:accent4>
+          <a:srgbClr val="DADADA"/>
+        </a:accent4>
+        <a:accent5>
+          <a:srgbClr val="E2ADAA"/>
+        </a:accent5>
+        <a:accent6>
+          <a:srgbClr val="AC6D56"/>
+        </a:accent6>
+        <a:hlink>
+          <a:srgbClr val="FFFF99"/>
+        </a:hlink>
+        <a:folHlink>
+          <a:srgbClr val="D3A219"/>
+        </a:folHlink>
+      </a:clrScheme>
+      <a:clrMap bg1="dk2" tx1="lt1" bg2="dk1" tx2="lt2" accent1="accent1" accent2="accent2" accent3="accent3" accent4="accent4" accent5="accent5" accent6="accent6" hlink="hlink" folHlink="folHlink"/>
+    </a:extraClrScheme>
+    <a:extraClrScheme>
+      <a:clrScheme name="Diseño predeterminado 8">
+        <a:dk1>
+          <a:srgbClr val="003366"/>
+        </a:dk1>
+        <a:lt1>
+          <a:srgbClr val="FFFFFF"/>
+        </a:lt1>
+        <a:dk2>
+          <a:srgbClr val="000099"/>
+        </a:dk2>
+        <a:lt2>
+          <a:srgbClr val="CCFFFF"/>
+        </a:lt2>
+        <a:accent1>
+          <a:srgbClr val="3366CC"/>
+        </a:accent1>
+        <a:accent2>
+          <a:srgbClr val="00B000"/>
+        </a:accent2>
+        <a:accent3>
+          <a:srgbClr val="AAAACA"/>
+        </a:accent3>
+        <a:accent4>
+          <a:srgbClr val="DADADA"/>
+        </a:accent4>
+        <a:accent5>
+          <a:srgbClr val="ADB8E2"/>
+        </a:accent5>
+        <a:accent6>
+          <a:srgbClr val="009F00"/>
+        </a:accent6>
+        <a:hlink>
+          <a:srgbClr val="66CCFF"/>
+        </a:hlink>
+        <a:folHlink>
+          <a:srgbClr val="FFE701"/>
+        </a:folHlink>
+      </a:clrScheme>
+      <a:clrMap bg1="dk2" tx1="lt1" bg2="dk1" tx2="lt2" accent1="accent1" accent2="accent2" accent3="accent3" accent4="accent4" accent5="accent5" accent6="accent6" hlink="hlink" folHlink="folHlink"/>
+    </a:extraClrScheme>
+    <a:extraClrScheme>
+      <a:clrScheme name="Diseño predeterminado 9">
+        <a:dk1>
+          <a:srgbClr val="336699"/>
+        </a:dk1>
+        <a:lt1>
+          <a:srgbClr val="FFFFFF"/>
+        </a:lt1>
+        <a:dk2>
+          <a:srgbClr val="000000"/>
+        </a:dk2>
+        <a:lt2>
+          <a:srgbClr val="E3EBF1"/>
+        </a:lt2>
+        <a:accent1>
+          <a:srgbClr val="003399"/>
+        </a:accent1>
+        <a:accent2>
+          <a:srgbClr val="468A4B"/>
+        </a:accent2>
+        <a:accent3>
+          <a:srgbClr val="AAAAAA"/>
+        </a:accent3>
+        <a:accent4>
+          <a:srgbClr val="DADADA"/>
+        </a:accent4>
+        <a:accent5>
+          <a:srgbClr val="AAADCA"/>
+        </a:accent5>
+        <a:accent6>
+          <a:srgbClr val="3F7D43"/>
+        </a:accent6>
+        <a:hlink>
+          <a:srgbClr val="66CCFF"/>
+        </a:hlink>
+        <a:folHlink>
+          <a:srgbClr val="F0E500"/>
+        </a:folHlink>
+      </a:clrScheme>
+      <a:clrMap bg1="dk2" tx1="lt1" bg2="dk1" tx2="lt2" accent1="accent1" accent2="accent2" accent3="accent3" accent4="accent4" accent5="accent5" accent6="accent6" hlink="hlink" folHlink="folHlink"/>
+    </a:extraClrScheme>
+    <a:extraClrScheme>
+      <a:clrScheme name="Diseño predeterminado 10">
+        <a:dk1>
+          <a:srgbClr val="777777"/>
+        </a:dk1>
+        <a:lt1>
+          <a:srgbClr val="FFFFFF"/>
+        </a:lt1>
+        <a:dk2>
+          <a:srgbClr val="686B5D"/>
+        </a:dk2>
+        <a:lt2>
+          <a:srgbClr val="D1D1CB"/>
+        </a:lt2>
+        <a:accent1>
+          <a:srgbClr val="909082"/>
+        </a:accent1>
+        <a:accent2>
+          <a:srgbClr val="809EA8"/>
+        </a:accent2>
+        <a:accent3>
+          <a:srgbClr val="B9BAB6"/>
+        </a:accent3>
+        <a:accent4>
+          <a:srgbClr val="DADADA"/>
+        </a:accent4>
+        <a:accent5>
+          <a:srgbClr val="C6C6C1"/>
+        </a:accent5>
+        <a:accent6>
+          <a:srgbClr val="738F98"/>
+        </a:accent6>
+        <a:hlink>
+          <a:srgbClr val="FFCC66"/>
+        </a:hlink>
+        <a:folHlink>
+          <a:srgbClr val="E9DCB9"/>
+        </a:folHlink>
+      </a:clrScheme>
+      <a:clrMap bg1="dk2" tx1="lt1" bg2="dk1" tx2="lt2" accent1="accent1" accent2="accent2" accent3="accent3" accent4="accent4" accent5="accent5" accent6="accent6" hlink="hlink" folHlink="folHlink"/>
+    </a:extraClrScheme>
+    <a:extraClrScheme>
+      <a:clrScheme name="Diseño predeterminado 11">
+        <a:dk1>
+          <a:srgbClr val="3E3E5C"/>
+        </a:dk1>
+        <a:lt1>
+          <a:srgbClr val="FFFFFF"/>
+        </a:lt1>
+        <a:dk2>
+          <a:srgbClr val="666699"/>
+        </a:dk2>
+        <a:lt2>
+          <a:srgbClr val="FFFFFF"/>
+        </a:lt2>
+        <a:accent1>
+          <a:srgbClr val="60597B"/>
+        </a:accent1>
+        <a:accent2>
+          <a:srgbClr val="6666FF"/>
+        </a:accent2>
+        <a:accent3>
+          <a:srgbClr val="B8B8CA"/>
+        </a:accent3>
+        <a:accent4>
+          <a:srgbClr val="DADADA"/>
+        </a:accent4>
+        <a:accent5>
+          <a:srgbClr val="B6B5BF"/>
+        </a:accent5>
+        <a:accent6>
+          <a:srgbClr val="5C5CE7"/>
+        </a:accent6>
+        <a:hlink>
+          <a:srgbClr val="99CCFF"/>
+        </a:hlink>
+        <a:folHlink>
+          <a:srgbClr val="FFFF99"/>
+        </a:folHlink>
+      </a:clrScheme>
+      <a:clrMap bg1="dk2" tx1="lt1" bg2="dk1" tx2="lt2" accent1="accent1" accent2="accent2" accent3="accent3" accent4="accent4" accent5="accent5" accent6="accent6" hlink="hlink" folHlink="folHlink"/>
+    </a:extraClrScheme>
+    <a:extraClrScheme>
+      <a:clrScheme name="Diseño predeterminado 12">
+        <a:dk1>
+          <a:srgbClr val="2D2015"/>
+        </a:dk1>
+        <a:lt1>
+          <a:srgbClr val="FFFFFF"/>
+        </a:lt1>
+        <a:dk2>
+          <a:srgbClr val="523E26"/>
+        </a:dk2>
+        <a:lt2>
+          <a:srgbClr val="DFC08D"/>
+        </a:lt2>
+        <a:accent1>
+          <a:srgbClr val="8C7B70"/>
+        </a:accent1>
+        <a:accent2>
+          <a:srgbClr val="8F5F2F"/>
+        </a:accent2>
+        <a:accent3>
+          <a:srgbClr val="B3AFAC"/>
+        </a:accent3>
+        <a:accent4>
+          <a:srgbClr val="DADADA"/>
+        </a:accent4>
+        <a:accent5>
+          <a:srgbClr val="C5BFBB"/>
+        </a:accent5>
+        <a:accent6>
+          <a:srgbClr val="81552A"/>
+        </a:accent6>
+        <a:hlink>
+          <a:srgbClr val="CCB400"/>
+        </a:hlink>
+        <a:folHlink>
+          <a:srgbClr val="8C9EA0"/>
+        </a:folHlink>
+      </a:clrScheme>
+      <a:clrMap bg1="dk2" tx1="lt1" bg2="dk1" tx2="lt2" accent1="accent1" accent2="accent2" accent3="accent3" accent4="accent4" accent5="accent5" accent6="accent6" hlink="hlink" folHlink="folHlink"/>
+    </a:extraClrScheme>
+  </a:extraClrSchemeLst>
 </a:theme>
 </file>
--- a/jmva_presentation.pptx
+++ b/jmva_presentation.pptx
@@ -9,6 +9,9 @@
     <p:sldId id="258" r:id="rId3"/>
     <p:sldId id="260" r:id="rId4"/>
     <p:sldId id="259" r:id="rId5"/>
+    <p:sldId id="261" r:id="rId6"/>
+    <p:sldId id="262" r:id="rId7"/>
+    <p:sldId id="263" r:id="rId8"/>
   </p:sldIdLst>
   <p:sldSz cx="9144000" cy="6858000" type="screen4x3"/>
   <p:notesSz cx="6858000" cy="9144000"/>
@@ -2743,7 +2746,7 @@
   <p:cSld>
     <p:bg>
       <p:bgPr>
-        <a:blipFill dpi="0" rotWithShape="0">
+        <a:blipFill dpi="0" rotWithShape="1">
           <a:blip r:embed="rId13"/>
           <a:srcRect/>
           <a:stretch>
@@ -4021,8 +4024,8 @@
         </p:nvSpPr>
         <p:spPr>
           <a:xfrm>
-            <a:off x="457200" y="1219200"/>
-            <a:ext cx="8229600" cy="4525963"/>
+            <a:off x="184726" y="1064494"/>
+            <a:ext cx="8763001" cy="5239324"/>
           </a:xfrm>
         </p:spPr>
         <p:txBody>
@@ -4034,7 +4037,7 @@
                 <a:latin typeface="Monaco"/>
                 <a:cs typeface="Monaco"/>
               </a:rPr>
-              <a:t>Initial Steps:</a:t>
+              <a:t>Initial Steps</a:t>
             </a:r>
           </a:p>
           <a:p>
@@ -4082,6 +4085,9 @@
             </a:r>
             <a:r>
               <a:rPr lang="en-US" sz="1600" dirty="0" smtClean="0">
+                <a:solidFill>
+                  <a:srgbClr val="FF0000"/>
+                </a:solidFill>
                 <a:latin typeface="Courier New"/>
                 <a:cs typeface="Courier New"/>
               </a:rPr>
@@ -4113,14 +4119,7 @@
                 <a:latin typeface="Monaco"/>
                 <a:cs typeface="Monaco"/>
               </a:rPr>
-              <a:t> </a:t>
-            </a:r>
-            <a:r>
-              <a:rPr lang="en-US" sz="1600" dirty="0" smtClean="0">
-                <a:latin typeface="Monaco"/>
-                <a:cs typeface="Monaco"/>
-              </a:rPr>
-              <a:t>(3 exist in the code) and ran it to determine relationship between JMT and JMVA</a:t>
+              <a:t> (3 exist in the code) and ran it to determine relationship between JMT and JMVA</a:t>
             </a:r>
           </a:p>
           <a:p>
@@ -4161,21 +4160,14 @@
                 <a:latin typeface="Courier New"/>
                 <a:cs typeface="Courier New"/>
               </a:rPr>
-              <a:t>Jbutton</a:t>
+              <a:t>JButton</a:t>
             </a:r>
             <a:r>
               <a:rPr lang="en-US" sz="1600" dirty="0" smtClean="0">
                 <a:latin typeface="Monaco"/>
                 <a:cs typeface="Monaco"/>
               </a:rPr>
-              <a:t> </a:t>
-            </a:r>
-            <a:r>
-              <a:rPr lang="en-US" sz="1600" dirty="0" smtClean="0">
-                <a:latin typeface="Monaco"/>
-                <a:cs typeface="Monaco"/>
-              </a:rPr>
-              <a:t>and </a:t>
+              <a:t> and </a:t>
             </a:r>
             <a:r>
               <a:rPr lang="en-US" sz="1600" dirty="0" err="1" smtClean="0">
@@ -4202,7 +4194,7 @@
                 <a:latin typeface="Monaco"/>
                 <a:cs typeface="Monaco"/>
               </a:rPr>
-              <a:t>Deeper Analysis using Dependency Matrix</a:t>
+              <a:t>Functionality of Application</a:t>
             </a:r>
           </a:p>
           <a:p>
@@ -4212,59 +4204,150 @@
                 <a:latin typeface="Monaco"/>
                 <a:cs typeface="Monaco"/>
               </a:rPr>
-              <a:t>IntelliJ Pro Dependency Matrix of JMVA (Figure 1) shows the coupling between packages (i.e. </a:t>
-            </a:r>
-            <a:r>
-              <a:rPr lang="en-US" sz="1600" dirty="0" smtClean="0">
-                <a:latin typeface="Courier New"/>
-                <a:cs typeface="Courier New"/>
-              </a:rPr>
-              <a:t>exact </a:t>
-            </a:r>
+              <a:t>JMVA button displays input fields for solution to Mean-Value-Analysis problem from queuing theory</a:t>
+            </a:r>
+          </a:p>
+          <a:p>
+            <a:pPr lvl="1"/>
             <a:r>
               <a:rPr lang="en-US" sz="1600" dirty="0" smtClean="0">
                 <a:latin typeface="Monaco"/>
                 <a:cs typeface="Monaco"/>
               </a:rPr>
-              <a:t>package depends on </a:t>
-            </a:r>
-            <a:r>
-              <a:rPr lang="en-US" sz="1600" dirty="0" smtClean="0">
-                <a:latin typeface="Courier New"/>
-                <a:cs typeface="Courier New"/>
-              </a:rPr>
-              <a:t>analytical </a:t>
-            </a:r>
-            <a:r>
-              <a:rPr lang="en-US" sz="1600" dirty="0" smtClean="0">
+              <a:t>The network model is defined by </a:t>
+            </a:r>
+            <a:r>
+              <a:rPr lang="en-US" sz="1600" dirty="0" smtClean="0">
+                <a:solidFill>
+                  <a:srgbClr val="008000"/>
+                </a:solidFill>
                 <a:latin typeface="Monaco"/>
                 <a:cs typeface="Monaco"/>
               </a:rPr>
-              <a:t>package, etc.)</a:t>
-            </a:r>
-          </a:p>
-          <a:p>
-            <a:pPr lvl="1"/>
-            <a:endParaRPr lang="en-US" sz="1600" dirty="0" smtClean="0">
-              <a:latin typeface="Monaco"/>
-              <a:cs typeface="Monaco"/>
-            </a:endParaRPr>
-          </a:p>
-          <a:p>
-            <a:pPr lvl="1"/>
+              <a:t>classes</a:t>
+            </a:r>
             <a:r>
               <a:rPr lang="en-US" sz="1600" dirty="0" smtClean="0">
                 <a:latin typeface="Monaco"/>
                 <a:cs typeface="Monaco"/>
               </a:rPr>
-              <a:t>Use of JDepend was not helpful because of the size of the project and large number of circular dependencies</a:t>
-            </a:r>
-          </a:p>
-          <a:p>
-            <a:endParaRPr lang="en-US" sz="2000" dirty="0" smtClean="0">
-              <a:latin typeface="Monaco"/>
-              <a:cs typeface="Monaco"/>
-            </a:endParaRPr>
+              <a:t>, </a:t>
+            </a:r>
+            <a:r>
+              <a:rPr lang="en-US" sz="1600" dirty="0" smtClean="0">
+                <a:solidFill>
+                  <a:srgbClr val="008000"/>
+                </a:solidFill>
+                <a:latin typeface="Monaco"/>
+                <a:cs typeface="Monaco"/>
+              </a:rPr>
+              <a:t>stations</a:t>
+            </a:r>
+            <a:r>
+              <a:rPr lang="en-US" sz="1600" dirty="0" smtClean="0">
+                <a:latin typeface="Monaco"/>
+                <a:cs typeface="Monaco"/>
+              </a:rPr>
+              <a:t>, </a:t>
+            </a:r>
+            <a:r>
+              <a:rPr lang="en-US" sz="1600" dirty="0" smtClean="0">
+                <a:solidFill>
+                  <a:srgbClr val="008000"/>
+                </a:solidFill>
+                <a:latin typeface="Monaco"/>
+                <a:cs typeface="Monaco"/>
+              </a:rPr>
+              <a:t>service time</a:t>
+            </a:r>
+            <a:r>
+              <a:rPr lang="en-US" sz="1600" dirty="0" smtClean="0">
+                <a:latin typeface="Monaco"/>
+                <a:cs typeface="Monaco"/>
+              </a:rPr>
+              <a:t>, etc.</a:t>
+            </a:r>
+          </a:p>
+          <a:p>
+            <a:pPr lvl="1"/>
+            <a:r>
+              <a:rPr lang="en-US" sz="1600" dirty="0" smtClean="0">
+                <a:latin typeface="Monaco"/>
+                <a:cs typeface="Monaco"/>
+              </a:rPr>
+              <a:t>What-if analysis can be performed by means of different values of parameters</a:t>
+            </a:r>
+          </a:p>
+          <a:p>
+            <a:pPr lvl="1"/>
+            <a:r>
+              <a:rPr lang="en-US" sz="1600" dirty="0" smtClean="0">
+                <a:latin typeface="Monaco"/>
+                <a:cs typeface="Monaco"/>
+              </a:rPr>
+              <a:t>The analysis of network performance will be represented in terms of </a:t>
+            </a:r>
+            <a:r>
+              <a:rPr lang="en-US" sz="1600" dirty="0" smtClean="0">
+                <a:solidFill>
+                  <a:srgbClr val="008000"/>
+                </a:solidFill>
+                <a:latin typeface="Monaco"/>
+                <a:cs typeface="Monaco"/>
+              </a:rPr>
+              <a:t>throughput</a:t>
+            </a:r>
+            <a:r>
+              <a:rPr lang="en-US" sz="1600" dirty="0" smtClean="0">
+                <a:latin typeface="Monaco"/>
+                <a:cs typeface="Monaco"/>
+              </a:rPr>
+              <a:t>, </a:t>
+            </a:r>
+            <a:r>
+              <a:rPr lang="en-US" sz="1600" dirty="0" smtClean="0">
+                <a:solidFill>
+                  <a:srgbClr val="008000"/>
+                </a:solidFill>
+                <a:latin typeface="Monaco"/>
+                <a:cs typeface="Monaco"/>
+              </a:rPr>
+              <a:t>utilization</a:t>
+            </a:r>
+            <a:r>
+              <a:rPr lang="en-US" sz="1600" dirty="0" smtClean="0">
+                <a:latin typeface="Monaco"/>
+                <a:cs typeface="Monaco"/>
+              </a:rPr>
+              <a:t>, </a:t>
+            </a:r>
+            <a:r>
+              <a:rPr lang="en-US" sz="1600" dirty="0" smtClean="0">
+                <a:solidFill>
+                  <a:srgbClr val="008000"/>
+                </a:solidFill>
+                <a:latin typeface="Monaco"/>
+                <a:cs typeface="Monaco"/>
+              </a:rPr>
+              <a:t>system response time</a:t>
+            </a:r>
+            <a:r>
+              <a:rPr lang="en-US" sz="1600" dirty="0" smtClean="0">
+                <a:latin typeface="Monaco"/>
+                <a:cs typeface="Monaco"/>
+              </a:rPr>
+              <a:t>, etc.</a:t>
+            </a:r>
+          </a:p>
+          <a:p>
+            <a:pPr lvl="1"/>
+            <a:r>
+              <a:rPr lang="en-US" sz="1600" dirty="0" smtClean="0">
+                <a:latin typeface="Monaco"/>
+                <a:cs typeface="Monaco"/>
+              </a:rPr>
+              <a:t>What-if solutions can be displayed in graphical or textual form</a:t>
+            </a:r>
           </a:p>
           <a:p>
             <a:pPr lvl="1"/>
@@ -4285,6 +4368,13 @@
   <p:clrMapOvr>
     <a:masterClrMapping/>
   </p:clrMapOvr>
+  <p:timing>
+    <p:tnLst>
+      <p:par>
+        <p:cTn xmlns:p14="http://schemas.microsoft.com/office/powerpoint/2010/main" id="1" dur="indefinite" restart="never" nodeType="tmRoot"/>
+      </p:par>
+    </p:tnLst>
+  </p:timing>
 </p:sld>
 </file>
 
@@ -4338,7 +4428,7 @@
                 <a:latin typeface="Bank Gothic"/>
                 <a:cs typeface="Bank Gothic"/>
               </a:rPr>
-              <a:t>Deciphering the Codebase</a:t>
+              <a:t>Graphing the Structure</a:t>
             </a:r>
             <a:endParaRPr lang="en-US" sz="3200" dirty="0">
               <a:latin typeface="Bank Gothic"/>
@@ -4357,50 +4447,284 @@
             <p:ph idx="1"/>
           </p:nvPr>
         </p:nvSpPr>
-        <p:spPr/>
+        <p:spPr>
+          <a:xfrm>
+            <a:off x="457200" y="1149928"/>
+            <a:ext cx="8229600" cy="5303981"/>
+          </a:xfrm>
+        </p:spPr>
         <p:txBody>
           <a:bodyPr/>
           <a:lstStyle/>
           <a:p>
-            <a:endParaRPr lang="en-US" sz="2000" dirty="0" smtClean="0">
+            <a:r>
+              <a:rPr lang="en-US" sz="2000" dirty="0" smtClean="0">
+                <a:latin typeface="Monaco"/>
+                <a:cs typeface="Monaco"/>
+              </a:rPr>
+              <a:t>Deeper Analysis</a:t>
+            </a:r>
+          </a:p>
+          <a:p>
+            <a:pPr lvl="1"/>
+            <a:r>
+              <a:rPr lang="en-US" sz="1600" dirty="0" smtClean="0">
+                <a:latin typeface="Monaco"/>
+                <a:cs typeface="Monaco"/>
+              </a:rPr>
+              <a:t>Use of JDepend was not helpful because of the size of the project and large number of circular dependencies</a:t>
+            </a:r>
+          </a:p>
+          <a:p>
+            <a:pPr lvl="1"/>
+            <a:r>
+              <a:rPr lang="en-US" sz="1600" dirty="0" smtClean="0">
+                <a:latin typeface="Monaco"/>
+                <a:cs typeface="Monaco"/>
+              </a:rPr>
+              <a:t>IntelliJ Pro Dependency Matrix of JMVA (Figure 1) shows the coupling between packages (i.e. </a:t>
+            </a:r>
+            <a:r>
+              <a:rPr lang="en-US" sz="1600" dirty="0" smtClean="0">
+                <a:latin typeface="Courier New"/>
+                <a:cs typeface="Courier New"/>
+              </a:rPr>
+              <a:t>analytical </a:t>
+            </a:r>
+            <a:r>
+              <a:rPr lang="en-US" sz="1600" dirty="0" smtClean="0">
+                <a:latin typeface="Monaco"/>
+                <a:cs typeface="Monaco"/>
+              </a:rPr>
+              <a:t>package depends on </a:t>
+            </a:r>
+            <a:r>
+              <a:rPr lang="en-US" sz="1600" dirty="0" smtClean="0">
+                <a:latin typeface="Courier New"/>
+                <a:cs typeface="Courier New"/>
+              </a:rPr>
+              <a:t>common </a:t>
+            </a:r>
+            <a:r>
+              <a:rPr lang="en-US" sz="1600" dirty="0" smtClean="0">
+                <a:latin typeface="Monaco"/>
+                <a:cs typeface="Monaco"/>
+              </a:rPr>
+              <a:t>package in 74 places, etc.)</a:t>
+            </a:r>
+          </a:p>
+          <a:p>
+            <a:pPr lvl="1"/>
+            <a:r>
+              <a:rPr lang="en-US" sz="1600" dirty="0" smtClean="0">
+                <a:latin typeface="Monaco"/>
+                <a:cs typeface="Monaco"/>
+              </a:rPr>
+              <a:t>Strong circular link between </a:t>
+            </a:r>
+            <a:r>
+              <a:rPr lang="en-US" sz="1600" dirty="0" err="1" smtClean="0">
+                <a:latin typeface="Courier New"/>
+                <a:cs typeface="Courier New"/>
+              </a:rPr>
+              <a:t>gui</a:t>
+            </a:r>
+            <a:r>
+              <a:rPr lang="en-US" sz="1600" dirty="0" smtClean="0">
+                <a:latin typeface="Courier New"/>
+                <a:cs typeface="Courier New"/>
+              </a:rPr>
+              <a:t> </a:t>
+            </a:r>
+            <a:r>
+              <a:rPr lang="en-US" sz="1600" dirty="0" smtClean="0">
+                <a:latin typeface="Monaco"/>
+                <a:cs typeface="Monaco"/>
+              </a:rPr>
+              <a:t>and </a:t>
+            </a:r>
+            <a:r>
+              <a:rPr lang="en-US" sz="1600" dirty="0" smtClean="0">
+                <a:latin typeface="Courier New"/>
+                <a:cs typeface="Courier New"/>
+              </a:rPr>
+              <a:t>analytical</a:t>
+            </a:r>
+            <a:r>
+              <a:rPr lang="en-US" sz="1600" dirty="0">
+                <a:latin typeface="Monaco"/>
+                <a:cs typeface="Monaco"/>
+              </a:rPr>
+              <a:t> </a:t>
+            </a:r>
+            <a:r>
+              <a:rPr lang="en-US" sz="1600" dirty="0" smtClean="0">
+                <a:latin typeface="Monaco"/>
+                <a:cs typeface="Monaco"/>
+              </a:rPr>
+              <a:t>(</a:t>
+            </a:r>
+            <a:r>
+              <a:rPr lang="en-US" sz="1600" dirty="0" err="1" smtClean="0">
+                <a:latin typeface="Courier New"/>
+                <a:cs typeface="Courier New"/>
+              </a:rPr>
+              <a:t>gui</a:t>
+            </a:r>
+            <a:r>
+              <a:rPr lang="en-US" sz="1600" dirty="0" smtClean="0">
+                <a:latin typeface="Courier New"/>
+                <a:cs typeface="Courier New"/>
+              </a:rPr>
+              <a:t> -&gt; analytical, </a:t>
+            </a:r>
+            <a:r>
+              <a:rPr lang="en-US" sz="1600" dirty="0" smtClean="0">
+                <a:latin typeface="Monaco"/>
+                <a:cs typeface="Monaco"/>
+              </a:rPr>
+              <a:t>282 times, </a:t>
+            </a:r>
+            <a:r>
+              <a:rPr lang="en-US" sz="1600" dirty="0" smtClean="0">
+                <a:latin typeface="Courier New"/>
+                <a:cs typeface="Courier New"/>
+              </a:rPr>
+              <a:t>analytical -&gt; </a:t>
+            </a:r>
+            <a:r>
+              <a:rPr lang="en-US" sz="1600" dirty="0" err="1" smtClean="0">
+                <a:latin typeface="Courier New"/>
+                <a:cs typeface="Courier New"/>
+              </a:rPr>
+              <a:t>gui</a:t>
+            </a:r>
+            <a:r>
+              <a:rPr lang="en-US" sz="1600" dirty="0" smtClean="0">
+                <a:latin typeface="Courier New"/>
+                <a:cs typeface="Courier New"/>
+              </a:rPr>
+              <a:t> </a:t>
+            </a:r>
+            <a:r>
+              <a:rPr lang="en-US" sz="1600" dirty="0" smtClean="0">
+                <a:latin typeface="Monaco"/>
+                <a:cs typeface="Monaco"/>
+              </a:rPr>
+              <a:t>262 times)</a:t>
+            </a:r>
+          </a:p>
+          <a:p>
+            <a:pPr lvl="1"/>
+            <a:r>
+              <a:rPr lang="en-US" sz="1600" dirty="0" smtClean="0">
+                <a:latin typeface="Monaco"/>
+                <a:cs typeface="Monaco"/>
+              </a:rPr>
+              <a:t>Specifically, </a:t>
+            </a:r>
+            <a:r>
+              <a:rPr lang="en-US" sz="1600" dirty="0" err="1" smtClean="0">
+                <a:latin typeface="Courier New"/>
+                <a:cs typeface="Courier New"/>
+              </a:rPr>
+              <a:t>ExactModel</a:t>
+            </a:r>
+            <a:r>
+              <a:rPr lang="en-US" sz="1600" dirty="0" smtClean="0">
+                <a:latin typeface="Courier New"/>
+                <a:cs typeface="Courier New"/>
+              </a:rPr>
+              <a:t> </a:t>
+            </a:r>
+            <a:r>
+              <a:rPr lang="en-US" sz="1600" dirty="0" smtClean="0">
+                <a:latin typeface="Monaco"/>
+                <a:cs typeface="Monaco"/>
+              </a:rPr>
+              <a:t>is the primary culprit as it is referenced in </a:t>
+            </a:r>
+            <a:r>
+              <a:rPr lang="en-US" sz="1600" dirty="0" smtClean="0">
+                <a:latin typeface="Courier New"/>
+                <a:cs typeface="Courier New"/>
+              </a:rPr>
+              <a:t>analytical </a:t>
+            </a:r>
+            <a:r>
+              <a:rPr lang="en-US" sz="1600" dirty="0" smtClean="0">
+                <a:latin typeface="Monaco"/>
+                <a:cs typeface="Monaco"/>
+              </a:rPr>
+              <a:t>package extensively</a:t>
+            </a:r>
+          </a:p>
+          <a:p>
+            <a:pPr lvl="1"/>
+            <a:endParaRPr lang="en-US" sz="1600" dirty="0" smtClean="0">
               <a:latin typeface="Monaco"/>
               <a:cs typeface="Monaco"/>
             </a:endParaRPr>
           </a:p>
-          <a:p>
-            <a:endParaRPr lang="en-US" sz="2000" dirty="0">
-              <a:latin typeface="Monaco"/>
-              <a:cs typeface="Monaco"/>
-            </a:endParaRPr>
-          </a:p>
-          <a:p>
-            <a:r>
-              <a:rPr lang="en-US" sz="2000" dirty="0" smtClean="0">
-                <a:latin typeface="Monaco"/>
-                <a:cs typeface="Monaco"/>
-              </a:rPr>
-              <a:t>Use of STAN tool:</a:t>
-            </a:r>
-          </a:p>
-          <a:p>
-            <a:pPr lvl="1"/>
-            <a:r>
-              <a:rPr lang="en-US" sz="1600" dirty="0" smtClean="0">
-                <a:latin typeface="Monaco"/>
-                <a:cs typeface="Monaco"/>
-              </a:rPr>
-              <a:t> to visualize layers of the code and find where changes will have greatest effect</a:t>
-            </a:r>
-          </a:p>
-          <a:p>
-            <a:pPr lvl="1"/>
-            <a:r>
-              <a:rPr lang="en-US" sz="1600" dirty="0" smtClean="0">
-                <a:latin typeface="Monaco"/>
-                <a:cs typeface="Monaco"/>
-              </a:rPr>
-              <a:t>Figure 2</a:t>
-            </a:r>
+        </p:txBody>
+      </p:sp>
+      <p:pic>
+        <p:nvPicPr>
+          <p:cNvPr id="4" name="Picture 3" descr="initial dependencies.png"/>
+          <p:cNvPicPr>
+            <a:picLocks noChangeAspect="1"/>
+          </p:cNvPicPr>
+          <p:nvPr/>
+        </p:nvPicPr>
+        <p:blipFill>
+          <a:blip r:embed="rId3">
+            <a:extLst>
+              <a:ext uri="{28A0092B-C50C-407E-A947-70E740481C1C}">
+                <a14:useLocalDpi xmlns:a14="http://schemas.microsoft.com/office/drawing/2010/main" val="0"/>
+              </a:ext>
+            </a:extLst>
+          </a:blip>
+          <a:stretch>
+            <a:fillRect/>
+          </a:stretch>
+        </p:blipFill>
+        <p:spPr>
+          <a:xfrm>
+            <a:off x="2262909" y="4096744"/>
+            <a:ext cx="4283364" cy="2076059"/>
+          </a:xfrm>
+          <a:prstGeom prst="rect">
+            <a:avLst/>
+          </a:prstGeom>
+        </p:spPr>
+      </p:pic>
+      <p:sp>
+        <p:nvSpPr>
+          <p:cNvPr id="5" name="TextBox 4"/>
+          <p:cNvSpPr txBox="1"/>
+          <p:nvPr/>
+        </p:nvSpPr>
+        <p:spPr>
+          <a:xfrm>
+            <a:off x="3786909" y="6172803"/>
+            <a:ext cx="750454" cy="246221"/>
+          </a:xfrm>
+          <a:prstGeom prst="rect">
+            <a:avLst/>
+          </a:prstGeom>
+          <a:noFill/>
+        </p:spPr>
+        <p:txBody>
+          <a:bodyPr wrap="square" rtlCol="0">
+            <a:spAutoFit/>
+          </a:bodyPr>
+          <a:lstStyle/>
+          <a:p>
+            <a:r>
+              <a:rPr lang="en-US" sz="1000" dirty="0" smtClean="0"/>
+              <a:t>Figure 1</a:t>
+            </a:r>
+            <a:endParaRPr lang="en-US" sz="1000" dirty="0"/>
           </a:p>
         </p:txBody>
       </p:sp>
@@ -4414,6 +4738,13 @@
   <p:clrMapOvr>
     <a:masterClrMapping/>
   </p:clrMapOvr>
+  <p:timing>
+    <p:tnLst>
+      <p:par>
+        <p:cTn xmlns:p14="http://schemas.microsoft.com/office/powerpoint/2010/main" id="1" dur="indefinite" restart="never" nodeType="tmRoot"/>
+      </p:par>
+    </p:tnLst>
+  </p:timing>
 </p:sld>
 </file>
 
@@ -4456,7 +4787,12 @@
             <p:ph type="title"/>
           </p:nvPr>
         </p:nvSpPr>
-        <p:spPr/>
+        <p:spPr>
+          <a:xfrm>
+            <a:off x="457200" y="274638"/>
+            <a:ext cx="8229600" cy="1143000"/>
+          </a:xfrm>
+        </p:spPr>
         <p:txBody>
           <a:bodyPr/>
           <a:lstStyle/>
@@ -4486,10 +4822,227 @@
             <p:ph idx="1"/>
           </p:nvPr>
         </p:nvSpPr>
-        <p:spPr/>
+        <p:spPr>
+          <a:xfrm>
+            <a:off x="457200" y="1173019"/>
+            <a:ext cx="8229600" cy="5176981"/>
+          </a:xfrm>
+        </p:spPr>
         <p:txBody>
           <a:bodyPr/>
           <a:lstStyle/>
+          <a:p>
+            <a:r>
+              <a:rPr lang="en-US" sz="2000" dirty="0" smtClean="0">
+                <a:latin typeface="Monaco"/>
+                <a:cs typeface="Monaco"/>
+              </a:rPr>
+              <a:t>Use of STAN Tool:</a:t>
+            </a:r>
+          </a:p>
+          <a:p>
+            <a:pPr lvl="1"/>
+            <a:r>
+              <a:rPr lang="en-US" sz="1600" dirty="0" smtClean="0">
+                <a:latin typeface="Monaco"/>
+                <a:cs typeface="Monaco"/>
+              </a:rPr>
+              <a:t> Used to visualize layers of the code and find where changes will have greatest effect</a:t>
+            </a:r>
+          </a:p>
+          <a:p>
+            <a:pPr lvl="1"/>
+            <a:r>
+              <a:rPr lang="en-US" sz="1600" dirty="0" smtClean="0">
+                <a:latin typeface="Monaco"/>
+                <a:cs typeface="Monaco"/>
+              </a:rPr>
+              <a:t>Allowed us to quickly modify package structure to create more top-down structure by moving the </a:t>
+            </a:r>
+            <a:r>
+              <a:rPr lang="en-US" sz="1600" dirty="0" err="1" smtClean="0">
+                <a:latin typeface="Courier New"/>
+                <a:cs typeface="Courier New"/>
+              </a:rPr>
+              <a:t>ExactModel</a:t>
+            </a:r>
+            <a:r>
+              <a:rPr lang="en-US" sz="1600" dirty="0" smtClean="0">
+                <a:latin typeface="Courier New"/>
+                <a:cs typeface="Courier New"/>
+              </a:rPr>
+              <a:t> </a:t>
+            </a:r>
+            <a:r>
+              <a:rPr lang="en-US" sz="1600" dirty="0" smtClean="0">
+                <a:latin typeface="Monaco"/>
+                <a:cs typeface="Monaco"/>
+              </a:rPr>
+              <a:t>to the </a:t>
+            </a:r>
+            <a:r>
+              <a:rPr lang="en-US" sz="1600" dirty="0" smtClean="0">
+                <a:latin typeface="Courier New"/>
+                <a:cs typeface="Courier New"/>
+              </a:rPr>
+              <a:t>analytical</a:t>
+            </a:r>
+            <a:r>
+              <a:rPr lang="en-US" sz="1600" dirty="0" smtClean="0">
+                <a:latin typeface="Monaco"/>
+                <a:cs typeface="Monaco"/>
+              </a:rPr>
+              <a:t> package (Fig. 2a and 2b)</a:t>
+            </a:r>
+          </a:p>
+          <a:p>
+            <a:pPr lvl="2"/>
+            <a:r>
+              <a:rPr lang="en-US" sz="1200" dirty="0" smtClean="0">
+                <a:latin typeface="Monaco"/>
+                <a:cs typeface="Monaco"/>
+              </a:rPr>
+              <a:t>Ideally, </a:t>
+            </a:r>
+            <a:r>
+              <a:rPr lang="en-US" sz="1200" dirty="0" err="1" smtClean="0">
+                <a:latin typeface="Courier New"/>
+                <a:cs typeface="Courier New"/>
+              </a:rPr>
+              <a:t>ExactModel</a:t>
+            </a:r>
+            <a:r>
+              <a:rPr lang="en-US" sz="1200" dirty="0">
+                <a:latin typeface="Monaco"/>
+                <a:cs typeface="Monaco"/>
+              </a:rPr>
+              <a:t> </a:t>
+            </a:r>
+            <a:r>
+              <a:rPr lang="en-US" sz="1200" dirty="0" smtClean="0">
+                <a:latin typeface="Monaco"/>
+                <a:cs typeface="Monaco"/>
+              </a:rPr>
+              <a:t>should exist in a separate package</a:t>
+            </a:r>
+          </a:p>
+          <a:p>
+            <a:pPr lvl="2"/>
+            <a:r>
+              <a:rPr lang="en-US" sz="1200" dirty="0" smtClean="0">
+                <a:latin typeface="Monaco"/>
+                <a:cs typeface="Monaco"/>
+              </a:rPr>
+              <a:t>The &gt;2800 LOC file should be split into a hierarchical inheritance structure rather than attempting to describe every model in one class</a:t>
+            </a:r>
+          </a:p>
+          <a:p>
+            <a:pPr lvl="1"/>
+            <a:r>
+              <a:rPr lang="en-US" sz="1600" dirty="0" smtClean="0">
+                <a:latin typeface="Monaco"/>
+                <a:cs typeface="Monaco"/>
+              </a:rPr>
+              <a:t>Code metrics showed marked decrease in “entangled-ness” of project (7.49% to 1.45%).  Further improvement possible.</a:t>
+            </a:r>
+          </a:p>
+          <a:p>
+            <a:r>
+              <a:rPr lang="en-US" sz="2000" dirty="0" smtClean="0">
+                <a:latin typeface="Monaco"/>
+                <a:cs typeface="Monaco"/>
+              </a:rPr>
+              <a:t>Tests</a:t>
+            </a:r>
+          </a:p>
+          <a:p>
+            <a:pPr lvl="1"/>
+            <a:r>
+              <a:rPr lang="en-US" sz="1600" dirty="0" smtClean="0">
+                <a:latin typeface="Monaco"/>
+                <a:cs typeface="Monaco"/>
+              </a:rPr>
+              <a:t>JMVA contains regression tests for different solvers (</a:t>
+            </a:r>
+            <a:r>
+              <a:rPr lang="en-US" sz="1600" dirty="0" err="1" smtClean="0">
+                <a:latin typeface="Courier New"/>
+                <a:cs typeface="Courier New"/>
+              </a:rPr>
+              <a:t>TestAnalytical</a:t>
+            </a:r>
+            <a:r>
+              <a:rPr lang="en-US" sz="1600" dirty="0" smtClean="0">
+                <a:latin typeface="Monaco"/>
+                <a:cs typeface="Monaco"/>
+              </a:rPr>
+              <a:t>), for different model inputs (</a:t>
+            </a:r>
+            <a:r>
+              <a:rPr lang="en-US" sz="1600" dirty="0" err="1" smtClean="0">
+                <a:latin typeface="Courier New"/>
+                <a:cs typeface="Courier New"/>
+              </a:rPr>
+              <a:t>TestAMVA</a:t>
+            </a:r>
+            <a:r>
+              <a:rPr lang="en-US" sz="1600" dirty="0" smtClean="0">
+                <a:latin typeface="Monaco"/>
+                <a:cs typeface="Monaco"/>
+              </a:rPr>
+              <a:t>), threads (</a:t>
+            </a:r>
+            <a:r>
+              <a:rPr lang="en-US" sz="1600" dirty="0" err="1" smtClean="0">
+                <a:latin typeface="Courier New"/>
+                <a:cs typeface="Courier New"/>
+              </a:rPr>
+              <a:t>PauseThreadTest</a:t>
+            </a:r>
+            <a:r>
+              <a:rPr lang="en-US" sz="1600" dirty="0" smtClean="0">
+                <a:latin typeface="Monaco"/>
+                <a:cs typeface="Monaco"/>
+              </a:rPr>
+              <a:t>), and others</a:t>
+            </a:r>
+          </a:p>
+          <a:p>
+            <a:pPr lvl="1"/>
+            <a:r>
+              <a:rPr lang="en-US" sz="1600" dirty="0" smtClean="0">
+                <a:latin typeface="Monaco"/>
+                <a:cs typeface="Monaco"/>
+              </a:rPr>
+              <a:t>These tests tend to measure performance rather than guaranteeing behaviour or state of objects</a:t>
+            </a:r>
+          </a:p>
+          <a:p>
+            <a:r>
+              <a:rPr lang="en-US" sz="2000" dirty="0" smtClean="0">
+                <a:latin typeface="Monaco"/>
+                <a:cs typeface="Monaco"/>
+              </a:rPr>
+              <a:t>Critical Components</a:t>
+            </a:r>
+          </a:p>
+          <a:p>
+            <a:pPr lvl="1"/>
+            <a:r>
+              <a:rPr lang="en-US" sz="1600" dirty="0" smtClean="0">
+                <a:latin typeface="Monaco"/>
+                <a:cs typeface="Monaco"/>
+              </a:rPr>
+              <a:t>We have mapped out the most relevant classes (Figure 3)</a:t>
+            </a:r>
+          </a:p>
+          <a:p>
+            <a:pPr lvl="1"/>
+            <a:endParaRPr lang="en-US" sz="1600" dirty="0" smtClean="0">
+              <a:latin typeface="Monaco"/>
+              <a:cs typeface="Monaco"/>
+            </a:endParaRPr>
+          </a:p>
           <a:p>
             <a:pPr lvl="1"/>
             <a:endParaRPr lang="en-US" sz="1600" dirty="0" smtClean="0">
@@ -4509,6 +5062,541 @@
   <p:clrMapOvr>
     <a:masterClrMapping/>
   </p:clrMapOvr>
+  <p:timing>
+    <p:tnLst>
+      <p:par>
+        <p:cTn xmlns:p14="http://schemas.microsoft.com/office/powerpoint/2010/main" id="1" dur="indefinite" restart="never" nodeType="tmRoot"/>
+      </p:par>
+    </p:tnLst>
+  </p:timing>
+</p:sld>
+</file>
+
+<file path=ppt/slides/slide5.xml><?xml version="1.0" encoding="utf-8"?>
+<p:sld xmlns:a="http://schemas.openxmlformats.org/drawingml/2006/main" xmlns:r="http://schemas.openxmlformats.org/officeDocument/2006/relationships" xmlns:p="http://schemas.openxmlformats.org/presentationml/2006/main">
+  <p:cSld>
+    <p:bg>
+      <p:bgPr>
+        <a:blipFill dpi="0" rotWithShape="1">
+          <a:blip r:embed="rId2"/>
+          <a:srcRect/>
+          <a:stretch>
+            <a:fillRect/>
+          </a:stretch>
+        </a:blipFill>
+        <a:effectLst/>
+      </p:bgPr>
+    </p:bg>
+    <p:spTree>
+      <p:nvGrpSpPr>
+        <p:cNvPr id="1" name=""/>
+        <p:cNvGrpSpPr/>
+        <p:nvPr/>
+      </p:nvGrpSpPr>
+      <p:grpSpPr>
+        <a:xfrm>
+          <a:off x="0" y="0"/>
+          <a:ext cx="0" cy="0"/>
+          <a:chOff x="0" y="0"/>
+          <a:chExt cx="0" cy="0"/>
+        </a:xfrm>
+      </p:grpSpPr>
+      <p:pic>
+        <p:nvPicPr>
+          <p:cNvPr id="4" name="Picture 3" descr="StanBefore.png"/>
+          <p:cNvPicPr>
+            <a:picLocks noChangeAspect="1"/>
+          </p:cNvPicPr>
+          <p:nvPr/>
+        </p:nvPicPr>
+        <p:blipFill>
+          <a:blip r:embed="rId3">
+            <a:extLst>
+              <a:ext uri="{28A0092B-C50C-407E-A947-70E740481C1C}">
+                <a14:useLocalDpi xmlns:a14="http://schemas.microsoft.com/office/drawing/2010/main" val="0"/>
+              </a:ext>
+            </a:extLst>
+          </a:blip>
+          <a:stretch>
+            <a:fillRect/>
+          </a:stretch>
+        </p:blipFill>
+        <p:spPr>
+          <a:xfrm>
+            <a:off x="457200" y="1417638"/>
+            <a:ext cx="3595255" cy="4412817"/>
+          </a:xfrm>
+          <a:prstGeom prst="rect">
+            <a:avLst/>
+          </a:prstGeom>
+        </p:spPr>
+      </p:pic>
+      <p:pic>
+        <p:nvPicPr>
+          <p:cNvPr id="5" name="Picture 4" descr="StanAfter.png"/>
+          <p:cNvPicPr>
+            <a:picLocks noChangeAspect="1"/>
+          </p:cNvPicPr>
+          <p:nvPr/>
+        </p:nvPicPr>
+        <p:blipFill>
+          <a:blip r:embed="rId4">
+            <a:extLst>
+              <a:ext uri="{28A0092B-C50C-407E-A947-70E740481C1C}">
+                <a14:useLocalDpi xmlns:a14="http://schemas.microsoft.com/office/drawing/2010/main" val="0"/>
+              </a:ext>
+            </a:extLst>
+          </a:blip>
+          <a:stretch>
+            <a:fillRect/>
+          </a:stretch>
+        </p:blipFill>
+        <p:spPr>
+          <a:xfrm>
+            <a:off x="4456544" y="1417637"/>
+            <a:ext cx="3501569" cy="4412817"/>
+          </a:xfrm>
+          <a:prstGeom prst="rect">
+            <a:avLst/>
+          </a:prstGeom>
+        </p:spPr>
+      </p:pic>
+      <p:sp>
+        <p:nvSpPr>
+          <p:cNvPr id="7" name="TextBox 6"/>
+          <p:cNvSpPr txBox="1"/>
+          <p:nvPr/>
+        </p:nvSpPr>
+        <p:spPr>
+          <a:xfrm>
+            <a:off x="1108364" y="5988400"/>
+            <a:ext cx="1847271" cy="246221"/>
+          </a:xfrm>
+          <a:prstGeom prst="rect">
+            <a:avLst/>
+          </a:prstGeom>
+          <a:noFill/>
+        </p:spPr>
+        <p:txBody>
+          <a:bodyPr wrap="square" rtlCol="0">
+            <a:spAutoFit/>
+          </a:bodyPr>
+          <a:lstStyle/>
+          <a:p>
+            <a:r>
+              <a:rPr lang="en-US" sz="1000" dirty="0" smtClean="0"/>
+              <a:t>Figure 2a. Before refactoring</a:t>
+            </a:r>
+          </a:p>
+        </p:txBody>
+      </p:sp>
+      <p:sp>
+        <p:nvSpPr>
+          <p:cNvPr id="8" name="Title 7"/>
+          <p:cNvSpPr>
+            <a:spLocks noGrp="1"/>
+          </p:cNvSpPr>
+          <p:nvPr>
+            <p:ph type="title"/>
+          </p:nvPr>
+        </p:nvSpPr>
+        <p:spPr/>
+        <p:txBody>
+          <a:bodyPr/>
+          <a:lstStyle/>
+          <a:p>
+            <a:pPr algn="l"/>
+            <a:r>
+              <a:rPr lang="en-US" sz="3200" dirty="0" smtClean="0">
+                <a:solidFill>
+                  <a:srgbClr val="000000"/>
+                </a:solidFill>
+                <a:latin typeface="Bank Gothic"/>
+              </a:rPr>
+              <a:t>Improved Layout</a:t>
+            </a:r>
+            <a:endParaRPr lang="en-US" sz="3200" dirty="0"/>
+          </a:p>
+        </p:txBody>
+      </p:sp>
+      <p:sp>
+        <p:nvSpPr>
+          <p:cNvPr id="9" name="TextBox 8"/>
+          <p:cNvSpPr txBox="1"/>
+          <p:nvPr/>
+        </p:nvSpPr>
+        <p:spPr>
+          <a:xfrm>
+            <a:off x="5278583" y="5992365"/>
+            <a:ext cx="1847271" cy="246221"/>
+          </a:xfrm>
+          <a:prstGeom prst="rect">
+            <a:avLst/>
+          </a:prstGeom>
+          <a:noFill/>
+        </p:spPr>
+        <p:txBody>
+          <a:bodyPr wrap="square" rtlCol="0">
+            <a:spAutoFit/>
+          </a:bodyPr>
+          <a:lstStyle/>
+          <a:p>
+            <a:r>
+              <a:rPr lang="en-US" sz="1000" dirty="0" smtClean="0"/>
+              <a:t>Figure 2b. After refactoring</a:t>
+            </a:r>
+          </a:p>
+        </p:txBody>
+      </p:sp>
+    </p:spTree>
+    <p:extLst>
+      <p:ext uri="{BB962C8B-B14F-4D97-AF65-F5344CB8AC3E}">
+        <p14:creationId xmlns:p14="http://schemas.microsoft.com/office/powerpoint/2010/main" val="909816077"/>
+      </p:ext>
+    </p:extLst>
+  </p:cSld>
+  <p:clrMapOvr>
+    <a:masterClrMapping/>
+  </p:clrMapOvr>
+  <p:timing>
+    <p:tnLst>
+      <p:par>
+        <p:cTn xmlns:p14="http://schemas.microsoft.com/office/powerpoint/2010/main" id="1" dur="indefinite" restart="never" nodeType="tmRoot"/>
+      </p:par>
+    </p:tnLst>
+  </p:timing>
+</p:sld>
+</file>
+
+<file path=ppt/slides/slide6.xml><?xml version="1.0" encoding="utf-8"?>
+<p:sld xmlns:a="http://schemas.openxmlformats.org/drawingml/2006/main" xmlns:r="http://schemas.openxmlformats.org/officeDocument/2006/relationships" xmlns:p="http://schemas.openxmlformats.org/presentationml/2006/main">
+  <p:cSld>
+    <p:spTree>
+      <p:nvGrpSpPr>
+        <p:cNvPr id="1" name=""/>
+        <p:cNvGrpSpPr/>
+        <p:nvPr/>
+      </p:nvGrpSpPr>
+      <p:grpSpPr>
+        <a:xfrm>
+          <a:off x="0" y="0"/>
+          <a:ext cx="0" cy="0"/>
+          <a:chOff x="0" y="0"/>
+          <a:chExt cx="0" cy="0"/>
+        </a:xfrm>
+      </p:grpSpPr>
+      <p:sp>
+        <p:nvSpPr>
+          <p:cNvPr id="2" name="Title 1"/>
+          <p:cNvSpPr>
+            <a:spLocks noGrp="1"/>
+          </p:cNvSpPr>
+          <p:nvPr>
+            <p:ph type="title"/>
+          </p:nvPr>
+        </p:nvSpPr>
+        <p:spPr/>
+        <p:txBody>
+          <a:bodyPr/>
+          <a:lstStyle/>
+          <a:p>
+            <a:pPr algn="l"/>
+            <a:r>
+              <a:rPr lang="en-US" sz="3200" dirty="0" smtClean="0">
+                <a:solidFill>
+                  <a:srgbClr val="000000"/>
+                </a:solidFill>
+                <a:latin typeface="Bank Gothic"/>
+              </a:rPr>
+              <a:t>Opinions</a:t>
+            </a:r>
+            <a:endParaRPr lang="en-US" sz="3200" dirty="0"/>
+          </a:p>
+        </p:txBody>
+      </p:sp>
+      <p:sp>
+        <p:nvSpPr>
+          <p:cNvPr id="3" name="Content Placeholder 2"/>
+          <p:cNvSpPr>
+            <a:spLocks noGrp="1"/>
+          </p:cNvSpPr>
+          <p:nvPr>
+            <p:ph idx="1"/>
+          </p:nvPr>
+        </p:nvSpPr>
+        <p:spPr>
+          <a:xfrm>
+            <a:off x="295563" y="1131454"/>
+            <a:ext cx="8229600" cy="4902345"/>
+          </a:xfrm>
+        </p:spPr>
+        <p:txBody>
+          <a:bodyPr/>
+          <a:lstStyle/>
+          <a:p>
+            <a:r>
+              <a:rPr lang="en-US" sz="2000" dirty="0" smtClean="0"/>
+              <a:t>Program architecture</a:t>
+            </a:r>
+          </a:p>
+          <a:p>
+            <a:pPr lvl="1"/>
+            <a:r>
+              <a:rPr lang="en-US" sz="1600" dirty="0" smtClean="0"/>
+              <a:t>We recommend an interface layer between </a:t>
+            </a:r>
+            <a:r>
+              <a:rPr lang="en-US" sz="1600" dirty="0" err="1" smtClean="0">
+                <a:latin typeface="Courier New"/>
+                <a:cs typeface="Courier New"/>
+              </a:rPr>
+              <a:t>SolverClient</a:t>
+            </a:r>
+            <a:r>
+              <a:rPr lang="en-US" sz="1600" dirty="0" smtClean="0"/>
+              <a:t> and </a:t>
+            </a:r>
+            <a:r>
+              <a:rPr lang="en-US" sz="1600" dirty="0" err="1" smtClean="0">
+                <a:latin typeface="Courier New"/>
+                <a:cs typeface="Courier New"/>
+              </a:rPr>
+              <a:t>SolverDispatcher</a:t>
+            </a:r>
+            <a:endParaRPr lang="en-US" sz="1600" dirty="0" smtClean="0"/>
+          </a:p>
+          <a:p>
+            <a:pPr lvl="1"/>
+            <a:r>
+              <a:rPr lang="en-US" sz="1600" dirty="0" smtClean="0"/>
+              <a:t>We recommend moving classes not used by JMVA out of the </a:t>
+            </a:r>
+            <a:r>
+              <a:rPr lang="en-US" sz="1600" dirty="0" smtClean="0">
+                <a:latin typeface="Courier New"/>
+                <a:cs typeface="Courier New"/>
+              </a:rPr>
+              <a:t>analytical</a:t>
+            </a:r>
+            <a:r>
+              <a:rPr lang="en-US" sz="1600" dirty="0" smtClean="0"/>
+              <a:t> package</a:t>
+            </a:r>
+            <a:endParaRPr lang="en-US" sz="1600" dirty="0" smtClean="0">
+              <a:latin typeface="Courier New"/>
+              <a:cs typeface="Courier New"/>
+            </a:endParaRPr>
+          </a:p>
+          <a:p>
+            <a:pPr lvl="1"/>
+            <a:r>
+              <a:rPr lang="en-US" sz="1600" dirty="0" smtClean="0"/>
+              <a:t>We recommend furthe</a:t>
+            </a:r>
+            <a:r>
+              <a:rPr lang="en-US" sz="1600" dirty="0" smtClean="0"/>
+              <a:t>r refactoring of packages to reinforce a stricter layered structure between GUI components, Model controllers, and Analytics Engines</a:t>
+            </a:r>
+          </a:p>
+          <a:p>
+            <a:pPr lvl="1"/>
+            <a:r>
+              <a:rPr lang="en-US" sz="1600" dirty="0" smtClean="0"/>
+              <a:t>Cyclical dependencies between different layers make understanding and maintaining project very difficult</a:t>
+            </a:r>
+          </a:p>
+          <a:p>
+            <a:r>
+              <a:rPr lang="en-US" sz="2000" dirty="0" smtClean="0"/>
+              <a:t>Code</a:t>
+            </a:r>
+          </a:p>
+          <a:p>
+            <a:pPr lvl="1"/>
+            <a:r>
+              <a:rPr lang="en-US" sz="1600" dirty="0" smtClean="0"/>
+              <a:t>Comments are sparse and in Italian make it difficult to understand flow</a:t>
+            </a:r>
+          </a:p>
+          <a:p>
+            <a:pPr lvl="1"/>
+            <a:r>
+              <a:rPr lang="en-US" sz="1600" dirty="0" smtClean="0"/>
+              <a:t>Names of classes and methods obfuscate their responsibilities and actions (</a:t>
+            </a:r>
+            <a:r>
+              <a:rPr lang="en-US" sz="1600" dirty="0" smtClean="0">
+                <a:latin typeface="Courier New"/>
+                <a:cs typeface="Courier New"/>
+              </a:rPr>
+              <a:t>Solver</a:t>
+            </a:r>
+            <a:r>
+              <a:rPr lang="en-US" sz="1600" dirty="0" smtClean="0"/>
+              <a:t> doesn’t solve, </a:t>
+            </a:r>
+            <a:r>
+              <a:rPr lang="en-US" sz="1600" dirty="0" smtClean="0">
+                <a:latin typeface="Courier New"/>
+                <a:cs typeface="Courier New"/>
+              </a:rPr>
+              <a:t>solve() </a:t>
+            </a:r>
+            <a:r>
+              <a:rPr lang="en-US" sz="1600" dirty="0" smtClean="0"/>
+              <a:t>method delegates responsibility rather than performing analysis, etc.)</a:t>
+            </a:r>
+          </a:p>
+          <a:p>
+            <a:pPr lvl="1"/>
+            <a:r>
+              <a:rPr lang="en-US" sz="1600" dirty="0" smtClean="0"/>
+              <a:t>Little use of interfaces means classes are tightly coupled, making it difficult to test and forcing a large number of inputs to be hard-coded.	</a:t>
+            </a:r>
+          </a:p>
+          <a:p>
+            <a:pPr lvl="1"/>
+            <a:endParaRPr lang="en-US" sz="1600" dirty="0" smtClean="0"/>
+          </a:p>
+          <a:p>
+            <a:pPr lvl="1"/>
+            <a:endParaRPr lang="en-US" sz="1600" dirty="0" smtClean="0"/>
+          </a:p>
+          <a:p>
+            <a:pPr lvl="1"/>
+            <a:endParaRPr lang="en-US" sz="1600" dirty="0" smtClean="0"/>
+          </a:p>
+          <a:p>
+            <a:pPr lvl="1"/>
+            <a:endParaRPr lang="en-US" sz="1600" dirty="0" smtClean="0"/>
+          </a:p>
+          <a:p>
+            <a:pPr lvl="1"/>
+            <a:endParaRPr lang="en-US" sz="1600" dirty="0" smtClean="0"/>
+          </a:p>
+        </p:txBody>
+      </p:sp>
+    </p:spTree>
+    <p:extLst>
+      <p:ext uri="{BB962C8B-B14F-4D97-AF65-F5344CB8AC3E}">
+        <p14:creationId xmlns:p14="http://schemas.microsoft.com/office/powerpoint/2010/main" val="575694767"/>
+      </p:ext>
+    </p:extLst>
+  </p:cSld>
+  <p:clrMapOvr>
+    <a:masterClrMapping/>
+  </p:clrMapOvr>
+  <p:timing>
+    <p:tnLst>
+      <p:par>
+        <p:cTn xmlns:p14="http://schemas.microsoft.com/office/powerpoint/2010/main" id="1" dur="indefinite" restart="never" nodeType="tmRoot"/>
+      </p:par>
+    </p:tnLst>
+  </p:timing>
+</p:sld>
+</file>
+
+<file path=ppt/slides/slide7.xml><?xml version="1.0" encoding="utf-8"?>
+<p:sld xmlns:a="http://schemas.openxmlformats.org/drawingml/2006/main" xmlns:r="http://schemas.openxmlformats.org/officeDocument/2006/relationships" xmlns:p="http://schemas.openxmlformats.org/presentationml/2006/main">
+  <p:cSld>
+    <p:spTree>
+      <p:nvGrpSpPr>
+        <p:cNvPr id="1" name=""/>
+        <p:cNvGrpSpPr/>
+        <p:nvPr/>
+      </p:nvGrpSpPr>
+      <p:grpSpPr>
+        <a:xfrm>
+          <a:off x="0" y="0"/>
+          <a:ext cx="0" cy="0"/>
+          <a:chOff x="0" y="0"/>
+          <a:chExt cx="0" cy="0"/>
+        </a:xfrm>
+      </p:grpSpPr>
+      <p:sp>
+        <p:nvSpPr>
+          <p:cNvPr id="2" name="Title 1"/>
+          <p:cNvSpPr>
+            <a:spLocks noGrp="1"/>
+          </p:cNvSpPr>
+          <p:nvPr>
+            <p:ph type="title"/>
+          </p:nvPr>
+        </p:nvSpPr>
+        <p:spPr/>
+        <p:txBody>
+          <a:bodyPr/>
+          <a:lstStyle/>
+          <a:p>
+            <a:pPr algn="l"/>
+            <a:r>
+              <a:rPr lang="en-US" sz="3200" dirty="0" smtClean="0">
+                <a:solidFill>
+                  <a:srgbClr val="000000"/>
+                </a:solidFill>
+                <a:latin typeface="Bank Gothic"/>
+              </a:rPr>
+              <a:t>Opinions (cont.)</a:t>
+            </a:r>
+            <a:endParaRPr lang="en-US" sz="3200" dirty="0"/>
+          </a:p>
+        </p:txBody>
+      </p:sp>
+      <p:sp>
+        <p:nvSpPr>
+          <p:cNvPr id="3" name="Content Placeholder 2"/>
+          <p:cNvSpPr>
+            <a:spLocks noGrp="1"/>
+          </p:cNvSpPr>
+          <p:nvPr>
+            <p:ph idx="1"/>
+          </p:nvPr>
+        </p:nvSpPr>
+        <p:spPr>
+          <a:xfrm>
+            <a:off x="295563" y="1131454"/>
+            <a:ext cx="8229600" cy="4902345"/>
+          </a:xfrm>
+        </p:spPr>
+        <p:txBody>
+          <a:bodyPr/>
+          <a:lstStyle/>
+          <a:p>
+            <a:r>
+              <a:rPr lang="en-US" sz="2000" dirty="0"/>
+              <a:t>Bugs</a:t>
+            </a:r>
+          </a:p>
+          <a:p>
+            <a:pPr lvl="1"/>
+            <a:r>
+              <a:rPr lang="en-US" sz="1600" dirty="0"/>
+              <a:t>Application shows inconsistencies between execution and documentation (i.e. naming of tabs in solution)</a:t>
+            </a:r>
+          </a:p>
+          <a:p>
+            <a:pPr lvl="1"/>
+            <a:endParaRPr lang="en-US" sz="1600" dirty="0"/>
+          </a:p>
+        </p:txBody>
+      </p:sp>
+    </p:spTree>
+    <p:extLst>
+      <p:ext uri="{BB962C8B-B14F-4D97-AF65-F5344CB8AC3E}">
+        <p14:creationId xmlns:p14="http://schemas.microsoft.com/office/powerpoint/2010/main" val="575694767"/>
+      </p:ext>
+    </p:extLst>
+  </p:cSld>
+  <p:clrMapOvr>
+    <a:masterClrMapping/>
+  </p:clrMapOvr>
+  <p:timing>
+    <p:tnLst>
+      <p:par>
+        <p:cTn xmlns:p14="http://schemas.microsoft.com/office/powerpoint/2010/main" id="1" dur="indefinite" restart="never" nodeType="tmRoot"/>
+      </p:par>
+    </p:tnLst>
+  </p:timing>
 </p:sld>
 </file>
 

--- a/jmva_presentation.pptx
+++ b/jmva_presentation.pptx
@@ -4,6 +4,12 @@
   <p:sldMasterIdLst>
     <p:sldMasterId id="2147483660" r:id="rId1"/>
   </p:sldMasterIdLst>
+  <p:notesMasterIdLst>
+    <p:notesMasterId r:id="rId9"/>
+  </p:notesMasterIdLst>
+  <p:handoutMasterIdLst>
+    <p:handoutMasterId r:id="rId10"/>
+  </p:handoutMasterIdLst>
   <p:sldIdLst>
     <p:sldId id="257" r:id="rId2"/>
     <p:sldId id="258" r:id="rId3"/>
@@ -113,6 +119,523 @@
 </p:presentation>
 </file>
 
+<file path=ppt/handoutMasters/handoutMaster1.xml><?xml version="1.0" encoding="utf-8"?>
+<p:handoutMaster xmlns:a="http://schemas.openxmlformats.org/drawingml/2006/main" xmlns:r="http://schemas.openxmlformats.org/officeDocument/2006/relationships" xmlns:p="http://schemas.openxmlformats.org/presentationml/2006/main">
+  <p:cSld>
+    <p:bg>
+      <p:bgRef idx="1001">
+        <a:schemeClr val="bg1"/>
+      </p:bgRef>
+    </p:bg>
+    <p:spTree>
+      <p:nvGrpSpPr>
+        <p:cNvPr id="1" name=""/>
+        <p:cNvGrpSpPr/>
+        <p:nvPr/>
+      </p:nvGrpSpPr>
+      <p:grpSpPr>
+        <a:xfrm>
+          <a:off x="0" y="0"/>
+          <a:ext cx="0" cy="0"/>
+          <a:chOff x="0" y="0"/>
+          <a:chExt cx="0" cy="0"/>
+        </a:xfrm>
+      </p:grpSpPr>
+      <p:sp>
+        <p:nvSpPr>
+          <p:cNvPr id="2" name="页眉占位符 1"/>
+          <p:cNvSpPr>
+            <a:spLocks noGrp="1"/>
+          </p:cNvSpPr>
+          <p:nvPr>
+            <p:ph type="hdr" sz="quarter"/>
+          </p:nvPr>
+        </p:nvSpPr>
+        <p:spPr>
+          <a:xfrm>
+            <a:off x="0" y="0"/>
+            <a:ext cx="2971800" cy="457200"/>
+          </a:xfrm>
+          <a:prstGeom prst="rect">
+            <a:avLst/>
+          </a:prstGeom>
+        </p:spPr>
+        <p:txBody>
+          <a:bodyPr vert="horz" lIns="91440" tIns="45720" rIns="91440" bIns="45720" rtlCol="0"/>
+          <a:lstStyle>
+            <a:lvl1pPr algn="l">
+              <a:defRPr sz="1200"/>
+            </a:lvl1pPr>
+          </a:lstStyle>
+          <a:p>
+            <a:endParaRPr kumimoji="1" lang="zh-CN" altLang="en-US"/>
+          </a:p>
+        </p:txBody>
+      </p:sp>
+      <p:sp>
+        <p:nvSpPr>
+          <p:cNvPr id="3" name="日期占位符 2"/>
+          <p:cNvSpPr>
+            <a:spLocks noGrp="1"/>
+          </p:cNvSpPr>
+          <p:nvPr>
+            <p:ph type="dt" sz="quarter" idx="1"/>
+          </p:nvPr>
+        </p:nvSpPr>
+        <p:spPr>
+          <a:xfrm>
+            <a:off x="3884613" y="0"/>
+            <a:ext cx="2971800" cy="457200"/>
+          </a:xfrm>
+          <a:prstGeom prst="rect">
+            <a:avLst/>
+          </a:prstGeom>
+        </p:spPr>
+        <p:txBody>
+          <a:bodyPr vert="horz" lIns="91440" tIns="45720" rIns="91440" bIns="45720" rtlCol="0"/>
+          <a:lstStyle>
+            <a:lvl1pPr algn="r">
+              <a:defRPr sz="1200"/>
+            </a:lvl1pPr>
+          </a:lstStyle>
+          <a:p>
+            <a:fld id="{30861119-6150-8F4A-9CB0-3B4B7211A86B}" type="datetimeFigureOut">
+              <a:rPr kumimoji="1" lang="zh-CN" altLang="en-US" smtClean="0"/>
+              <a:t>12-10-28</a:t>
+            </a:fld>
+            <a:endParaRPr kumimoji="1" lang="zh-CN" altLang="en-US"/>
+          </a:p>
+        </p:txBody>
+      </p:sp>
+      <p:sp>
+        <p:nvSpPr>
+          <p:cNvPr id="4" name="页脚占位符 3"/>
+          <p:cNvSpPr>
+            <a:spLocks noGrp="1"/>
+          </p:cNvSpPr>
+          <p:nvPr>
+            <p:ph type="ftr" sz="quarter" idx="2"/>
+          </p:nvPr>
+        </p:nvSpPr>
+        <p:spPr>
+          <a:xfrm>
+            <a:off x="0" y="8685213"/>
+            <a:ext cx="2971800" cy="457200"/>
+          </a:xfrm>
+          <a:prstGeom prst="rect">
+            <a:avLst/>
+          </a:prstGeom>
+        </p:spPr>
+        <p:txBody>
+          <a:bodyPr vert="horz" lIns="91440" tIns="45720" rIns="91440" bIns="45720" rtlCol="0" anchor="b"/>
+          <a:lstStyle>
+            <a:lvl1pPr algn="l">
+              <a:defRPr sz="1200"/>
+            </a:lvl1pPr>
+          </a:lstStyle>
+          <a:p>
+            <a:endParaRPr kumimoji="1" lang="zh-CN" altLang="en-US"/>
+          </a:p>
+        </p:txBody>
+      </p:sp>
+      <p:sp>
+        <p:nvSpPr>
+          <p:cNvPr id="5" name="幻灯片编号占位符 4"/>
+          <p:cNvSpPr>
+            <a:spLocks noGrp="1"/>
+          </p:cNvSpPr>
+          <p:nvPr>
+            <p:ph type="sldNum" sz="quarter" idx="3"/>
+          </p:nvPr>
+        </p:nvSpPr>
+        <p:spPr>
+          <a:xfrm>
+            <a:off x="3884613" y="8685213"/>
+            <a:ext cx="2971800" cy="457200"/>
+          </a:xfrm>
+          <a:prstGeom prst="rect">
+            <a:avLst/>
+          </a:prstGeom>
+        </p:spPr>
+        <p:txBody>
+          <a:bodyPr vert="horz" lIns="91440" tIns="45720" rIns="91440" bIns="45720" rtlCol="0" anchor="b"/>
+          <a:lstStyle>
+            <a:lvl1pPr algn="r">
+              <a:defRPr sz="1200"/>
+            </a:lvl1pPr>
+          </a:lstStyle>
+          <a:p>
+            <a:fld id="{BE9EE795-861E-5143-B6B8-BBABAEA6EC46}" type="slidenum">
+              <a:rPr kumimoji="1" lang="zh-CN" altLang="en-US" smtClean="0"/>
+              <a:t>‹#›</a:t>
+            </a:fld>
+            <a:endParaRPr kumimoji="1" lang="zh-CN" altLang="en-US"/>
+          </a:p>
+        </p:txBody>
+      </p:sp>
+    </p:spTree>
+    <p:extLst>
+      <p:ext uri="{BB962C8B-B14F-4D97-AF65-F5344CB8AC3E}">
+        <p14:creationId xmlns:p14="http://schemas.microsoft.com/office/powerpoint/2010/main" val="3772712606"/>
+      </p:ext>
+    </p:extLst>
+  </p:cSld>
+  <p:clrMap bg1="lt1" tx1="dk1" bg2="lt2" tx2="dk2" accent1="accent1" accent2="accent2" accent3="accent3" accent4="accent4" accent5="accent5" accent6="accent6" hlink="hlink" folHlink="folHlink"/>
+  <p:hf hdr="0" ftr="0" dt="0"/>
+</p:handoutMaster>
+</file>
+
+<file path=ppt/notesMasters/notesMaster1.xml><?xml version="1.0" encoding="utf-8"?>
+<p:notesMaster xmlns:a="http://schemas.openxmlformats.org/drawingml/2006/main" xmlns:r="http://schemas.openxmlformats.org/officeDocument/2006/relationships" xmlns:p="http://schemas.openxmlformats.org/presentationml/2006/main">
+  <p:cSld>
+    <p:bg>
+      <p:bgRef idx="1001">
+        <a:schemeClr val="bg1"/>
+      </p:bgRef>
+    </p:bg>
+    <p:spTree>
+      <p:nvGrpSpPr>
+        <p:cNvPr id="1" name=""/>
+        <p:cNvGrpSpPr/>
+        <p:nvPr/>
+      </p:nvGrpSpPr>
+      <p:grpSpPr>
+        <a:xfrm>
+          <a:off x="0" y="0"/>
+          <a:ext cx="0" cy="0"/>
+          <a:chOff x="0" y="0"/>
+          <a:chExt cx="0" cy="0"/>
+        </a:xfrm>
+      </p:grpSpPr>
+      <p:sp>
+        <p:nvSpPr>
+          <p:cNvPr id="2" name="页眉占位符 1"/>
+          <p:cNvSpPr>
+            <a:spLocks noGrp="1"/>
+          </p:cNvSpPr>
+          <p:nvPr>
+            <p:ph type="hdr" sz="quarter"/>
+          </p:nvPr>
+        </p:nvSpPr>
+        <p:spPr>
+          <a:xfrm>
+            <a:off x="0" y="0"/>
+            <a:ext cx="2971800" cy="457200"/>
+          </a:xfrm>
+          <a:prstGeom prst="rect">
+            <a:avLst/>
+          </a:prstGeom>
+        </p:spPr>
+        <p:txBody>
+          <a:bodyPr vert="horz" lIns="91440" tIns="45720" rIns="91440" bIns="45720" rtlCol="0"/>
+          <a:lstStyle>
+            <a:lvl1pPr algn="l">
+              <a:defRPr sz="1200"/>
+            </a:lvl1pPr>
+          </a:lstStyle>
+          <a:p>
+            <a:endParaRPr kumimoji="1" lang="zh-CN" altLang="en-US"/>
+          </a:p>
+        </p:txBody>
+      </p:sp>
+      <p:sp>
+        <p:nvSpPr>
+          <p:cNvPr id="3" name="日期占位符 2"/>
+          <p:cNvSpPr>
+            <a:spLocks noGrp="1"/>
+          </p:cNvSpPr>
+          <p:nvPr>
+            <p:ph type="dt" idx="1"/>
+          </p:nvPr>
+        </p:nvSpPr>
+        <p:spPr>
+          <a:xfrm>
+            <a:off x="3884613" y="0"/>
+            <a:ext cx="2971800" cy="457200"/>
+          </a:xfrm>
+          <a:prstGeom prst="rect">
+            <a:avLst/>
+          </a:prstGeom>
+        </p:spPr>
+        <p:txBody>
+          <a:bodyPr vert="horz" lIns="91440" tIns="45720" rIns="91440" bIns="45720" rtlCol="0"/>
+          <a:lstStyle>
+            <a:lvl1pPr algn="r">
+              <a:defRPr sz="1200"/>
+            </a:lvl1pPr>
+          </a:lstStyle>
+          <a:p>
+            <a:fld id="{6BF45CB4-CB45-1A43-B0B0-E388519BCB62}" type="datetimeFigureOut">
+              <a:rPr kumimoji="1" lang="zh-CN" altLang="en-US" smtClean="0"/>
+              <a:t>12-10-28</a:t>
+            </a:fld>
+            <a:endParaRPr kumimoji="1" lang="zh-CN" altLang="en-US"/>
+          </a:p>
+        </p:txBody>
+      </p:sp>
+      <p:sp>
+        <p:nvSpPr>
+          <p:cNvPr id="4" name="幻灯片图像占位符 3"/>
+          <p:cNvSpPr>
+            <a:spLocks noGrp="1" noRot="1" noChangeAspect="1"/>
+          </p:cNvSpPr>
+          <p:nvPr>
+            <p:ph type="sldImg" idx="2"/>
+          </p:nvPr>
+        </p:nvSpPr>
+        <p:spPr>
+          <a:xfrm>
+            <a:off x="1143000" y="685800"/>
+            <a:ext cx="4572000" cy="3429000"/>
+          </a:xfrm>
+          <a:prstGeom prst="rect">
+            <a:avLst/>
+          </a:prstGeom>
+          <a:noFill/>
+          <a:ln w="12700">
+            <a:solidFill>
+              <a:prstClr val="black"/>
+            </a:solidFill>
+          </a:ln>
+        </p:spPr>
+        <p:txBody>
+          <a:bodyPr vert="horz" lIns="91440" tIns="45720" rIns="91440" bIns="45720" rtlCol="0" anchor="ctr"/>
+          <a:lstStyle/>
+          <a:p>
+            <a:endParaRPr lang="zh-CN" altLang="en-US"/>
+          </a:p>
+        </p:txBody>
+      </p:sp>
+      <p:sp>
+        <p:nvSpPr>
+          <p:cNvPr id="5" name="备注占位符 4"/>
+          <p:cNvSpPr>
+            <a:spLocks noGrp="1"/>
+          </p:cNvSpPr>
+          <p:nvPr>
+            <p:ph type="body" sz="quarter" idx="3"/>
+          </p:nvPr>
+        </p:nvSpPr>
+        <p:spPr>
+          <a:xfrm>
+            <a:off x="685800" y="4343400"/>
+            <a:ext cx="5486400" cy="4114800"/>
+          </a:xfrm>
+          <a:prstGeom prst="rect">
+            <a:avLst/>
+          </a:prstGeom>
+        </p:spPr>
+        <p:txBody>
+          <a:bodyPr vert="horz" lIns="91440" tIns="45720" rIns="91440" bIns="45720" rtlCol="0"/>
+          <a:lstStyle/>
+          <a:p>
+            <a:pPr lvl="0"/>
+            <a:r>
+              <a:rPr kumimoji="1" lang="zh-CN" altLang="en-US" smtClean="0"/>
+              <a:t>单击此处编辑母版文本样式</a:t>
+            </a:r>
+          </a:p>
+          <a:p>
+            <a:pPr lvl="1"/>
+            <a:r>
+              <a:rPr kumimoji="1" lang="zh-CN" altLang="en-US" smtClean="0"/>
+              <a:t>二级</a:t>
+            </a:r>
+          </a:p>
+          <a:p>
+            <a:pPr lvl="2"/>
+            <a:r>
+              <a:rPr kumimoji="1" lang="zh-CN" altLang="en-US" smtClean="0"/>
+              <a:t>三级</a:t>
+            </a:r>
+          </a:p>
+          <a:p>
+            <a:pPr lvl="3"/>
+            <a:r>
+              <a:rPr kumimoji="1" lang="zh-CN" altLang="en-US" smtClean="0"/>
+              <a:t>四级</a:t>
+            </a:r>
+          </a:p>
+          <a:p>
+            <a:pPr lvl="4"/>
+            <a:r>
+              <a:rPr kumimoji="1" lang="zh-CN" altLang="en-US" smtClean="0"/>
+              <a:t>五级</a:t>
+            </a:r>
+            <a:endParaRPr kumimoji="1" lang="zh-CN" altLang="en-US"/>
+          </a:p>
+        </p:txBody>
+      </p:sp>
+      <p:sp>
+        <p:nvSpPr>
+          <p:cNvPr id="6" name="页脚占位符 5"/>
+          <p:cNvSpPr>
+            <a:spLocks noGrp="1"/>
+          </p:cNvSpPr>
+          <p:nvPr>
+            <p:ph type="ftr" sz="quarter" idx="4"/>
+          </p:nvPr>
+        </p:nvSpPr>
+        <p:spPr>
+          <a:xfrm>
+            <a:off x="0" y="8685213"/>
+            <a:ext cx="2971800" cy="457200"/>
+          </a:xfrm>
+          <a:prstGeom prst="rect">
+            <a:avLst/>
+          </a:prstGeom>
+        </p:spPr>
+        <p:txBody>
+          <a:bodyPr vert="horz" lIns="91440" tIns="45720" rIns="91440" bIns="45720" rtlCol="0" anchor="b"/>
+          <a:lstStyle>
+            <a:lvl1pPr algn="l">
+              <a:defRPr sz="1200"/>
+            </a:lvl1pPr>
+          </a:lstStyle>
+          <a:p>
+            <a:endParaRPr kumimoji="1" lang="zh-CN" altLang="en-US"/>
+          </a:p>
+        </p:txBody>
+      </p:sp>
+      <p:sp>
+        <p:nvSpPr>
+          <p:cNvPr id="7" name="幻灯片编号占位符 6"/>
+          <p:cNvSpPr>
+            <a:spLocks noGrp="1"/>
+          </p:cNvSpPr>
+          <p:nvPr>
+            <p:ph type="sldNum" sz="quarter" idx="5"/>
+          </p:nvPr>
+        </p:nvSpPr>
+        <p:spPr>
+          <a:xfrm>
+            <a:off x="3884613" y="8685213"/>
+            <a:ext cx="2971800" cy="457200"/>
+          </a:xfrm>
+          <a:prstGeom prst="rect">
+            <a:avLst/>
+          </a:prstGeom>
+        </p:spPr>
+        <p:txBody>
+          <a:bodyPr vert="horz" lIns="91440" tIns="45720" rIns="91440" bIns="45720" rtlCol="0" anchor="b"/>
+          <a:lstStyle>
+            <a:lvl1pPr algn="r">
+              <a:defRPr sz="1200"/>
+            </a:lvl1pPr>
+          </a:lstStyle>
+          <a:p>
+            <a:fld id="{5DA727D0-C9A5-7E41-9CC7-AADA7817778E}" type="slidenum">
+              <a:rPr kumimoji="1" lang="zh-CN" altLang="en-US" smtClean="0"/>
+              <a:t>‹#›</a:t>
+            </a:fld>
+            <a:endParaRPr kumimoji="1" lang="zh-CN" altLang="en-US"/>
+          </a:p>
+        </p:txBody>
+      </p:sp>
+    </p:spTree>
+    <p:extLst>
+      <p:ext uri="{BB962C8B-B14F-4D97-AF65-F5344CB8AC3E}">
+        <p14:creationId xmlns:p14="http://schemas.microsoft.com/office/powerpoint/2010/main" val="2499722426"/>
+      </p:ext>
+    </p:extLst>
+  </p:cSld>
+  <p:clrMap bg1="lt1" tx1="dk1" bg2="lt2" tx2="dk2" accent1="accent1" accent2="accent2" accent3="accent3" accent4="accent4" accent5="accent5" accent6="accent6" hlink="hlink" folHlink="folHlink"/>
+  <p:hf hdr="0" ftr="0" dt="0"/>
+  <p:notesStyle>
+    <a:lvl1pPr marL="0" algn="l" defTabSz="457200" rtl="0" eaLnBrk="1" latinLnBrk="0" hangingPunct="1">
+      <a:defRPr sz="1200" kern="1200">
+        <a:solidFill>
+          <a:schemeClr val="tx1"/>
+        </a:solidFill>
+        <a:latin typeface="+mn-lt"/>
+        <a:ea typeface="+mn-ea"/>
+        <a:cs typeface="+mn-cs"/>
+      </a:defRPr>
+    </a:lvl1pPr>
+    <a:lvl2pPr marL="457200" algn="l" defTabSz="457200" rtl="0" eaLnBrk="1" latinLnBrk="0" hangingPunct="1">
+      <a:defRPr sz="1200" kern="1200">
+        <a:solidFill>
+          <a:schemeClr val="tx1"/>
+        </a:solidFill>
+        <a:latin typeface="+mn-lt"/>
+        <a:ea typeface="+mn-ea"/>
+        <a:cs typeface="+mn-cs"/>
+      </a:defRPr>
+    </a:lvl2pPr>
+    <a:lvl3pPr marL="914400" algn="l" defTabSz="457200" rtl="0" eaLnBrk="1" latinLnBrk="0" hangingPunct="1">
+      <a:defRPr sz="1200" kern="1200">
+        <a:solidFill>
+          <a:schemeClr val="tx1"/>
+        </a:solidFill>
+        <a:latin typeface="+mn-lt"/>
+        <a:ea typeface="+mn-ea"/>
+        <a:cs typeface="+mn-cs"/>
+      </a:defRPr>
+    </a:lvl3pPr>
+    <a:lvl4pPr marL="1371600" algn="l" defTabSz="457200" rtl="0" eaLnBrk="1" latinLnBrk="0" hangingPunct="1">
+      <a:defRPr sz="1200" kern="1200">
+        <a:solidFill>
+          <a:schemeClr val="tx1"/>
+        </a:solidFill>
+        <a:latin typeface="+mn-lt"/>
+        <a:ea typeface="+mn-ea"/>
+        <a:cs typeface="+mn-cs"/>
+      </a:defRPr>
+    </a:lvl4pPr>
+    <a:lvl5pPr marL="1828800" algn="l" defTabSz="457200" rtl="0" eaLnBrk="1" latinLnBrk="0" hangingPunct="1">
+      <a:defRPr sz="1200" kern="1200">
+        <a:solidFill>
+          <a:schemeClr val="tx1"/>
+        </a:solidFill>
+        <a:latin typeface="+mn-lt"/>
+        <a:ea typeface="+mn-ea"/>
+        <a:cs typeface="+mn-cs"/>
+      </a:defRPr>
+    </a:lvl5pPr>
+    <a:lvl6pPr marL="2286000" algn="l" defTabSz="457200" rtl="0" eaLnBrk="1" latinLnBrk="0" hangingPunct="1">
+      <a:defRPr sz="1200" kern="1200">
+        <a:solidFill>
+          <a:schemeClr val="tx1"/>
+        </a:solidFill>
+        <a:latin typeface="+mn-lt"/>
+        <a:ea typeface="+mn-ea"/>
+        <a:cs typeface="+mn-cs"/>
+      </a:defRPr>
+    </a:lvl6pPr>
+    <a:lvl7pPr marL="2743200" algn="l" defTabSz="457200" rtl="0" eaLnBrk="1" latinLnBrk="0" hangingPunct="1">
+      <a:defRPr sz="1200" kern="1200">
+        <a:solidFill>
+          <a:schemeClr val="tx1"/>
+        </a:solidFill>
+        <a:latin typeface="+mn-lt"/>
+        <a:ea typeface="+mn-ea"/>
+        <a:cs typeface="+mn-cs"/>
+      </a:defRPr>
+    </a:lvl7pPr>
+    <a:lvl8pPr marL="3200400" algn="l" defTabSz="457200" rtl="0" eaLnBrk="1" latinLnBrk="0" hangingPunct="1">
+      <a:defRPr sz="1200" kern="1200">
+        <a:solidFill>
+          <a:schemeClr val="tx1"/>
+        </a:solidFill>
+        <a:latin typeface="+mn-lt"/>
+        <a:ea typeface="+mn-ea"/>
+        <a:cs typeface="+mn-cs"/>
+      </a:defRPr>
+    </a:lvl8pPr>
+    <a:lvl9pPr marL="3657600" algn="l" defTabSz="457200" rtl="0" eaLnBrk="1" latinLnBrk="0" hangingPunct="1">
+      <a:defRPr sz="1200" kern="1200">
+        <a:solidFill>
+          <a:schemeClr val="tx1"/>
+        </a:solidFill>
+        <a:latin typeface="+mn-lt"/>
+        <a:ea typeface="+mn-ea"/>
+        <a:cs typeface="+mn-cs"/>
+      </a:defRPr>
+    </a:lvl9pPr>
+  </p:notesStyle>
+</p:notesMaster>
+</file>
+
 <file path=ppt/slideLayouts/slideLayout1.xml><?xml version="1.0" encoding="utf-8"?>
 <p:sldLayout xmlns:a="http://schemas.openxmlformats.org/drawingml/2006/main" xmlns:r="http://schemas.openxmlformats.org/officeDocument/2006/relationships" xmlns:p="http://schemas.openxmlformats.org/presentationml/2006/main" type="title" preserve="1">
   <p:cSld name="Title Slide">
@@ -3248,6 +3771,7 @@
     <p:sldLayoutId id="2147483670" r:id="rId10"/>
     <p:sldLayoutId id="2147483671" r:id="rId11"/>
   </p:sldLayoutIdLst>
+  <p:hf hdr="0" ftr="0" dt="0"/>
   <p:txStyles>
     <p:titleStyle>
       <a:lvl1pPr algn="ctr" rtl="0" fontAlgn="base">
@@ -3933,6 +4457,38 @@
           </a:prstGeom>
         </p:spPr>
       </p:pic>
+      <p:sp>
+        <p:nvSpPr>
+          <p:cNvPr id="3" name="幻灯片编号占位符 2"/>
+          <p:cNvSpPr>
+            <a:spLocks noGrp="1"/>
+          </p:cNvSpPr>
+          <p:nvPr>
+            <p:ph type="sldNum" sz="quarter" idx="12"/>
+          </p:nvPr>
+        </p:nvSpPr>
+        <p:spPr/>
+        <p:txBody>
+          <a:bodyPr/>
+          <a:lstStyle/>
+          <a:p>
+            <a:fld id="{074AFDA7-40B9-234B-B907-52119A8748C9}" type="slidenum">
+              <a:rPr lang="es-ES" smtClean="0">
+                <a:solidFill>
+                  <a:srgbClr val="000000"/>
+                </a:solidFill>
+              </a:rPr>
+              <a:pPr/>
+              <a:t>1</a:t>
+            </a:fld>
+            <a:endParaRPr lang="es-ES">
+              <a:solidFill>
+                <a:srgbClr val="000000"/>
+              </a:solidFill>
+            </a:endParaRPr>
+          </a:p>
+        </p:txBody>
+      </p:sp>
     </p:spTree>
     <p:extLst>
       <p:ext uri="{BB962C8B-B14F-4D97-AF65-F5344CB8AC3E}">
@@ -3943,6 +4499,18 @@
   <p:clrMapOvr>
     <a:masterClrMapping/>
   </p:clrMapOvr>
+  <mc:AlternateContent xmlns:mc="http://schemas.openxmlformats.org/markup-compatibility/2006">
+    <mc:Choice xmlns:p14="http://schemas.microsoft.com/office/powerpoint/2010/main" Requires="p14">
+      <p:transition spd="slow" p14:dur="800">
+        <p:circle/>
+      </p:transition>
+    </mc:Choice>
+    <mc:Fallback>
+      <p:transition xmlns:p14="http://schemas.microsoft.com/office/powerpoint/2010/main" spd="slow">
+        <p:circle/>
+      </p:transition>
+    </mc:Fallback>
+  </mc:AlternateContent>
   <p:timing>
     <p:tnLst>
       <p:par>
@@ -4358,6 +4926,37 @@
           </a:p>
         </p:txBody>
       </p:sp>
+      <p:sp>
+        <p:nvSpPr>
+          <p:cNvPr id="4" name="幻灯片编号占位符 3"/>
+          <p:cNvSpPr>
+            <a:spLocks noGrp="1"/>
+          </p:cNvSpPr>
+          <p:nvPr>
+            <p:ph type="sldNum" sz="quarter" idx="12"/>
+          </p:nvPr>
+        </p:nvSpPr>
+        <p:spPr/>
+        <p:txBody>
+          <a:bodyPr/>
+          <a:lstStyle/>
+          <a:p>
+            <a:r>
+              <a:rPr lang="es-ES" dirty="0" smtClean="0">
+                <a:solidFill>
+                  <a:srgbClr val="000000"/>
+                </a:solidFill>
+              </a:rPr>
+              <a:t>1</a:t>
+            </a:r>
+            <a:endParaRPr lang="es-ES" dirty="0">
+              <a:solidFill>
+                <a:srgbClr val="000000"/>
+              </a:solidFill>
+            </a:endParaRPr>
+          </a:p>
+        </p:txBody>
+      </p:sp>
     </p:spTree>
     <p:extLst>
       <p:ext uri="{BB962C8B-B14F-4D97-AF65-F5344CB8AC3E}">
@@ -4368,6 +4967,9 @@
   <p:clrMapOvr>
     <a:masterClrMapping/>
   </p:clrMapOvr>
+  <p:transition xmlns:p14="http://schemas.microsoft.com/office/powerpoint/2010/main" spd="slow">
+    <p:push dir="u"/>
+  </p:transition>
   <p:timing>
     <p:tnLst>
       <p:par>
@@ -4696,6 +5298,9 @@
           <a:prstGeom prst="rect">
             <a:avLst/>
           </a:prstGeom>
+          <a:effectLst>
+            <a:softEdge rad="25400"/>
+          </a:effectLst>
         </p:spPr>
       </p:pic>
       <p:sp>
@@ -4728,6 +5333,530 @@
           </a:p>
         </p:txBody>
       </p:sp>
+      <p:grpSp>
+        <p:nvGrpSpPr>
+          <p:cNvPr id="23" name="组 22"/>
+          <p:cNvGrpSpPr/>
+          <p:nvPr/>
+        </p:nvGrpSpPr>
+        <p:grpSpPr>
+          <a:xfrm>
+            <a:off x="5137728" y="4027471"/>
+            <a:ext cx="3036453" cy="602256"/>
+            <a:chOff x="5137728" y="4027471"/>
+            <a:chExt cx="3036453" cy="602256"/>
+          </a:xfrm>
+        </p:grpSpPr>
+        <p:grpSp>
+          <p:nvGrpSpPr>
+            <p:cNvPr id="17" name="组 16"/>
+            <p:cNvGrpSpPr/>
+            <p:nvPr/>
+          </p:nvGrpSpPr>
+          <p:grpSpPr>
+            <a:xfrm>
+              <a:off x="5137728" y="4027471"/>
+              <a:ext cx="3036453" cy="602256"/>
+              <a:chOff x="5137728" y="4027471"/>
+              <a:chExt cx="3036453" cy="602256"/>
+            </a:xfrm>
+          </p:grpSpPr>
+          <p:cxnSp>
+            <p:nvCxnSpPr>
+              <p:cNvPr id="7" name="直线箭头连接符 6"/>
+              <p:cNvCxnSpPr/>
+              <p:nvPr/>
+            </p:nvCxnSpPr>
+            <p:spPr>
+              <a:xfrm flipH="1">
+                <a:off x="5137728" y="4225636"/>
+                <a:ext cx="1674090" cy="404091"/>
+              </a:xfrm>
+              <a:prstGeom prst="straightConnector1">
+                <a:avLst/>
+              </a:prstGeom>
+              <a:ln>
+                <a:solidFill>
+                  <a:schemeClr val="tx1"/>
+                </a:solidFill>
+                <a:tailEnd type="arrow"/>
+              </a:ln>
+            </p:spPr>
+            <p:style>
+              <a:lnRef idx="2">
+                <a:schemeClr val="accent1"/>
+              </a:lnRef>
+              <a:fillRef idx="0">
+                <a:schemeClr val="accent1"/>
+              </a:fillRef>
+              <a:effectRef idx="1">
+                <a:schemeClr val="accent1"/>
+              </a:effectRef>
+              <a:fontRef idx="minor">
+                <a:schemeClr val="tx1"/>
+              </a:fontRef>
+            </p:style>
+          </p:cxnSp>
+          <p:sp>
+            <p:nvSpPr>
+              <p:cNvPr id="16" name="圆角矩形 15"/>
+              <p:cNvSpPr/>
+              <p:nvPr/>
+            </p:nvSpPr>
+            <p:spPr>
+              <a:xfrm>
+                <a:off x="6811818" y="4027471"/>
+                <a:ext cx="1362363" cy="359801"/>
+              </a:xfrm>
+              <a:prstGeom prst="roundRect">
+                <a:avLst/>
+              </a:prstGeom>
+            </p:spPr>
+            <p:style>
+              <a:lnRef idx="1">
+                <a:schemeClr val="dk1"/>
+              </a:lnRef>
+              <a:fillRef idx="3">
+                <a:schemeClr val="dk1"/>
+              </a:fillRef>
+              <a:effectRef idx="2">
+                <a:schemeClr val="dk1"/>
+              </a:effectRef>
+              <a:fontRef idx="minor">
+                <a:schemeClr val="lt1"/>
+              </a:fontRef>
+            </p:style>
+            <p:txBody>
+              <a:bodyPr rtlCol="0" anchor="ctr"/>
+              <a:lstStyle/>
+              <a:p>
+                <a:pPr algn="ctr"/>
+                <a:endParaRPr kumimoji="1" lang="zh-CN" altLang="en-US" b="1">
+                  <a:ln w="12700">
+                    <a:solidFill>
+                      <a:schemeClr val="tx2">
+                        <a:satMod val="155000"/>
+                      </a:schemeClr>
+                    </a:solidFill>
+                    <a:prstDash val="solid"/>
+                  </a:ln>
+                  <a:solidFill>
+                    <a:schemeClr val="bg2">
+                      <a:tint val="85000"/>
+                      <a:satMod val="155000"/>
+                    </a:schemeClr>
+                  </a:solidFill>
+                  <a:effectLst>
+                    <a:glow rad="101600">
+                      <a:schemeClr val="accent2">
+                        <a:satMod val="175000"/>
+                        <a:alpha val="40000"/>
+                      </a:schemeClr>
+                    </a:glow>
+                    <a:outerShdw blurRad="41275" dist="20320" dir="1800000" algn="tl" rotWithShape="0">
+                      <a:srgbClr val="000000">
+                        <a:alpha val="40000"/>
+                      </a:srgbClr>
+                    </a:outerShdw>
+                  </a:effectLst>
+                </a:endParaRPr>
+              </a:p>
+            </p:txBody>
+          </p:sp>
+        </p:grpSp>
+        <p:sp>
+          <p:nvSpPr>
+            <p:cNvPr id="18" name="矩形 17"/>
+            <p:cNvSpPr/>
+            <p:nvPr/>
+          </p:nvSpPr>
+          <p:spPr>
+            <a:xfrm>
+              <a:off x="6811818" y="4096744"/>
+              <a:ext cx="1362103" cy="230832"/>
+            </a:xfrm>
+            <a:prstGeom prst="rect">
+              <a:avLst/>
+            </a:prstGeom>
+            <a:noFill/>
+          </p:spPr>
+          <p:txBody>
+            <a:bodyPr wrap="none" lIns="91440" tIns="45720" rIns="91440" bIns="45720">
+              <a:spAutoFit/>
+            </a:bodyPr>
+            <a:lstStyle/>
+            <a:p>
+              <a:pPr algn="ctr"/>
+              <a:r>
+                <a:rPr lang="en-US" altLang="zh-CN" sz="900" dirty="0">
+                  <a:ln w="18415" cmpd="sng">
+                    <a:solidFill>
+                      <a:srgbClr val="FFFFFF"/>
+                    </a:solidFill>
+                    <a:prstDash val="solid"/>
+                  </a:ln>
+                  <a:solidFill>
+                    <a:srgbClr val="FFFFFF"/>
+                  </a:solidFill>
+                  <a:effectLst>
+                    <a:outerShdw blurRad="63500" dir="3600000" algn="tl" rotWithShape="0">
+                      <a:srgbClr val="000000">
+                        <a:alpha val="70000"/>
+                      </a:srgbClr>
+                    </a:outerShdw>
+                  </a:effectLst>
+                  <a:latin typeface="Courier New"/>
+                  <a:cs typeface="Courier New"/>
+                </a:rPr>
+                <a:t>analytical -&gt; </a:t>
+              </a:r>
+              <a:r>
+                <a:rPr lang="en-US" altLang="zh-CN" sz="900" dirty="0" err="1">
+                  <a:ln w="18415" cmpd="sng">
+                    <a:solidFill>
+                      <a:srgbClr val="FFFFFF"/>
+                    </a:solidFill>
+                    <a:prstDash val="solid"/>
+                  </a:ln>
+                  <a:solidFill>
+                    <a:srgbClr val="FFFFFF"/>
+                  </a:solidFill>
+                  <a:effectLst>
+                    <a:outerShdw blurRad="63500" dir="3600000" algn="tl" rotWithShape="0">
+                      <a:srgbClr val="000000">
+                        <a:alpha val="70000"/>
+                      </a:srgbClr>
+                    </a:outerShdw>
+                  </a:effectLst>
+                  <a:latin typeface="Courier New"/>
+                  <a:cs typeface="Courier New"/>
+                </a:rPr>
+                <a:t>gui</a:t>
+              </a:r>
+              <a:r>
+                <a:rPr lang="en-US" altLang="zh-CN" sz="900" dirty="0">
+                  <a:ln w="18415" cmpd="sng">
+                    <a:solidFill>
+                      <a:srgbClr val="FFFFFF"/>
+                    </a:solidFill>
+                    <a:prstDash val="solid"/>
+                  </a:ln>
+                  <a:solidFill>
+                    <a:srgbClr val="FFFFFF"/>
+                  </a:solidFill>
+                  <a:effectLst>
+                    <a:outerShdw blurRad="63500" dir="3600000" algn="tl" rotWithShape="0">
+                      <a:srgbClr val="000000">
+                        <a:alpha val="70000"/>
+                      </a:srgbClr>
+                    </a:outerShdw>
+                  </a:effectLst>
+                  <a:latin typeface="Courier New"/>
+                  <a:cs typeface="Courier New"/>
+                </a:rPr>
+                <a:t> </a:t>
+              </a:r>
+              <a:endParaRPr lang="zh-CN" altLang="en-US" sz="900" dirty="0">
+                <a:ln w="18415" cmpd="sng">
+                  <a:solidFill>
+                    <a:srgbClr val="FFFFFF"/>
+                  </a:solidFill>
+                  <a:prstDash val="solid"/>
+                </a:ln>
+                <a:solidFill>
+                  <a:srgbClr val="FFFFFF"/>
+                </a:solidFill>
+                <a:effectLst>
+                  <a:outerShdw blurRad="63500" dir="3600000" algn="tl" rotWithShape="0">
+                    <a:srgbClr val="000000">
+                      <a:alpha val="70000"/>
+                    </a:srgbClr>
+                  </a:outerShdw>
+                </a:effectLst>
+              </a:endParaRPr>
+            </a:p>
+          </p:txBody>
+        </p:sp>
+      </p:grpSp>
+      <p:grpSp>
+        <p:nvGrpSpPr>
+          <p:cNvPr id="22" name="组 21"/>
+          <p:cNvGrpSpPr/>
+          <p:nvPr/>
+        </p:nvGrpSpPr>
+        <p:grpSpPr>
+          <a:xfrm>
+            <a:off x="4872182" y="4906819"/>
+            <a:ext cx="3301999" cy="965090"/>
+            <a:chOff x="4872182" y="4906819"/>
+            <a:chExt cx="3301999" cy="965090"/>
+          </a:xfrm>
+        </p:grpSpPr>
+        <p:cxnSp>
+          <p:nvCxnSpPr>
+            <p:cNvPr id="12" name="直线箭头连接符 11"/>
+            <p:cNvCxnSpPr/>
+            <p:nvPr/>
+          </p:nvCxnSpPr>
+          <p:spPr>
+            <a:xfrm flipH="1" flipV="1">
+              <a:off x="4872182" y="4906819"/>
+              <a:ext cx="1939636" cy="785090"/>
+            </a:xfrm>
+            <a:prstGeom prst="straightConnector1">
+              <a:avLst/>
+            </a:prstGeom>
+            <a:ln>
+              <a:solidFill>
+                <a:srgbClr val="000000"/>
+              </a:solidFill>
+              <a:tailEnd type="arrow"/>
+            </a:ln>
+          </p:spPr>
+          <p:style>
+            <a:lnRef idx="2">
+              <a:schemeClr val="accent1"/>
+            </a:lnRef>
+            <a:fillRef idx="0">
+              <a:schemeClr val="accent1"/>
+            </a:fillRef>
+            <a:effectRef idx="1">
+              <a:schemeClr val="accent1"/>
+            </a:effectRef>
+            <a:fontRef idx="minor">
+              <a:schemeClr val="tx1"/>
+            </a:fontRef>
+          </p:style>
+        </p:cxnSp>
+        <p:sp>
+          <p:nvSpPr>
+            <p:cNvPr id="19" name="圆角矩形 18"/>
+            <p:cNvSpPr/>
+            <p:nvPr/>
+          </p:nvSpPr>
+          <p:spPr>
+            <a:xfrm>
+              <a:off x="6811818" y="5511909"/>
+              <a:ext cx="1362363" cy="360000"/>
+            </a:xfrm>
+            <a:prstGeom prst="roundRect">
+              <a:avLst/>
+            </a:prstGeom>
+          </p:spPr>
+          <p:style>
+            <a:lnRef idx="1">
+              <a:schemeClr val="dk1"/>
+            </a:lnRef>
+            <a:fillRef idx="3">
+              <a:schemeClr val="dk1"/>
+            </a:fillRef>
+            <a:effectRef idx="2">
+              <a:schemeClr val="dk1"/>
+            </a:effectRef>
+            <a:fontRef idx="minor">
+              <a:schemeClr val="lt1"/>
+            </a:fontRef>
+          </p:style>
+          <p:txBody>
+            <a:bodyPr rtlCol="0" anchor="ctr"/>
+            <a:lstStyle/>
+            <a:p>
+              <a:pPr algn="ctr"/>
+              <a:endParaRPr kumimoji="1" lang="zh-CN" altLang="en-US"/>
+            </a:p>
+          </p:txBody>
+        </p:sp>
+        <p:sp>
+          <p:nvSpPr>
+            <p:cNvPr id="21" name="矩形 20"/>
+            <p:cNvSpPr/>
+            <p:nvPr/>
+          </p:nvSpPr>
+          <p:spPr>
+            <a:xfrm>
+              <a:off x="6811818" y="5576493"/>
+              <a:ext cx="1362103" cy="230832"/>
+            </a:xfrm>
+            <a:prstGeom prst="rect">
+              <a:avLst/>
+            </a:prstGeom>
+            <a:noFill/>
+          </p:spPr>
+          <p:txBody>
+            <a:bodyPr wrap="none" lIns="91440" tIns="45720" rIns="91440" bIns="45720">
+              <a:spAutoFit/>
+            </a:bodyPr>
+            <a:lstStyle/>
+            <a:p>
+              <a:pPr algn="ctr"/>
+              <a:r>
+                <a:rPr lang="en-US" altLang="zh-CN" sz="900" dirty="0" err="1">
+                  <a:ln w="18415" cmpd="sng">
+                    <a:solidFill>
+                      <a:srgbClr val="FFFFFF"/>
+                    </a:solidFill>
+                    <a:prstDash val="solid"/>
+                  </a:ln>
+                  <a:solidFill>
+                    <a:srgbClr val="FFFFFF"/>
+                  </a:solidFill>
+                  <a:effectLst>
+                    <a:outerShdw blurRad="63500" dir="3600000" algn="tl" rotWithShape="0">
+                      <a:srgbClr val="000000">
+                        <a:alpha val="70000"/>
+                      </a:srgbClr>
+                    </a:outerShdw>
+                  </a:effectLst>
+                  <a:latin typeface="Courier New"/>
+                  <a:cs typeface="Courier New"/>
+                </a:rPr>
+                <a:t>gui</a:t>
+              </a:r>
+              <a:r>
+                <a:rPr lang="en-US" altLang="zh-CN" sz="900" dirty="0">
+                  <a:ln w="18415" cmpd="sng">
+                    <a:solidFill>
+                      <a:srgbClr val="FFFFFF"/>
+                    </a:solidFill>
+                    <a:prstDash val="solid"/>
+                  </a:ln>
+                  <a:solidFill>
+                    <a:srgbClr val="FFFFFF"/>
+                  </a:solidFill>
+                  <a:effectLst>
+                    <a:outerShdw blurRad="63500" dir="3600000" algn="tl" rotWithShape="0">
+                      <a:srgbClr val="000000">
+                        <a:alpha val="70000"/>
+                      </a:srgbClr>
+                    </a:outerShdw>
+                  </a:effectLst>
+                  <a:latin typeface="Courier New"/>
+                  <a:cs typeface="Courier New"/>
+                </a:rPr>
+                <a:t> </a:t>
+              </a:r>
+              <a:r>
+                <a:rPr lang="en-US" altLang="zh-CN" sz="900" dirty="0" smtClean="0">
+                  <a:ln w="18415" cmpd="sng">
+                    <a:solidFill>
+                      <a:srgbClr val="FFFFFF"/>
+                    </a:solidFill>
+                    <a:prstDash val="solid"/>
+                  </a:ln>
+                  <a:solidFill>
+                    <a:srgbClr val="FFFFFF"/>
+                  </a:solidFill>
+                  <a:effectLst>
+                    <a:outerShdw blurRad="63500" dir="3600000" algn="tl" rotWithShape="0">
+                      <a:srgbClr val="000000">
+                        <a:alpha val="70000"/>
+                      </a:srgbClr>
+                    </a:outerShdw>
+                  </a:effectLst>
+                  <a:latin typeface="Courier New"/>
+                  <a:cs typeface="Courier New"/>
+                </a:rPr>
+                <a:t>-</a:t>
+              </a:r>
+              <a:r>
+                <a:rPr lang="en-US" altLang="zh-CN" sz="900" dirty="0">
+                  <a:ln w="18415" cmpd="sng">
+                    <a:solidFill>
+                      <a:srgbClr val="FFFFFF"/>
+                    </a:solidFill>
+                    <a:prstDash val="solid"/>
+                  </a:ln>
+                  <a:solidFill>
+                    <a:srgbClr val="FFFFFF"/>
+                  </a:solidFill>
+                  <a:effectLst>
+                    <a:outerShdw blurRad="63500" dir="3600000" algn="tl" rotWithShape="0">
+                      <a:srgbClr val="000000">
+                        <a:alpha val="70000"/>
+                      </a:srgbClr>
+                    </a:outerShdw>
+                  </a:effectLst>
+                  <a:latin typeface="Courier New"/>
+                  <a:cs typeface="Courier New"/>
+                </a:rPr>
+                <a:t>&gt; </a:t>
+              </a:r>
+              <a:r>
+                <a:rPr lang="en-US" altLang="zh-CN" sz="900" dirty="0" smtClean="0">
+                  <a:ln w="18415" cmpd="sng">
+                    <a:solidFill>
+                      <a:srgbClr val="FFFFFF"/>
+                    </a:solidFill>
+                    <a:prstDash val="solid"/>
+                  </a:ln>
+                  <a:solidFill>
+                    <a:srgbClr val="FFFFFF"/>
+                  </a:solidFill>
+                  <a:effectLst>
+                    <a:outerShdw blurRad="63500" dir="3600000" algn="tl" rotWithShape="0">
+                      <a:srgbClr val="000000">
+                        <a:alpha val="70000"/>
+                      </a:srgbClr>
+                    </a:outerShdw>
+                  </a:effectLst>
+                  <a:latin typeface="Courier New"/>
+                  <a:cs typeface="Courier New"/>
+                </a:rPr>
+                <a:t>analytical </a:t>
+              </a:r>
+              <a:endParaRPr lang="zh-CN" altLang="en-US" sz="900" dirty="0">
+                <a:ln w="18415" cmpd="sng">
+                  <a:solidFill>
+                    <a:srgbClr val="FFFFFF"/>
+                  </a:solidFill>
+                  <a:prstDash val="solid"/>
+                </a:ln>
+                <a:solidFill>
+                  <a:srgbClr val="FFFFFF"/>
+                </a:solidFill>
+                <a:effectLst>
+                  <a:outerShdw blurRad="63500" dir="3600000" algn="tl" rotWithShape="0">
+                    <a:srgbClr val="000000">
+                      <a:alpha val="70000"/>
+                    </a:srgbClr>
+                  </a:outerShdw>
+                </a:effectLst>
+              </a:endParaRPr>
+            </a:p>
+          </p:txBody>
+        </p:sp>
+      </p:grpSp>
+      <p:sp>
+        <p:nvSpPr>
+          <p:cNvPr id="24" name="幻灯片编号占位符 23"/>
+          <p:cNvSpPr>
+            <a:spLocks noGrp="1"/>
+          </p:cNvSpPr>
+          <p:nvPr>
+            <p:ph type="sldNum" sz="quarter" idx="12"/>
+          </p:nvPr>
+        </p:nvSpPr>
+        <p:spPr/>
+        <p:txBody>
+          <a:bodyPr/>
+          <a:lstStyle/>
+          <a:p>
+            <a:r>
+              <a:rPr lang="es-ES" dirty="0" smtClean="0">
+                <a:solidFill>
+                  <a:srgbClr val="000000"/>
+                </a:solidFill>
+              </a:rPr>
+              <a:t>2</a:t>
+            </a:r>
+            <a:endParaRPr lang="es-ES" dirty="0">
+              <a:solidFill>
+                <a:srgbClr val="000000"/>
+              </a:solidFill>
+            </a:endParaRPr>
+          </a:p>
+        </p:txBody>
+      </p:sp>
     </p:spTree>
     <p:extLst>
       <p:ext uri="{BB962C8B-B14F-4D97-AF65-F5344CB8AC3E}">
@@ -4738,10 +5867,200 @@
   <p:clrMapOvr>
     <a:masterClrMapping/>
   </p:clrMapOvr>
+  <p:transition xmlns:p14="http://schemas.microsoft.com/office/powerpoint/2010/main" spd="slow">
+    <p:push dir="u"/>
+  </p:transition>
   <p:timing>
     <p:tnLst>
       <p:par>
-        <p:cTn xmlns:p14="http://schemas.microsoft.com/office/powerpoint/2010/main" id="1" dur="indefinite" restart="never" nodeType="tmRoot"/>
+        <p:cTn xmlns:p14="http://schemas.microsoft.com/office/powerpoint/2010/main" id="1" dur="indefinite" restart="never" nodeType="tmRoot">
+          <p:childTnLst>
+            <p:seq concurrent="1" nextAc="seek">
+              <p:cTn id="2" dur="indefinite" nodeType="mainSeq">
+                <p:childTnLst>
+                  <p:par>
+                    <p:cTn id="3" fill="hold">
+                      <p:stCondLst>
+                        <p:cond delay="indefinite"/>
+                      </p:stCondLst>
+                      <p:childTnLst>
+                        <p:par>
+                          <p:cTn id="4" fill="hold">
+                            <p:stCondLst>
+                              <p:cond delay="0"/>
+                            </p:stCondLst>
+                            <p:childTnLst>
+                              <p:par>
+                                <p:cTn id="5" presetID="2" presetClass="entr" presetSubtype="2" fill="hold" nodeType="clickEffect">
+                                  <p:stCondLst>
+                                    <p:cond delay="0"/>
+                                  </p:stCondLst>
+                                  <p:childTnLst>
+                                    <p:set>
+                                      <p:cBhvr>
+                                        <p:cTn id="6" dur="1" fill="hold">
+                                          <p:stCondLst>
+                                            <p:cond delay="0"/>
+                                          </p:stCondLst>
+                                        </p:cTn>
+                                        <p:tgtEl>
+                                          <p:spTgt spid="23"/>
+                                        </p:tgtEl>
+                                        <p:attrNameLst>
+                                          <p:attrName>style.visibility</p:attrName>
+                                        </p:attrNameLst>
+                                      </p:cBhvr>
+                                      <p:to>
+                                        <p:strVal val="visible"/>
+                                      </p:to>
+                                    </p:set>
+                                    <p:anim calcmode="lin" valueType="num">
+                                      <p:cBhvr additive="base">
+                                        <p:cTn id="7" dur="500" fill="hold"/>
+                                        <p:tgtEl>
+                                          <p:spTgt spid="23"/>
+                                        </p:tgtEl>
+                                        <p:attrNameLst>
+                                          <p:attrName>ppt_x</p:attrName>
+                                        </p:attrNameLst>
+                                      </p:cBhvr>
+                                      <p:tavLst>
+                                        <p:tav tm="0">
+                                          <p:val>
+                                            <p:strVal val="1+#ppt_w/2"/>
+                                          </p:val>
+                                        </p:tav>
+                                        <p:tav tm="100000">
+                                          <p:val>
+                                            <p:strVal val="#ppt_x"/>
+                                          </p:val>
+                                        </p:tav>
+                                      </p:tavLst>
+                                    </p:anim>
+                                    <p:anim calcmode="lin" valueType="num">
+                                      <p:cBhvr additive="base">
+                                        <p:cTn id="8" dur="500" fill="hold"/>
+                                        <p:tgtEl>
+                                          <p:spTgt spid="23"/>
+                                        </p:tgtEl>
+                                        <p:attrNameLst>
+                                          <p:attrName>ppt_y</p:attrName>
+                                        </p:attrNameLst>
+                                      </p:cBhvr>
+                                      <p:tavLst>
+                                        <p:tav tm="0">
+                                          <p:val>
+                                            <p:strVal val="#ppt_y"/>
+                                          </p:val>
+                                        </p:tav>
+                                        <p:tav tm="100000">
+                                          <p:val>
+                                            <p:strVal val="#ppt_y"/>
+                                          </p:val>
+                                        </p:tav>
+                                      </p:tavLst>
+                                    </p:anim>
+                                  </p:childTnLst>
+                                </p:cTn>
+                              </p:par>
+                              <p:par>
+                                <p:cTn id="9" presetID="2" presetClass="entr" presetSubtype="2" fill="hold" nodeType="withEffect">
+                                  <p:stCondLst>
+                                    <p:cond delay="0"/>
+                                  </p:stCondLst>
+                                  <p:childTnLst>
+                                    <p:set>
+                                      <p:cBhvr>
+                                        <p:cTn id="10" dur="1" fill="hold">
+                                          <p:stCondLst>
+                                            <p:cond delay="0"/>
+                                          </p:stCondLst>
+                                        </p:cTn>
+                                        <p:tgtEl>
+                                          <p:spTgt spid="22"/>
+                                        </p:tgtEl>
+                                        <p:attrNameLst>
+                                          <p:attrName>style.visibility</p:attrName>
+                                        </p:attrNameLst>
+                                      </p:cBhvr>
+                                      <p:to>
+                                        <p:strVal val="visible"/>
+                                      </p:to>
+                                    </p:set>
+                                    <p:anim calcmode="lin" valueType="num">
+                                      <p:cBhvr additive="base">
+                                        <p:cTn id="11" dur="500" fill="hold"/>
+                                        <p:tgtEl>
+                                          <p:spTgt spid="22"/>
+                                        </p:tgtEl>
+                                        <p:attrNameLst>
+                                          <p:attrName>ppt_x</p:attrName>
+                                        </p:attrNameLst>
+                                      </p:cBhvr>
+                                      <p:tavLst>
+                                        <p:tav tm="0">
+                                          <p:val>
+                                            <p:strVal val="1+#ppt_w/2"/>
+                                          </p:val>
+                                        </p:tav>
+                                        <p:tav tm="100000">
+                                          <p:val>
+                                            <p:strVal val="#ppt_x"/>
+                                          </p:val>
+                                        </p:tav>
+                                      </p:tavLst>
+                                    </p:anim>
+                                    <p:anim calcmode="lin" valueType="num">
+                                      <p:cBhvr additive="base">
+                                        <p:cTn id="12" dur="500" fill="hold"/>
+                                        <p:tgtEl>
+                                          <p:spTgt spid="22"/>
+                                        </p:tgtEl>
+                                        <p:attrNameLst>
+                                          <p:attrName>ppt_y</p:attrName>
+                                        </p:attrNameLst>
+                                      </p:cBhvr>
+                                      <p:tavLst>
+                                        <p:tav tm="0">
+                                          <p:val>
+                                            <p:strVal val="#ppt_y"/>
+                                          </p:val>
+                                        </p:tav>
+                                        <p:tav tm="100000">
+                                          <p:val>
+                                            <p:strVal val="#ppt_y"/>
+                                          </p:val>
+                                        </p:tav>
+                                      </p:tavLst>
+                                    </p:anim>
+                                  </p:childTnLst>
+                                </p:cTn>
+                              </p:par>
+                            </p:childTnLst>
+                          </p:cTn>
+                        </p:par>
+                      </p:childTnLst>
+                    </p:cTn>
+                  </p:par>
+                </p:childTnLst>
+              </p:cTn>
+              <p:prevCondLst>
+                <p:cond evt="onPrev" delay="0">
+                  <p:tgtEl>
+                    <p:sldTgt/>
+                  </p:tgtEl>
+                </p:cond>
+              </p:prevCondLst>
+              <p:nextCondLst>
+                <p:cond evt="onNext" delay="0">
+                  <p:tgtEl>
+                    <p:sldTgt/>
+                  </p:tgtEl>
+                </p:cond>
+              </p:nextCondLst>
+            </p:seq>
+          </p:childTnLst>
+        </p:cTn>
       </p:par>
     </p:tnLst>
   </p:timing>
@@ -5052,6 +6371,44 @@
           </a:p>
         </p:txBody>
       </p:sp>
+      <p:sp>
+        <p:nvSpPr>
+          <p:cNvPr id="4" name="幻灯片编号占位符 3"/>
+          <p:cNvSpPr>
+            <a:spLocks noGrp="1"/>
+          </p:cNvSpPr>
+          <p:nvPr>
+            <p:ph type="sldNum" sz="quarter" idx="12"/>
+          </p:nvPr>
+        </p:nvSpPr>
+        <p:spPr/>
+        <p:txBody>
+          <a:bodyPr/>
+          <a:lstStyle/>
+          <a:p>
+            <a:r>
+              <a:rPr lang="es-ES" dirty="0">
+                <a:solidFill>
+                  <a:srgbClr val="000000"/>
+                </a:solidFill>
+              </a:rPr>
+              <a:t>3</a:t>
+            </a:r>
+            <a:endParaRPr lang="es-ES" dirty="0" smtClean="0">
+              <a:solidFill>
+                <a:srgbClr val="000000"/>
+              </a:solidFill>
+            </a:endParaRPr>
+          </a:p>
+          <a:p>
+            <a:endParaRPr lang="es-ES" dirty="0">
+              <a:solidFill>
+                <a:srgbClr val="000000"/>
+              </a:solidFill>
+            </a:endParaRPr>
+          </a:p>
+        </p:txBody>
+      </p:sp>
     </p:spTree>
     <p:extLst>
       <p:ext uri="{BB962C8B-B14F-4D97-AF65-F5344CB8AC3E}">
@@ -5062,6 +6419,9 @@
   <p:clrMapOvr>
     <a:masterClrMapping/>
   </p:clrMapOvr>
+  <p:transition xmlns:p14="http://schemas.microsoft.com/office/powerpoint/2010/main" spd="slow">
+    <p:push dir="u"/>
+  </p:transition>
   <p:timing>
     <p:tnLst>
       <p:par>
@@ -5101,95 +6461,80 @@
           <a:chExt cx="0" cy="0"/>
         </a:xfrm>
       </p:grpSpPr>
-      <p:pic>
-        <p:nvPicPr>
-          <p:cNvPr id="4" name="Picture 3" descr="StanBefore.png"/>
-          <p:cNvPicPr>
-            <a:picLocks noChangeAspect="1"/>
-          </p:cNvPicPr>
+      <p:grpSp>
+        <p:nvGrpSpPr>
+          <p:cNvPr id="3" name="组 2"/>
+          <p:cNvGrpSpPr/>
           <p:nvPr/>
-        </p:nvPicPr>
-        <p:blipFill>
-          <a:blip r:embed="rId3">
-            <a:extLst>
-              <a:ext uri="{28A0092B-C50C-407E-A947-70E740481C1C}">
-                <a14:useLocalDpi xmlns:a14="http://schemas.microsoft.com/office/drawing/2010/main" val="0"/>
-              </a:ext>
-            </a:extLst>
-          </a:blip>
-          <a:stretch>
-            <a:fillRect/>
-          </a:stretch>
-        </p:blipFill>
-        <p:spPr>
+        </p:nvGrpSpPr>
+        <p:grpSpPr>
           <a:xfrm>
             <a:off x="457200" y="1417638"/>
-            <a:ext cx="3595255" cy="4412817"/>
+            <a:ext cx="3595255" cy="4816983"/>
+            <a:chOff x="457200" y="1417638"/>
+            <a:chExt cx="3595255" cy="4816983"/>
           </a:xfrm>
-          <a:prstGeom prst="rect">
-            <a:avLst/>
-          </a:prstGeom>
-        </p:spPr>
-      </p:pic>
-      <p:pic>
-        <p:nvPicPr>
-          <p:cNvPr id="5" name="Picture 4" descr="StanAfter.png"/>
-          <p:cNvPicPr>
-            <a:picLocks noChangeAspect="1"/>
-          </p:cNvPicPr>
-          <p:nvPr/>
-        </p:nvPicPr>
-        <p:blipFill>
-          <a:blip r:embed="rId4">
-            <a:extLst>
-              <a:ext uri="{28A0092B-C50C-407E-A947-70E740481C1C}">
-                <a14:useLocalDpi xmlns:a14="http://schemas.microsoft.com/office/drawing/2010/main" val="0"/>
-              </a:ext>
-            </a:extLst>
-          </a:blip>
-          <a:stretch>
-            <a:fillRect/>
-          </a:stretch>
-        </p:blipFill>
-        <p:spPr>
-          <a:xfrm>
-            <a:off x="4456544" y="1417637"/>
-            <a:ext cx="3501569" cy="4412817"/>
-          </a:xfrm>
-          <a:prstGeom prst="rect">
-            <a:avLst/>
-          </a:prstGeom>
-        </p:spPr>
-      </p:pic>
-      <p:sp>
-        <p:nvSpPr>
-          <p:cNvPr id="7" name="TextBox 6"/>
-          <p:cNvSpPr txBox="1"/>
-          <p:nvPr/>
-        </p:nvSpPr>
-        <p:spPr>
-          <a:xfrm>
-            <a:off x="1108364" y="5988400"/>
-            <a:ext cx="1847271" cy="246221"/>
-          </a:xfrm>
-          <a:prstGeom prst="rect">
-            <a:avLst/>
-          </a:prstGeom>
-          <a:noFill/>
-        </p:spPr>
-        <p:txBody>
-          <a:bodyPr wrap="square" rtlCol="0">
-            <a:spAutoFit/>
-          </a:bodyPr>
-          <a:lstStyle/>
-          <a:p>
-            <a:r>
-              <a:rPr lang="en-US" sz="1000" dirty="0" smtClean="0"/>
-              <a:t>Figure 2a. Before refactoring</a:t>
-            </a:r>
-          </a:p>
-        </p:txBody>
-      </p:sp>
+        </p:grpSpPr>
+        <p:pic>
+          <p:nvPicPr>
+            <p:cNvPr id="4" name="Picture 3" descr="StanBefore.png"/>
+            <p:cNvPicPr>
+              <a:picLocks noChangeAspect="1"/>
+            </p:cNvPicPr>
+            <p:nvPr/>
+          </p:nvPicPr>
+          <p:blipFill>
+            <a:blip r:embed="rId3">
+              <a:extLst>
+                <a:ext uri="{28A0092B-C50C-407E-A947-70E740481C1C}">
+                  <a14:useLocalDpi xmlns:a14="http://schemas.microsoft.com/office/drawing/2010/main" val="0"/>
+                </a:ext>
+              </a:extLst>
+            </a:blip>
+            <a:stretch>
+              <a:fillRect/>
+            </a:stretch>
+          </p:blipFill>
+          <p:spPr>
+            <a:xfrm>
+              <a:off x="457200" y="1417638"/>
+              <a:ext cx="3595255" cy="4412817"/>
+            </a:xfrm>
+            <a:prstGeom prst="rect">
+              <a:avLst/>
+            </a:prstGeom>
+          </p:spPr>
+        </p:pic>
+        <p:sp>
+          <p:nvSpPr>
+            <p:cNvPr id="7" name="TextBox 6"/>
+            <p:cNvSpPr txBox="1"/>
+            <p:nvPr/>
+          </p:nvSpPr>
+          <p:spPr>
+            <a:xfrm>
+              <a:off x="1108364" y="5988400"/>
+              <a:ext cx="1847271" cy="246221"/>
+            </a:xfrm>
+            <a:prstGeom prst="rect">
+              <a:avLst/>
+            </a:prstGeom>
+            <a:noFill/>
+          </p:spPr>
+          <p:txBody>
+            <a:bodyPr wrap="square" rtlCol="0">
+              <a:spAutoFit/>
+            </a:bodyPr>
+            <a:lstStyle/>
+            <a:p>
+              <a:r>
+                <a:rPr lang="en-US" sz="1000" dirty="0" smtClean="0"/>
+                <a:t>Figure 2a. Before refactoring</a:t>
+              </a:r>
+            </a:p>
+          </p:txBody>
+        </p:sp>
+      </p:grpSp>
       <p:sp>
         <p:nvSpPr>
           <p:cNvPr id="8" name="Title 7"/>
@@ -5219,32 +6564,108 @@
           </a:p>
         </p:txBody>
       </p:sp>
-      <p:sp>
-        <p:nvSpPr>
-          <p:cNvPr id="9" name="TextBox 8"/>
-          <p:cNvSpPr txBox="1"/>
+      <p:grpSp>
+        <p:nvGrpSpPr>
+          <p:cNvPr id="6" name="组 5"/>
+          <p:cNvGrpSpPr/>
           <p:nvPr/>
-        </p:nvSpPr>
-        <p:spPr>
+        </p:nvGrpSpPr>
+        <p:grpSpPr>
           <a:xfrm>
-            <a:off x="5278583" y="5992365"/>
-            <a:ext cx="1847271" cy="246221"/>
+            <a:off x="4456544" y="1417637"/>
+            <a:ext cx="3501569" cy="4820949"/>
+            <a:chOff x="4456544" y="1417637"/>
+            <a:chExt cx="3501569" cy="4820949"/>
           </a:xfrm>
-          <a:prstGeom prst="rect">
-            <a:avLst/>
-          </a:prstGeom>
-          <a:noFill/>
-        </p:spPr>
-        <p:txBody>
-          <a:bodyPr wrap="square" rtlCol="0">
-            <a:spAutoFit/>
-          </a:bodyPr>
+        </p:grpSpPr>
+        <p:pic>
+          <p:nvPicPr>
+            <p:cNvPr id="5" name="Picture 4" descr="StanAfter.png"/>
+            <p:cNvPicPr>
+              <a:picLocks noChangeAspect="1"/>
+            </p:cNvPicPr>
+            <p:nvPr/>
+          </p:nvPicPr>
+          <p:blipFill>
+            <a:blip r:embed="rId4">
+              <a:extLst>
+                <a:ext uri="{28A0092B-C50C-407E-A947-70E740481C1C}">
+                  <a14:useLocalDpi xmlns:a14="http://schemas.microsoft.com/office/drawing/2010/main" val="0"/>
+                </a:ext>
+              </a:extLst>
+            </a:blip>
+            <a:stretch>
+              <a:fillRect/>
+            </a:stretch>
+          </p:blipFill>
+          <p:spPr>
+            <a:xfrm>
+              <a:off x="4456544" y="1417637"/>
+              <a:ext cx="3501569" cy="4412817"/>
+            </a:xfrm>
+            <a:prstGeom prst="rect">
+              <a:avLst/>
+            </a:prstGeom>
+          </p:spPr>
+        </p:pic>
+        <p:sp>
+          <p:nvSpPr>
+            <p:cNvPr id="9" name="TextBox 8"/>
+            <p:cNvSpPr txBox="1"/>
+            <p:nvPr/>
+          </p:nvSpPr>
+          <p:spPr>
+            <a:xfrm>
+              <a:off x="5278583" y="5992365"/>
+              <a:ext cx="1847271" cy="246221"/>
+            </a:xfrm>
+            <a:prstGeom prst="rect">
+              <a:avLst/>
+            </a:prstGeom>
+            <a:noFill/>
+          </p:spPr>
+          <p:txBody>
+            <a:bodyPr wrap="square" rtlCol="0">
+              <a:spAutoFit/>
+            </a:bodyPr>
+            <a:lstStyle/>
+            <a:p>
+              <a:r>
+                <a:rPr lang="en-US" sz="1000" dirty="0" smtClean="0"/>
+                <a:t>Figure 2b. After refactoring</a:t>
+              </a:r>
+            </a:p>
+          </p:txBody>
+        </p:sp>
+      </p:grpSp>
+      <p:sp>
+        <p:nvSpPr>
+          <p:cNvPr id="2" name="幻灯片编号占位符 1"/>
+          <p:cNvSpPr>
+            <a:spLocks noGrp="1"/>
+          </p:cNvSpPr>
+          <p:nvPr>
+            <p:ph type="sldNum" sz="quarter" idx="12"/>
+          </p:nvPr>
+        </p:nvSpPr>
+        <p:spPr/>
+        <p:txBody>
+          <a:bodyPr/>
           <a:lstStyle/>
           <a:p>
             <a:r>
-              <a:rPr lang="en-US" sz="1000" dirty="0" smtClean="0"/>
-              <a:t>Figure 2b. After refactoring</a:t>
-            </a:r>
+              <a:rPr lang="es-ES" dirty="0">
+                <a:solidFill>
+                  <a:srgbClr val="000000"/>
+                </a:solidFill>
+              </a:rPr>
+              <a:t>4</a:t>
+            </a:r>
+            <a:endParaRPr lang="es-ES" dirty="0">
+              <a:solidFill>
+                <a:srgbClr val="000000"/>
+              </a:solidFill>
+            </a:endParaRPr>
           </a:p>
         </p:txBody>
       </p:sp>
@@ -5258,10 +6679,142 @@
   <p:clrMapOvr>
     <a:masterClrMapping/>
   </p:clrMapOvr>
+  <p:transition xmlns:p14="http://schemas.microsoft.com/office/powerpoint/2010/main" spd="slow">
+    <p:push dir="u"/>
+  </p:transition>
   <p:timing>
     <p:tnLst>
       <p:par>
-        <p:cTn xmlns:p14="http://schemas.microsoft.com/office/powerpoint/2010/main" id="1" dur="indefinite" restart="never" nodeType="tmRoot"/>
+        <p:cTn xmlns:p14="http://schemas.microsoft.com/office/powerpoint/2010/main" id="1" dur="indefinite" restart="never" nodeType="tmRoot">
+          <p:childTnLst>
+            <p:seq concurrent="1" nextAc="seek">
+              <p:cTn id="2" dur="indefinite" nodeType="mainSeq">
+                <p:childTnLst>
+                  <p:par>
+                    <p:cTn id="3" fill="hold">
+                      <p:stCondLst>
+                        <p:cond delay="indefinite"/>
+                      </p:stCondLst>
+                      <p:childTnLst>
+                        <p:par>
+                          <p:cTn id="4" fill="hold">
+                            <p:stCondLst>
+                              <p:cond delay="0"/>
+                            </p:stCondLst>
+                            <p:childTnLst>
+                              <p:par>
+                                <p:cTn id="5" presetID="16" presetClass="entr" presetSubtype="21" fill="hold" nodeType="clickEffect">
+                                  <p:stCondLst>
+                                    <p:cond delay="0"/>
+                                  </p:stCondLst>
+                                  <p:childTnLst>
+                                    <p:set>
+                                      <p:cBhvr>
+                                        <p:cTn id="6" dur="1" fill="hold">
+                                          <p:stCondLst>
+                                            <p:cond delay="0"/>
+                                          </p:stCondLst>
+                                        </p:cTn>
+                                        <p:tgtEl>
+                                          <p:spTgt spid="3"/>
+                                        </p:tgtEl>
+                                        <p:attrNameLst>
+                                          <p:attrName>style.visibility</p:attrName>
+                                        </p:attrNameLst>
+                                      </p:cBhvr>
+                                      <p:to>
+                                        <p:strVal val="visible"/>
+                                      </p:to>
+                                    </p:set>
+                                    <p:animEffect transition="in" filter="barn(inVertical)">
+                                      <p:cBhvr>
+                                        <p:cTn id="7" dur="500"/>
+                                        <p:tgtEl>
+                                          <p:spTgt spid="3"/>
+                                        </p:tgtEl>
+                                      </p:cBhvr>
+                                    </p:animEffect>
+                                  </p:childTnLst>
+                                </p:cTn>
+                              </p:par>
+                            </p:childTnLst>
+                          </p:cTn>
+                        </p:par>
+                      </p:childTnLst>
+                    </p:cTn>
+                  </p:par>
+                  <p:par>
+                    <p:cTn id="8" fill="hold">
+                      <p:stCondLst>
+                        <p:cond delay="indefinite"/>
+                      </p:stCondLst>
+                      <p:childTnLst>
+                        <p:par>
+                          <p:cTn id="9" fill="hold">
+                            <p:stCondLst>
+                              <p:cond delay="0"/>
+                            </p:stCondLst>
+                            <p:childTnLst>
+                              <p:par>
+                                <p:cTn id="10" presetID="16" presetClass="entr" presetSubtype="21" fill="hold" nodeType="clickEffect">
+                                  <p:stCondLst>
+                                    <p:cond delay="0"/>
+                                  </p:stCondLst>
+                                  <p:childTnLst>
+                                    <p:set>
+                                      <p:cBhvr>
+                                        <p:cTn id="11" dur="1" fill="hold">
+                                          <p:stCondLst>
+                                            <p:cond delay="0"/>
+                                          </p:stCondLst>
+                                        </p:cTn>
+                                        <p:tgtEl>
+                                          <p:spTgt spid="6"/>
+                                        </p:tgtEl>
+                                        <p:attrNameLst>
+                                          <p:attrName>style.visibility</p:attrName>
+                                        </p:attrNameLst>
+                                      </p:cBhvr>
+                                      <p:to>
+                                        <p:strVal val="visible"/>
+                                      </p:to>
+                                    </p:set>
+                                    <p:animEffect transition="in" filter="barn(inVertical)">
+                                      <p:cBhvr>
+                                        <p:cTn id="12" dur="500"/>
+                                        <p:tgtEl>
+                                          <p:spTgt spid="6"/>
+                                        </p:tgtEl>
+                                      </p:cBhvr>
+                                    </p:animEffect>
+                                  </p:childTnLst>
+                                </p:cTn>
+                              </p:par>
+                            </p:childTnLst>
+                          </p:cTn>
+                        </p:par>
+                      </p:childTnLst>
+                    </p:cTn>
+                  </p:par>
+                </p:childTnLst>
+              </p:cTn>
+              <p:prevCondLst>
+                <p:cond evt="onPrev" delay="0">
+                  <p:tgtEl>
+                    <p:sldTgt/>
+                  </p:tgtEl>
+                </p:cond>
+              </p:prevCondLst>
+              <p:nextCondLst>
+                <p:cond evt="onNext" delay="0">
+                  <p:tgtEl>
+                    <p:sldTgt/>
+                  </p:tgtEl>
+                </p:cond>
+              </p:nextCondLst>
+            </p:seq>
+          </p:childTnLst>
+        </p:cTn>
       </p:par>
     </p:tnLst>
   </p:timing>
@@ -5391,11 +6944,7 @@
             <a:pPr lvl="1"/>
             <a:r>
               <a:rPr lang="en-US" sz="1600" dirty="0" smtClean="0"/>
-              <a:t>We recommend furthe</a:t>
-            </a:r>
-            <a:r>
-              <a:rPr lang="en-US" sz="1600" dirty="0" smtClean="0"/>
-              <a:t>r refactoring of packages to reinforce a stricter layered structure between GUI components, Model controllers, and Analytics Engines</a:t>
+              <a:t>We recommend further refactoring of packages to reinforce a stricter layered structure between GUI components, Model controllers, and Analytics Engines</a:t>
             </a:r>
           </a:p>
           <a:p>
@@ -5473,6 +7022,32 @@
           <a:p>
             <a:pPr lvl="1"/>
             <a:endParaRPr lang="en-US" sz="1600" dirty="0" smtClean="0"/>
+          </a:p>
+        </p:txBody>
+      </p:sp>
+      <p:sp>
+        <p:nvSpPr>
+          <p:cNvPr id="4" name="幻灯片编号占位符 3"/>
+          <p:cNvSpPr>
+            <a:spLocks noGrp="1"/>
+          </p:cNvSpPr>
+          <p:nvPr>
+            <p:ph type="sldNum" sz="quarter" idx="12"/>
+          </p:nvPr>
+        </p:nvSpPr>
+        <p:spPr/>
+        <p:txBody>
+          <a:bodyPr/>
+          <a:lstStyle/>
+          <a:p>
+            <a:r>
+              <a:rPr lang="es-ES" dirty="0" smtClean="0">
+                <a:solidFill>
+                  <a:srgbClr val="000000"/>
+                </a:solidFill>
+              </a:rPr>
+              <a:t>5</a:t>
+            </a:r>
           </a:p>
         </p:txBody>
       </p:sp>
@@ -5486,6 +7061,9 @@
   <p:clrMapOvr>
     <a:masterClrMapping/>
   </p:clrMapOvr>
+  <p:transition xmlns:p14="http://schemas.microsoft.com/office/powerpoint/2010/main" spd="slow">
+    <p:push dir="u"/>
+  </p:transition>
   <p:timing>
     <p:tnLst>
       <p:par>
@@ -5580,6 +7158,32 @@
           </a:p>
         </p:txBody>
       </p:sp>
+      <p:sp>
+        <p:nvSpPr>
+          <p:cNvPr id="4" name="幻灯片编号占位符 3"/>
+          <p:cNvSpPr>
+            <a:spLocks noGrp="1"/>
+          </p:cNvSpPr>
+          <p:nvPr>
+            <p:ph type="sldNum" sz="quarter" idx="12"/>
+          </p:nvPr>
+        </p:nvSpPr>
+        <p:spPr/>
+        <p:txBody>
+          <a:bodyPr/>
+          <a:lstStyle/>
+          <a:p>
+            <a:r>
+              <a:rPr lang="es-ES" dirty="0" smtClean="0">
+                <a:solidFill>
+                  <a:srgbClr val="000000"/>
+                </a:solidFill>
+              </a:rPr>
+              <a:t>6</a:t>
+            </a:r>
+          </a:p>
+        </p:txBody>
+      </p:sp>
     </p:spTree>
     <p:extLst>
       <p:ext uri="{BB962C8B-B14F-4D97-AF65-F5344CB8AC3E}">
@@ -5590,6 +7194,9 @@
   <p:clrMapOvr>
     <a:masterClrMapping/>
   </p:clrMapOvr>
+  <p:transition xmlns:p14="http://schemas.microsoft.com/office/powerpoint/2010/main" spd="slow">
+    <p:push dir="u"/>
+  </p:transition>
   <p:timing>
     <p:tnLst>
       <p:par>
@@ -6351,4 +7958,644 @@
     </a:extraClrScheme>
   </a:extraClrSchemeLst>
 </a:theme>
+</file>
+
+<file path=ppt/theme/theme2.xml><?xml version="1.0" encoding="utf-8"?>
+<a:theme xmlns:a="http://schemas.openxmlformats.org/drawingml/2006/main" name="Office 主题">
+  <a:themeElements>
+    <a:clrScheme name="办公室">
+      <a:dk1>
+        <a:sysClr val="windowText" lastClr="000000"/>
+      </a:dk1>
+      <a:lt1>
+        <a:sysClr val="window" lastClr="FFFFFF"/>
+      </a:lt1>
+      <a:dk2>
+        <a:srgbClr val="1F497D"/>
+      </a:dk2>
+      <a:lt2>
+        <a:srgbClr val="EEECE1"/>
+      </a:lt2>
+      <a:accent1>
+        <a:srgbClr val="4F81BD"/>
+      </a:accent1>
+      <a:accent2>
+        <a:srgbClr val="C0504D"/>
+      </a:accent2>
+      <a:accent3>
+        <a:srgbClr val="9BBB59"/>
+      </a:accent3>
+      <a:accent4>
+        <a:srgbClr val="8064A2"/>
+      </a:accent4>
+      <a:accent5>
+        <a:srgbClr val="4BACC6"/>
+      </a:accent5>
+      <a:accent6>
+        <a:srgbClr val="F79646"/>
+      </a:accent6>
+      <a:hlink>
+        <a:srgbClr val="0000FF"/>
+      </a:hlink>
+      <a:folHlink>
+        <a:srgbClr val="800080"/>
+      </a:folHlink>
+    </a:clrScheme>
+    <a:fontScheme name="办公室">
+      <a:majorFont>
+        <a:latin typeface="Calibri"/>
+        <a:ea typeface=""/>
+        <a:cs typeface=""/>
+        <a:font script="Jpan" typeface="ＭＳ Ｐゴシック"/>
+        <a:font script="Hang" typeface="맑은 고딕"/>
+        <a:font script="Hans" typeface="宋体"/>
+        <a:font script="Hant" typeface="新細明體"/>
+        <a:font script="Arab" typeface="Times New Roman"/>
+        <a:font script="Hebr" typeface="Times New Roman"/>
+        <a:font script="Thai" typeface="Angsana New"/>
+        <a:font script="Ethi" typeface="Nyala"/>
+        <a:font script="Beng" typeface="Vrinda"/>
+        <a:font script="Gujr" typeface="Shruti"/>
+        <a:font script="Khmr" typeface="MoolBoran"/>
+        <a:font script="Knda" typeface="Tunga"/>
+        <a:font script="Guru" typeface="Raavi"/>
+        <a:font script="Cans" typeface="Euphemia"/>
+        <a:font script="Cher" typeface="Plantagenet Cherokee"/>
+        <a:font script="Yiii" typeface="Microsoft Yi Baiti"/>
+        <a:font script="Tibt" typeface="Microsoft Himalaya"/>
+        <a:font script="Thaa" typeface="MV Boli"/>
+        <a:font script="Deva" typeface="Mangal"/>
+        <a:font script="Telu" typeface="Gautami"/>
+        <a:font script="Taml" typeface="Latha"/>
+        <a:font script="Syrc" typeface="Estrangelo Edessa"/>
+        <a:font script="Orya" typeface="Kalinga"/>
+        <a:font script="Mlym" typeface="Kartika"/>
+        <a:font script="Laoo" typeface="DokChampa"/>
+        <a:font script="Sinh" typeface="Iskoola Pota"/>
+        <a:font script="Mong" typeface="Mongolian Baiti"/>
+        <a:font script="Viet" typeface="Times New Roman"/>
+        <a:font script="Uigh" typeface="Microsoft Uighur"/>
+        <a:font script="Geor" typeface="Sylfaen"/>
+      </a:majorFont>
+      <a:minorFont>
+        <a:latin typeface="Calibri"/>
+        <a:ea typeface=""/>
+        <a:cs typeface=""/>
+        <a:font script="Jpan" typeface="ＭＳ Ｐゴシック"/>
+        <a:font script="Hang" typeface="맑은 고딕"/>
+        <a:font script="Hans" typeface="宋体"/>
+        <a:font script="Hant" typeface="新細明體"/>
+        <a:font script="Arab" typeface="Arial"/>
+        <a:font script="Hebr" typeface="Arial"/>
+        <a:font script="Thai" typeface="Cordia New"/>
+        <a:font script="Ethi" typeface="Nyala"/>
+        <a:font script="Beng" typeface="Vrinda"/>
+        <a:font script="Gujr" typeface="Shruti"/>
+        <a:font script="Khmr" typeface="DaunPenh"/>
+        <a:font script="Knda" typeface="Tunga"/>
+        <a:font script="Guru" typeface="Raavi"/>
+        <a:font script="Cans" typeface="Euphemia"/>
+        <a:font script="Cher" typeface="Plantagenet Cherokee"/>
+        <a:font script="Yiii" typeface="Microsoft Yi Baiti"/>
+        <a:font script="Tibt" typeface="Microsoft Himalaya"/>
+        <a:font script="Thaa" typeface="MV Boli"/>
+        <a:font script="Deva" typeface="Mangal"/>
+        <a:font script="Telu" typeface="Gautami"/>
+        <a:font script="Taml" typeface="Latha"/>
+        <a:font script="Syrc" typeface="Estrangelo Edessa"/>
+        <a:font script="Orya" typeface="Kalinga"/>
+        <a:font script="Mlym" typeface="Kartika"/>
+        <a:font script="Laoo" typeface="DokChampa"/>
+        <a:font script="Sinh" typeface="Iskoola Pota"/>
+        <a:font script="Mong" typeface="Mongolian Baiti"/>
+        <a:font script="Viet" typeface="Arial"/>
+        <a:font script="Uigh" typeface="Microsoft Uighur"/>
+        <a:font script="Geor" typeface="Sylfaen"/>
+      </a:minorFont>
+    </a:fontScheme>
+    <a:fmtScheme name="办公室">
+      <a:fillStyleLst>
+        <a:solidFill>
+          <a:schemeClr val="phClr"/>
+        </a:solidFill>
+        <a:gradFill rotWithShape="1">
+          <a:gsLst>
+            <a:gs pos="0">
+              <a:schemeClr val="phClr">
+                <a:tint val="50000"/>
+                <a:satMod val="300000"/>
+              </a:schemeClr>
+            </a:gs>
+            <a:gs pos="35000">
+              <a:schemeClr val="phClr">
+                <a:tint val="37000"/>
+                <a:satMod val="300000"/>
+              </a:schemeClr>
+            </a:gs>
+            <a:gs pos="100000">
+              <a:schemeClr val="phClr">
+                <a:tint val="15000"/>
+                <a:satMod val="350000"/>
+              </a:schemeClr>
+            </a:gs>
+          </a:gsLst>
+          <a:lin ang="16200000" scaled="1"/>
+        </a:gradFill>
+        <a:gradFill rotWithShape="1">
+          <a:gsLst>
+            <a:gs pos="0">
+              <a:schemeClr val="phClr">
+                <a:tint val="100000"/>
+                <a:shade val="100000"/>
+                <a:satMod val="130000"/>
+              </a:schemeClr>
+            </a:gs>
+            <a:gs pos="100000">
+              <a:schemeClr val="phClr">
+                <a:tint val="50000"/>
+                <a:shade val="100000"/>
+                <a:satMod val="350000"/>
+              </a:schemeClr>
+            </a:gs>
+          </a:gsLst>
+          <a:lin ang="16200000" scaled="0"/>
+        </a:gradFill>
+      </a:fillStyleLst>
+      <a:lnStyleLst>
+        <a:ln w="9525" cap="flat" cmpd="sng" algn="ctr">
+          <a:solidFill>
+            <a:schemeClr val="phClr">
+              <a:shade val="95000"/>
+              <a:satMod val="105000"/>
+            </a:schemeClr>
+          </a:solidFill>
+          <a:prstDash val="solid"/>
+        </a:ln>
+        <a:ln w="25400" cap="flat" cmpd="sng" algn="ctr">
+          <a:solidFill>
+            <a:schemeClr val="phClr"/>
+          </a:solidFill>
+          <a:prstDash val="solid"/>
+        </a:ln>
+        <a:ln w="38100" cap="flat" cmpd="sng" algn="ctr">
+          <a:solidFill>
+            <a:schemeClr val="phClr"/>
+          </a:solidFill>
+          <a:prstDash val="solid"/>
+        </a:ln>
+      </a:lnStyleLst>
+      <a:effectStyleLst>
+        <a:effectStyle>
+          <a:effectLst>
+            <a:outerShdw blurRad="40000" dist="20000" dir="5400000" rotWithShape="0">
+              <a:srgbClr val="000000">
+                <a:alpha val="38000"/>
+              </a:srgbClr>
+            </a:outerShdw>
+          </a:effectLst>
+        </a:effectStyle>
+        <a:effectStyle>
+          <a:effectLst>
+            <a:outerShdw blurRad="40000" dist="23000" dir="5400000" rotWithShape="0">
+              <a:srgbClr val="000000">
+                <a:alpha val="35000"/>
+              </a:srgbClr>
+            </a:outerShdw>
+          </a:effectLst>
+        </a:effectStyle>
+        <a:effectStyle>
+          <a:effectLst>
+            <a:outerShdw blurRad="40000" dist="23000" dir="5400000" rotWithShape="0">
+              <a:srgbClr val="000000">
+                <a:alpha val="35000"/>
+              </a:srgbClr>
+            </a:outerShdw>
+          </a:effectLst>
+          <a:scene3d>
+            <a:camera prst="orthographicFront">
+              <a:rot lat="0" lon="0" rev="0"/>
+            </a:camera>
+            <a:lightRig rig="threePt" dir="t">
+              <a:rot lat="0" lon="0" rev="1200000"/>
+            </a:lightRig>
+          </a:scene3d>
+          <a:sp3d>
+            <a:bevelT w="63500" h="25400"/>
+          </a:sp3d>
+        </a:effectStyle>
+      </a:effectStyleLst>
+      <a:bgFillStyleLst>
+        <a:solidFill>
+          <a:schemeClr val="phClr"/>
+        </a:solidFill>
+        <a:gradFill rotWithShape="1">
+          <a:gsLst>
+            <a:gs pos="0">
+              <a:schemeClr val="phClr">
+                <a:tint val="40000"/>
+                <a:satMod val="350000"/>
+              </a:schemeClr>
+            </a:gs>
+            <a:gs pos="40000">
+              <a:schemeClr val="phClr">
+                <a:tint val="45000"/>
+                <a:shade val="99000"/>
+                <a:satMod val="350000"/>
+              </a:schemeClr>
+            </a:gs>
+            <a:gs pos="100000">
+              <a:schemeClr val="phClr">
+                <a:shade val="20000"/>
+                <a:satMod val="255000"/>
+              </a:schemeClr>
+            </a:gs>
+          </a:gsLst>
+          <a:path path="circle">
+            <a:fillToRect l="50000" t="-80000" r="50000" b="180000"/>
+          </a:path>
+        </a:gradFill>
+        <a:gradFill rotWithShape="1">
+          <a:gsLst>
+            <a:gs pos="0">
+              <a:schemeClr val="phClr">
+                <a:tint val="80000"/>
+                <a:satMod val="300000"/>
+              </a:schemeClr>
+            </a:gs>
+            <a:gs pos="100000">
+              <a:schemeClr val="phClr">
+                <a:shade val="30000"/>
+                <a:satMod val="200000"/>
+              </a:schemeClr>
+            </a:gs>
+          </a:gsLst>
+          <a:path path="circle">
+            <a:fillToRect l="50000" t="50000" r="50000" b="50000"/>
+          </a:path>
+        </a:gradFill>
+      </a:bgFillStyleLst>
+    </a:fmtScheme>
+  </a:themeElements>
+  <a:objectDefaults>
+    <a:spDef>
+      <a:spPr/>
+      <a:bodyPr/>
+      <a:lstStyle/>
+      <a:style>
+        <a:lnRef idx="1">
+          <a:schemeClr val="accent1"/>
+        </a:lnRef>
+        <a:fillRef idx="3">
+          <a:schemeClr val="accent1"/>
+        </a:fillRef>
+        <a:effectRef idx="2">
+          <a:schemeClr val="accent1"/>
+        </a:effectRef>
+        <a:fontRef idx="minor">
+          <a:schemeClr val="lt1"/>
+        </a:fontRef>
+      </a:style>
+    </a:spDef>
+    <a:lnDef>
+      <a:spPr/>
+      <a:bodyPr/>
+      <a:lstStyle/>
+      <a:style>
+        <a:lnRef idx="2">
+          <a:schemeClr val="accent1"/>
+        </a:lnRef>
+        <a:fillRef idx="0">
+          <a:schemeClr val="accent1"/>
+        </a:fillRef>
+        <a:effectRef idx="1">
+          <a:schemeClr val="accent1"/>
+        </a:effectRef>
+        <a:fontRef idx="minor">
+          <a:schemeClr val="tx1"/>
+        </a:fontRef>
+      </a:style>
+    </a:lnDef>
+  </a:objectDefaults>
+  <a:extraClrSchemeLst/>
+</a:theme>
+</file>
+
+<file path=ppt/theme/theme3.xml><?xml version="1.0" encoding="utf-8"?>
+<a:theme xmlns:a="http://schemas.openxmlformats.org/drawingml/2006/main" name="Office 主题">
+  <a:themeElements>
+    <a:clrScheme name="办公室">
+      <a:dk1>
+        <a:sysClr val="windowText" lastClr="000000"/>
+      </a:dk1>
+      <a:lt1>
+        <a:sysClr val="window" lastClr="FFFFFF"/>
+      </a:lt1>
+      <a:dk2>
+        <a:srgbClr val="1F497D"/>
+      </a:dk2>
+      <a:lt2>
+        <a:srgbClr val="EEECE1"/>
+      </a:lt2>
+      <a:accent1>
+        <a:srgbClr val="4F81BD"/>
+      </a:accent1>
+      <a:accent2>
+        <a:srgbClr val="C0504D"/>
+      </a:accent2>
+      <a:accent3>
+        <a:srgbClr val="9BBB59"/>
+      </a:accent3>
+      <a:accent4>
+        <a:srgbClr val="8064A2"/>
+      </a:accent4>
+      <a:accent5>
+        <a:srgbClr val="4BACC6"/>
+      </a:accent5>
+      <a:accent6>
+        <a:srgbClr val="F79646"/>
+      </a:accent6>
+      <a:hlink>
+        <a:srgbClr val="0000FF"/>
+      </a:hlink>
+      <a:folHlink>
+        <a:srgbClr val="800080"/>
+      </a:folHlink>
+    </a:clrScheme>
+    <a:fontScheme name="办公室">
+      <a:majorFont>
+        <a:latin typeface="Calibri"/>
+        <a:ea typeface=""/>
+        <a:cs typeface=""/>
+        <a:font script="Jpan" typeface="ＭＳ Ｐゴシック"/>
+        <a:font script="Hang" typeface="맑은 고딕"/>
+        <a:font script="Hans" typeface="宋体"/>
+        <a:font script="Hant" typeface="新細明體"/>
+        <a:font script="Arab" typeface="Times New Roman"/>
+        <a:font script="Hebr" typeface="Times New Roman"/>
+        <a:font script="Thai" typeface="Angsana New"/>
+        <a:font script="Ethi" typeface="Nyala"/>
+        <a:font script="Beng" typeface="Vrinda"/>
+        <a:font script="Gujr" typeface="Shruti"/>
+        <a:font script="Khmr" typeface="MoolBoran"/>
+        <a:font script="Knda" typeface="Tunga"/>
+        <a:font script="Guru" typeface="Raavi"/>
+        <a:font script="Cans" typeface="Euphemia"/>
+        <a:font script="Cher" typeface="Plantagenet Cherokee"/>
+        <a:font script="Yiii" typeface="Microsoft Yi Baiti"/>
+        <a:font script="Tibt" typeface="Microsoft Himalaya"/>
+        <a:font script="Thaa" typeface="MV Boli"/>
+        <a:font script="Deva" typeface="Mangal"/>
+        <a:font script="Telu" typeface="Gautami"/>
+        <a:font script="Taml" typeface="Latha"/>
+        <a:font script="Syrc" typeface="Estrangelo Edessa"/>
+        <a:font script="Orya" typeface="Kalinga"/>
+        <a:font script="Mlym" typeface="Kartika"/>
+        <a:font script="Laoo" typeface="DokChampa"/>
+        <a:font script="Sinh" typeface="Iskoola Pota"/>
+        <a:font script="Mong" typeface="Mongolian Baiti"/>
+        <a:font script="Viet" typeface="Times New Roman"/>
+        <a:font script="Uigh" typeface="Microsoft Uighur"/>
+        <a:font script="Geor" typeface="Sylfaen"/>
+      </a:majorFont>
+      <a:minorFont>
+        <a:latin typeface="Calibri"/>
+        <a:ea typeface=""/>
+        <a:cs typeface=""/>
+        <a:font script="Jpan" typeface="ＭＳ Ｐゴシック"/>
+        <a:font script="Hang" typeface="맑은 고딕"/>
+        <a:font script="Hans" typeface="宋体"/>
+        <a:font script="Hant" typeface="新細明體"/>
+        <a:font script="Arab" typeface="Arial"/>
+        <a:font script="Hebr" typeface="Arial"/>
+        <a:font script="Thai" typeface="Cordia New"/>
+        <a:font script="Ethi" typeface="Nyala"/>
+        <a:font script="Beng" typeface="Vrinda"/>
+        <a:font script="Gujr" typeface="Shruti"/>
+        <a:font script="Khmr" typeface="DaunPenh"/>
+        <a:font script="Knda" typeface="Tunga"/>
+        <a:font script="Guru" typeface="Raavi"/>
+        <a:font script="Cans" typeface="Euphemia"/>
+        <a:font script="Cher" typeface="Plantagenet Cherokee"/>
+        <a:font script="Yiii" typeface="Microsoft Yi Baiti"/>
+        <a:font script="Tibt" typeface="Microsoft Himalaya"/>
+        <a:font script="Thaa" typeface="MV Boli"/>
+        <a:font script="Deva" typeface="Mangal"/>
+        <a:font script="Telu" typeface="Gautami"/>
+        <a:font script="Taml" typeface="Latha"/>
+        <a:font script="Syrc" typeface="Estrangelo Edessa"/>
+        <a:font script="Orya" typeface="Kalinga"/>
+        <a:font script="Mlym" typeface="Kartika"/>
+        <a:font script="Laoo" typeface="DokChampa"/>
+        <a:font script="Sinh" typeface="Iskoola Pota"/>
+        <a:font script="Mong" typeface="Mongolian Baiti"/>
+        <a:font script="Viet" typeface="Arial"/>
+        <a:font script="Uigh" typeface="Microsoft Uighur"/>
+        <a:font script="Geor" typeface="Sylfaen"/>
+      </a:minorFont>
+    </a:fontScheme>
+    <a:fmtScheme name="办公室">
+      <a:fillStyleLst>
+        <a:solidFill>
+          <a:schemeClr val="phClr"/>
+        </a:solidFill>
+        <a:gradFill rotWithShape="1">
+          <a:gsLst>
+            <a:gs pos="0">
+              <a:schemeClr val="phClr">
+                <a:tint val="50000"/>
+                <a:satMod val="300000"/>
+              </a:schemeClr>
+            </a:gs>
+            <a:gs pos="35000">
+              <a:schemeClr val="phClr">
+                <a:tint val="37000"/>
+                <a:satMod val="300000"/>
+              </a:schemeClr>
+            </a:gs>
+            <a:gs pos="100000">
+              <a:schemeClr val="phClr">
+                <a:tint val="15000"/>
+                <a:satMod val="350000"/>
+              </a:schemeClr>
+            </a:gs>
+          </a:gsLst>
+          <a:lin ang="16200000" scaled="1"/>
+        </a:gradFill>
+        <a:gradFill rotWithShape="1">
+          <a:gsLst>
+            <a:gs pos="0">
+              <a:schemeClr val="phClr">
+                <a:tint val="100000"/>
+                <a:shade val="100000"/>
+                <a:satMod val="130000"/>
+              </a:schemeClr>
+            </a:gs>
+            <a:gs pos="100000">
+              <a:schemeClr val="phClr">
+                <a:tint val="50000"/>
+                <a:shade val="100000"/>
+                <a:satMod val="350000"/>
+              </a:schemeClr>
+            </a:gs>
+          </a:gsLst>
+          <a:lin ang="16200000" scaled="0"/>
+        </a:gradFill>
+      </a:fillStyleLst>
+      <a:lnStyleLst>
+        <a:ln w="9525" cap="flat" cmpd="sng" algn="ctr">
+          <a:solidFill>
+            <a:schemeClr val="phClr">
+              <a:shade val="95000"/>
+              <a:satMod val="105000"/>
+            </a:schemeClr>
+          </a:solidFill>
+          <a:prstDash val="solid"/>
+        </a:ln>
+        <a:ln w="25400" cap="flat" cmpd="sng" algn="ctr">
+          <a:solidFill>
+            <a:schemeClr val="phClr"/>
+          </a:solidFill>
+          <a:prstDash val="solid"/>
+        </a:ln>
+        <a:ln w="38100" cap="flat" cmpd="sng" algn="ctr">
+          <a:solidFill>
+            <a:schemeClr val="phClr"/>
+          </a:solidFill>
+          <a:prstDash val="solid"/>
+        </a:ln>
+      </a:lnStyleLst>
+      <a:effectStyleLst>
+        <a:effectStyle>
+          <a:effectLst>
+            <a:outerShdw blurRad="40000" dist="20000" dir="5400000" rotWithShape="0">
+              <a:srgbClr val="000000">
+                <a:alpha val="38000"/>
+              </a:srgbClr>
+            </a:outerShdw>
+          </a:effectLst>
+        </a:effectStyle>
+        <a:effectStyle>
+          <a:effectLst>
+            <a:outerShdw blurRad="40000" dist="23000" dir="5400000" rotWithShape="0">
+              <a:srgbClr val="000000">
+                <a:alpha val="35000"/>
+              </a:srgbClr>
+            </a:outerShdw>
+          </a:effectLst>
+        </a:effectStyle>
+        <a:effectStyle>
+          <a:effectLst>
+            <a:outerShdw blurRad="40000" dist="23000" dir="5400000" rotWithShape="0">
+              <a:srgbClr val="000000">
+                <a:alpha val="35000"/>
+              </a:srgbClr>
+            </a:outerShdw>
+          </a:effectLst>
+          <a:scene3d>
+            <a:camera prst="orthographicFront">
+              <a:rot lat="0" lon="0" rev="0"/>
+            </a:camera>
+            <a:lightRig rig="threePt" dir="t">
+              <a:rot lat="0" lon="0" rev="1200000"/>
+            </a:lightRig>
+          </a:scene3d>
+          <a:sp3d>
+            <a:bevelT w="63500" h="25400"/>
+          </a:sp3d>
+        </a:effectStyle>
+      </a:effectStyleLst>
+      <a:bgFillStyleLst>
+        <a:solidFill>
+          <a:schemeClr val="phClr"/>
+        </a:solidFill>
+        <a:gradFill rotWithShape="1">
+          <a:gsLst>
+            <a:gs pos="0">
+              <a:schemeClr val="phClr">
+                <a:tint val="40000"/>
+                <a:satMod val="350000"/>
+              </a:schemeClr>
+            </a:gs>
+            <a:gs pos="40000">
+              <a:schemeClr val="phClr">
+                <a:tint val="45000"/>
+                <a:shade val="99000"/>
+                <a:satMod val="350000"/>
+              </a:schemeClr>
+            </a:gs>
+            <a:gs pos="100000">
+              <a:schemeClr val="phClr">
+                <a:shade val="20000"/>
+                <a:satMod val="255000"/>
+              </a:schemeClr>
+            </a:gs>
+          </a:gsLst>
+          <a:path path="circle">
+            <a:fillToRect l="50000" t="-80000" r="50000" b="180000"/>
+          </a:path>
+        </a:gradFill>
+        <a:gradFill rotWithShape="1">
+          <a:gsLst>
+            <a:gs pos="0">
+              <a:schemeClr val="phClr">
+                <a:tint val="80000"/>
+                <a:satMod val="300000"/>
+              </a:schemeClr>
+            </a:gs>
+            <a:gs pos="100000">
+              <a:schemeClr val="phClr">
+                <a:shade val="30000"/>
+                <a:satMod val="200000"/>
+              </a:schemeClr>
+            </a:gs>
+          </a:gsLst>
+          <a:path path="circle">
+            <a:fillToRect l="50000" t="50000" r="50000" b="50000"/>
+          </a:path>
+        </a:gradFill>
+      </a:bgFillStyleLst>
+    </a:fmtScheme>
+  </a:themeElements>
+  <a:objectDefaults>
+    <a:spDef>
+      <a:spPr/>
+      <a:bodyPr/>
+      <a:lstStyle/>
+      <a:style>
+        <a:lnRef idx="1">
+          <a:schemeClr val="accent1"/>
+        </a:lnRef>
+        <a:fillRef idx="3">
+          <a:schemeClr val="accent1"/>
+        </a:fillRef>
+        <a:effectRef idx="2">
+          <a:schemeClr val="accent1"/>
+        </a:effectRef>
+        <a:fontRef idx="minor">
+          <a:schemeClr val="lt1"/>
+        </a:fontRef>
+      </a:style>
+    </a:spDef>
+    <a:lnDef>
+      <a:spPr/>
+      <a:bodyPr/>
+      <a:lstStyle/>
+      <a:style>
+        <a:lnRef idx="2">
+          <a:schemeClr val="accent1"/>
+        </a:lnRef>
+        <a:fillRef idx="0">
+          <a:schemeClr val="accent1"/>
+        </a:fillRef>
+        <a:effectRef idx="1">
+          <a:schemeClr val="accent1"/>
+        </a:effectRef>
+        <a:fontRef idx="minor">
+          <a:schemeClr val="tx1"/>
+        </a:fontRef>
+      </a:style>
+    </a:lnDef>
+  </a:objectDefaults>
+  <a:extraClrSchemeLst/>
+</a:theme>
 </file>
--- a/jmva_presentation.pptx
+++ b/jmva_presentation.pptx
@@ -5,19 +5,20 @@
     <p:sldMasterId id="2147483660" r:id="rId1"/>
   </p:sldMasterIdLst>
   <p:notesMasterIdLst>
-    <p:notesMasterId r:id="rId9"/>
+    <p:notesMasterId r:id="rId10"/>
   </p:notesMasterIdLst>
   <p:handoutMasterIdLst>
-    <p:handoutMasterId r:id="rId10"/>
+    <p:handoutMasterId r:id="rId11"/>
   </p:handoutMasterIdLst>
   <p:sldIdLst>
     <p:sldId id="257" r:id="rId2"/>
     <p:sldId id="258" r:id="rId3"/>
     <p:sldId id="260" r:id="rId4"/>
-    <p:sldId id="259" r:id="rId5"/>
-    <p:sldId id="261" r:id="rId6"/>
-    <p:sldId id="262" r:id="rId7"/>
-    <p:sldId id="263" r:id="rId8"/>
+    <p:sldId id="264" r:id="rId5"/>
+    <p:sldId id="259" r:id="rId6"/>
+    <p:sldId id="261" r:id="rId7"/>
+    <p:sldId id="262" r:id="rId8"/>
+    <p:sldId id="263" r:id="rId9"/>
   </p:sldIdLst>
   <p:sldSz cx="9144000" cy="6858000" type="screen4x3"/>
   <p:notesSz cx="6858000" cy="9144000"/>
@@ -201,7 +202,7 @@
           <a:p>
             <a:fld id="{30861119-6150-8F4A-9CB0-3B4B7211A86B}" type="datetimeFigureOut">
               <a:rPr kumimoji="1" lang="zh-CN" altLang="en-US" smtClean="0"/>
-              <a:t>12-10-28</a:t>
+              <a:t>29/10/2012</a:t>
             </a:fld>
             <a:endParaRPr kumimoji="1" lang="zh-CN" altLang="en-US"/>
           </a:p>
@@ -367,7 +368,7 @@
           <a:p>
             <a:fld id="{6BF45CB4-CB45-1A43-B0B0-E388519BCB62}" type="datetimeFigureOut">
               <a:rPr kumimoji="1" lang="zh-CN" altLang="en-US" smtClean="0"/>
-              <a:t>12-10-28</a:t>
+              <a:t>29/10/2012</a:t>
             </a:fld>
             <a:endParaRPr kumimoji="1" lang="zh-CN" altLang="en-US"/>
           </a:p>
@@ -4499,13 +4500,13 @@
   <p:clrMapOvr>
     <a:masterClrMapping/>
   </p:clrMapOvr>
-  <mc:AlternateContent xmlns:mc="http://schemas.openxmlformats.org/markup-compatibility/2006">
-    <mc:Choice xmlns:p14="http://schemas.microsoft.com/office/powerpoint/2010/main" Requires="p14">
+  <mc:AlternateContent xmlns:mc="http://schemas.openxmlformats.org/markup-compatibility/2006" xmlns:p14="http://schemas.microsoft.com/office/powerpoint/2010/main">
+    <mc:Choice Requires="p14">
       <p:transition spd="slow" p14:dur="800">
         <p:circle/>
       </p:transition>
     </mc:Choice>
-    <mc:Fallback>
+    <mc:Fallback xmlns="">
       <p:transition xmlns:p14="http://schemas.microsoft.com/office/powerpoint/2010/main" spd="slow">
         <p:circle/>
       </p:transition>
@@ -6070,6 +6071,128 @@
 <file path=ppt/slides/slide4.xml><?xml version="1.0" encoding="utf-8"?>
 <p:sld xmlns:a="http://schemas.openxmlformats.org/drawingml/2006/main" xmlns:r="http://schemas.openxmlformats.org/officeDocument/2006/relationships" xmlns:p="http://schemas.openxmlformats.org/presentationml/2006/main">
   <p:cSld>
+    <p:spTree>
+      <p:nvGrpSpPr>
+        <p:cNvPr id="1" name=""/>
+        <p:cNvGrpSpPr/>
+        <p:nvPr/>
+      </p:nvGrpSpPr>
+      <p:grpSpPr>
+        <a:xfrm>
+          <a:off x="0" y="0"/>
+          <a:ext cx="0" cy="0"/>
+          <a:chOff x="0" y="0"/>
+          <a:chExt cx="0" cy="0"/>
+        </a:xfrm>
+      </p:grpSpPr>
+      <p:sp>
+        <p:nvSpPr>
+          <p:cNvPr id="2" name="Title 1"/>
+          <p:cNvSpPr>
+            <a:spLocks noGrp="1"/>
+          </p:cNvSpPr>
+          <p:nvPr>
+            <p:ph type="title"/>
+          </p:nvPr>
+        </p:nvSpPr>
+        <p:spPr/>
+        <p:txBody>
+          <a:bodyPr/>
+          <a:lstStyle/>
+          <a:p>
+            <a:pPr algn="l"/>
+            <a:r>
+              <a:rPr lang="en-US" sz="3200" dirty="0" smtClean="0">
+                <a:latin typeface="Bank gothic"/>
+                <a:cs typeface="Bank gothic"/>
+              </a:rPr>
+              <a:t>Critical Components</a:t>
+            </a:r>
+            <a:endParaRPr lang="en-US" sz="3200" dirty="0">
+              <a:latin typeface="Bank gothic"/>
+              <a:cs typeface="Bank gothic"/>
+            </a:endParaRPr>
+          </a:p>
+        </p:txBody>
+      </p:sp>
+      <p:pic>
+        <p:nvPicPr>
+          <p:cNvPr id="5" name="Content Placeholder 4" descr="DependencyGWith2Cycles.jpg"/>
+          <p:cNvPicPr>
+            <a:picLocks noGrp="1" noChangeAspect="1"/>
+          </p:cNvPicPr>
+          <p:nvPr>
+            <p:ph idx="1"/>
+          </p:nvPr>
+        </p:nvPicPr>
+        <p:blipFill>
+          <a:blip r:embed="rId2">
+            <a:extLst>
+              <a:ext uri="{28A0092B-C50C-407E-A947-70E740481C1C}">
+                <a14:useLocalDpi xmlns:a14="http://schemas.microsoft.com/office/drawing/2010/main" val="0"/>
+              </a:ext>
+            </a:extLst>
+          </a:blip>
+          <a:srcRect t="-1839" b="-1839"/>
+          <a:stretch>
+            <a:fillRect/>
+          </a:stretch>
+        </p:blipFill>
+        <p:spPr>
+          <a:xfrm>
+            <a:off x="457200" y="1166091"/>
+            <a:ext cx="8229600" cy="5390861"/>
+          </a:xfrm>
+        </p:spPr>
+      </p:pic>
+      <p:sp>
+        <p:nvSpPr>
+          <p:cNvPr id="4" name="Slide Number Placeholder 3"/>
+          <p:cNvSpPr>
+            <a:spLocks noGrp="1"/>
+          </p:cNvSpPr>
+          <p:nvPr>
+            <p:ph type="sldNum" sz="quarter" idx="12"/>
+          </p:nvPr>
+        </p:nvSpPr>
+        <p:spPr/>
+        <p:txBody>
+          <a:bodyPr/>
+          <a:lstStyle/>
+          <a:p>
+            <a:fld id="{45EE26E5-566A-AF49-BFD9-33660DDC8A6D}" type="slidenum">
+              <a:rPr lang="es-ES" smtClean="0">
+                <a:solidFill>
+                  <a:srgbClr val="000000"/>
+                </a:solidFill>
+              </a:rPr>
+              <a:pPr/>
+              <a:t>4</a:t>
+            </a:fld>
+            <a:endParaRPr lang="es-ES">
+              <a:solidFill>
+                <a:srgbClr val="000000"/>
+              </a:solidFill>
+            </a:endParaRPr>
+          </a:p>
+        </p:txBody>
+      </p:sp>
+    </p:spTree>
+    <p:extLst>
+      <p:ext uri="{BB962C8B-B14F-4D97-AF65-F5344CB8AC3E}">
+        <p14:creationId xmlns:p14="http://schemas.microsoft.com/office/powerpoint/2010/main" val="2177963484"/>
+      </p:ext>
+    </p:extLst>
+  </p:cSld>
+  <p:clrMapOvr>
+    <a:masterClrMapping/>
+  </p:clrMapOvr>
+</p:sld>
+</file>
+
+<file path=ppt/slides/slide5.xml><?xml version="1.0" encoding="utf-8"?>
+<p:sld xmlns:a="http://schemas.openxmlformats.org/drawingml/2006/main" xmlns:r="http://schemas.openxmlformats.org/officeDocument/2006/relationships" xmlns:p="http://schemas.openxmlformats.org/presentationml/2006/main">
+  <p:cSld>
     <p:bg>
       <p:bgPr>
         <a:blipFill dpi="0" rotWithShape="1">
@@ -6432,7 +6555,7 @@
 </p:sld>
 </file>
 
-<file path=ppt/slides/slide5.xml><?xml version="1.0" encoding="utf-8"?>
+<file path=ppt/slides/slide6.xml><?xml version="1.0" encoding="utf-8"?>
 <p:sld xmlns:a="http://schemas.openxmlformats.org/drawingml/2006/main" xmlns:r="http://schemas.openxmlformats.org/officeDocument/2006/relationships" xmlns:p="http://schemas.openxmlformats.org/presentationml/2006/main">
   <p:cSld>
     <p:bg>
@@ -6661,11 +6784,6 @@
               </a:rPr>
               <a:t>4</a:t>
             </a:r>
-            <a:endParaRPr lang="es-ES" dirty="0">
-              <a:solidFill>
-                <a:srgbClr val="000000"/>
-              </a:solidFill>
-            </a:endParaRPr>
           </a:p>
         </p:txBody>
       </p:sp>
@@ -6821,7 +6939,7 @@
 </p:sld>
 </file>
 
-<file path=ppt/slides/slide6.xml><?xml version="1.0" encoding="utf-8"?>
+<file path=ppt/slides/slide7.xml><?xml version="1.0" encoding="utf-8"?>
 <p:sld xmlns:a="http://schemas.openxmlformats.org/drawingml/2006/main" xmlns:r="http://schemas.openxmlformats.org/officeDocument/2006/relationships" xmlns:p="http://schemas.openxmlformats.org/presentationml/2006/main">
   <p:cSld>
     <p:spTree>
@@ -6861,7 +6979,7 @@
                 </a:solidFill>
                 <a:latin typeface="Bank Gothic"/>
               </a:rPr>
-              <a:t>Opinions</a:t>
+              <a:t>Critique</a:t>
             </a:r>
             <a:endParaRPr lang="en-US" sz="3200" dirty="0"/>
           </a:p>
@@ -6880,7 +6998,7 @@
         <p:spPr>
           <a:xfrm>
             <a:off x="295563" y="1131454"/>
-            <a:ext cx="8229600" cy="4902345"/>
+            <a:ext cx="8229600" cy="5113771"/>
           </a:xfrm>
         </p:spPr>
         <p:txBody>
@@ -7000,8 +7118,17 @@
             <a:pPr lvl="1"/>
             <a:r>
               <a:rPr lang="en-US" sz="1600" dirty="0" smtClean="0"/>
-              <a:t>Little use of interfaces means classes are tightly coupled, making it difficult to test and forcing a large number of inputs to be hard-coded.	</a:t>
-            </a:r>
+              <a:t>The test </a:t>
+            </a:r>
+            <a:r>
+              <a:rPr lang="en-US" sz="1600" dirty="0"/>
+              <a:t>package contains tests for main functional classes in analytical and engine package. The tests' output is either empty if succeed or error message printed to screen if failed. There is a lack of end-to-end tests and unit tests in other classes</a:t>
+            </a:r>
+            <a:r>
+              <a:rPr lang="en-US" sz="1600" dirty="0" smtClean="0"/>
+              <a:t>.</a:t>
+            </a:r>
+            <a:endParaRPr lang="en-US" sz="1600" dirty="0" smtClean="0"/>
           </a:p>
           <a:p>
             <a:pPr lvl="1"/>
@@ -7074,7 +7201,7 @@
 </p:sld>
 </file>
 
-<file path=ppt/slides/slide7.xml><?xml version="1.0" encoding="utf-8"?>
+<file path=ppt/slides/slide8.xml><?xml version="1.0" encoding="utf-8"?>
 <p:sld xmlns:a="http://schemas.openxmlformats.org/drawingml/2006/main" xmlns:r="http://schemas.openxmlformats.org/officeDocument/2006/relationships" xmlns:p="http://schemas.openxmlformats.org/presentationml/2006/main">
   <p:cSld>
     <p:spTree>
@@ -7114,7 +7241,16 @@
                 </a:solidFill>
                 <a:latin typeface="Bank Gothic"/>
               </a:rPr>
-              <a:t>Opinions (cont.)</a:t>
+              <a:t>Critique (</a:t>
+            </a:r>
+            <a:r>
+              <a:rPr lang="en-US" sz="3200" dirty="0" smtClean="0">
+                <a:solidFill>
+                  <a:srgbClr val="000000"/>
+                </a:solidFill>
+                <a:latin typeface="Bank Gothic"/>
+              </a:rPr>
+              <a:t>cont.)</a:t>
             </a:r>
             <a:endParaRPr lang="en-US" sz="3200" dirty="0"/>
           </a:p>
@@ -7140,20 +7276,169 @@
           <a:bodyPr/>
           <a:lstStyle/>
           <a:p>
-            <a:r>
-              <a:rPr lang="en-US" sz="2000" dirty="0"/>
+            <a:pPr lvl="1"/>
+            <a:r>
+              <a:rPr lang="en-US" sz="1600" dirty="0" smtClean="0"/>
+              <a:t>Components </a:t>
+            </a:r>
+            <a:r>
+              <a:rPr lang="en-US" sz="1600" dirty="0"/>
+              <a:t>are </a:t>
+            </a:r>
+            <a:r>
+              <a:rPr lang="en-US" sz="1600" dirty="0" smtClean="0"/>
+              <a:t>often linked </a:t>
+            </a:r>
+            <a:r>
+              <a:rPr lang="en-US" sz="1600" dirty="0"/>
+              <a:t>by direct call or </a:t>
+            </a:r>
+            <a:r>
+              <a:rPr lang="en-US" sz="1600" dirty="0" smtClean="0"/>
+              <a:t>reference</a:t>
+            </a:r>
+            <a:r>
+              <a:rPr lang="en-US" sz="1600" dirty="0"/>
+              <a:t> </a:t>
+            </a:r>
+            <a:r>
+              <a:rPr lang="en-US" sz="1600" dirty="0" smtClean="0"/>
+              <a:t>(e.g. </a:t>
+            </a:r>
+            <a:r>
+              <a:rPr lang="en-US" sz="1600" dirty="0" err="1" smtClean="0">
+                <a:latin typeface="Courier New"/>
+                <a:cs typeface="Courier New"/>
+              </a:rPr>
+              <a:t>DirectModel</a:t>
+            </a:r>
+            <a:r>
+              <a:rPr lang="en-US" sz="1600" dirty="0" smtClean="0"/>
+              <a:t> </a:t>
+            </a:r>
+            <a:r>
+              <a:rPr lang="en-US" sz="1600" dirty="0"/>
+              <a:t>class calls </a:t>
+            </a:r>
+            <a:r>
+              <a:rPr lang="en-US" sz="1600" dirty="0" smtClean="0">
+                <a:latin typeface="Courier New"/>
+                <a:cs typeface="Courier New"/>
+              </a:rPr>
+              <a:t>Solver</a:t>
+            </a:r>
+            <a:r>
+              <a:rPr lang="en-US" sz="1600" dirty="0" smtClean="0"/>
+              <a:t> </a:t>
+            </a:r>
+            <a:r>
+              <a:rPr lang="en-US" sz="1600" dirty="0"/>
+              <a:t>classes in </a:t>
+            </a:r>
+            <a:r>
+              <a:rPr lang="en-US" sz="1600" dirty="0">
+                <a:latin typeface="Courier New"/>
+                <a:cs typeface="Courier New"/>
+              </a:rPr>
+              <a:t>analytical</a:t>
+            </a:r>
+            <a:r>
+              <a:rPr lang="en-US" sz="1600" dirty="0"/>
+              <a:t> package without any </a:t>
+            </a:r>
+            <a:r>
+              <a:rPr lang="en-US" sz="1600" dirty="0" smtClean="0"/>
+              <a:t>interface). </a:t>
+            </a:r>
+            <a:r>
+              <a:rPr lang="en-US" sz="1600" dirty="0"/>
+              <a:t>This dependency on concretion set barriers for doing unit test with mock objects</a:t>
+            </a:r>
+            <a:r>
+              <a:rPr lang="en-US" sz="1600" dirty="0" smtClean="0"/>
+              <a:t>.</a:t>
+            </a:r>
+          </a:p>
+          <a:p>
+            <a:pPr lvl="1"/>
+            <a:r>
+              <a:rPr lang="en-US" sz="1600" dirty="0" smtClean="0"/>
+              <a:t>Class cohesion is low (e.g. </a:t>
+            </a:r>
+            <a:r>
+              <a:rPr lang="en-US" sz="1600" dirty="0" err="1" smtClean="0">
+                <a:latin typeface="Courier New"/>
+                <a:cs typeface="Courier New"/>
+              </a:rPr>
+              <a:t>ExactModel</a:t>
+            </a:r>
+            <a:r>
+              <a:rPr lang="en-US" sz="1600" dirty="0" smtClean="0">
+                <a:latin typeface="Courier New"/>
+                <a:cs typeface="Courier New"/>
+              </a:rPr>
+              <a:t>, </a:t>
+            </a:r>
+            <a:r>
+              <a:rPr lang="en-US" sz="1600" dirty="0" err="1" smtClean="0">
+                <a:latin typeface="Courier New"/>
+                <a:cs typeface="Courier New"/>
+              </a:rPr>
+              <a:t>SolverDispatcher</a:t>
+            </a:r>
+            <a:r>
+              <a:rPr lang="en-US" sz="1600" dirty="0" smtClean="0"/>
+              <a:t>).</a:t>
+            </a:r>
+          </a:p>
+          <a:p>
+            <a:pPr lvl="1"/>
+            <a:r>
+              <a:rPr lang="en-US" sz="1600" dirty="0" err="1" smtClean="0">
+                <a:latin typeface="Courier New"/>
+                <a:cs typeface="Courier New"/>
+              </a:rPr>
+              <a:t>ExactWizard</a:t>
+            </a:r>
+            <a:r>
+              <a:rPr lang="en-US" sz="1600" dirty="0" smtClean="0"/>
+              <a:t> breaks inheritance model by overriding superclass methods with empty methods (e.g. </a:t>
+            </a:r>
+            <a:r>
+              <a:rPr lang="en-US" sz="1600" dirty="0" smtClean="0">
+                <a:latin typeface="Courier New"/>
+                <a:cs typeface="Courier New"/>
+              </a:rPr>
+              <a:t>finish()</a:t>
+            </a:r>
+            <a:r>
+              <a:rPr lang="en-US" sz="1600" dirty="0" smtClean="0"/>
+              <a:t> );  prefer to use interface to encapsulate commonality between classes in this case.</a:t>
+            </a:r>
+            <a:endParaRPr lang="en-US" sz="1600" dirty="0"/>
+          </a:p>
+          <a:p>
+            <a:r>
+              <a:rPr lang="en-US" sz="2000" dirty="0" smtClean="0"/>
               <a:t>Bugs</a:t>
             </a:r>
+            <a:endParaRPr lang="en-US" sz="2000" dirty="0"/>
           </a:p>
           <a:p>
             <a:pPr lvl="1"/>
             <a:r>
               <a:rPr lang="en-US" sz="1600" dirty="0"/>
-              <a:t>Application shows inconsistencies between execution and documentation (i.e. naming of tabs in solution)</a:t>
-            </a:r>
-          </a:p>
-          <a:p>
-            <a:pPr lvl="1"/>
+              <a:t>Application shows inconsistencies between execution and documentation (i.e. naming of tabs in solution</a:t>
+            </a:r>
+            <a:r>
+              <a:rPr lang="en-US" sz="1600" dirty="0" smtClean="0"/>
+              <a:t>)</a:t>
+            </a:r>
+          </a:p>
+          <a:p>
+            <a:pPr marL="457200" lvl="1" indent="0">
+              <a:buNone/>
+            </a:pPr>
             <a:endParaRPr lang="en-US" sz="1600" dirty="0"/>
           </a:p>
         </p:txBody>

--- a/jmva_presentation.pptx
+++ b/jmva_presentation.pptx
@@ -5,20 +5,21 @@
     <p:sldMasterId id="2147483660" r:id="rId1"/>
   </p:sldMasterIdLst>
   <p:notesMasterIdLst>
-    <p:notesMasterId r:id="rId10"/>
+    <p:notesMasterId r:id="rId11"/>
   </p:notesMasterIdLst>
   <p:handoutMasterIdLst>
-    <p:handoutMasterId r:id="rId11"/>
+    <p:handoutMasterId r:id="rId12"/>
   </p:handoutMasterIdLst>
   <p:sldIdLst>
     <p:sldId id="257" r:id="rId2"/>
     <p:sldId id="258" r:id="rId3"/>
-    <p:sldId id="260" r:id="rId4"/>
-    <p:sldId id="264" r:id="rId5"/>
-    <p:sldId id="259" r:id="rId6"/>
-    <p:sldId id="261" r:id="rId7"/>
-    <p:sldId id="262" r:id="rId8"/>
-    <p:sldId id="263" r:id="rId9"/>
+    <p:sldId id="265" r:id="rId4"/>
+    <p:sldId id="260" r:id="rId5"/>
+    <p:sldId id="264" r:id="rId6"/>
+    <p:sldId id="259" r:id="rId7"/>
+    <p:sldId id="261" r:id="rId8"/>
+    <p:sldId id="262" r:id="rId9"/>
+    <p:sldId id="263" r:id="rId10"/>
   </p:sldIdLst>
   <p:sldSz cx="9144000" cy="6858000" type="screen4x3"/>
   <p:notesSz cx="6858000" cy="9144000"/>
@@ -4763,8 +4764,19 @@
                 <a:latin typeface="Monaco"/>
                 <a:cs typeface="Monaco"/>
               </a:rPr>
-              <a:t>Functionality of Application</a:t>
-            </a:r>
+              <a:t>Functionality of </a:t>
+            </a:r>
+            <a:r>
+              <a:rPr lang="en-US" sz="2000" dirty="0" smtClean="0">
+                <a:latin typeface="Monaco"/>
+                <a:cs typeface="Monaco"/>
+              </a:rPr>
+              <a:t>JMVA</a:t>
+            </a:r>
+            <a:endParaRPr lang="en-US" sz="2000" dirty="0" smtClean="0">
+              <a:latin typeface="Monaco"/>
+              <a:cs typeface="Monaco"/>
+            </a:endParaRPr>
           </a:p>
           <a:p>
             <a:pPr lvl="1"/>
@@ -4773,7 +4785,21 @@
                 <a:latin typeface="Monaco"/>
                 <a:cs typeface="Monaco"/>
               </a:rPr>
-              <a:t>JMVA button displays input fields for solution to Mean-Value-Analysis problem from queuing theory</a:t>
+              <a:t>JMVA </a:t>
+            </a:r>
+            <a:r>
+              <a:rPr lang="en-US" sz="1600" dirty="0" smtClean="0">
+                <a:latin typeface="Monaco"/>
+                <a:cs typeface="Monaco"/>
+              </a:rPr>
+              <a:t>produces solution </a:t>
+            </a:r>
+            <a:r>
+              <a:rPr lang="en-US" sz="1600" dirty="0" smtClean="0">
+                <a:latin typeface="Monaco"/>
+                <a:cs typeface="Monaco"/>
+              </a:rPr>
+              <a:t>to Mean-Value-Analysis problem from queuing theory</a:t>
             </a:r>
           </a:p>
           <a:p>
@@ -4982,6 +5008,451 @@
 </file>
 
 <file path=ppt/slides/slide3.xml><?xml version="1.0" encoding="utf-8"?>
+<p:sld xmlns:a="http://schemas.openxmlformats.org/drawingml/2006/main" xmlns:r="http://schemas.openxmlformats.org/officeDocument/2006/relationships" xmlns:p="http://schemas.openxmlformats.org/presentationml/2006/main">
+  <p:cSld>
+    <p:spTree>
+      <p:nvGrpSpPr>
+        <p:cNvPr id="1" name=""/>
+        <p:cNvGrpSpPr/>
+        <p:nvPr/>
+      </p:nvGrpSpPr>
+      <p:grpSpPr>
+        <a:xfrm>
+          <a:off x="0" y="0"/>
+          <a:ext cx="0" cy="0"/>
+          <a:chOff x="0" y="0"/>
+          <a:chExt cx="0" cy="0"/>
+        </a:xfrm>
+      </p:grpSpPr>
+      <p:sp>
+        <p:nvSpPr>
+          <p:cNvPr id="2" name="Title 1"/>
+          <p:cNvSpPr>
+            <a:spLocks noGrp="1"/>
+          </p:cNvSpPr>
+          <p:nvPr>
+            <p:ph type="title"/>
+          </p:nvPr>
+        </p:nvSpPr>
+        <p:spPr/>
+        <p:txBody>
+          <a:bodyPr/>
+          <a:lstStyle/>
+          <a:p>
+            <a:pPr algn="l"/>
+            <a:r>
+              <a:rPr lang="en-US" sz="3200" dirty="0" smtClean="0">
+                <a:solidFill>
+                  <a:srgbClr val="000000"/>
+                </a:solidFill>
+                <a:latin typeface="Bank Gothic"/>
+                <a:cs typeface="Bank Gothic"/>
+              </a:rPr>
+              <a:t>How to use JMVA</a:t>
+            </a:r>
+            <a:endParaRPr lang="en-US" dirty="0"/>
+          </a:p>
+        </p:txBody>
+      </p:sp>
+      <p:sp>
+        <p:nvSpPr>
+          <p:cNvPr id="3" name="Content Placeholder 2"/>
+          <p:cNvSpPr>
+            <a:spLocks noGrp="1"/>
+          </p:cNvSpPr>
+          <p:nvPr>
+            <p:ph idx="1"/>
+          </p:nvPr>
+        </p:nvSpPr>
+        <p:spPr/>
+        <p:txBody>
+          <a:bodyPr/>
+          <a:lstStyle/>
+          <a:p>
+            <a:pPr marL="342900" lvl="1" indent="-342900">
+              <a:buFont typeface="Arial"/>
+              <a:buChar char="•"/>
+            </a:pPr>
+            <a:r>
+              <a:rPr lang="en-US" sz="2000" dirty="0">
+                <a:latin typeface="Monaco"/>
+                <a:ea typeface="+mn-ea"/>
+                <a:cs typeface="Monaco"/>
+              </a:rPr>
+              <a:t>Defining a model of queuing network</a:t>
+            </a:r>
+            <a:endParaRPr lang="en-US" sz="2000" dirty="0">
+              <a:latin typeface="Monaco"/>
+              <a:ea typeface="+mn-ea"/>
+              <a:cs typeface="Monaco"/>
+            </a:endParaRPr>
+          </a:p>
+          <a:p>
+            <a:pPr lvl="1"/>
+            <a:r>
+              <a:rPr lang="en-US" sz="1600" dirty="0" smtClean="0">
+                <a:latin typeface="Monaco"/>
+                <a:cs typeface="Monaco"/>
+              </a:rPr>
+              <a:t>From an empty model: </a:t>
+            </a:r>
+            <a:endParaRPr lang="en-US" sz="1600" dirty="0">
+              <a:latin typeface="Monaco"/>
+              <a:cs typeface="Monaco"/>
+            </a:endParaRPr>
+          </a:p>
+          <a:p>
+            <a:pPr marL="800100" lvl="1" indent="-342900">
+              <a:buFont typeface="+mj-lt"/>
+              <a:buAutoNum type="arabicPeriod"/>
+            </a:pPr>
+            <a:r>
+              <a:rPr lang="en-US" sz="1600" dirty="0" smtClean="0">
+                <a:latin typeface="Monaco"/>
+                <a:cs typeface="Monaco"/>
+              </a:rPr>
+              <a:t>Parameters </a:t>
+            </a:r>
+            <a:r>
+              <a:rPr lang="en-US" sz="1600" dirty="0">
+                <a:latin typeface="Monaco"/>
+                <a:cs typeface="Monaco"/>
+              </a:rPr>
+              <a:t>(classes</a:t>
+            </a:r>
+            <a:r>
+              <a:rPr lang="en-US" sz="1600" dirty="0" smtClean="0">
+                <a:latin typeface="Monaco"/>
+                <a:cs typeface="Monaco"/>
+              </a:rPr>
+              <a:t>, stations, service </a:t>
+            </a:r>
+            <a:r>
+              <a:rPr lang="en-US" sz="1600" dirty="0">
+                <a:latin typeface="Monaco"/>
+                <a:cs typeface="Monaco"/>
+              </a:rPr>
+              <a:t>demands) are entered </a:t>
+            </a:r>
+            <a:r>
+              <a:rPr lang="en-US" sz="1600" dirty="0" smtClean="0">
+                <a:latin typeface="Monaco"/>
+                <a:cs typeface="Monaco"/>
+              </a:rPr>
+              <a:t>	using </a:t>
+            </a:r>
+            <a:r>
+              <a:rPr lang="en-US" sz="1600" dirty="0">
+                <a:latin typeface="Monaco"/>
+                <a:cs typeface="Monaco"/>
+              </a:rPr>
+              <a:t>5 </a:t>
+            </a:r>
+            <a:r>
+              <a:rPr lang="en-US" sz="1600" dirty="0" smtClean="0">
+                <a:latin typeface="Monaco"/>
+                <a:cs typeface="Monaco"/>
+              </a:rPr>
+              <a:t>or 6 tabs in Wizard</a:t>
+            </a:r>
+            <a:endParaRPr lang="en-US" sz="1600" dirty="0">
+              <a:latin typeface="Monaco"/>
+              <a:cs typeface="Monaco"/>
+            </a:endParaRPr>
+          </a:p>
+          <a:p>
+            <a:pPr marL="800100" lvl="1" indent="-342900">
+              <a:buFont typeface="+mj-lt"/>
+              <a:buAutoNum type="arabicPeriod"/>
+            </a:pPr>
+            <a:r>
+              <a:rPr lang="en-US" sz="1600" dirty="0" smtClean="0">
+                <a:latin typeface="Monaco"/>
+                <a:cs typeface="Monaco"/>
+              </a:rPr>
+              <a:t>select </a:t>
+            </a:r>
+            <a:r>
+              <a:rPr lang="en-US" sz="1600" dirty="0">
+                <a:latin typeface="Monaco"/>
+                <a:cs typeface="Monaco"/>
+              </a:rPr>
+              <a:t>control parameter in what-if tab if models need to </a:t>
+            </a:r>
+            <a:r>
+              <a:rPr lang="en-US" sz="1600" dirty="0" smtClean="0">
+                <a:latin typeface="Monaco"/>
+                <a:cs typeface="Monaco"/>
+              </a:rPr>
+              <a:t>	change </a:t>
+            </a:r>
+            <a:r>
+              <a:rPr lang="en-US" sz="1600" dirty="0">
+                <a:latin typeface="Monaco"/>
+                <a:cs typeface="Monaco"/>
+              </a:rPr>
+              <a:t>values in selected </a:t>
+            </a:r>
+            <a:r>
+              <a:rPr lang="en-US" sz="1600" dirty="0" smtClean="0">
+                <a:latin typeface="Monaco"/>
+                <a:cs typeface="Monaco"/>
+              </a:rPr>
+              <a:t>range</a:t>
+            </a:r>
+            <a:r>
+              <a:rPr lang="en-US" sz="1600" dirty="0">
+                <a:latin typeface="Monaco"/>
+                <a:cs typeface="Monaco"/>
+              </a:rPr>
+              <a:t>	</a:t>
+            </a:r>
+            <a:endParaRPr lang="en-US" sz="1600" dirty="0" smtClean="0">
+              <a:latin typeface="Monaco"/>
+              <a:cs typeface="Monaco"/>
+            </a:endParaRPr>
+          </a:p>
+          <a:p>
+            <a:pPr lvl="1"/>
+            <a:r>
+              <a:rPr lang="en-US" sz="1600" dirty="0" smtClean="0">
+                <a:latin typeface="Monaco"/>
+                <a:cs typeface="Monaco"/>
+              </a:rPr>
+              <a:t>From an existing model:</a:t>
+            </a:r>
+          </a:p>
+          <a:p>
+            <a:pPr marL="800100" lvl="1" indent="-342900">
+              <a:buFont typeface="+mj-lt"/>
+              <a:buAutoNum type="arabicPeriod"/>
+            </a:pPr>
+            <a:r>
+              <a:rPr lang="en-US" sz="1600" dirty="0" smtClean="0">
+                <a:latin typeface="Monaco"/>
+                <a:cs typeface="Monaco"/>
+              </a:rPr>
+              <a:t>	load </a:t>
+            </a:r>
+            <a:r>
+              <a:rPr lang="en-US" sz="1600" dirty="0">
+                <a:latin typeface="Monaco"/>
+                <a:cs typeface="Monaco"/>
+              </a:rPr>
+              <a:t>the model through 'File' </a:t>
+            </a:r>
+            <a:r>
+              <a:rPr lang="en-US" sz="1600" dirty="0" smtClean="0">
+                <a:latin typeface="Monaco"/>
+                <a:cs typeface="Monaco"/>
+              </a:rPr>
+              <a:t>menu</a:t>
+            </a:r>
+          </a:p>
+          <a:p>
+            <a:pPr marL="342900" lvl="1" indent="-342900">
+              <a:buFont typeface="Arial"/>
+              <a:buChar char="•"/>
+            </a:pPr>
+            <a:r>
+              <a:rPr lang="en-US" sz="2000" dirty="0">
+                <a:latin typeface="Monaco"/>
+                <a:ea typeface="+mn-ea"/>
+                <a:cs typeface="Monaco"/>
+              </a:rPr>
+              <a:t>Model </a:t>
+            </a:r>
+            <a:r>
+              <a:rPr lang="en-US" sz="2000" dirty="0">
+                <a:latin typeface="Monaco"/>
+                <a:ea typeface="+mn-ea"/>
+                <a:cs typeface="Monaco"/>
+              </a:rPr>
+              <a:t>Solution</a:t>
+            </a:r>
+          </a:p>
+          <a:p>
+            <a:pPr marL="800100" lvl="1" indent="-342900">
+              <a:buFont typeface="+mj-lt"/>
+              <a:buAutoNum type="arabicPeriod"/>
+            </a:pPr>
+            <a:r>
+              <a:rPr lang="en-US" sz="1600" dirty="0" smtClean="0">
+                <a:latin typeface="Monaco"/>
+                <a:cs typeface="Monaco"/>
+              </a:rPr>
+              <a:t> use 'Solve' to solve the model</a:t>
+            </a:r>
+          </a:p>
+          <a:p>
+            <a:pPr marL="800100" lvl="1" indent="-342900">
+              <a:buFont typeface="+mj-lt"/>
+              <a:buAutoNum type="arabicPeriod"/>
+            </a:pPr>
+            <a:r>
+              <a:rPr lang="en-US" sz="1600" dirty="0" smtClean="0">
+                <a:latin typeface="Monaco"/>
+                <a:cs typeface="Monaco"/>
+              </a:rPr>
+              <a:t> performance (</a:t>
+            </a:r>
+            <a:r>
+              <a:rPr lang="en-US" sz="1600" dirty="0">
+                <a:latin typeface="Monaco"/>
+                <a:cs typeface="Monaco"/>
+              </a:rPr>
+              <a:t>throughput</a:t>
+            </a:r>
+            <a:r>
+              <a:rPr lang="en-US" sz="1600" dirty="0" smtClean="0">
+                <a:latin typeface="Monaco"/>
+                <a:cs typeface="Monaco"/>
+              </a:rPr>
+              <a:t>, residence times, utilizations, synopsis </a:t>
+            </a:r>
+            <a:r>
+              <a:rPr lang="en-US" sz="1600" dirty="0">
+                <a:latin typeface="Monaco"/>
+                <a:cs typeface="Monaco"/>
+              </a:rPr>
+              <a:t>panel) is shown on separate </a:t>
+            </a:r>
+            <a:r>
+              <a:rPr lang="en-US" sz="1600" dirty="0" smtClean="0">
+                <a:latin typeface="Monaco"/>
+                <a:cs typeface="Monaco"/>
+              </a:rPr>
+              <a:t>window</a:t>
+            </a:r>
+          </a:p>
+          <a:p>
+            <a:pPr marL="342900" lvl="1" indent="-342900">
+              <a:buFont typeface="Arial"/>
+              <a:buChar char="•"/>
+            </a:pPr>
+            <a:r>
+              <a:rPr lang="en-US" sz="2000" dirty="0">
+                <a:latin typeface="Monaco"/>
+                <a:ea typeface="+mn-ea"/>
+                <a:cs typeface="Monaco"/>
+              </a:rPr>
+              <a:t>Models can be saved into .</a:t>
+            </a:r>
+            <a:r>
+              <a:rPr lang="en-US" sz="2000" dirty="0" err="1">
+                <a:latin typeface="Monaco"/>
+                <a:ea typeface="+mn-ea"/>
+                <a:cs typeface="Monaco"/>
+              </a:rPr>
+              <a:t>jmva</a:t>
+            </a:r>
+            <a:r>
+              <a:rPr lang="en-US" sz="2000" dirty="0">
+                <a:latin typeface="Monaco"/>
+                <a:ea typeface="+mn-ea"/>
+                <a:cs typeface="Monaco"/>
+              </a:rPr>
+              <a:t> file</a:t>
+            </a:r>
+            <a:endParaRPr lang="en-US" sz="2000" dirty="0">
+              <a:latin typeface="Monaco"/>
+              <a:ea typeface="+mn-ea"/>
+              <a:cs typeface="Monaco"/>
+            </a:endParaRPr>
+          </a:p>
+          <a:p>
+            <a:pPr marL="800100" lvl="1" indent="-342900">
+              <a:buFont typeface="+mj-lt"/>
+              <a:buAutoNum type="arabicPeriod"/>
+            </a:pPr>
+            <a:endParaRPr lang="en-US" sz="2000" dirty="0">
+              <a:latin typeface="Monaco"/>
+              <a:ea typeface="+mn-ea"/>
+              <a:cs typeface="Monaco"/>
+            </a:endParaRPr>
+          </a:p>
+          <a:p>
+            <a:pPr lvl="1"/>
+            <a:endParaRPr lang="en-US" sz="1600" dirty="0" smtClean="0">
+              <a:latin typeface="Monaco"/>
+              <a:cs typeface="Monaco"/>
+            </a:endParaRPr>
+          </a:p>
+          <a:p>
+            <a:endParaRPr lang="en-US" sz="1600" dirty="0" smtClean="0">
+              <a:latin typeface="Monaco"/>
+              <a:ea typeface="Arial" charset="0"/>
+              <a:cs typeface="Monaco"/>
+            </a:endParaRPr>
+          </a:p>
+          <a:p>
+            <a:endParaRPr lang="en-US" sz="1600" dirty="0">
+              <a:latin typeface="Monaco"/>
+              <a:ea typeface="Arial" charset="0"/>
+              <a:cs typeface="Monaco"/>
+            </a:endParaRPr>
+          </a:p>
+          <a:p>
+            <a:pPr marL="0" indent="0">
+              <a:buNone/>
+            </a:pPr>
+            <a:endParaRPr lang="en-US" sz="1600" dirty="0">
+              <a:latin typeface="Monaco"/>
+              <a:ea typeface="Arial" charset="0"/>
+              <a:cs typeface="Monaco"/>
+            </a:endParaRPr>
+          </a:p>
+          <a:p>
+            <a:endParaRPr lang="en-US" dirty="0"/>
+          </a:p>
+        </p:txBody>
+      </p:sp>
+      <p:sp>
+        <p:nvSpPr>
+          <p:cNvPr id="4" name="Slide Number Placeholder 3"/>
+          <p:cNvSpPr>
+            <a:spLocks noGrp="1"/>
+          </p:cNvSpPr>
+          <p:nvPr>
+            <p:ph type="sldNum" sz="quarter" idx="12"/>
+          </p:nvPr>
+        </p:nvSpPr>
+        <p:spPr/>
+        <p:txBody>
+          <a:bodyPr/>
+          <a:lstStyle/>
+          <a:p>
+            <a:fld id="{45EE26E5-566A-AF49-BFD9-33660DDC8A6D}" type="slidenum">
+              <a:rPr lang="es-ES" smtClean="0">
+                <a:solidFill>
+                  <a:srgbClr val="000000"/>
+                </a:solidFill>
+              </a:rPr>
+              <a:pPr/>
+              <a:t>3</a:t>
+            </a:fld>
+            <a:endParaRPr lang="es-ES">
+              <a:solidFill>
+                <a:srgbClr val="000000"/>
+              </a:solidFill>
+            </a:endParaRPr>
+          </a:p>
+        </p:txBody>
+      </p:sp>
+    </p:spTree>
+    <p:extLst>
+      <p:ext uri="{BB962C8B-B14F-4D97-AF65-F5344CB8AC3E}">
+        <p14:creationId xmlns:p14="http://schemas.microsoft.com/office/powerpoint/2010/main" val="814648712"/>
+      </p:ext>
+    </p:extLst>
+  </p:cSld>
+  <p:clrMapOvr>
+    <a:masterClrMapping/>
+  </p:clrMapOvr>
+</p:sld>
+</file>
+
+<file path=ppt/slides/slide4.xml><?xml version="1.0" encoding="utf-8"?>
 <p:sld xmlns:a="http://schemas.openxmlformats.org/drawingml/2006/main" xmlns:r="http://schemas.openxmlformats.org/officeDocument/2006/relationships" xmlns:p="http://schemas.openxmlformats.org/presentationml/2006/main">
   <p:cSld>
     <p:bg>
@@ -6068,7 +6539,7 @@
 </p:sld>
 </file>
 
-<file path=ppt/slides/slide4.xml><?xml version="1.0" encoding="utf-8"?>
+<file path=ppt/slides/slide5.xml><?xml version="1.0" encoding="utf-8"?>
 <p:sld xmlns:a="http://schemas.openxmlformats.org/drawingml/2006/main" xmlns:r="http://schemas.openxmlformats.org/officeDocument/2006/relationships" xmlns:p="http://schemas.openxmlformats.org/presentationml/2006/main">
   <p:cSld>
     <p:spTree>
@@ -6115,9 +6586,40 @@
           </a:p>
         </p:txBody>
       </p:sp>
+      <p:sp>
+        <p:nvSpPr>
+          <p:cNvPr id="4" name="Slide Number Placeholder 3"/>
+          <p:cNvSpPr>
+            <a:spLocks noGrp="1"/>
+          </p:cNvSpPr>
+          <p:nvPr>
+            <p:ph type="sldNum" sz="quarter" idx="12"/>
+          </p:nvPr>
+        </p:nvSpPr>
+        <p:spPr/>
+        <p:txBody>
+          <a:bodyPr/>
+          <a:lstStyle/>
+          <a:p>
+            <a:r>
+              <a:rPr lang="es-ES" dirty="0">
+                <a:solidFill>
+                  <a:srgbClr val="000000"/>
+                </a:solidFill>
+              </a:rPr>
+              <a:t>3</a:t>
+            </a:r>
+            <a:endParaRPr lang="es-ES" dirty="0">
+              <a:solidFill>
+                <a:srgbClr val="000000"/>
+              </a:solidFill>
+            </a:endParaRPr>
+          </a:p>
+        </p:txBody>
+      </p:sp>
       <p:pic>
         <p:nvPicPr>
-          <p:cNvPr id="5" name="Content Placeholder 4" descr="DependencyGWith2Cycles.jpg"/>
+          <p:cNvPr id="6" name="Content Placeholder 5" descr="DependencyGraph3.0.jpg"/>
           <p:cNvPicPr>
             <a:picLocks noGrp="1" noChangeAspect="1"/>
           </p:cNvPicPr>
@@ -6133,47 +6635,41 @@
               </a:ext>
             </a:extLst>
           </a:blip>
-          <a:srcRect t="-1839" b="-1839"/>
+          <a:srcRect l="-8635" r="-8635"/>
           <a:stretch>
             <a:fillRect/>
           </a:stretch>
         </p:blipFill>
         <p:spPr>
           <a:xfrm>
-            <a:off x="457200" y="1166091"/>
-            <a:ext cx="8229600" cy="5390861"/>
+            <a:off x="209029" y="1417638"/>
+            <a:ext cx="8934971" cy="4913890"/>
           </a:xfrm>
         </p:spPr>
       </p:pic>
       <p:sp>
         <p:nvSpPr>
-          <p:cNvPr id="4" name="Slide Number Placeholder 3"/>
-          <p:cNvSpPr>
-            <a:spLocks noGrp="1"/>
-          </p:cNvSpPr>
-          <p:nvPr>
-            <p:ph type="sldNum" sz="quarter" idx="12"/>
-          </p:nvPr>
-        </p:nvSpPr>
-        <p:spPr/>
-        <p:txBody>
-          <a:bodyPr/>
+          <p:cNvPr id="7" name="TextBox 6"/>
+          <p:cNvSpPr txBox="1"/>
+          <p:nvPr/>
+        </p:nvSpPr>
+        <p:spPr>
+          <a:xfrm>
+            <a:off x="-311727" y="2736273"/>
+            <a:ext cx="184666" cy="369332"/>
+          </a:xfrm>
+          <a:prstGeom prst="rect">
+            <a:avLst/>
+          </a:prstGeom>
+          <a:noFill/>
+        </p:spPr>
+        <p:txBody>
+          <a:bodyPr wrap="none" rtlCol="0">
+            <a:spAutoFit/>
+          </a:bodyPr>
           <a:lstStyle/>
           <a:p>
-            <a:fld id="{45EE26E5-566A-AF49-BFD9-33660DDC8A6D}" type="slidenum">
-              <a:rPr lang="es-ES" smtClean="0">
-                <a:solidFill>
-                  <a:srgbClr val="000000"/>
-                </a:solidFill>
-              </a:rPr>
-              <a:pPr/>
-              <a:t>4</a:t>
-            </a:fld>
-            <a:endParaRPr lang="es-ES">
-              <a:solidFill>
-                <a:srgbClr val="000000"/>
-              </a:solidFill>
-            </a:endParaRPr>
+            <a:endParaRPr lang="en-US" dirty="0"/>
           </a:p>
         </p:txBody>
       </p:sp>
@@ -6187,10 +6683,17 @@
   <p:clrMapOvr>
     <a:masterClrMapping/>
   </p:clrMapOvr>
+  <p:timing>
+    <p:tnLst>
+      <p:par>
+        <p:cTn xmlns:p14="http://schemas.microsoft.com/office/powerpoint/2010/main" id="1" dur="indefinite" restart="never" nodeType="tmRoot"/>
+      </p:par>
+    </p:tnLst>
+  </p:timing>
 </p:sld>
 </file>
 
-<file path=ppt/slides/slide5.xml><?xml version="1.0" encoding="utf-8"?>
+<file path=ppt/slides/slide6.xml><?xml version="1.0" encoding="utf-8"?>
 <p:sld xmlns:a="http://schemas.openxmlformats.org/drawingml/2006/main" xmlns:r="http://schemas.openxmlformats.org/officeDocument/2006/relationships" xmlns:p="http://schemas.openxmlformats.org/presentationml/2006/main">
   <p:cSld>
     <p:bg>
@@ -6460,26 +6963,9 @@
             </a:r>
           </a:p>
           <a:p>
-            <a:r>
-              <a:rPr lang="en-US" sz="2000" dirty="0" smtClean="0">
-                <a:latin typeface="Monaco"/>
-                <a:cs typeface="Monaco"/>
-              </a:rPr>
-              <a:t>Critical Components</a:t>
-            </a:r>
-          </a:p>
-          <a:p>
-            <a:pPr lvl="1"/>
-            <a:r>
-              <a:rPr lang="en-US" sz="1600" dirty="0" smtClean="0">
-                <a:latin typeface="Monaco"/>
-                <a:cs typeface="Monaco"/>
-              </a:rPr>
-              <a:t>We have mapped out the most relevant classes (Figure 3)</a:t>
-            </a:r>
-          </a:p>
-          <a:p>
-            <a:pPr lvl="1"/>
+            <a:pPr marL="457200" lvl="1" indent="0">
+              <a:buNone/>
+            </a:pPr>
             <a:endParaRPr lang="en-US" sz="1600" dirty="0" smtClean="0">
               <a:latin typeface="Monaco"/>
               <a:cs typeface="Monaco"/>
@@ -6555,7 +7041,7 @@
 </p:sld>
 </file>
 
-<file path=ppt/slides/slide6.xml><?xml version="1.0" encoding="utf-8"?>
+<file path=ppt/slides/slide7.xml><?xml version="1.0" encoding="utf-8"?>
 <p:sld xmlns:a="http://schemas.openxmlformats.org/drawingml/2006/main" xmlns:r="http://schemas.openxmlformats.org/officeDocument/2006/relationships" xmlns:p="http://schemas.openxmlformats.org/presentationml/2006/main">
   <p:cSld>
     <p:bg>
@@ -6939,7 +7425,7 @@
 </p:sld>
 </file>
 
-<file path=ppt/slides/slide7.xml><?xml version="1.0" encoding="utf-8"?>
+<file path=ppt/slides/slide8.xml><?xml version="1.0" encoding="utf-8"?>
 <p:sld xmlns:a="http://schemas.openxmlformats.org/drawingml/2006/main" xmlns:r="http://schemas.openxmlformats.org/officeDocument/2006/relationships" xmlns:p="http://schemas.openxmlformats.org/presentationml/2006/main">
   <p:cSld>
     <p:spTree>
@@ -7128,7 +7614,6 @@
               <a:rPr lang="en-US" sz="1600" dirty="0" smtClean="0"/>
               <a:t>.</a:t>
             </a:r>
-            <a:endParaRPr lang="en-US" sz="1600" dirty="0" smtClean="0"/>
           </a:p>
           <a:p>
             <a:pPr lvl="1"/>
@@ -7201,7 +7686,7 @@
 </p:sld>
 </file>
 
-<file path=ppt/slides/slide8.xml><?xml version="1.0" encoding="utf-8"?>
+<file path=ppt/slides/slide9.xml><?xml version="1.0" encoding="utf-8"?>
 <p:sld xmlns:a="http://schemas.openxmlformats.org/drawingml/2006/main" xmlns:r="http://schemas.openxmlformats.org/officeDocument/2006/relationships" xmlns:p="http://schemas.openxmlformats.org/presentationml/2006/main">
   <p:cSld>
     <p:spTree>
@@ -7241,16 +7726,7 @@
                 </a:solidFill>
                 <a:latin typeface="Bank Gothic"/>
               </a:rPr>
-              <a:t>Critique (</a:t>
-            </a:r>
-            <a:r>
-              <a:rPr lang="en-US" sz="3200" dirty="0" smtClean="0">
-                <a:solidFill>
-                  <a:srgbClr val="000000"/>
-                </a:solidFill>
-                <a:latin typeface="Bank Gothic"/>
-              </a:rPr>
-              <a:t>cont.)</a:t>
+              <a:t>Critique (cont.)</a:t>
             </a:r>
             <a:endParaRPr lang="en-US" sz="3200" dirty="0"/>
           </a:p>

--- a/jmva_presentation.pptx
+++ b/jmva_presentation.pptx
@@ -14,8 +14,8 @@
     <p:sldId id="257" r:id="rId2"/>
     <p:sldId id="258" r:id="rId3"/>
     <p:sldId id="265" r:id="rId4"/>
-    <p:sldId id="260" r:id="rId5"/>
-    <p:sldId id="264" r:id="rId6"/>
+    <p:sldId id="264" r:id="rId5"/>
+    <p:sldId id="260" r:id="rId6"/>
     <p:sldId id="259" r:id="rId7"/>
     <p:sldId id="261" r:id="rId8"/>
     <p:sldId id="262" r:id="rId9"/>
@@ -636,6 +636,299 @@
     </a:lvl9pPr>
   </p:notesStyle>
 </p:notesMaster>
+</file>
+
+<file path=ppt/notesSlides/notesSlide1.xml><?xml version="1.0" encoding="utf-8"?>
+<p:notes xmlns:a="http://schemas.openxmlformats.org/drawingml/2006/main" xmlns:r="http://schemas.openxmlformats.org/officeDocument/2006/relationships" xmlns:p="http://schemas.openxmlformats.org/presentationml/2006/main">
+  <p:cSld>
+    <p:spTree>
+      <p:nvGrpSpPr>
+        <p:cNvPr id="1" name=""/>
+        <p:cNvGrpSpPr/>
+        <p:nvPr/>
+      </p:nvGrpSpPr>
+      <p:grpSpPr>
+        <a:xfrm>
+          <a:off x="0" y="0"/>
+          <a:ext cx="0" cy="0"/>
+          <a:chOff x="0" y="0"/>
+          <a:chExt cx="0" cy="0"/>
+        </a:xfrm>
+      </p:grpSpPr>
+      <p:sp>
+        <p:nvSpPr>
+          <p:cNvPr id="2" name="Slide Image Placeholder 1"/>
+          <p:cNvSpPr>
+            <a:spLocks noGrp="1" noRot="1" noChangeAspect="1"/>
+          </p:cNvSpPr>
+          <p:nvPr>
+            <p:ph type="sldImg"/>
+          </p:nvPr>
+        </p:nvSpPr>
+        <p:spPr/>
+      </p:sp>
+      <p:sp>
+        <p:nvSpPr>
+          <p:cNvPr id="3" name="Notes Placeholder 2"/>
+          <p:cNvSpPr>
+            <a:spLocks noGrp="1"/>
+          </p:cNvSpPr>
+          <p:nvPr>
+            <p:ph type="body" idx="1"/>
+          </p:nvPr>
+        </p:nvSpPr>
+        <p:spPr/>
+        <p:txBody>
+          <a:bodyPr/>
+          <a:lstStyle/>
+          <a:p>
+            <a:pPr lvl="1"/>
+            <a:r>
+              <a:rPr lang="en-US" sz="1600" dirty="0" smtClean="0">
+                <a:latin typeface="Monaco"/>
+                <a:cs typeface="Monaco"/>
+              </a:rPr>
+              <a:t>Use of </a:t>
+            </a:r>
+            <a:r>
+              <a:rPr lang="en-US" sz="1600" dirty="0" err="1" smtClean="0">
+                <a:latin typeface="Monaco"/>
+                <a:cs typeface="Monaco"/>
+              </a:rPr>
+              <a:t>JDepend</a:t>
+            </a:r>
+            <a:r>
+              <a:rPr lang="en-US" sz="1600" dirty="0" smtClean="0">
+                <a:latin typeface="Monaco"/>
+                <a:cs typeface="Monaco"/>
+              </a:rPr>
+              <a:t> was not helpful because of the size of the project and large number of circular dependencies</a:t>
+            </a:r>
+          </a:p>
+          <a:p>
+            <a:pPr lvl="1"/>
+            <a:r>
+              <a:rPr lang="en-US" sz="1600" dirty="0" err="1" smtClean="0">
+                <a:latin typeface="Monaco"/>
+                <a:cs typeface="Monaco"/>
+              </a:rPr>
+              <a:t>IntelliJ</a:t>
+            </a:r>
+            <a:r>
+              <a:rPr lang="en-US" sz="1600" dirty="0" smtClean="0">
+                <a:latin typeface="Monaco"/>
+                <a:cs typeface="Monaco"/>
+              </a:rPr>
+              <a:t> Pro Dependency Matrix of JMVA shows the coupling between packages (i.e. </a:t>
+            </a:r>
+            <a:r>
+              <a:rPr lang="en-US" sz="1600" dirty="0" smtClean="0">
+                <a:latin typeface="Courier New"/>
+                <a:cs typeface="Courier New"/>
+              </a:rPr>
+              <a:t>analytical </a:t>
+            </a:r>
+            <a:r>
+              <a:rPr lang="en-US" sz="1600" dirty="0" smtClean="0">
+                <a:latin typeface="Monaco"/>
+                <a:cs typeface="Monaco"/>
+              </a:rPr>
+              <a:t>package depends on </a:t>
+            </a:r>
+            <a:r>
+              <a:rPr lang="en-US" sz="1600" dirty="0" smtClean="0">
+                <a:latin typeface="Courier New"/>
+                <a:cs typeface="Courier New"/>
+              </a:rPr>
+              <a:t>common </a:t>
+            </a:r>
+            <a:r>
+              <a:rPr lang="en-US" sz="1600" dirty="0" smtClean="0">
+                <a:latin typeface="Monaco"/>
+                <a:cs typeface="Monaco"/>
+              </a:rPr>
+              <a:t>package in 74 places, etc.)</a:t>
+            </a:r>
+          </a:p>
+          <a:p>
+            <a:pPr lvl="1"/>
+            <a:r>
+              <a:rPr lang="en-US" sz="1600" dirty="0" smtClean="0">
+                <a:latin typeface="Monaco"/>
+                <a:cs typeface="Monaco"/>
+              </a:rPr>
+              <a:t>Strong circular link between </a:t>
+            </a:r>
+            <a:r>
+              <a:rPr lang="en-US" sz="1600" dirty="0" err="1" smtClean="0">
+                <a:latin typeface="Courier New"/>
+                <a:cs typeface="Courier New"/>
+              </a:rPr>
+              <a:t>gui</a:t>
+            </a:r>
+            <a:r>
+              <a:rPr lang="en-US" sz="1600" dirty="0" smtClean="0">
+                <a:latin typeface="Courier New"/>
+                <a:cs typeface="Courier New"/>
+              </a:rPr>
+              <a:t> </a:t>
+            </a:r>
+            <a:r>
+              <a:rPr lang="en-US" sz="1600" dirty="0" smtClean="0">
+                <a:latin typeface="Monaco"/>
+                <a:cs typeface="Monaco"/>
+              </a:rPr>
+              <a:t>and </a:t>
+            </a:r>
+            <a:r>
+              <a:rPr lang="en-US" sz="1600" dirty="0" smtClean="0">
+                <a:latin typeface="Courier New"/>
+                <a:cs typeface="Courier New"/>
+              </a:rPr>
+              <a:t>analytical</a:t>
+            </a:r>
+            <a:r>
+              <a:rPr lang="en-US" sz="1600" dirty="0" smtClean="0">
+                <a:latin typeface="Monaco"/>
+                <a:cs typeface="Monaco"/>
+              </a:rPr>
+              <a:t> (</a:t>
+            </a:r>
+            <a:r>
+              <a:rPr lang="en-US" sz="1600" dirty="0" err="1" smtClean="0">
+                <a:latin typeface="Courier New"/>
+                <a:cs typeface="Courier New"/>
+              </a:rPr>
+              <a:t>gui</a:t>
+            </a:r>
+            <a:r>
+              <a:rPr lang="en-US" sz="1600" dirty="0" smtClean="0">
+                <a:latin typeface="Courier New"/>
+                <a:cs typeface="Courier New"/>
+              </a:rPr>
+              <a:t> -&gt; analytical, </a:t>
+            </a:r>
+            <a:r>
+              <a:rPr lang="en-US" sz="1600" dirty="0" smtClean="0">
+                <a:latin typeface="Monaco"/>
+                <a:cs typeface="Monaco"/>
+              </a:rPr>
+              <a:t>282 times, </a:t>
+            </a:r>
+            <a:r>
+              <a:rPr lang="en-US" sz="1600" dirty="0" smtClean="0">
+                <a:latin typeface="Courier New"/>
+                <a:cs typeface="Courier New"/>
+              </a:rPr>
+              <a:t>analytical -&gt; </a:t>
+            </a:r>
+            <a:r>
+              <a:rPr lang="en-US" sz="1600" dirty="0" err="1" smtClean="0">
+                <a:latin typeface="Courier New"/>
+                <a:cs typeface="Courier New"/>
+              </a:rPr>
+              <a:t>gui</a:t>
+            </a:r>
+            <a:r>
+              <a:rPr lang="en-US" sz="1600" dirty="0" smtClean="0">
+                <a:latin typeface="Courier New"/>
+                <a:cs typeface="Courier New"/>
+              </a:rPr>
+              <a:t> </a:t>
+            </a:r>
+            <a:r>
+              <a:rPr lang="en-US" sz="1600" dirty="0" smtClean="0">
+                <a:latin typeface="Monaco"/>
+                <a:cs typeface="Monaco"/>
+              </a:rPr>
+              <a:t>262 times)</a:t>
+            </a:r>
+          </a:p>
+          <a:p>
+            <a:pPr lvl="1"/>
+            <a:r>
+              <a:rPr lang="en-US" sz="1600" dirty="0" smtClean="0">
+                <a:latin typeface="Monaco"/>
+                <a:cs typeface="Monaco"/>
+              </a:rPr>
+              <a:t>Specifically, </a:t>
+            </a:r>
+            <a:r>
+              <a:rPr lang="en-US" sz="1600" dirty="0" err="1" smtClean="0">
+                <a:latin typeface="Courier New"/>
+                <a:cs typeface="Courier New"/>
+              </a:rPr>
+              <a:t>ExactModel</a:t>
+            </a:r>
+            <a:r>
+              <a:rPr lang="en-US" sz="1600" dirty="0" smtClean="0">
+                <a:latin typeface="Courier New"/>
+                <a:cs typeface="Courier New"/>
+              </a:rPr>
+              <a:t> </a:t>
+            </a:r>
+            <a:r>
+              <a:rPr lang="en-US" sz="1600" dirty="0" smtClean="0">
+                <a:latin typeface="Monaco"/>
+                <a:cs typeface="Monaco"/>
+              </a:rPr>
+              <a:t>is the primary culprit as it is referenced in </a:t>
+            </a:r>
+            <a:r>
+              <a:rPr lang="en-US" sz="1600" dirty="0" smtClean="0">
+                <a:latin typeface="Courier New"/>
+                <a:cs typeface="Courier New"/>
+              </a:rPr>
+              <a:t>analytical </a:t>
+            </a:r>
+            <a:r>
+              <a:rPr lang="en-US" sz="1600" dirty="0" smtClean="0">
+                <a:latin typeface="Monaco"/>
+                <a:cs typeface="Monaco"/>
+              </a:rPr>
+              <a:t>package extensively</a:t>
+            </a:r>
+            <a:endParaRPr lang="en-US" sz="1600" dirty="0" smtClean="0">
+              <a:latin typeface="Monaco"/>
+              <a:cs typeface="Monaco"/>
+            </a:endParaRPr>
+          </a:p>
+        </p:txBody>
+      </p:sp>
+      <p:sp>
+        <p:nvSpPr>
+          <p:cNvPr id="4" name="Slide Number Placeholder 3"/>
+          <p:cNvSpPr>
+            <a:spLocks noGrp="1"/>
+          </p:cNvSpPr>
+          <p:nvPr>
+            <p:ph type="sldNum" sz="quarter" idx="10"/>
+          </p:nvPr>
+        </p:nvSpPr>
+        <p:spPr/>
+        <p:txBody>
+          <a:bodyPr/>
+          <a:lstStyle/>
+          <a:p>
+            <a:fld id="{5DA727D0-C9A5-7E41-9CC7-AADA7817778E}" type="slidenum">
+              <a:rPr kumimoji="1" lang="zh-CN" altLang="en-US" smtClean="0"/>
+              <a:t>5</a:t>
+            </a:fld>
+            <a:endParaRPr kumimoji="1" lang="zh-CN" altLang="en-US"/>
+          </a:p>
+        </p:txBody>
+      </p:sp>
+    </p:spTree>
+    <p:extLst>
+      <p:ext uri="{BB962C8B-B14F-4D97-AF65-F5344CB8AC3E}">
+        <p14:creationId xmlns:p14="http://schemas.microsoft.com/office/powerpoint/2010/main" val="2253361012"/>
+      </p:ext>
+    </p:extLst>
+  </p:cSld>
+  <p:clrMapOvr>
+    <a:masterClrMapping/>
+  </p:clrMapOvr>
+</p:notes>
 </file>
 
 <file path=ppt/slideLayouts/slideLayout1.xml><?xml version="1.0" encoding="utf-8"?>
@@ -4573,7 +4866,7 @@
                 <a:latin typeface="Bank Gothic"/>
                 <a:cs typeface="Bank Gothic"/>
               </a:rPr>
-              <a:t>Deciphering the Codebase</a:t>
+              <a:t>Exploring the JMVA</a:t>
             </a:r>
             <a:endParaRPr lang="en-US" sz="3200" dirty="0">
               <a:latin typeface="Bank Gothic"/>
@@ -4617,7 +4910,14 @@
                 <a:latin typeface="Monaco"/>
                 <a:cs typeface="Monaco"/>
               </a:rPr>
-              <a:t>Downloading code from SVN and importing into IntelliJ IDEA</a:t>
+              <a:t>Downloading code </a:t>
+            </a:r>
+            <a:r>
+              <a:rPr lang="en-US" sz="1600" dirty="0" smtClean="0">
+                <a:latin typeface="Monaco"/>
+                <a:cs typeface="Monaco"/>
+              </a:rPr>
+              <a:t>from SVN and importing into IntelliJ IDEA</a:t>
             </a:r>
           </a:p>
           <a:p>
@@ -4764,19 +5064,8 @@
                 <a:latin typeface="Monaco"/>
                 <a:cs typeface="Monaco"/>
               </a:rPr>
-              <a:t>Functionality of </a:t>
-            </a:r>
-            <a:r>
-              <a:rPr lang="en-US" sz="2000" dirty="0" smtClean="0">
-                <a:latin typeface="Monaco"/>
-                <a:cs typeface="Monaco"/>
-              </a:rPr>
-              <a:t>JMVA</a:t>
-            </a:r>
-            <a:endParaRPr lang="en-US" sz="2000" dirty="0" smtClean="0">
-              <a:latin typeface="Monaco"/>
-              <a:cs typeface="Monaco"/>
-            </a:endParaRPr>
+              <a:t>Functionality of JMVA</a:t>
+            </a:r>
           </a:p>
           <a:p>
             <a:pPr lvl="1"/>
@@ -4785,21 +5074,7 @@
                 <a:latin typeface="Monaco"/>
                 <a:cs typeface="Monaco"/>
               </a:rPr>
-              <a:t>JMVA </a:t>
-            </a:r>
-            <a:r>
-              <a:rPr lang="en-US" sz="1600" dirty="0" smtClean="0">
-                <a:latin typeface="Monaco"/>
-                <a:cs typeface="Monaco"/>
-              </a:rPr>
-              <a:t>produces solution </a:t>
-            </a:r>
-            <a:r>
-              <a:rPr lang="en-US" sz="1600" dirty="0" smtClean="0">
-                <a:latin typeface="Monaco"/>
-                <a:cs typeface="Monaco"/>
-              </a:rPr>
-              <a:t>to Mean-Value-Analysis problem from queuing theory</a:t>
+              <a:t>JMVA produces solution to Mean-Value-Analysis problem from queuing theory</a:t>
             </a:r>
           </a:p>
           <a:p>
@@ -5081,11 +5356,6 @@
               </a:rPr>
               <a:t>Defining a model of queuing network</a:t>
             </a:r>
-            <a:endParaRPr lang="en-US" sz="2000" dirty="0">
-              <a:latin typeface="Monaco"/>
-              <a:ea typeface="+mn-ea"/>
-              <a:cs typeface="Monaco"/>
-            </a:endParaRPr>
           </a:p>
           <a:p>
             <a:pPr lvl="1"/>
@@ -5260,15 +5530,7 @@
                 <a:ea typeface="+mn-ea"/>
                 <a:cs typeface="Monaco"/>
               </a:rPr>
-              <a:t>Model </a:t>
-            </a:r>
-            <a:r>
-              <a:rPr lang="en-US" sz="2000" dirty="0">
-                <a:latin typeface="Monaco"/>
-                <a:ea typeface="+mn-ea"/>
-                <a:cs typeface="Monaco"/>
-              </a:rPr>
-              <a:t>Solution</a:t>
+              <a:t>Model Solution</a:t>
             </a:r>
           </a:p>
           <a:p>
@@ -5354,11 +5616,6 @@
               </a:rPr>
               <a:t> file</a:t>
             </a:r>
-            <a:endParaRPr lang="en-US" sz="2000" dirty="0">
-              <a:latin typeface="Monaco"/>
-              <a:ea typeface="+mn-ea"/>
-              <a:cs typeface="Monaco"/>
-            </a:endParaRPr>
           </a:p>
           <a:p>
             <a:pPr marL="800100" lvl="1" indent="-342900">
@@ -5455,10 +5712,159 @@
 <file path=ppt/slides/slide4.xml><?xml version="1.0" encoding="utf-8"?>
 <p:sld xmlns:a="http://schemas.openxmlformats.org/drawingml/2006/main" xmlns:r="http://schemas.openxmlformats.org/officeDocument/2006/relationships" xmlns:p="http://schemas.openxmlformats.org/presentationml/2006/main">
   <p:cSld>
+    <p:spTree>
+      <p:nvGrpSpPr>
+        <p:cNvPr id="1" name=""/>
+        <p:cNvGrpSpPr/>
+        <p:nvPr/>
+      </p:nvGrpSpPr>
+      <p:grpSpPr>
+        <a:xfrm>
+          <a:off x="0" y="0"/>
+          <a:ext cx="0" cy="0"/>
+          <a:chOff x="0" y="0"/>
+          <a:chExt cx="0" cy="0"/>
+        </a:xfrm>
+      </p:grpSpPr>
+      <p:sp>
+        <p:nvSpPr>
+          <p:cNvPr id="2" name="Title 1"/>
+          <p:cNvSpPr>
+            <a:spLocks noGrp="1"/>
+          </p:cNvSpPr>
+          <p:nvPr>
+            <p:ph type="title"/>
+          </p:nvPr>
+        </p:nvSpPr>
+        <p:spPr/>
+        <p:txBody>
+          <a:bodyPr/>
+          <a:lstStyle/>
+          <a:p>
+            <a:pPr algn="l"/>
+            <a:r>
+              <a:rPr lang="en-US" sz="3200" dirty="0" smtClean="0">
+                <a:latin typeface="Bank Gothic"/>
+                <a:cs typeface="Bank Gothic"/>
+              </a:rPr>
+              <a:t>Dependencies among critical components</a:t>
+            </a:r>
+            <a:endParaRPr lang="en-US" sz="3200" dirty="0">
+              <a:latin typeface="Bank gothic"/>
+              <a:cs typeface="Bank gothic"/>
+            </a:endParaRPr>
+          </a:p>
+        </p:txBody>
+      </p:sp>
+      <p:sp>
+        <p:nvSpPr>
+          <p:cNvPr id="4" name="Slide Number Placeholder 3"/>
+          <p:cNvSpPr>
+            <a:spLocks noGrp="1"/>
+          </p:cNvSpPr>
+          <p:nvPr>
+            <p:ph type="sldNum" sz="quarter" idx="12"/>
+          </p:nvPr>
+        </p:nvSpPr>
+        <p:spPr/>
+        <p:txBody>
+          <a:bodyPr/>
+          <a:lstStyle/>
+          <a:p>
+            <a:r>
+              <a:rPr lang="es-ES" dirty="0">
+                <a:solidFill>
+                  <a:srgbClr val="000000"/>
+                </a:solidFill>
+              </a:rPr>
+              <a:t>3</a:t>
+            </a:r>
+          </a:p>
+        </p:txBody>
+      </p:sp>
+      <p:pic>
+        <p:nvPicPr>
+          <p:cNvPr id="6" name="Content Placeholder 5" descr="DependencyGraph3.0.jpg"/>
+          <p:cNvPicPr>
+            <a:picLocks noGrp="1" noChangeAspect="1"/>
+          </p:cNvPicPr>
+          <p:nvPr>
+            <p:ph idx="1"/>
+          </p:nvPr>
+        </p:nvPicPr>
+        <p:blipFill>
+          <a:blip r:embed="rId2">
+            <a:extLst>
+              <a:ext uri="{28A0092B-C50C-407E-A947-70E740481C1C}">
+                <a14:useLocalDpi xmlns:a14="http://schemas.microsoft.com/office/drawing/2010/main" val="0"/>
+              </a:ext>
+            </a:extLst>
+          </a:blip>
+          <a:srcRect l="-8635" r="-8635"/>
+          <a:stretch>
+            <a:fillRect/>
+          </a:stretch>
+        </p:blipFill>
+        <p:spPr>
+          <a:xfrm>
+            <a:off x="209029" y="1417638"/>
+            <a:ext cx="8934971" cy="4913890"/>
+          </a:xfrm>
+        </p:spPr>
+      </p:pic>
+      <p:sp>
+        <p:nvSpPr>
+          <p:cNvPr id="7" name="TextBox 6"/>
+          <p:cNvSpPr txBox="1"/>
+          <p:nvPr/>
+        </p:nvSpPr>
+        <p:spPr>
+          <a:xfrm>
+            <a:off x="-311727" y="2736273"/>
+            <a:ext cx="184666" cy="369332"/>
+          </a:xfrm>
+          <a:prstGeom prst="rect">
+            <a:avLst/>
+          </a:prstGeom>
+          <a:noFill/>
+        </p:spPr>
+        <p:txBody>
+          <a:bodyPr wrap="none" rtlCol="0">
+            <a:spAutoFit/>
+          </a:bodyPr>
+          <a:lstStyle/>
+          <a:p>
+            <a:endParaRPr lang="en-US" dirty="0"/>
+          </a:p>
+        </p:txBody>
+      </p:sp>
+    </p:spTree>
+    <p:extLst>
+      <p:ext uri="{BB962C8B-B14F-4D97-AF65-F5344CB8AC3E}">
+        <p14:creationId xmlns:p14="http://schemas.microsoft.com/office/powerpoint/2010/main" val="2177963484"/>
+      </p:ext>
+    </p:extLst>
+  </p:cSld>
+  <p:clrMapOvr>
+    <a:masterClrMapping/>
+  </p:clrMapOvr>
+  <p:timing>
+    <p:tnLst>
+      <p:par>
+        <p:cTn xmlns:p14="http://schemas.microsoft.com/office/powerpoint/2010/main" id="1" dur="indefinite" restart="never" nodeType="tmRoot"/>
+      </p:par>
+    </p:tnLst>
+  </p:timing>
+</p:sld>
+</file>
+
+<file path=ppt/slides/slide5.xml><?xml version="1.0" encoding="utf-8"?>
+<p:sld xmlns:a="http://schemas.openxmlformats.org/drawingml/2006/main" xmlns:r="http://schemas.openxmlformats.org/officeDocument/2006/relationships" xmlns:p="http://schemas.openxmlformats.org/presentationml/2006/main">
+  <p:cSld>
     <p:bg>
       <p:bgPr>
         <a:blipFill dpi="0" rotWithShape="1">
-          <a:blip r:embed="rId2"/>
+          <a:blip r:embed="rId3"/>
           <a:srcRect/>
           <a:stretch>
             <a:fillRect/>
@@ -5502,7 +5908,7 @@
                 <a:latin typeface="Bank Gothic"/>
                 <a:cs typeface="Bank Gothic"/>
               </a:rPr>
-              <a:t>Graphing the Structure</a:t>
+              <a:t>A Strong Cycle</a:t>
             </a:r>
             <a:endParaRPr lang="en-US" sz="3200" dirty="0">
               <a:latin typeface="Bank Gothic"/>
@@ -5531,210 +5937,138 @@
           <a:bodyPr/>
           <a:lstStyle/>
           <a:p>
-            <a:r>
-              <a:rPr lang="en-US" sz="2000" dirty="0" smtClean="0">
-                <a:latin typeface="Monaco"/>
-                <a:cs typeface="Monaco"/>
-              </a:rPr>
-              <a:t>Deeper Analysis</a:t>
-            </a:r>
-          </a:p>
-          <a:p>
-            <a:pPr lvl="1"/>
+            <a:pPr lvl="1">
+              <a:buFont typeface="Arial"/>
+              <a:buChar char="•"/>
+            </a:pPr>
+            <a:r>
+              <a:rPr lang="en-US" sz="1600" dirty="0" err="1" smtClean="0">
+                <a:latin typeface="Monaco"/>
+                <a:cs typeface="Monaco"/>
+              </a:rPr>
+              <a:t>IntelliJ</a:t>
+            </a:r>
             <a:r>
               <a:rPr lang="en-US" sz="1600" dirty="0" smtClean="0">
                 <a:latin typeface="Monaco"/>
                 <a:cs typeface="Monaco"/>
               </a:rPr>
-              <a:t>Use of JDepend was not helpful because of the size of the project and large number of circular dependencies</a:t>
-            </a:r>
-          </a:p>
-          <a:p>
-            <a:pPr lvl="1"/>
+              <a:t> Dependency Matrix show how much each pair of component is depended upon each other.</a:t>
+            </a:r>
+          </a:p>
+          <a:p>
+            <a:pPr lvl="2">
+              <a:buFont typeface="Arial"/>
+              <a:buChar char="•"/>
+            </a:pPr>
+            <a:r>
+              <a:rPr lang="en-US" sz="1200" dirty="0" smtClean="0">
+                <a:latin typeface="Monaco"/>
+                <a:cs typeface="Monaco"/>
+              </a:rPr>
+              <a:t>e.g., </a:t>
+            </a:r>
+            <a:r>
+              <a:rPr lang="en-US" sz="1200" dirty="0" err="1" smtClean="0">
+                <a:latin typeface="Monaco"/>
+                <a:cs typeface="Monaco"/>
+              </a:rPr>
+              <a:t>denpendency</a:t>
+            </a:r>
+            <a:r>
+              <a:rPr lang="en-US" sz="1200" dirty="0" smtClean="0">
+                <a:latin typeface="Monaco"/>
+                <a:cs typeface="Monaco"/>
+              </a:rPr>
+              <a:t> cycle between analytical and </a:t>
+            </a:r>
+            <a:r>
+              <a:rPr lang="en-US" sz="1200" dirty="0" err="1" smtClean="0">
+                <a:latin typeface="Monaco"/>
+                <a:cs typeface="Monaco"/>
+              </a:rPr>
+              <a:t>gui</a:t>
+            </a:r>
+            <a:r>
+              <a:rPr lang="en-US" sz="1200" dirty="0" smtClean="0">
+                <a:latin typeface="Monaco"/>
+                <a:cs typeface="Monaco"/>
+              </a:rPr>
+              <a:t>.</a:t>
+            </a:r>
+          </a:p>
+          <a:p>
+            <a:pPr lvl="1">
+              <a:buFont typeface="Arial"/>
+              <a:buChar char="•"/>
+            </a:pPr>
             <a:r>
               <a:rPr lang="en-US" sz="1600" dirty="0" smtClean="0">
                 <a:latin typeface="Monaco"/>
                 <a:cs typeface="Monaco"/>
               </a:rPr>
-              <a:t>IntelliJ Pro Dependency Matrix of JMVA (Figure 1) shows the coupling between packages (i.e. </a:t>
+              <a:t>Expanding the matrix, we see that </a:t>
+            </a:r>
+            <a:r>
+              <a:rPr lang="en-US" sz="1600" dirty="0" err="1" smtClean="0">
+                <a:latin typeface="Monaco"/>
+                <a:cs typeface="Monaco"/>
+              </a:rPr>
+              <a:t>ExcatModel</a:t>
+            </a:r>
+            <a:r>
+              <a:rPr lang="en-US" sz="1600" dirty="0">
+                <a:latin typeface="Monaco"/>
+                <a:cs typeface="Monaco"/>
+              </a:rPr>
+              <a:t> </a:t>
             </a:r>
             <a:r>
               <a:rPr lang="en-US" sz="1600" dirty="0" smtClean="0">
-                <a:latin typeface="Courier New"/>
-                <a:cs typeface="Courier New"/>
-              </a:rPr>
-              <a:t>analytical </a:t>
-            </a:r>
+                <a:latin typeface="Monaco"/>
+                <a:cs typeface="Monaco"/>
+              </a:rPr>
+              <a:t>is the primary culprit of this cycle.</a:t>
+            </a:r>
+          </a:p>
+          <a:p>
+            <a:pPr lvl="1">
+              <a:buFont typeface="Arial"/>
+              <a:buChar char="•"/>
+            </a:pPr>
             <a:r>
               <a:rPr lang="en-US" sz="1600" dirty="0" smtClean="0">
                 <a:latin typeface="Monaco"/>
                 <a:cs typeface="Monaco"/>
               </a:rPr>
-              <a:t>package depends on </a:t>
-            </a:r>
+              <a:t>Unable to reuse these package separately because of the coupling effect.</a:t>
+            </a:r>
+          </a:p>
+          <a:p>
+            <a:pPr lvl="1">
+              <a:buFont typeface="Arial"/>
+              <a:buChar char="•"/>
+            </a:pPr>
             <a:r>
               <a:rPr lang="en-US" sz="1600" dirty="0" smtClean="0">
-                <a:latin typeface="Courier New"/>
-                <a:cs typeface="Courier New"/>
-              </a:rPr>
-              <a:t>common </a:t>
-            </a:r>
+                <a:latin typeface="Monaco"/>
+                <a:cs typeface="Monaco"/>
+              </a:rPr>
+              <a:t>How to get rid of this cycle?</a:t>
+            </a:r>
+          </a:p>
+          <a:p>
+            <a:pPr lvl="1">
+              <a:buFont typeface="Arial"/>
+              <a:buChar char="•"/>
+            </a:pPr>
             <a:r>
               <a:rPr lang="en-US" sz="1600" dirty="0" smtClean="0">
                 <a:latin typeface="Monaco"/>
                 <a:cs typeface="Monaco"/>
               </a:rPr>
-              <a:t>package in 74 places, etc.)</a:t>
-            </a:r>
-          </a:p>
-          <a:p>
-            <a:pPr lvl="1"/>
-            <a:r>
-              <a:rPr lang="en-US" sz="1600" dirty="0" smtClean="0">
-                <a:latin typeface="Monaco"/>
-                <a:cs typeface="Monaco"/>
-              </a:rPr>
-              <a:t>Strong circular link between </a:t>
-            </a:r>
-            <a:r>
-              <a:rPr lang="en-US" sz="1600" dirty="0" err="1" smtClean="0">
-                <a:latin typeface="Courier New"/>
-                <a:cs typeface="Courier New"/>
-              </a:rPr>
-              <a:t>gui</a:t>
-            </a:r>
-            <a:r>
-              <a:rPr lang="en-US" sz="1600" dirty="0" smtClean="0">
-                <a:latin typeface="Courier New"/>
-                <a:cs typeface="Courier New"/>
-              </a:rPr>
-              <a:t> </a:t>
-            </a:r>
-            <a:r>
-              <a:rPr lang="en-US" sz="1600" dirty="0" smtClean="0">
-                <a:latin typeface="Monaco"/>
-                <a:cs typeface="Monaco"/>
-              </a:rPr>
-              <a:t>and </a:t>
-            </a:r>
-            <a:r>
-              <a:rPr lang="en-US" sz="1600" dirty="0" smtClean="0">
-                <a:latin typeface="Courier New"/>
-                <a:cs typeface="Courier New"/>
-              </a:rPr>
-              <a:t>analytical</a:t>
-            </a:r>
-            <a:r>
-              <a:rPr lang="en-US" sz="1600" dirty="0">
-                <a:latin typeface="Monaco"/>
-                <a:cs typeface="Monaco"/>
-              </a:rPr>
-              <a:t> </a:t>
-            </a:r>
-            <a:r>
-              <a:rPr lang="en-US" sz="1600" dirty="0" smtClean="0">
-                <a:latin typeface="Monaco"/>
-                <a:cs typeface="Monaco"/>
-              </a:rPr>
-              <a:t>(</a:t>
-            </a:r>
-            <a:r>
-              <a:rPr lang="en-US" sz="1600" dirty="0" err="1" smtClean="0">
-                <a:latin typeface="Courier New"/>
-                <a:cs typeface="Courier New"/>
-              </a:rPr>
-              <a:t>gui</a:t>
-            </a:r>
-            <a:r>
-              <a:rPr lang="en-US" sz="1600" dirty="0" smtClean="0">
-                <a:latin typeface="Courier New"/>
-                <a:cs typeface="Courier New"/>
-              </a:rPr>
-              <a:t> -&gt; analytical, </a:t>
-            </a:r>
-            <a:r>
-              <a:rPr lang="en-US" sz="1600" dirty="0" smtClean="0">
-                <a:latin typeface="Monaco"/>
-                <a:cs typeface="Monaco"/>
-              </a:rPr>
-              <a:t>282 times, </a:t>
-            </a:r>
-            <a:r>
-              <a:rPr lang="en-US" sz="1600" dirty="0" smtClean="0">
-                <a:latin typeface="Courier New"/>
-                <a:cs typeface="Courier New"/>
-              </a:rPr>
-              <a:t>analytical -&gt; </a:t>
-            </a:r>
-            <a:r>
-              <a:rPr lang="en-US" sz="1600" dirty="0" err="1" smtClean="0">
-                <a:latin typeface="Courier New"/>
-                <a:cs typeface="Courier New"/>
-              </a:rPr>
-              <a:t>gui</a:t>
-            </a:r>
-            <a:r>
-              <a:rPr lang="en-US" sz="1600" dirty="0" smtClean="0">
-                <a:latin typeface="Courier New"/>
-                <a:cs typeface="Courier New"/>
-              </a:rPr>
-              <a:t> </a:t>
-            </a:r>
-            <a:r>
-              <a:rPr lang="en-US" sz="1600" dirty="0" smtClean="0">
-                <a:latin typeface="Monaco"/>
-                <a:cs typeface="Monaco"/>
-              </a:rPr>
-              <a:t>262 times)</a:t>
-            </a:r>
-          </a:p>
-          <a:p>
-            <a:pPr lvl="1"/>
-            <a:r>
-              <a:rPr lang="en-US" sz="1600" dirty="0" smtClean="0">
-                <a:latin typeface="Monaco"/>
-                <a:cs typeface="Monaco"/>
-              </a:rPr>
-              <a:t>Specifically, </a:t>
-            </a:r>
-            <a:r>
-              <a:rPr lang="en-US" sz="1600" dirty="0" err="1" smtClean="0">
-                <a:latin typeface="Courier New"/>
-                <a:cs typeface="Courier New"/>
-              </a:rPr>
-              <a:t>ExactModel</a:t>
-            </a:r>
-            <a:r>
-              <a:rPr lang="en-US" sz="1600" dirty="0" smtClean="0">
-                <a:latin typeface="Courier New"/>
-                <a:cs typeface="Courier New"/>
-              </a:rPr>
-              <a:t> </a:t>
-            </a:r>
-            <a:r>
-              <a:rPr lang="en-US" sz="1600" dirty="0" smtClean="0">
-                <a:latin typeface="Monaco"/>
-                <a:cs typeface="Monaco"/>
-              </a:rPr>
-              <a:t>is the primary culprit as it is referenced in </a:t>
-            </a:r>
-            <a:r>
-              <a:rPr lang="en-US" sz="1600" dirty="0" smtClean="0">
-                <a:latin typeface="Courier New"/>
-                <a:cs typeface="Courier New"/>
-              </a:rPr>
-              <a:t>analytical </a:t>
-            </a:r>
-            <a:r>
-              <a:rPr lang="en-US" sz="1600" dirty="0" smtClean="0">
-                <a:latin typeface="Monaco"/>
-                <a:cs typeface="Monaco"/>
-              </a:rPr>
-              <a:t>package extensively</a:t>
-            </a:r>
-          </a:p>
-          <a:p>
-            <a:pPr lvl="1"/>
+              <a:t>Another strong cycle …</a:t>
+            </a:r>
             <a:endParaRPr lang="en-US" sz="1600" dirty="0" smtClean="0">
               <a:latin typeface="Monaco"/>
               <a:cs typeface="Monaco"/>
@@ -5751,7 +6085,7 @@
           <p:nvPr/>
         </p:nvPicPr>
         <p:blipFill>
-          <a:blip r:embed="rId3">
+          <a:blip r:embed="rId4">
             <a:extLst>
               <a:ext uri="{28A0092B-C50C-407E-A947-70E740481C1C}">
                 <a14:useLocalDpi xmlns:a14="http://schemas.microsoft.com/office/drawing/2010/main" val="0"/>
@@ -5783,8 +6117,8 @@
         </p:nvSpPr>
         <p:spPr>
           <a:xfrm>
-            <a:off x="3786909" y="6172803"/>
-            <a:ext cx="750454" cy="246221"/>
+            <a:off x="3786908" y="6172803"/>
+            <a:ext cx="1454727" cy="246221"/>
           </a:xfrm>
           <a:prstGeom prst="rect">
             <a:avLst/>
@@ -5799,9 +6133,8 @@
           <a:p>
             <a:r>
               <a:rPr lang="en-US" sz="1000" dirty="0" smtClean="0"/>
-              <a:t>Figure 1</a:t>
-            </a:r>
-            <a:endParaRPr lang="en-US" sz="1000" dirty="0"/>
+              <a:t>Dependency Matrix</a:t>
+            </a:r>
           </a:p>
         </p:txBody>
       </p:sp>
@@ -5813,10 +6146,10 @@
         </p:nvGrpSpPr>
         <p:grpSpPr>
           <a:xfrm>
-            <a:off x="5137728" y="4027471"/>
-            <a:ext cx="3036453" cy="602256"/>
+            <a:off x="5137728" y="4027469"/>
+            <a:ext cx="3549072" cy="658784"/>
             <a:chOff x="5137728" y="4027471"/>
-            <a:chExt cx="3036453" cy="602256"/>
+            <a:chExt cx="3209348" cy="561847"/>
           </a:xfrm>
         </p:grpSpPr>
         <p:grpSp>
@@ -5828,9 +6161,9 @@
           <p:grpSpPr>
             <a:xfrm>
               <a:off x="5137728" y="4027471"/>
-              <a:ext cx="3036453" cy="602256"/>
+              <a:ext cx="3036453" cy="561847"/>
               <a:chOff x="5137728" y="4027471"/>
-              <a:chExt cx="3036453" cy="602256"/>
+              <a:chExt cx="3036453" cy="561847"/>
             </a:xfrm>
           </p:grpSpPr>
           <p:cxnSp>
@@ -5841,7 +6174,7 @@
             </p:nvCxnSpPr>
             <p:spPr>
               <a:xfrm flipH="1">
-                <a:off x="5137728" y="4225636"/>
+                <a:off x="5137728" y="4185227"/>
                 <a:ext cx="1674090" cy="404091"/>
               </a:xfrm>
               <a:prstGeom prst="straightConnector1">
@@ -5944,8 +6277,8 @@
           </p:nvSpPr>
           <p:spPr>
             <a:xfrm>
-              <a:off x="6811818" y="4096744"/>
-              <a:ext cx="1362103" cy="230832"/>
+              <a:off x="6638668" y="4096744"/>
+              <a:ext cx="1708408" cy="230832"/>
             </a:xfrm>
             <a:prstGeom prst="rect">
               <a:avLst/>
@@ -5983,7 +6316,7 @@
                 <a:t>analytical -&gt; </a:t>
               </a:r>
               <a:r>
-                <a:rPr lang="en-US" altLang="zh-CN" sz="900" dirty="0" err="1">
+                <a:rPr lang="en-US" altLang="zh-CN" sz="900" dirty="0" err="1" smtClean="0">
                   <a:ln w="18415" cmpd="sng">
                     <a:solidFill>
                       <a:srgbClr val="FFFFFF"/>
@@ -6006,7 +6339,7 @@
                 <a:t>gui</a:t>
               </a:r>
               <a:r>
-                <a:rPr lang="en-US" altLang="zh-CN" sz="900" dirty="0">
+                <a:rPr lang="en-US" altLang="zh-CN" sz="900" dirty="0" smtClean="0">
                   <a:ln w="18415" cmpd="sng">
                     <a:solidFill>
                       <a:srgbClr val="FFFFFF"/>
@@ -6026,7 +6359,7 @@
                   <a:latin typeface="Courier New"/>
                   <a:cs typeface="Courier New"/>
                 </a:rPr>
-                <a:t> </a:t>
+                <a:t>(262) </a:t>
               </a:r>
               <a:endParaRPr lang="zh-CN" altLang="en-US" sz="900" dirty="0">
                 <a:ln w="18415" cmpd="sng">
@@ -6059,9 +6392,9 @@
         <p:grpSpPr>
           <a:xfrm>
             <a:off x="4872182" y="4906819"/>
-            <a:ext cx="3301999" cy="965090"/>
+            <a:ext cx="3814618" cy="965090"/>
             <a:chOff x="4872182" y="4906819"/>
-            <a:chExt cx="3301999" cy="965090"/>
+            <a:chExt cx="3474894" cy="965090"/>
           </a:xfrm>
         </p:grpSpPr>
         <p:cxnSp>
@@ -6146,8 +6479,8 @@
           </p:nvSpPr>
           <p:spPr>
             <a:xfrm>
-              <a:off x="6811818" y="5576493"/>
-              <a:ext cx="1362103" cy="230832"/>
+              <a:off x="6638668" y="5576493"/>
+              <a:ext cx="1708408" cy="230832"/>
             </a:xfrm>
             <a:prstGeom prst="rect">
               <a:avLst/>
@@ -6274,7 +6607,7 @@
                   <a:latin typeface="Courier New"/>
                   <a:cs typeface="Courier New"/>
                 </a:rPr>
-                <a:t>analytical </a:t>
+                <a:t>analytical(282) </a:t>
               </a:r>
               <a:endParaRPr lang="zh-CN" altLang="en-US" sz="900" dirty="0">
                 <a:ln w="18415" cmpd="sng">
@@ -6533,160 +6866,6 @@
             </p:seq>
           </p:childTnLst>
         </p:cTn>
-      </p:par>
-    </p:tnLst>
-  </p:timing>
-</p:sld>
-</file>
-
-<file path=ppt/slides/slide5.xml><?xml version="1.0" encoding="utf-8"?>
-<p:sld xmlns:a="http://schemas.openxmlformats.org/drawingml/2006/main" xmlns:r="http://schemas.openxmlformats.org/officeDocument/2006/relationships" xmlns:p="http://schemas.openxmlformats.org/presentationml/2006/main">
-  <p:cSld>
-    <p:spTree>
-      <p:nvGrpSpPr>
-        <p:cNvPr id="1" name=""/>
-        <p:cNvGrpSpPr/>
-        <p:nvPr/>
-      </p:nvGrpSpPr>
-      <p:grpSpPr>
-        <a:xfrm>
-          <a:off x="0" y="0"/>
-          <a:ext cx="0" cy="0"/>
-          <a:chOff x="0" y="0"/>
-          <a:chExt cx="0" cy="0"/>
-        </a:xfrm>
-      </p:grpSpPr>
-      <p:sp>
-        <p:nvSpPr>
-          <p:cNvPr id="2" name="Title 1"/>
-          <p:cNvSpPr>
-            <a:spLocks noGrp="1"/>
-          </p:cNvSpPr>
-          <p:nvPr>
-            <p:ph type="title"/>
-          </p:nvPr>
-        </p:nvSpPr>
-        <p:spPr/>
-        <p:txBody>
-          <a:bodyPr/>
-          <a:lstStyle/>
-          <a:p>
-            <a:pPr algn="l"/>
-            <a:r>
-              <a:rPr lang="en-US" sz="3200" dirty="0" smtClean="0">
-                <a:latin typeface="Bank gothic"/>
-                <a:cs typeface="Bank gothic"/>
-              </a:rPr>
-              <a:t>Critical Components</a:t>
-            </a:r>
-            <a:endParaRPr lang="en-US" sz="3200" dirty="0">
-              <a:latin typeface="Bank gothic"/>
-              <a:cs typeface="Bank gothic"/>
-            </a:endParaRPr>
-          </a:p>
-        </p:txBody>
-      </p:sp>
-      <p:sp>
-        <p:nvSpPr>
-          <p:cNvPr id="4" name="Slide Number Placeholder 3"/>
-          <p:cNvSpPr>
-            <a:spLocks noGrp="1"/>
-          </p:cNvSpPr>
-          <p:nvPr>
-            <p:ph type="sldNum" sz="quarter" idx="12"/>
-          </p:nvPr>
-        </p:nvSpPr>
-        <p:spPr/>
-        <p:txBody>
-          <a:bodyPr/>
-          <a:lstStyle/>
-          <a:p>
-            <a:r>
-              <a:rPr lang="es-ES" dirty="0">
-                <a:solidFill>
-                  <a:srgbClr val="000000"/>
-                </a:solidFill>
-              </a:rPr>
-              <a:t>3</a:t>
-            </a:r>
-            <a:endParaRPr lang="es-ES" dirty="0">
-              <a:solidFill>
-                <a:srgbClr val="000000"/>
-              </a:solidFill>
-            </a:endParaRPr>
-          </a:p>
-        </p:txBody>
-      </p:sp>
-      <p:pic>
-        <p:nvPicPr>
-          <p:cNvPr id="6" name="Content Placeholder 5" descr="DependencyGraph3.0.jpg"/>
-          <p:cNvPicPr>
-            <a:picLocks noGrp="1" noChangeAspect="1"/>
-          </p:cNvPicPr>
-          <p:nvPr>
-            <p:ph idx="1"/>
-          </p:nvPr>
-        </p:nvPicPr>
-        <p:blipFill>
-          <a:blip r:embed="rId2">
-            <a:extLst>
-              <a:ext uri="{28A0092B-C50C-407E-A947-70E740481C1C}">
-                <a14:useLocalDpi xmlns:a14="http://schemas.microsoft.com/office/drawing/2010/main" val="0"/>
-              </a:ext>
-            </a:extLst>
-          </a:blip>
-          <a:srcRect l="-8635" r="-8635"/>
-          <a:stretch>
-            <a:fillRect/>
-          </a:stretch>
-        </p:blipFill>
-        <p:spPr>
-          <a:xfrm>
-            <a:off x="209029" y="1417638"/>
-            <a:ext cx="8934971" cy="4913890"/>
-          </a:xfrm>
-        </p:spPr>
-      </p:pic>
-      <p:sp>
-        <p:nvSpPr>
-          <p:cNvPr id="7" name="TextBox 6"/>
-          <p:cNvSpPr txBox="1"/>
-          <p:nvPr/>
-        </p:nvSpPr>
-        <p:spPr>
-          <a:xfrm>
-            <a:off x="-311727" y="2736273"/>
-            <a:ext cx="184666" cy="369332"/>
-          </a:xfrm>
-          <a:prstGeom prst="rect">
-            <a:avLst/>
-          </a:prstGeom>
-          <a:noFill/>
-        </p:spPr>
-        <p:txBody>
-          <a:bodyPr wrap="none" rtlCol="0">
-            <a:spAutoFit/>
-          </a:bodyPr>
-          <a:lstStyle/>
-          <a:p>
-            <a:endParaRPr lang="en-US" dirty="0"/>
-          </a:p>
-        </p:txBody>
-      </p:sp>
-    </p:spTree>
-    <p:extLst>
-      <p:ext uri="{BB962C8B-B14F-4D97-AF65-F5344CB8AC3E}">
-        <p14:creationId xmlns:p14="http://schemas.microsoft.com/office/powerpoint/2010/main" val="2177963484"/>
-      </p:ext>
-    </p:extLst>
-  </p:cSld>
-  <p:clrMapOvr>
-    <a:masterClrMapping/>
-  </p:clrMapOvr>
-  <p:timing>
-    <p:tnLst>
-      <p:par>
-        <p:cTn xmlns:p14="http://schemas.microsoft.com/office/powerpoint/2010/main" id="1" dur="indefinite" restart="never" nodeType="tmRoot"/>
       </p:par>
     </p:tnLst>
   </p:timing>

--- a/jmva_presentation.pptx
+++ b/jmva_presentation.pptx
@@ -203,7 +203,7 @@
           <a:p>
             <a:fld id="{30861119-6150-8F4A-9CB0-3B4B7211A86B}" type="datetimeFigureOut">
               <a:rPr kumimoji="1" lang="zh-CN" altLang="en-US" smtClean="0"/>
-              <a:t>29/10/2012</a:t>
+              <a:t>10/29/12</a:t>
             </a:fld>
             <a:endParaRPr kumimoji="1" lang="zh-CN" altLang="en-US"/>
           </a:p>
@@ -369,7 +369,7 @@
           <a:p>
             <a:fld id="{6BF45CB4-CB45-1A43-B0B0-E388519BCB62}" type="datetimeFigureOut">
               <a:rPr kumimoji="1" lang="zh-CN" altLang="en-US" smtClean="0"/>
-              <a:t>29/10/2012</a:t>
+              <a:t>10/29/12</a:t>
             </a:fld>
             <a:endParaRPr kumimoji="1" lang="zh-CN" altLang="en-US"/>
           </a:p>
@@ -4617,8 +4617,33 @@
                 <a:latin typeface="Monaco"/>
                 <a:cs typeface="Monaco"/>
               </a:rPr>
-              <a:t>Downloading code from SVN and importing into IntelliJ IDEA</a:t>
-            </a:r>
+              <a:t>We downloaded the project </a:t>
+            </a:r>
+            <a:r>
+              <a:rPr lang="en-US" sz="1600" dirty="0" smtClean="0">
+                <a:latin typeface="Monaco"/>
+                <a:cs typeface="Monaco"/>
+              </a:rPr>
+              <a:t>from SVN and </a:t>
+            </a:r>
+            <a:r>
+              <a:rPr lang="en-US" sz="1600" dirty="0" smtClean="0">
+                <a:latin typeface="Monaco"/>
+                <a:cs typeface="Monaco"/>
+              </a:rPr>
+              <a:t>imported it into </a:t>
+            </a:r>
+            <a:r>
+              <a:rPr lang="en-US" sz="1600" dirty="0" err="1" smtClean="0">
+                <a:latin typeface="Monaco"/>
+                <a:cs typeface="Monaco"/>
+              </a:rPr>
+              <a:t>IntelliJ</a:t>
+            </a:r>
+            <a:endParaRPr lang="en-US" sz="1600" dirty="0" smtClean="0">
+              <a:latin typeface="Monaco"/>
+              <a:cs typeface="Monaco"/>
+            </a:endParaRPr>
           </a:p>
           <a:p>
             <a:pPr lvl="1"/>
@@ -4627,7 +4652,21 @@
                 <a:latin typeface="Monaco"/>
                 <a:cs typeface="Monaco"/>
               </a:rPr>
-              <a:t>Fixed encoding issue (UTF-8 </a:t>
+              <a:t>We fixe a text encoding </a:t>
+            </a:r>
+            <a:r>
+              <a:rPr lang="en-US" sz="1600" dirty="0" smtClean="0">
+                <a:latin typeface="Monaco"/>
+                <a:cs typeface="Monaco"/>
+              </a:rPr>
+              <a:t>(</a:t>
+            </a:r>
+            <a:r>
+              <a:rPr lang="en-US" sz="1600" dirty="0" smtClean="0">
+                <a:latin typeface="Monaco"/>
+                <a:cs typeface="Monaco"/>
+              </a:rPr>
+              <a:t>UTF-8 </a:t>
             </a:r>
             <a:r>
               <a:rPr lang="en-US" sz="1600" dirty="0" err="1" smtClean="0">
@@ -4641,8 +4680,19 @@
                 <a:latin typeface="Monaco"/>
                 <a:cs typeface="Monaco"/>
               </a:rPr>
-              <a:t> ISO-8859-1)</a:t>
-            </a:r>
+              <a:t> ISO-8859-1</a:t>
+            </a:r>
+            <a:r>
+              <a:rPr lang="en-US" sz="1600" dirty="0" smtClean="0">
+                <a:latin typeface="Monaco"/>
+                <a:cs typeface="Monaco"/>
+              </a:rPr>
+              <a:t>) in the files.</a:t>
+            </a:r>
+            <a:endParaRPr lang="en-US" sz="1600" dirty="0" smtClean="0">
+              <a:latin typeface="Monaco"/>
+              <a:cs typeface="Monaco"/>
+            </a:endParaRPr>
           </a:p>
           <a:p>
             <a:pPr lvl="1"/>
@@ -4651,7 +4701,7 @@
                 <a:latin typeface="Monaco"/>
                 <a:cs typeface="Monaco"/>
               </a:rPr>
-              <a:t>Found </a:t>
+              <a:t>Next, we  located the </a:t>
             </a:r>
             <a:r>
               <a:rPr lang="en-US" sz="1600" dirty="0" smtClean="0">
@@ -4664,7 +4714,7 @@
               <a:t>main</a:t>
             </a:r>
             <a:r>
-              <a:rPr lang="en-US" sz="1600" dirty="0">
+              <a:rPr lang="en-US" sz="1600" dirty="0" smtClean="0">
                 <a:latin typeface="Monaco"/>
                 <a:cs typeface="Monaco"/>
               </a:rPr>
@@ -4689,8 +4739,33 @@
                 <a:latin typeface="Monaco"/>
                 <a:cs typeface="Monaco"/>
               </a:rPr>
-              <a:t> (3 exist in the code) and ran it to determine relationship between JMT and JMVA</a:t>
-            </a:r>
+              <a:t> </a:t>
+            </a:r>
+            <a:r>
+              <a:rPr lang="en-US" sz="1600" dirty="0" smtClean="0">
+                <a:latin typeface="Monaco"/>
+                <a:cs typeface="Monaco"/>
+              </a:rPr>
+              <a:t>and </a:t>
+            </a:r>
+            <a:r>
+              <a:rPr lang="en-US" sz="1600" dirty="0" smtClean="0">
+                <a:latin typeface="Monaco"/>
+                <a:cs typeface="Monaco"/>
+              </a:rPr>
+              <a:t>ran it to determine relationship between JMT and </a:t>
+            </a:r>
+            <a:r>
+              <a:rPr lang="en-US" sz="1600" dirty="0" smtClean="0">
+                <a:latin typeface="Monaco"/>
+                <a:cs typeface="Monaco"/>
+              </a:rPr>
+              <a:t>JMVA.</a:t>
+            </a:r>
+            <a:endParaRPr lang="en-US" sz="1600" dirty="0" smtClean="0">
+              <a:latin typeface="Monaco"/>
+              <a:cs typeface="Monaco"/>
+            </a:endParaRPr>
           </a:p>
           <a:p>
             <a:pPr lvl="1"/>
@@ -4699,7 +4774,7 @@
                 <a:latin typeface="Monaco"/>
                 <a:cs typeface="Monaco"/>
               </a:rPr>
-              <a:t>Found entry point into JMVA component (</a:t>
+              <a:t>This helped us find the entry point into the JMVA application: the </a:t>
             </a:r>
             <a:r>
               <a:rPr lang="en-US" sz="1600" dirty="0" err="1" smtClean="0">
@@ -4713,8 +4788,12 @@
                 <a:latin typeface="Monaco"/>
                 <a:cs typeface="Monaco"/>
               </a:rPr>
-              <a:t> class)</a:t>
-            </a:r>
+              <a:t> class</a:t>
+            </a:r>
+            <a:endParaRPr lang="en-US" sz="1600" dirty="0" smtClean="0">
+              <a:latin typeface="Monaco"/>
+              <a:cs typeface="Monaco"/>
+            </a:endParaRPr>
           </a:p>
           <a:p>
             <a:pPr lvl="1"/>
@@ -4723,7 +4802,21 @@
                 <a:latin typeface="Monaco"/>
                 <a:cs typeface="Monaco"/>
               </a:rPr>
-              <a:t>Traced execution of button clicks (</a:t>
+              <a:t>We observed how the application behaved by tracing the</a:t>
+            </a:r>
+            <a:r>
+              <a:rPr lang="en-US" sz="1600" dirty="0" smtClean="0">
+                <a:latin typeface="Monaco"/>
+                <a:cs typeface="Monaco"/>
+              </a:rPr>
+              <a:t> </a:t>
+            </a:r>
+            <a:r>
+              <a:rPr lang="en-US" sz="1600" dirty="0" smtClean="0">
+                <a:latin typeface="Monaco"/>
+                <a:cs typeface="Monaco"/>
+              </a:rPr>
+              <a:t>execution of button clicks (</a:t>
             </a:r>
             <a:r>
               <a:rPr lang="en-US" sz="1600" dirty="0" err="1" smtClean="0">
@@ -4748,10 +4841,17 @@
             </a:r>
             <a:r>
               <a:rPr lang="en-US" sz="1600" dirty="0" smtClean="0">
-                <a:latin typeface="Monaco"/>
-                <a:cs typeface="Monaco"/>
-              </a:rPr>
-              <a:t>)</a:t>
+                <a:latin typeface="Courier New"/>
+                <a:cs typeface="Courier New"/>
+              </a:rPr>
+              <a:t> </a:t>
+            </a:r>
+            <a:r>
+              <a:rPr lang="en-US" sz="1600" dirty="0" smtClean="0">
+                <a:latin typeface="Monaco"/>
+                <a:cs typeface="Monaco"/>
+              </a:rPr>
+              <a:t>actions)</a:t>
             </a:r>
             <a:endParaRPr lang="en-US" sz="1600" dirty="0">
               <a:latin typeface="Monaco"/>
@@ -4764,19 +4864,8 @@
                 <a:latin typeface="Monaco"/>
                 <a:cs typeface="Monaco"/>
               </a:rPr>
-              <a:t>Functionality of </a:t>
-            </a:r>
-            <a:r>
-              <a:rPr lang="en-US" sz="2000" dirty="0" smtClean="0">
-                <a:latin typeface="Monaco"/>
-                <a:cs typeface="Monaco"/>
-              </a:rPr>
-              <a:t>JMVA</a:t>
-            </a:r>
-            <a:endParaRPr lang="en-US" sz="2000" dirty="0" smtClean="0">
-              <a:latin typeface="Monaco"/>
-              <a:cs typeface="Monaco"/>
-            </a:endParaRPr>
+              <a:t>Functionality of JMVA</a:t>
+            </a:r>
           </a:p>
           <a:p>
             <a:pPr lvl="1"/>
@@ -4785,21 +4874,7 @@
                 <a:latin typeface="Monaco"/>
                 <a:cs typeface="Monaco"/>
               </a:rPr>
-              <a:t>JMVA </a:t>
-            </a:r>
-            <a:r>
-              <a:rPr lang="en-US" sz="1600" dirty="0" smtClean="0">
-                <a:latin typeface="Monaco"/>
-                <a:cs typeface="Monaco"/>
-              </a:rPr>
-              <a:t>produces solution </a:t>
-            </a:r>
-            <a:r>
-              <a:rPr lang="en-US" sz="1600" dirty="0" smtClean="0">
-                <a:latin typeface="Monaco"/>
-                <a:cs typeface="Monaco"/>
-              </a:rPr>
-              <a:t>to Mean-Value-Analysis problem from queuing theory</a:t>
+              <a:t>JMVA produces solution to Mean-Value-Analysis problem from queuing theory</a:t>
             </a:r>
           </a:p>
           <a:p>
@@ -4809,7 +4884,21 @@
                 <a:latin typeface="Monaco"/>
                 <a:cs typeface="Monaco"/>
               </a:rPr>
-              <a:t>The network model is defined by </a:t>
+              <a:t>The network model is </a:t>
+            </a:r>
+            <a:r>
+              <a:rPr lang="en-US" sz="1600" dirty="0" smtClean="0">
+                <a:latin typeface="Monaco"/>
+                <a:cs typeface="Monaco"/>
+              </a:rPr>
+              <a:t>defined </a:t>
+            </a:r>
+            <a:r>
+              <a:rPr lang="en-US" sz="1600" dirty="0" smtClean="0">
+                <a:latin typeface="Monaco"/>
+                <a:cs typeface="Monaco"/>
+              </a:rPr>
+              <a:t>by </a:t>
             </a:r>
             <a:r>
               <a:rPr lang="en-US" sz="1600" dirty="0" smtClean="0">
@@ -5081,11 +5170,6 @@
               </a:rPr>
               <a:t>Defining a model of queuing network</a:t>
             </a:r>
-            <a:endParaRPr lang="en-US" sz="2000" dirty="0">
-              <a:latin typeface="Monaco"/>
-              <a:ea typeface="+mn-ea"/>
-              <a:cs typeface="Monaco"/>
-            </a:endParaRPr>
           </a:p>
           <a:p>
             <a:pPr lvl="1"/>
@@ -5260,15 +5344,7 @@
                 <a:ea typeface="+mn-ea"/>
                 <a:cs typeface="Monaco"/>
               </a:rPr>
-              <a:t>Model </a:t>
-            </a:r>
-            <a:r>
-              <a:rPr lang="en-US" sz="2000" dirty="0">
-                <a:latin typeface="Monaco"/>
-                <a:ea typeface="+mn-ea"/>
-                <a:cs typeface="Monaco"/>
-              </a:rPr>
-              <a:t>Solution</a:t>
+              <a:t>Model Solution</a:t>
             </a:r>
           </a:p>
           <a:p>
@@ -5354,11 +5430,6 @@
               </a:rPr>
               <a:t> file</a:t>
             </a:r>
-            <a:endParaRPr lang="en-US" sz="2000" dirty="0">
-              <a:latin typeface="Monaco"/>
-              <a:ea typeface="+mn-ea"/>
-              <a:cs typeface="Monaco"/>
-            </a:endParaRPr>
           </a:p>
           <a:p>
             <a:pPr marL="800100" lvl="1" indent="-342900">
@@ -5449,6 +5520,13 @@
   <p:clrMapOvr>
     <a:masterClrMapping/>
   </p:clrMapOvr>
+  <p:timing>
+    <p:tnLst>
+      <p:par>
+        <p:cTn xmlns:p14="http://schemas.microsoft.com/office/powerpoint/2010/main" id="1" dur="indefinite" restart="never" nodeType="tmRoot"/>
+      </p:par>
+    </p:tnLst>
+  </p:timing>
 </p:sld>
 </file>
 
@@ -6609,11 +6687,6 @@
               </a:rPr>
               <a:t>3</a:t>
             </a:r>
-            <a:endParaRPr lang="es-ES" dirty="0">
-              <a:solidFill>
-                <a:srgbClr val="000000"/>
-              </a:solidFill>
-            </a:endParaRPr>
           </a:p>
         </p:txBody>
       </p:sp>
@@ -7910,6 +7983,10 @@
               <a:rPr lang="en-US" sz="1600" dirty="0" smtClean="0"/>
               <a:t>)</a:t>
             </a:r>
+          </a:p>
+          <a:p>
+            <a:pPr lvl="1"/>
+            <a:endParaRPr lang="en-US" sz="1600" dirty="0" smtClean="0"/>
           </a:p>
           <a:p>
             <a:pPr marL="457200" lvl="1" indent="0">

--- a/jmva_presentation.pptx
+++ b/jmva_presentation.pptx
@@ -203,7 +203,7 @@
           <a:p>
             <a:fld id="{30861119-6150-8F4A-9CB0-3B4B7211A86B}" type="datetimeFigureOut">
               <a:rPr kumimoji="1" lang="zh-CN" altLang="en-US" smtClean="0"/>
-              <a:t>10/29/12</a:t>
+              <a:t>10/30/12</a:t>
             </a:fld>
             <a:endParaRPr kumimoji="1" lang="zh-CN" altLang="en-US"/>
           </a:p>
@@ -369,7 +369,7 @@
           <a:p>
             <a:fld id="{6BF45CB4-CB45-1A43-B0B0-E388519BCB62}" type="datetimeFigureOut">
               <a:rPr kumimoji="1" lang="zh-CN" altLang="en-US" smtClean="0"/>
-              <a:t>10/29/12</a:t>
+              <a:t>10/30/12</a:t>
             </a:fld>
             <a:endParaRPr kumimoji="1" lang="zh-CN" altLang="en-US"/>
           </a:p>
@@ -4282,12 +4282,20 @@
               <a:t>: </a:t>
             </a:r>
             <a:r>
+              <a:rPr lang="es-ES" sz="3200" b="1" dirty="0" err="1">
+                <a:solidFill>
+                  <a:schemeClr val="bg1"/>
+                </a:solidFill>
+              </a:rPr>
+              <a:t>A</a:t>
+            </a:r>
+            <a:r>
               <a:rPr lang="es-ES" sz="3200" b="1" dirty="0" err="1" smtClean="0">
                 <a:solidFill>
                   <a:schemeClr val="bg1"/>
                 </a:solidFill>
               </a:rPr>
-              <a:t>analysis</a:t>
+              <a:t>nalysis</a:t>
             </a:r>
             <a:r>
               <a:rPr lang="es-ES" sz="3200" b="1" dirty="0" smtClean="0">
@@ -4303,7 +4311,7 @@
                   <a:schemeClr val="bg1"/>
                 </a:solidFill>
               </a:rPr>
-              <a:t>codebase</a:t>
+              <a:t>Codebase</a:t>
             </a:r>
             <a:endParaRPr lang="es-ES" sz="3200" b="1" dirty="0">
               <a:solidFill>
@@ -4459,38 +4467,6 @@
           </a:prstGeom>
         </p:spPr>
       </p:pic>
-      <p:sp>
-        <p:nvSpPr>
-          <p:cNvPr id="3" name="幻灯片编号占位符 2"/>
-          <p:cNvSpPr>
-            <a:spLocks noGrp="1"/>
-          </p:cNvSpPr>
-          <p:nvPr>
-            <p:ph type="sldNum" sz="quarter" idx="12"/>
-          </p:nvPr>
-        </p:nvSpPr>
-        <p:spPr/>
-        <p:txBody>
-          <a:bodyPr/>
-          <a:lstStyle/>
-          <a:p>
-            <a:fld id="{074AFDA7-40B9-234B-B907-52119A8748C9}" type="slidenum">
-              <a:rPr lang="es-ES" smtClean="0">
-                <a:solidFill>
-                  <a:srgbClr val="000000"/>
-                </a:solidFill>
-              </a:rPr>
-              <a:pPr/>
-              <a:t>1</a:t>
-            </a:fld>
-            <a:endParaRPr lang="es-ES">
-              <a:solidFill>
-                <a:srgbClr val="000000"/>
-              </a:solidFill>
-            </a:endParaRPr>
-          </a:p>
-        </p:txBody>
-      </p:sp>
     </p:spTree>
     <p:extLst>
       <p:ext uri="{BB962C8B-B14F-4D97-AF65-F5344CB8AC3E}">
@@ -4617,21 +4593,7 @@
                 <a:latin typeface="Monaco"/>
                 <a:cs typeface="Monaco"/>
               </a:rPr>
-              <a:t>We downloaded the project </a:t>
-            </a:r>
-            <a:r>
-              <a:rPr lang="en-US" sz="1600" dirty="0" smtClean="0">
-                <a:latin typeface="Monaco"/>
-                <a:cs typeface="Monaco"/>
-              </a:rPr>
-              <a:t>from SVN and </a:t>
-            </a:r>
-            <a:r>
-              <a:rPr lang="en-US" sz="1600" dirty="0" smtClean="0">
-                <a:latin typeface="Monaco"/>
-                <a:cs typeface="Monaco"/>
-              </a:rPr>
-              <a:t>imported it into </a:t>
+              <a:t>We downloaded the project from SVN and imported it into </a:t>
             </a:r>
             <a:r>
               <a:rPr lang="en-US" sz="1600" dirty="0" err="1" smtClean="0">
@@ -4652,21 +4614,7 @@
                 <a:latin typeface="Monaco"/>
                 <a:cs typeface="Monaco"/>
               </a:rPr>
-              <a:t>We fixe a text encoding </a:t>
-            </a:r>
-            <a:r>
-              <a:rPr lang="en-US" sz="1600" dirty="0" smtClean="0">
-                <a:latin typeface="Monaco"/>
-                <a:cs typeface="Monaco"/>
-              </a:rPr>
-              <a:t>(</a:t>
-            </a:r>
-            <a:r>
-              <a:rPr lang="en-US" sz="1600" dirty="0" smtClean="0">
-                <a:latin typeface="Monaco"/>
-                <a:cs typeface="Monaco"/>
-              </a:rPr>
-              <a:t>UTF-8 </a:t>
+              <a:t>We fixe a text encoding (UTF-8 </a:t>
             </a:r>
             <a:r>
               <a:rPr lang="en-US" sz="1600" dirty="0" err="1" smtClean="0">
@@ -4680,19 +4628,8 @@
                 <a:latin typeface="Monaco"/>
                 <a:cs typeface="Monaco"/>
               </a:rPr>
-              <a:t> ISO-8859-1</a:t>
-            </a:r>
-            <a:r>
-              <a:rPr lang="en-US" sz="1600" dirty="0" smtClean="0">
-                <a:latin typeface="Monaco"/>
-                <a:cs typeface="Monaco"/>
-              </a:rPr>
-              <a:t>) in the files.</a:t>
-            </a:r>
-            <a:endParaRPr lang="en-US" sz="1600" dirty="0" smtClean="0">
-              <a:latin typeface="Monaco"/>
-              <a:cs typeface="Monaco"/>
-            </a:endParaRPr>
+              <a:t> ISO-8859-1) in the files.</a:t>
+            </a:r>
           </a:p>
           <a:p>
             <a:pPr lvl="1"/>
@@ -4718,14 +4655,7 @@
                 <a:latin typeface="Monaco"/>
                 <a:cs typeface="Monaco"/>
               </a:rPr>
-              <a:t> </a:t>
-            </a:r>
-            <a:r>
-              <a:rPr lang="en-US" sz="1600" dirty="0" smtClean="0">
-                <a:latin typeface="Monaco"/>
-                <a:cs typeface="Monaco"/>
-              </a:rPr>
-              <a:t>method in </a:t>
+              <a:t> method in </a:t>
             </a:r>
             <a:r>
               <a:rPr lang="en-US" sz="1600" dirty="0" err="1" smtClean="0">
@@ -4739,33 +4669,8 @@
                 <a:latin typeface="Monaco"/>
                 <a:cs typeface="Monaco"/>
               </a:rPr>
-              <a:t> </a:t>
-            </a:r>
-            <a:r>
-              <a:rPr lang="en-US" sz="1600" dirty="0" smtClean="0">
-                <a:latin typeface="Monaco"/>
-                <a:cs typeface="Monaco"/>
-              </a:rPr>
-              <a:t>and </a:t>
-            </a:r>
-            <a:r>
-              <a:rPr lang="en-US" sz="1600" dirty="0" smtClean="0">
-                <a:latin typeface="Monaco"/>
-                <a:cs typeface="Monaco"/>
-              </a:rPr>
-              <a:t>ran it to determine relationship between JMT and </a:t>
-            </a:r>
-            <a:r>
-              <a:rPr lang="en-US" sz="1600" dirty="0" smtClean="0">
-                <a:latin typeface="Monaco"/>
-                <a:cs typeface="Monaco"/>
-              </a:rPr>
-              <a:t>JMVA.</a:t>
-            </a:r>
-            <a:endParaRPr lang="en-US" sz="1600" dirty="0" smtClean="0">
-              <a:latin typeface="Monaco"/>
-              <a:cs typeface="Monaco"/>
-            </a:endParaRPr>
+              <a:t> and ran it to determine relationship between JMT and JMVA.</a:t>
+            </a:r>
           </a:p>
           <a:p>
             <a:pPr lvl="1"/>
@@ -4790,10 +4695,6 @@
               </a:rPr>
               <a:t> class</a:t>
             </a:r>
-            <a:endParaRPr lang="en-US" sz="1600" dirty="0" smtClean="0">
-              <a:latin typeface="Monaco"/>
-              <a:cs typeface="Monaco"/>
-            </a:endParaRPr>
           </a:p>
           <a:p>
             <a:pPr lvl="1"/>
@@ -4802,21 +4703,7 @@
                 <a:latin typeface="Monaco"/>
                 <a:cs typeface="Monaco"/>
               </a:rPr>
-              <a:t>We observed how the application behaved by tracing the</a:t>
-            </a:r>
-            <a:r>
-              <a:rPr lang="en-US" sz="1600" dirty="0" smtClean="0">
-                <a:latin typeface="Monaco"/>
-                <a:cs typeface="Monaco"/>
-              </a:rPr>
-              <a:t> </a:t>
-            </a:r>
-            <a:r>
-              <a:rPr lang="en-US" sz="1600" dirty="0" smtClean="0">
-                <a:latin typeface="Monaco"/>
-                <a:cs typeface="Monaco"/>
-              </a:rPr>
-              <a:t>execution of button clicks (</a:t>
+              <a:t>We observed how the application behaves by tracing the execution of button clicks (</a:t>
             </a:r>
             <a:r>
               <a:rPr lang="en-US" sz="1600" dirty="0" err="1" smtClean="0">
@@ -4884,21 +4771,7 @@
                 <a:latin typeface="Monaco"/>
                 <a:cs typeface="Monaco"/>
               </a:rPr>
-              <a:t>The network model is </a:t>
-            </a:r>
-            <a:r>
-              <a:rPr lang="en-US" sz="1600" dirty="0" smtClean="0">
-                <a:latin typeface="Monaco"/>
-                <a:cs typeface="Monaco"/>
-              </a:rPr>
-              <a:t>defined </a:t>
-            </a:r>
-            <a:r>
-              <a:rPr lang="en-US" sz="1600" dirty="0" smtClean="0">
-                <a:latin typeface="Monaco"/>
-                <a:cs typeface="Monaco"/>
-              </a:rPr>
-              <a:t>by </a:t>
+              <a:t>The network model is defined by </a:t>
             </a:r>
             <a:r>
               <a:rPr lang="en-US" sz="1600" dirty="0" smtClean="0">
@@ -4969,17 +4842,17 @@
                 <a:latin typeface="Monaco"/>
                 <a:cs typeface="Monaco"/>
               </a:rPr>
-              <a:t>The analysis of network performance will be represented in terms of </a:t>
-            </a:r>
-            <a:r>
-              <a:rPr lang="en-US" sz="1600" dirty="0" smtClean="0">
-                <a:solidFill>
-                  <a:srgbClr val="008000"/>
-                </a:solidFill>
-                <a:latin typeface="Monaco"/>
-                <a:cs typeface="Monaco"/>
-              </a:rPr>
-              <a:t>throughput</a:t>
+              <a:t>The analysis of network performance will be represented in terms of throughput, </a:t>
+            </a:r>
+            <a:r>
+              <a:rPr lang="en-US" sz="1600" dirty="0" smtClean="0">
+                <a:solidFill>
+                  <a:srgbClr val="000000"/>
+                </a:solidFill>
+                <a:latin typeface="Monaco"/>
+                <a:cs typeface="Monaco"/>
+              </a:rPr>
+              <a:t>utilization</a:t>
             </a:r>
             <a:r>
               <a:rPr lang="en-US" sz="1600" dirty="0" smtClean="0">
@@ -4991,24 +4864,7 @@
             <a:r>
               <a:rPr lang="en-US" sz="1600" dirty="0" smtClean="0">
                 <a:solidFill>
-                  <a:srgbClr val="008000"/>
-                </a:solidFill>
-                <a:latin typeface="Monaco"/>
-                <a:cs typeface="Monaco"/>
-              </a:rPr>
-              <a:t>utilization</a:t>
-            </a:r>
-            <a:r>
-              <a:rPr lang="en-US" sz="1600" dirty="0" smtClean="0">
-                <a:latin typeface="Monaco"/>
-                <a:cs typeface="Monaco"/>
-              </a:rPr>
-              <a:t>, </a:t>
-            </a:r>
-            <a:r>
-              <a:rPr lang="en-US" sz="1600" dirty="0" smtClean="0">
-                <a:solidFill>
-                  <a:srgbClr val="008000"/>
+                  <a:srgbClr val="000000"/>
                 </a:solidFill>
                 <a:latin typeface="Monaco"/>
                 <a:cs typeface="Monaco"/>
@@ -5030,7 +4886,7 @@
                 <a:latin typeface="Monaco"/>
                 <a:cs typeface="Monaco"/>
               </a:rPr>
-              <a:t>What-if solutions can be displayed in graphical or textual form</a:t>
+              <a:t>What-if solutions are displayed in graphical or textual form</a:t>
             </a:r>
           </a:p>
           <a:p>
@@ -5153,327 +5009,504 @@
             <p:ph idx="1"/>
           </p:nvPr>
         </p:nvSpPr>
-        <p:spPr/>
+        <p:spPr>
+          <a:xfrm>
+            <a:off x="311727" y="1138382"/>
+            <a:ext cx="5495637" cy="5280891"/>
+          </a:xfrm>
+        </p:spPr>
         <p:txBody>
           <a:bodyPr/>
           <a:lstStyle/>
           <a:p>
-            <a:pPr marL="342900" lvl="1" indent="-342900">
-              <a:buFont typeface="Arial"/>
-              <a:buChar char="•"/>
-            </a:pPr>
             <a:r>
               <a:rPr lang="en-US" sz="2000" dirty="0">
-                <a:latin typeface="Monaco"/>
-                <a:ea typeface="+mn-ea"/>
-                <a:cs typeface="Monaco"/>
-              </a:rPr>
-              <a:t>Defining a model of queuing network</a:t>
-            </a:r>
-          </a:p>
-          <a:p>
-            <a:pPr lvl="1"/>
-            <a:r>
-              <a:rPr lang="en-US" sz="1600" dirty="0" smtClean="0">
-                <a:latin typeface="Monaco"/>
-                <a:cs typeface="Monaco"/>
-              </a:rPr>
-              <a:t>From an empty model: </a:t>
-            </a:r>
-            <a:endParaRPr lang="en-US" sz="1600" dirty="0">
+                <a:solidFill>
+                  <a:srgbClr val="000000"/>
+                </a:solidFill>
+                <a:latin typeface="Monaco"/>
+                <a:ea typeface="ＭＳ Ｐゴシック"/>
+                <a:cs typeface="Monaco"/>
+              </a:rPr>
+              <a:t>Choose JMVA in JMT main window</a:t>
+            </a:r>
+            <a:endParaRPr lang="en-US" sz="2000" dirty="0">
               <a:latin typeface="Monaco"/>
               <a:cs typeface="Monaco"/>
             </a:endParaRPr>
           </a:p>
           <a:p>
-            <a:pPr marL="800100" lvl="1" indent="-342900">
-              <a:buFont typeface="+mj-lt"/>
-              <a:buAutoNum type="arabicPeriod"/>
-            </a:pPr>
-            <a:r>
-              <a:rPr lang="en-US" sz="1600" dirty="0" smtClean="0">
-                <a:latin typeface="Monaco"/>
-                <a:cs typeface="Monaco"/>
-              </a:rPr>
-              <a:t>Parameters </a:t>
-            </a:r>
-            <a:r>
-              <a:rPr lang="en-US" sz="1600" dirty="0">
-                <a:latin typeface="Monaco"/>
-                <a:cs typeface="Monaco"/>
-              </a:rPr>
-              <a:t>(classes</a:t>
-            </a:r>
-            <a:r>
-              <a:rPr lang="en-US" sz="1600" dirty="0" smtClean="0">
-                <a:latin typeface="Monaco"/>
-                <a:cs typeface="Monaco"/>
-              </a:rPr>
-              <a:t>, stations, service </a:t>
-            </a:r>
-            <a:r>
-              <a:rPr lang="en-US" sz="1600" dirty="0">
-                <a:latin typeface="Monaco"/>
-                <a:cs typeface="Monaco"/>
-              </a:rPr>
-              <a:t>demands) are entered </a:t>
-            </a:r>
-            <a:r>
-              <a:rPr lang="en-US" sz="1600" dirty="0" smtClean="0">
-                <a:latin typeface="Monaco"/>
-                <a:cs typeface="Monaco"/>
-              </a:rPr>
-              <a:t>	using </a:t>
-            </a:r>
-            <a:r>
-              <a:rPr lang="en-US" sz="1600" dirty="0">
-                <a:latin typeface="Monaco"/>
-                <a:cs typeface="Monaco"/>
-              </a:rPr>
-              <a:t>5 </a:t>
-            </a:r>
-            <a:r>
-              <a:rPr lang="en-US" sz="1600" dirty="0" smtClean="0">
-                <a:latin typeface="Monaco"/>
-                <a:cs typeface="Monaco"/>
-              </a:rPr>
-              <a:t>or 6 tabs in Wizard</a:t>
-            </a:r>
-            <a:endParaRPr lang="en-US" sz="1600" dirty="0">
+            <a:r>
+              <a:rPr lang="en-US" sz="2000" dirty="0">
+                <a:solidFill>
+                  <a:srgbClr val="000000"/>
+                </a:solidFill>
+                <a:latin typeface="Monaco"/>
+                <a:ea typeface="ＭＳ Ｐゴシック"/>
+                <a:cs typeface="Monaco"/>
+              </a:rPr>
+              <a:t>Defining </a:t>
+            </a:r>
+            <a:r>
+              <a:rPr lang="en-US" sz="2000" dirty="0" smtClean="0">
+                <a:solidFill>
+                  <a:srgbClr val="000000"/>
+                </a:solidFill>
+                <a:latin typeface="Monaco"/>
+                <a:ea typeface="ＭＳ Ｐゴシック"/>
+                <a:cs typeface="Monaco"/>
+              </a:rPr>
+              <a:t>the </a:t>
+            </a:r>
+            <a:r>
+              <a:rPr lang="en-US" sz="2000" dirty="0">
+                <a:solidFill>
+                  <a:srgbClr val="000000"/>
+                </a:solidFill>
+                <a:latin typeface="Monaco"/>
+                <a:ea typeface="ＭＳ Ｐゴシック"/>
+                <a:cs typeface="Monaco"/>
+              </a:rPr>
+              <a:t>model of </a:t>
+            </a:r>
+            <a:r>
+              <a:rPr lang="en-US" sz="2000" dirty="0" smtClean="0">
+                <a:solidFill>
+                  <a:srgbClr val="000000"/>
+                </a:solidFill>
+                <a:latin typeface="Monaco"/>
+                <a:ea typeface="ＭＳ Ｐゴシック"/>
+                <a:cs typeface="Monaco"/>
+              </a:rPr>
+              <a:t>a queuing </a:t>
+            </a:r>
+            <a:r>
+              <a:rPr lang="en-US" sz="2000" dirty="0">
+                <a:solidFill>
+                  <a:srgbClr val="000000"/>
+                </a:solidFill>
+                <a:latin typeface="Monaco"/>
+                <a:ea typeface="ＭＳ Ｐゴシック"/>
+                <a:cs typeface="Monaco"/>
+              </a:rPr>
+              <a:t>network</a:t>
+            </a:r>
+            <a:endParaRPr lang="en-US" sz="2000" dirty="0">
               <a:latin typeface="Monaco"/>
               <a:cs typeface="Monaco"/>
             </a:endParaRPr>
           </a:p>
           <a:p>
-            <a:pPr marL="800100" lvl="1" indent="-342900">
-              <a:buFont typeface="+mj-lt"/>
-              <a:buAutoNum type="arabicPeriod"/>
+            <a:pPr lvl="1">
+              <a:buFont typeface="Arial"/>
+              <a:buChar char="–"/>
             </a:pPr>
             <a:r>
-              <a:rPr lang="en-US" sz="1600" dirty="0" smtClean="0">
-                <a:latin typeface="Monaco"/>
-                <a:cs typeface="Monaco"/>
-              </a:rPr>
-              <a:t>select </a:t>
-            </a:r>
-            <a:r>
               <a:rPr lang="en-US" sz="1600" dirty="0">
-                <a:latin typeface="Monaco"/>
-                <a:cs typeface="Monaco"/>
-              </a:rPr>
-              <a:t>control parameter in what-if tab if models need to </a:t>
-            </a:r>
-            <a:r>
-              <a:rPr lang="en-US" sz="1600" dirty="0" smtClean="0">
-                <a:latin typeface="Monaco"/>
-                <a:cs typeface="Monaco"/>
-              </a:rPr>
-              <a:t>	change </a:t>
+                <a:solidFill>
+                  <a:srgbClr val="000000"/>
+                </a:solidFill>
+                <a:latin typeface="Monaco"/>
+                <a:ea typeface="Arial"/>
+                <a:cs typeface="Monaco"/>
+              </a:rPr>
+              <a:t>Select </a:t>
+            </a:r>
+            <a:r>
+              <a:rPr lang="en-US" sz="1600" dirty="0" smtClean="0">
+                <a:solidFill>
+                  <a:srgbClr val="000000"/>
+                </a:solidFill>
+                <a:latin typeface="Monaco"/>
+                <a:ea typeface="Arial"/>
+                <a:cs typeface="Monaco"/>
+              </a:rPr>
+              <a:t>the </a:t>
+            </a:r>
+            <a:r>
+              <a:rPr lang="en-US" sz="1600" dirty="0" smtClean="0">
+                <a:solidFill>
+                  <a:srgbClr val="000000"/>
+                </a:solidFill>
+                <a:latin typeface="Arial Black"/>
+                <a:ea typeface="Arial"/>
+                <a:cs typeface="Arial Black"/>
+              </a:rPr>
+              <a:t>New</a:t>
+            </a:r>
+            <a:r>
+              <a:rPr lang="en-US" sz="1600" dirty="0" smtClean="0">
+                <a:solidFill>
+                  <a:srgbClr val="000000"/>
+                </a:solidFill>
+                <a:latin typeface="Monaco"/>
+                <a:ea typeface="Arial"/>
+                <a:cs typeface="Monaco"/>
+              </a:rPr>
+              <a:t> </a:t>
             </a:r>
             <a:r>
               <a:rPr lang="en-US" sz="1600" dirty="0">
-                <a:latin typeface="Monaco"/>
-                <a:cs typeface="Monaco"/>
-              </a:rPr>
-              <a:t>values in selected </a:t>
-            </a:r>
-            <a:r>
-              <a:rPr lang="en-US" sz="1600" dirty="0" smtClean="0">
-                <a:latin typeface="Monaco"/>
-                <a:cs typeface="Monaco"/>
-              </a:rPr>
-              <a:t>range</a:t>
+                <a:solidFill>
+                  <a:srgbClr val="000000"/>
+                </a:solidFill>
+                <a:latin typeface="Monaco"/>
+                <a:ea typeface="Arial"/>
+                <a:cs typeface="Monaco"/>
+              </a:rPr>
+              <a:t>command from </a:t>
             </a:r>
             <a:r>
               <a:rPr lang="en-US" sz="1600" dirty="0">
-                <a:latin typeface="Monaco"/>
-                <a:cs typeface="Monaco"/>
-              </a:rPr>
-              <a:t>	</a:t>
-            </a:r>
-            <a:endParaRPr lang="en-US" sz="1600" dirty="0" smtClean="0">
+                <a:solidFill>
+                  <a:srgbClr val="000000"/>
+                </a:solidFill>
+                <a:latin typeface="Arial Black"/>
+                <a:ea typeface="Arial"/>
+                <a:cs typeface="Arial Black"/>
+              </a:rPr>
+              <a:t>File</a:t>
+            </a:r>
+            <a:r>
+              <a:rPr lang="en-US" sz="1600" dirty="0">
+                <a:solidFill>
+                  <a:srgbClr val="000000"/>
+                </a:solidFill>
+                <a:latin typeface="Monaco"/>
+                <a:ea typeface="Arial"/>
+                <a:cs typeface="Monaco"/>
+              </a:rPr>
+              <a:t> menu</a:t>
+            </a:r>
+            <a:endParaRPr lang="en-US" dirty="0">
               <a:latin typeface="Monaco"/>
               <a:cs typeface="Monaco"/>
             </a:endParaRPr>
           </a:p>
           <a:p>
-            <a:pPr lvl="1"/>
-            <a:r>
-              <a:rPr lang="en-US" sz="1600" dirty="0" smtClean="0">
-                <a:latin typeface="Monaco"/>
-                <a:cs typeface="Monaco"/>
-              </a:rPr>
-              <a:t>From an existing model:</a:t>
-            </a:r>
-          </a:p>
-          <a:p>
-            <a:pPr marL="800100" lvl="1" indent="-342900">
-              <a:buFont typeface="+mj-lt"/>
-              <a:buAutoNum type="arabicPeriod"/>
+            <a:pPr lvl="1">
+              <a:buFont typeface="Arial"/>
+              <a:buChar char="–"/>
             </a:pPr>
             <a:r>
-              <a:rPr lang="en-US" sz="1600" dirty="0" smtClean="0">
-                <a:latin typeface="Monaco"/>
-                <a:cs typeface="Monaco"/>
-              </a:rPr>
-              <a:t>	load </a:t>
-            </a:r>
-            <a:r>
               <a:rPr lang="en-US" sz="1600" dirty="0">
-                <a:latin typeface="Monaco"/>
-                <a:cs typeface="Monaco"/>
-              </a:rPr>
-              <a:t>the model through 'File' </a:t>
-            </a:r>
-            <a:r>
-              <a:rPr lang="en-US" sz="1600" dirty="0" smtClean="0">
-                <a:latin typeface="Monaco"/>
-                <a:cs typeface="Monaco"/>
-              </a:rPr>
-              <a:t>menu</a:t>
-            </a:r>
-          </a:p>
-          <a:p>
-            <a:pPr marL="342900" lvl="1" indent="-342900">
-              <a:buFont typeface="Arial"/>
-              <a:buChar char="•"/>
-            </a:pPr>
-            <a:r>
-              <a:rPr lang="en-US" sz="2000" dirty="0">
-                <a:latin typeface="Monaco"/>
-                <a:ea typeface="+mn-ea"/>
-                <a:cs typeface="Monaco"/>
-              </a:rPr>
-              <a:t>Model Solution</a:t>
-            </a:r>
-          </a:p>
-          <a:p>
-            <a:pPr marL="800100" lvl="1" indent="-342900">
-              <a:buFont typeface="+mj-lt"/>
-              <a:buAutoNum type="arabicPeriod"/>
-            </a:pPr>
-            <a:r>
-              <a:rPr lang="en-US" sz="1600" dirty="0" smtClean="0">
-                <a:latin typeface="Monaco"/>
-                <a:cs typeface="Monaco"/>
-              </a:rPr>
-              <a:t> use 'Solve' to solve the model</a:t>
-            </a:r>
-          </a:p>
-          <a:p>
-            <a:pPr marL="800100" lvl="1" indent="-342900">
-              <a:buFont typeface="+mj-lt"/>
-              <a:buAutoNum type="arabicPeriod"/>
-            </a:pPr>
-            <a:r>
-              <a:rPr lang="en-US" sz="1600" dirty="0" smtClean="0">
-                <a:latin typeface="Monaco"/>
-                <a:cs typeface="Monaco"/>
-              </a:rPr>
-              <a:t> performance (</a:t>
+                <a:solidFill>
+                  <a:srgbClr val="000000"/>
+                </a:solidFill>
+                <a:latin typeface="Monaco"/>
+                <a:ea typeface="Arial"/>
+                <a:cs typeface="Monaco"/>
+              </a:rPr>
+              <a:t>Define parameters (</a:t>
             </a:r>
             <a:r>
               <a:rPr lang="en-US" sz="1600" dirty="0">
-                <a:latin typeface="Monaco"/>
-                <a:cs typeface="Monaco"/>
-              </a:rPr>
-              <a:t>throughput</a:t>
-            </a:r>
-            <a:r>
-              <a:rPr lang="en-US" sz="1600" dirty="0" smtClean="0">
-                <a:latin typeface="Monaco"/>
-                <a:cs typeface="Monaco"/>
-              </a:rPr>
-              <a:t>, residence times, utilizations, synopsis </a:t>
+                <a:solidFill>
+                  <a:srgbClr val="008000"/>
+                </a:solidFill>
+                <a:latin typeface="Monaco"/>
+                <a:ea typeface="Arial"/>
+                <a:cs typeface="Monaco"/>
+              </a:rPr>
+              <a:t>Classes</a:t>
             </a:r>
             <a:r>
               <a:rPr lang="en-US" sz="1600" dirty="0">
-                <a:latin typeface="Monaco"/>
-                <a:cs typeface="Monaco"/>
-              </a:rPr>
-              <a:t>panel) is shown on separate </a:t>
-            </a:r>
-            <a:r>
-              <a:rPr lang="en-US" sz="1600" dirty="0" smtClean="0">
-                <a:latin typeface="Monaco"/>
-                <a:cs typeface="Monaco"/>
-              </a:rPr>
-              <a:t>window</a:t>
-            </a:r>
-          </a:p>
-          <a:p>
-            <a:pPr marL="342900" lvl="1" indent="-342900">
-              <a:buFont typeface="Arial"/>
-              <a:buChar char="•"/>
-            </a:pPr>
-            <a:r>
-              <a:rPr lang="en-US" sz="2000" dirty="0">
-                <a:latin typeface="Monaco"/>
-                <a:ea typeface="+mn-ea"/>
-                <a:cs typeface="Monaco"/>
-              </a:rPr>
-              <a:t>Models can be saved into .</a:t>
-            </a:r>
-            <a:r>
-              <a:rPr lang="en-US" sz="2000" dirty="0" err="1">
-                <a:latin typeface="Monaco"/>
-                <a:ea typeface="+mn-ea"/>
-                <a:cs typeface="Monaco"/>
-              </a:rPr>
-              <a:t>jmva</a:t>
-            </a:r>
-            <a:r>
-              <a:rPr lang="en-US" sz="2000" dirty="0">
-                <a:latin typeface="Monaco"/>
-                <a:ea typeface="+mn-ea"/>
-                <a:cs typeface="Monaco"/>
-              </a:rPr>
-              <a:t> file</a:t>
-            </a:r>
-          </a:p>
-          <a:p>
-            <a:pPr marL="800100" lvl="1" indent="-342900">
-              <a:buFont typeface="+mj-lt"/>
-              <a:buAutoNum type="arabicPeriod"/>
-            </a:pPr>
-            <a:endParaRPr lang="en-US" sz="2000" dirty="0">
-              <a:latin typeface="Monaco"/>
-              <a:ea typeface="+mn-ea"/>
-              <a:cs typeface="Monaco"/>
-            </a:endParaRPr>
-          </a:p>
-          <a:p>
-            <a:pPr lvl="1"/>
-            <a:endParaRPr lang="en-US" sz="1600" dirty="0" smtClean="0">
+                <a:solidFill>
+                  <a:srgbClr val="000000"/>
+                </a:solidFill>
+                <a:latin typeface="Monaco"/>
+                <a:ea typeface="Arial"/>
+                <a:cs typeface="Monaco"/>
+              </a:rPr>
+              <a:t>, </a:t>
+            </a:r>
+            <a:r>
+              <a:rPr lang="en-US" sz="1600" dirty="0">
+                <a:solidFill>
+                  <a:srgbClr val="008000"/>
+                </a:solidFill>
+                <a:latin typeface="Monaco"/>
+                <a:ea typeface="Arial"/>
+                <a:cs typeface="Monaco"/>
+              </a:rPr>
+              <a:t>Stations</a:t>
+            </a:r>
+            <a:r>
+              <a:rPr lang="en-US" sz="1600" dirty="0">
+                <a:solidFill>
+                  <a:srgbClr val="000000"/>
+                </a:solidFill>
+                <a:latin typeface="Monaco"/>
+                <a:ea typeface="Arial"/>
+                <a:cs typeface="Monaco"/>
+              </a:rPr>
+              <a:t>, </a:t>
+            </a:r>
+            <a:r>
+              <a:rPr lang="en-US" sz="1600" dirty="0">
+                <a:solidFill>
+                  <a:srgbClr val="008000"/>
+                </a:solidFill>
+                <a:latin typeface="Monaco"/>
+                <a:ea typeface="Arial"/>
+                <a:cs typeface="Monaco"/>
+              </a:rPr>
+              <a:t>Service demands</a:t>
+            </a:r>
+            <a:r>
+              <a:rPr lang="en-US" sz="1600" dirty="0">
+                <a:solidFill>
+                  <a:srgbClr val="000000"/>
+                </a:solidFill>
+                <a:latin typeface="Monaco"/>
+                <a:ea typeface="Arial"/>
+                <a:cs typeface="Monaco"/>
+              </a:rPr>
+              <a:t>) using tabs in Wizard interface (What-if Tab is used to perform a what-if analysis)</a:t>
+            </a:r>
+            <a:endParaRPr lang="en-US" dirty="0">
               <a:latin typeface="Monaco"/>
               <a:cs typeface="Monaco"/>
             </a:endParaRPr>
           </a:p>
           <a:p>
-            <a:endParaRPr lang="en-US" sz="1600" dirty="0" smtClean="0">
+            <a:pPr lvl="1">
+              <a:buFont typeface="Arial"/>
+              <a:buChar char="–"/>
+            </a:pPr>
+            <a:r>
+              <a:rPr lang="en-US" sz="1600" dirty="0">
+                <a:solidFill>
+                  <a:srgbClr val="000000"/>
+                </a:solidFill>
+                <a:latin typeface="Monaco"/>
+                <a:ea typeface="Arial"/>
+                <a:cs typeface="Monaco"/>
+              </a:rPr>
+              <a:t>The model can be loaded from </a:t>
+            </a:r>
+            <a:r>
+              <a:rPr lang="en-US" sz="1600" dirty="0" smtClean="0">
+                <a:solidFill>
+                  <a:srgbClr val="000000"/>
+                </a:solidFill>
+                <a:latin typeface="Monaco"/>
+                <a:ea typeface="Arial"/>
+                <a:cs typeface="Monaco"/>
+              </a:rPr>
+              <a:t>an existing </a:t>
+            </a:r>
+            <a:r>
+              <a:rPr lang="en-US" sz="1600" dirty="0">
+                <a:solidFill>
+                  <a:srgbClr val="000000"/>
+                </a:solidFill>
+                <a:latin typeface="Monaco"/>
+                <a:ea typeface="Arial"/>
+                <a:cs typeface="Monaco"/>
+              </a:rPr>
+              <a:t>file through </a:t>
+            </a:r>
+            <a:r>
+              <a:rPr lang="en-US" sz="1600" dirty="0" smtClean="0">
+                <a:solidFill>
+                  <a:srgbClr val="000000"/>
+                </a:solidFill>
+                <a:latin typeface="Monaco"/>
+                <a:ea typeface="Arial"/>
+                <a:cs typeface="Monaco"/>
+              </a:rPr>
+              <a:t>the </a:t>
+            </a:r>
+            <a:r>
+              <a:rPr lang="en-US" sz="1600" dirty="0" smtClean="0">
+                <a:solidFill>
+                  <a:srgbClr val="000000"/>
+                </a:solidFill>
+                <a:latin typeface="Arial Black"/>
+                <a:ea typeface="Arial"/>
+                <a:cs typeface="Arial Black"/>
+              </a:rPr>
+              <a:t>File</a:t>
+            </a:r>
+            <a:r>
+              <a:rPr lang="en-US" sz="1600" dirty="0" smtClean="0">
+                <a:solidFill>
+                  <a:srgbClr val="000000"/>
+                </a:solidFill>
+                <a:latin typeface="Monaco"/>
+                <a:ea typeface="Arial"/>
+                <a:cs typeface="Monaco"/>
+              </a:rPr>
+              <a:t> </a:t>
+            </a:r>
+            <a:r>
+              <a:rPr lang="en-US" sz="1600" dirty="0">
+                <a:solidFill>
+                  <a:srgbClr val="000000"/>
+                </a:solidFill>
+                <a:latin typeface="Monaco"/>
+                <a:ea typeface="Arial"/>
+                <a:cs typeface="Monaco"/>
+              </a:rPr>
+              <a:t>menu </a:t>
+            </a:r>
+            <a:r>
+              <a:rPr lang="en-US" sz="1600" dirty="0" smtClean="0">
+                <a:solidFill>
+                  <a:srgbClr val="000000"/>
+                </a:solidFill>
+                <a:latin typeface="Monaco"/>
+                <a:ea typeface="Arial"/>
+                <a:cs typeface="Monaco"/>
+              </a:rPr>
+              <a:t>and saved </a:t>
+            </a:r>
+            <a:r>
+              <a:rPr lang="en-US" sz="1600" dirty="0">
+                <a:solidFill>
+                  <a:srgbClr val="000000"/>
+                </a:solidFill>
+                <a:latin typeface="Monaco"/>
+                <a:ea typeface="Arial"/>
+                <a:cs typeface="Monaco"/>
+              </a:rPr>
+              <a:t>into a .</a:t>
+            </a:r>
+            <a:r>
+              <a:rPr lang="en-US" sz="1600" dirty="0" err="1">
+                <a:solidFill>
+                  <a:srgbClr val="000000"/>
+                </a:solidFill>
+                <a:latin typeface="Monaco"/>
+                <a:ea typeface="Arial"/>
+                <a:cs typeface="Monaco"/>
+              </a:rPr>
+              <a:t>jmva</a:t>
+            </a:r>
+            <a:r>
+              <a:rPr lang="en-US" sz="1600" dirty="0">
+                <a:solidFill>
+                  <a:srgbClr val="000000"/>
+                </a:solidFill>
+                <a:latin typeface="Monaco"/>
+                <a:ea typeface="Arial"/>
+                <a:cs typeface="Monaco"/>
+              </a:rPr>
+              <a:t> </a:t>
+            </a:r>
+            <a:r>
+              <a:rPr lang="en-US" sz="1600" dirty="0" smtClean="0">
+                <a:solidFill>
+                  <a:srgbClr val="000000"/>
+                </a:solidFill>
+                <a:latin typeface="Monaco"/>
+                <a:ea typeface="Arial"/>
+                <a:cs typeface="Monaco"/>
+              </a:rPr>
+              <a:t>file</a:t>
+            </a:r>
+            <a:endParaRPr lang="en-US" dirty="0">
               <a:latin typeface="Monaco"/>
-              <a:ea typeface="Arial" charset="0"/>
               <a:cs typeface="Monaco"/>
             </a:endParaRPr>
           </a:p>
           <a:p>
-            <a:endParaRPr lang="en-US" sz="1600" dirty="0">
-              <a:latin typeface="Monaco"/>
-              <a:ea typeface="Arial" charset="0"/>
-              <a:cs typeface="Monaco"/>
-            </a:endParaRPr>
-          </a:p>
-          <a:p>
-            <a:pPr marL="0" indent="0">
-              <a:buNone/>
+            <a:r>
+              <a:rPr lang="en-US" sz="2000" dirty="0" smtClean="0">
+                <a:solidFill>
+                  <a:srgbClr val="000000"/>
+                </a:solidFill>
+                <a:latin typeface="Monaco"/>
+                <a:ea typeface="Arial"/>
+                <a:cs typeface="Monaco"/>
+              </a:rPr>
+              <a:t>Solving the Model</a:t>
+            </a:r>
+          </a:p>
+          <a:p>
+            <a:pPr lvl="1">
+              <a:buFont typeface="Arial"/>
+              <a:buChar char="–"/>
             </a:pPr>
-            <a:endParaRPr lang="en-US" sz="1600" dirty="0">
-              <a:latin typeface="Monaco"/>
-              <a:ea typeface="Arial" charset="0"/>
-              <a:cs typeface="Monaco"/>
-            </a:endParaRPr>
-          </a:p>
-          <a:p>
+            <a:r>
+              <a:rPr lang="en-US" sz="1600" dirty="0" smtClean="0">
+                <a:solidFill>
+                  <a:srgbClr val="000000"/>
+                </a:solidFill>
+                <a:latin typeface="Monaco"/>
+                <a:ea typeface="Arial"/>
+                <a:cs typeface="Monaco"/>
+              </a:rPr>
+              <a:t>The </a:t>
+            </a:r>
+            <a:r>
+              <a:rPr lang="en-US" sz="1600" dirty="0" smtClean="0">
+                <a:solidFill>
+                  <a:srgbClr val="000000"/>
+                </a:solidFill>
+                <a:latin typeface="Arial Black"/>
+                <a:ea typeface="Arial"/>
+                <a:cs typeface="Arial Black"/>
+              </a:rPr>
+              <a:t>Solve</a:t>
+            </a:r>
+            <a:r>
+              <a:rPr lang="en-US" sz="1600" dirty="0" smtClean="0">
+                <a:solidFill>
+                  <a:srgbClr val="000000"/>
+                </a:solidFill>
+                <a:latin typeface="Monaco"/>
+                <a:ea typeface="Arial"/>
+                <a:cs typeface="Monaco"/>
+              </a:rPr>
+              <a:t> command gives Performance </a:t>
+            </a:r>
+            <a:r>
+              <a:rPr lang="en-US" sz="1600" dirty="0">
+                <a:solidFill>
+                  <a:srgbClr val="000000"/>
+                </a:solidFill>
+                <a:latin typeface="Monaco"/>
+                <a:ea typeface="Arial"/>
+                <a:cs typeface="Monaco"/>
+              </a:rPr>
+              <a:t>(Throughput, Queue lengths, Residence Times, Utilizations, Synopsis) </a:t>
+            </a:r>
+            <a:r>
+              <a:rPr lang="en-US" sz="1600" dirty="0" smtClean="0">
+                <a:solidFill>
+                  <a:srgbClr val="000000"/>
+                </a:solidFill>
+                <a:latin typeface="Monaco"/>
+                <a:ea typeface="Arial"/>
+                <a:cs typeface="Monaco"/>
+              </a:rPr>
+              <a:t>in </a:t>
+            </a:r>
+            <a:r>
+              <a:rPr lang="en-US" sz="1600" dirty="0">
+                <a:solidFill>
+                  <a:srgbClr val="000000"/>
+                </a:solidFill>
+                <a:latin typeface="Monaco"/>
+                <a:ea typeface="Arial"/>
+                <a:cs typeface="Monaco"/>
+              </a:rPr>
+              <a:t>a separate </a:t>
+            </a:r>
+            <a:r>
+              <a:rPr lang="en-US" sz="1600" dirty="0" smtClean="0">
+                <a:solidFill>
+                  <a:srgbClr val="000000"/>
+                </a:solidFill>
+                <a:latin typeface="Monaco"/>
+                <a:ea typeface="Arial"/>
+                <a:cs typeface="Monaco"/>
+              </a:rPr>
+              <a:t>window</a:t>
+            </a:r>
             <a:endParaRPr lang="en-US" dirty="0"/>
           </a:p>
         </p:txBody>
@@ -5493,16 +5526,15 @@
           <a:bodyPr/>
           <a:lstStyle/>
           <a:p>
-            <a:fld id="{45EE26E5-566A-AF49-BFD9-33660DDC8A6D}" type="slidenum">
-              <a:rPr lang="es-ES" smtClean="0">
+            <a:r>
+              <a:rPr lang="es-ES" dirty="0" smtClean="0">
                 <a:solidFill>
                   <a:srgbClr val="000000"/>
                 </a:solidFill>
               </a:rPr>
-              <a:pPr/>
-              <a:t>3</a:t>
-            </a:fld>
-            <a:endParaRPr lang="es-ES">
+              <a:t>2</a:t>
+            </a:r>
+            <a:endParaRPr lang="es-ES" dirty="0">
               <a:solidFill>
                 <a:srgbClr val="000000"/>
               </a:solidFill>
@@ -5510,6 +5542,50 @@
           </a:p>
         </p:txBody>
       </p:sp>
+      <p:pic>
+        <p:nvPicPr>
+          <p:cNvPr id="5" name="Picture 4"/>
+          <p:cNvPicPr/>
+          <p:nvPr/>
+        </p:nvPicPr>
+        <p:blipFill>
+          <a:blip r:embed="rId2"/>
+          <a:stretch>
+            <a:fillRect/>
+          </a:stretch>
+        </p:blipFill>
+        <p:spPr>
+          <a:xfrm>
+            <a:off x="5912640" y="1256001"/>
+            <a:ext cx="2778840" cy="2461635"/>
+          </a:xfrm>
+          <a:prstGeom prst="rect">
+            <a:avLst/>
+          </a:prstGeom>
+        </p:spPr>
+      </p:pic>
+      <p:pic>
+        <p:nvPicPr>
+          <p:cNvPr id="6" name="Picture 5"/>
+          <p:cNvPicPr/>
+          <p:nvPr/>
+        </p:nvPicPr>
+        <p:blipFill>
+          <a:blip r:embed="rId3"/>
+          <a:stretch>
+            <a:fillRect/>
+          </a:stretch>
+        </p:blipFill>
+        <p:spPr>
+          <a:xfrm>
+            <a:off x="5912640" y="3890818"/>
+            <a:ext cx="2774160" cy="2354407"/>
+          </a:xfrm>
+          <a:prstGeom prst="rect">
+            <a:avLst/>
+          </a:prstGeom>
+        </p:spPr>
+      </p:pic>
     </p:spTree>
     <p:extLst>
       <p:ext uri="{BB962C8B-B14F-4D97-AF65-F5344CB8AC3E}">
@@ -6392,18 +6468,13 @@
           <a:lstStyle/>
           <a:p>
             <a:r>
-              <a:rPr lang="es-ES" dirty="0" smtClean="0">
+              <a:rPr lang="es-ES" dirty="0">
                 <a:solidFill>
                   <a:srgbClr val="000000"/>
                 </a:solidFill>
               </a:rPr>
-              <a:t>2</a:t>
-            </a:r>
-            <a:endParaRPr lang="es-ES" dirty="0">
-              <a:solidFill>
-                <a:srgbClr val="000000"/>
-              </a:solidFill>
-            </a:endParaRPr>
+              <a:t>3</a:t>
+            </a:r>
           </a:p>
         </p:txBody>
       </p:sp>
@@ -6644,7 +6715,12 @@
             <p:ph type="title"/>
           </p:nvPr>
         </p:nvSpPr>
-        <p:spPr/>
+        <p:spPr>
+          <a:xfrm>
+            <a:off x="457200" y="497407"/>
+            <a:ext cx="8229600" cy="1143000"/>
+          </a:xfrm>
+        </p:spPr>
         <p:txBody>
           <a:bodyPr/>
           <a:lstStyle/>
@@ -6655,7 +6731,7 @@
                 <a:latin typeface="Bank gothic"/>
                 <a:cs typeface="Bank gothic"/>
               </a:rPr>
-              <a:t>Critical Components</a:t>
+              <a:t>Dependencies among Critical Components</a:t>
             </a:r>
             <a:endParaRPr lang="en-US" sz="3200" dirty="0">
               <a:latin typeface="Bank gothic"/>
@@ -6685,7 +6761,7 @@
                   <a:srgbClr val="000000"/>
                 </a:solidFill>
               </a:rPr>
-              <a:t>3</a:t>
+              <a:t>4</a:t>
             </a:r>
           </a:p>
         </p:txBody>
@@ -6715,8 +6791,8 @@
         </p:blipFill>
         <p:spPr>
           <a:xfrm>
-            <a:off x="209029" y="1417638"/>
-            <a:ext cx="8934971" cy="4913890"/>
+            <a:off x="207818" y="1640407"/>
+            <a:ext cx="8727153" cy="4799598"/>
           </a:xfrm>
         </p:spPr>
       </p:pic>
@@ -7074,7 +7150,7 @@
                   <a:srgbClr val="000000"/>
                 </a:solidFill>
               </a:rPr>
-              <a:t>3</a:t>
+              <a:t>5</a:t>
             </a:r>
             <a:endParaRPr lang="es-ES" dirty="0" smtClean="0">
               <a:solidFill>
@@ -7341,7 +7417,7 @@
                   <a:srgbClr val="000000"/>
                 </a:solidFill>
               </a:rPr>
-              <a:t>4</a:t>
+              <a:t>6</a:t>
             </a:r>
           </a:p>
         </p:txBody>
@@ -7565,14 +7641,20 @@
           <a:lstStyle/>
           <a:p>
             <a:r>
-              <a:rPr lang="en-US" sz="2000" dirty="0" smtClean="0"/>
+              <a:rPr lang="en-US" sz="2000" dirty="0" smtClean="0">
+                <a:latin typeface="Monaco"/>
+                <a:cs typeface="Monaco"/>
+              </a:rPr>
               <a:t>Program architecture</a:t>
             </a:r>
           </a:p>
           <a:p>
             <a:pPr lvl="1"/>
             <a:r>
-              <a:rPr lang="en-US" sz="1600" dirty="0" smtClean="0"/>
+              <a:rPr lang="en-US" sz="1600" dirty="0" smtClean="0">
+                <a:latin typeface="Monaco"/>
+                <a:cs typeface="Monaco"/>
+              </a:rPr>
               <a:t>We recommend an interface layer between </a:t>
             </a:r>
             <a:r>
@@ -7583,7 +7665,10 @@
               <a:t>SolverClient</a:t>
             </a:r>
             <a:r>
-              <a:rPr lang="en-US" sz="1600" dirty="0" smtClean="0"/>
+              <a:rPr lang="en-US" sz="1600" dirty="0" smtClean="0">
+                <a:latin typeface="Monaco"/>
+                <a:cs typeface="Monaco"/>
+              </a:rPr>
               <a:t> and </a:t>
             </a:r>
             <a:r>
@@ -7592,25 +7677,6 @@
                 <a:cs typeface="Courier New"/>
               </a:rPr>
               <a:t>SolverDispatcher</a:t>
-            </a:r>
-            <a:endParaRPr lang="en-US" sz="1600" dirty="0" smtClean="0"/>
-          </a:p>
-          <a:p>
-            <a:pPr lvl="1"/>
-            <a:r>
-              <a:rPr lang="en-US" sz="1600" dirty="0" smtClean="0"/>
-              <a:t>We recommend moving classes not used by JMVA out of the </a:t>
-            </a:r>
-            <a:r>
-              <a:rPr lang="en-US" sz="1600" dirty="0" smtClean="0">
-                <a:latin typeface="Courier New"/>
-                <a:cs typeface="Courier New"/>
-              </a:rPr>
-              <a:t>analytical</a:t>
-            </a:r>
-            <a:r>
-              <a:rPr lang="en-US" sz="1600" dirty="0" smtClean="0"/>
-              <a:t> package</a:t>
             </a:r>
             <a:endParaRPr lang="en-US" sz="1600" dirty="0" smtClean="0">
               <a:latin typeface="Courier New"/>
@@ -7620,34 +7686,59 @@
           <a:p>
             <a:pPr lvl="1"/>
             <a:r>
-              <a:rPr lang="en-US" sz="1600" dirty="0" smtClean="0"/>
+              <a:rPr lang="en-US" sz="1600" dirty="0" smtClean="0">
+                <a:latin typeface="Monaco"/>
+                <a:cs typeface="Monaco"/>
+              </a:rPr>
+              <a:t>We recommend moving classes not used by JMVA out of the analytical package</a:t>
+            </a:r>
+          </a:p>
+          <a:p>
+            <a:pPr lvl="1"/>
+            <a:r>
+              <a:rPr lang="en-US" sz="1600" dirty="0" smtClean="0">
+                <a:latin typeface="Monaco"/>
+                <a:cs typeface="Monaco"/>
+              </a:rPr>
               <a:t>We recommend further refactoring of packages to reinforce a stricter layered structure between GUI components, Model controllers, and Analytics Engines</a:t>
             </a:r>
           </a:p>
           <a:p>
             <a:pPr lvl="1"/>
             <a:r>
-              <a:rPr lang="en-US" sz="1600" dirty="0" smtClean="0"/>
+              <a:rPr lang="en-US" sz="1600" dirty="0" smtClean="0">
+                <a:latin typeface="Monaco"/>
+                <a:cs typeface="Monaco"/>
+              </a:rPr>
               <a:t>Cyclical dependencies between different layers make understanding and maintaining project very difficult</a:t>
             </a:r>
           </a:p>
           <a:p>
             <a:r>
-              <a:rPr lang="en-US" sz="2000" dirty="0" smtClean="0"/>
+              <a:rPr lang="en-US" sz="2000" dirty="0" smtClean="0">
+                <a:latin typeface="Monaco"/>
+                <a:cs typeface="Monaco"/>
+              </a:rPr>
               <a:t>Code</a:t>
             </a:r>
           </a:p>
           <a:p>
             <a:pPr lvl="1"/>
             <a:r>
-              <a:rPr lang="en-US" sz="1600" dirty="0" smtClean="0"/>
+              <a:rPr lang="en-US" sz="1600" dirty="0" smtClean="0">
+                <a:latin typeface="Monaco"/>
+                <a:cs typeface="Monaco"/>
+              </a:rPr>
               <a:t>Comments are sparse and in Italian make it difficult to understand flow</a:t>
             </a:r>
           </a:p>
           <a:p>
             <a:pPr lvl="1"/>
             <a:r>
-              <a:rPr lang="en-US" sz="1600" dirty="0" smtClean="0"/>
+              <a:rPr lang="en-US" sz="1600" dirty="0" smtClean="0">
+                <a:latin typeface="Monaco"/>
+                <a:cs typeface="Monaco"/>
+              </a:rPr>
               <a:t>Names of classes and methods obfuscate their responsibilities and actions (</a:t>
             </a:r>
             <a:r>
@@ -7658,55 +7749,64 @@
               <a:t>Solver</a:t>
             </a:r>
             <a:r>
-              <a:rPr lang="en-US" sz="1600" dirty="0" smtClean="0"/>
+              <a:rPr lang="en-US" sz="1600" dirty="0" smtClean="0">
+                <a:latin typeface="Monaco"/>
+                <a:cs typeface="Monaco"/>
+              </a:rPr>
               <a:t> doesn’t solve, </a:t>
             </a:r>
             <a:r>
               <a:rPr lang="en-US" sz="1600" dirty="0" smtClean="0">
+                <a:solidFill>
+                  <a:srgbClr val="FF0000"/>
+                </a:solidFill>
                 <a:latin typeface="Courier New"/>
                 <a:cs typeface="Courier New"/>
               </a:rPr>
-              <a:t>solve() </a:t>
-            </a:r>
-            <a:r>
-              <a:rPr lang="en-US" sz="1600" dirty="0" smtClean="0"/>
-              <a:t>method delegates responsibility rather than performing analysis, etc.)</a:t>
+              <a:t>solve()</a:t>
+            </a:r>
+            <a:r>
+              <a:rPr lang="en-US" sz="1600" dirty="0" smtClean="0">
+                <a:latin typeface="Monaco"/>
+                <a:cs typeface="Monaco"/>
+              </a:rPr>
+              <a:t> method delegates responsibility rather than performing analysis, etc.)</a:t>
             </a:r>
           </a:p>
           <a:p>
             <a:pPr lvl="1"/>
-            <a:r>
-              <a:rPr lang="en-US" sz="1600" dirty="0" smtClean="0"/>
-              <a:t>The test </a:t>
-            </a:r>
-            <a:r>
-              <a:rPr lang="en-US" sz="1600" dirty="0"/>
-              <a:t>package contains tests for main functional classes in analytical and engine package. The tests' output is either empty if succeed or error message printed to screen if failed. There is a lack of end-to-end tests and unit tests in other classes</a:t>
-            </a:r>
-            <a:r>
-              <a:rPr lang="en-US" sz="1600" dirty="0" smtClean="0"/>
-              <a:t>.</a:t>
-            </a:r>
+            <a:endParaRPr lang="en-US" sz="1600" dirty="0" smtClean="0">
+              <a:latin typeface="Monaco"/>
+              <a:cs typeface="Monaco"/>
+            </a:endParaRPr>
           </a:p>
           <a:p>
             <a:pPr lvl="1"/>
-            <a:endParaRPr lang="en-US" sz="1600" dirty="0" smtClean="0"/>
+            <a:endParaRPr lang="en-US" sz="1600" dirty="0" smtClean="0">
+              <a:latin typeface="Monaco"/>
+              <a:cs typeface="Monaco"/>
+            </a:endParaRPr>
           </a:p>
           <a:p>
             <a:pPr lvl="1"/>
-            <a:endParaRPr lang="en-US" sz="1600" dirty="0" smtClean="0"/>
+            <a:endParaRPr lang="en-US" sz="1600" dirty="0" smtClean="0">
+              <a:latin typeface="Monaco"/>
+              <a:cs typeface="Monaco"/>
+            </a:endParaRPr>
           </a:p>
           <a:p>
             <a:pPr lvl="1"/>
-            <a:endParaRPr lang="en-US" sz="1600" dirty="0" smtClean="0"/>
+            <a:endParaRPr lang="en-US" sz="1600" dirty="0" smtClean="0">
+              <a:latin typeface="Monaco"/>
+              <a:cs typeface="Monaco"/>
+            </a:endParaRPr>
           </a:p>
           <a:p>
             <a:pPr lvl="1"/>
-            <a:endParaRPr lang="en-US" sz="1600" dirty="0" smtClean="0"/>
-          </a:p>
-          <a:p>
-            <a:pPr lvl="1"/>
-            <a:endParaRPr lang="en-US" sz="1600" dirty="0" smtClean="0"/>
+            <a:endParaRPr lang="en-US" sz="1600" dirty="0" smtClean="0">
+              <a:latin typeface="Monaco"/>
+              <a:cs typeface="Monaco"/>
+            </a:endParaRPr>
           </a:p>
         </p:txBody>
       </p:sp>
@@ -7731,7 +7831,7 @@
                   <a:srgbClr val="000000"/>
                 </a:solidFill>
               </a:rPr>
-              <a:t>5</a:t>
+              <a:t>7</a:t>
             </a:r>
           </a:p>
         </p:txBody>
@@ -7827,116 +7927,164 @@
           <a:p>
             <a:pPr lvl="1"/>
             <a:r>
-              <a:rPr lang="en-US" sz="1600" dirty="0" smtClean="0"/>
+              <a:rPr lang="en-US" sz="1600" dirty="0">
+                <a:latin typeface="Monaco"/>
+                <a:cs typeface="Monaco"/>
+              </a:rPr>
+              <a:t>The test package contains tests for main functional classes in analytical and engine package. The tests' output is either empty if succeed or error message printed to screen if failed. There is a lack of end-to-end tests and unit tests in other classes</a:t>
+            </a:r>
+            <a:r>
+              <a:rPr lang="en-US" sz="1600" dirty="0" smtClean="0">
+                <a:latin typeface="Monaco"/>
+                <a:cs typeface="Monaco"/>
+              </a:rPr>
+              <a:t>.</a:t>
+            </a:r>
+            <a:endParaRPr lang="en-US" sz="1600" dirty="0" smtClean="0"/>
+          </a:p>
+          <a:p>
+            <a:pPr lvl="1"/>
+            <a:r>
+              <a:rPr lang="en-US" sz="1600" dirty="0" smtClean="0">
+                <a:latin typeface="Monaco"/>
+                <a:cs typeface="Monaco"/>
+              </a:rPr>
               <a:t>Components </a:t>
             </a:r>
             <a:r>
-              <a:rPr lang="en-US" sz="1600" dirty="0"/>
+              <a:rPr lang="en-US" sz="1600" dirty="0">
+                <a:latin typeface="Monaco"/>
+                <a:cs typeface="Monaco"/>
+              </a:rPr>
               <a:t>are </a:t>
             </a:r>
             <a:r>
-              <a:rPr lang="en-US" sz="1600" dirty="0" smtClean="0"/>
+              <a:rPr lang="en-US" sz="1600" dirty="0" smtClean="0">
+                <a:latin typeface="Monaco"/>
+                <a:cs typeface="Monaco"/>
+              </a:rPr>
               <a:t>often linked </a:t>
             </a:r>
             <a:r>
-              <a:rPr lang="en-US" sz="1600" dirty="0"/>
+              <a:rPr lang="en-US" sz="1600" dirty="0">
+                <a:latin typeface="Monaco"/>
+                <a:cs typeface="Monaco"/>
+              </a:rPr>
               <a:t>by direct call or </a:t>
             </a:r>
             <a:r>
-              <a:rPr lang="en-US" sz="1600" dirty="0" smtClean="0"/>
+              <a:rPr lang="en-US" sz="1600" dirty="0" smtClean="0">
+                <a:latin typeface="Monaco"/>
+                <a:cs typeface="Monaco"/>
+              </a:rPr>
               <a:t>reference</a:t>
             </a:r>
             <a:r>
-              <a:rPr lang="en-US" sz="1600" dirty="0"/>
+              <a:rPr lang="en-US" sz="1600" dirty="0">
+                <a:latin typeface="Monaco"/>
+                <a:cs typeface="Monaco"/>
+              </a:rPr>
               <a:t> </a:t>
             </a:r>
             <a:r>
-              <a:rPr lang="en-US" sz="1600" dirty="0" smtClean="0"/>
+              <a:rPr lang="en-US" sz="1600" dirty="0" smtClean="0">
+                <a:latin typeface="Monaco"/>
+                <a:cs typeface="Monaco"/>
+              </a:rPr>
               <a:t>(e.g. </a:t>
             </a:r>
             <a:r>
               <a:rPr lang="en-US" sz="1600" dirty="0" err="1" smtClean="0">
-                <a:latin typeface="Courier New"/>
-                <a:cs typeface="Courier New"/>
+                <a:latin typeface="Monaco"/>
+                <a:cs typeface="Monaco"/>
               </a:rPr>
               <a:t>DirectModel</a:t>
             </a:r>
             <a:r>
-              <a:rPr lang="en-US" sz="1600" dirty="0" smtClean="0"/>
+              <a:rPr lang="en-US" sz="1600" dirty="0" smtClean="0">
+                <a:latin typeface="Monaco"/>
+                <a:cs typeface="Monaco"/>
+              </a:rPr>
               <a:t> </a:t>
             </a:r>
             <a:r>
-              <a:rPr lang="en-US" sz="1600" dirty="0"/>
+              <a:rPr lang="en-US" sz="1600" dirty="0">
+                <a:latin typeface="Monaco"/>
+                <a:cs typeface="Monaco"/>
+              </a:rPr>
               <a:t>class calls </a:t>
             </a:r>
             <a:r>
               <a:rPr lang="en-US" sz="1600" dirty="0" smtClean="0">
-                <a:latin typeface="Courier New"/>
-                <a:cs typeface="Courier New"/>
-              </a:rPr>
-              <a:t>Solver</a:t>
-            </a:r>
-            <a:r>
-              <a:rPr lang="en-US" sz="1600" dirty="0" smtClean="0"/>
-              <a:t> </a:t>
-            </a:r>
-            <a:r>
-              <a:rPr lang="en-US" sz="1600" dirty="0"/>
-              <a:t>classes in </a:t>
+                <a:latin typeface="Monaco"/>
+                <a:cs typeface="Monaco"/>
+              </a:rPr>
+              <a:t>Solver </a:t>
             </a:r>
             <a:r>
               <a:rPr lang="en-US" sz="1600" dirty="0">
-                <a:latin typeface="Courier New"/>
-                <a:cs typeface="Courier New"/>
-              </a:rPr>
-              <a:t>analytical</a:t>
-            </a:r>
-            <a:r>
-              <a:rPr lang="en-US" sz="1600" dirty="0"/>
-              <a:t> package without any </a:t>
-            </a:r>
-            <a:r>
-              <a:rPr lang="en-US" sz="1600" dirty="0" smtClean="0"/>
+                <a:latin typeface="Monaco"/>
+                <a:cs typeface="Monaco"/>
+              </a:rPr>
+              <a:t>classes in analytical package without any </a:t>
+            </a:r>
+            <a:r>
+              <a:rPr lang="en-US" sz="1600" dirty="0" smtClean="0">
+                <a:latin typeface="Monaco"/>
+                <a:cs typeface="Monaco"/>
+              </a:rPr>
               <a:t>interface). </a:t>
             </a:r>
             <a:r>
-              <a:rPr lang="en-US" sz="1600" dirty="0"/>
+              <a:rPr lang="en-US" sz="1600" dirty="0">
+                <a:latin typeface="Monaco"/>
+                <a:cs typeface="Monaco"/>
+              </a:rPr>
               <a:t>This dependency on concretion set barriers for doing unit test with mock objects</a:t>
             </a:r>
             <a:r>
-              <a:rPr lang="en-US" sz="1600" dirty="0" smtClean="0"/>
+              <a:rPr lang="en-US" sz="1600" dirty="0" smtClean="0">
+                <a:latin typeface="Monaco"/>
+                <a:cs typeface="Monaco"/>
+              </a:rPr>
               <a:t>.</a:t>
             </a:r>
           </a:p>
           <a:p>
             <a:pPr lvl="1"/>
             <a:r>
-              <a:rPr lang="en-US" sz="1600" dirty="0" smtClean="0"/>
+              <a:rPr lang="en-US" sz="1600" dirty="0" smtClean="0">
+                <a:latin typeface="Monaco"/>
+                <a:cs typeface="Monaco"/>
+              </a:rPr>
               <a:t>Class cohesion is low (e.g. </a:t>
             </a:r>
             <a:r>
               <a:rPr lang="en-US" sz="1600" dirty="0" err="1" smtClean="0">
-                <a:latin typeface="Courier New"/>
-                <a:cs typeface="Courier New"/>
+                <a:latin typeface="Monaco"/>
+                <a:cs typeface="Monaco"/>
               </a:rPr>
               <a:t>ExactModel</a:t>
             </a:r>
             <a:r>
               <a:rPr lang="en-US" sz="1600" dirty="0" smtClean="0">
-                <a:latin typeface="Courier New"/>
-                <a:cs typeface="Courier New"/>
+                <a:latin typeface="Monaco"/>
+                <a:cs typeface="Monaco"/>
               </a:rPr>
               <a:t>, </a:t>
             </a:r>
             <a:r>
               <a:rPr lang="en-US" sz="1600" dirty="0" err="1" smtClean="0">
-                <a:latin typeface="Courier New"/>
-                <a:cs typeface="Courier New"/>
+                <a:latin typeface="Monaco"/>
+                <a:cs typeface="Monaco"/>
               </a:rPr>
               <a:t>SolverDispatcher</a:t>
             </a:r>
             <a:r>
-              <a:rPr lang="en-US" sz="1600" dirty="0" smtClean="0"/>
+              <a:rPr lang="en-US" sz="1600" dirty="0" smtClean="0">
+                <a:latin typeface="Monaco"/>
+                <a:cs typeface="Monaco"/>
+              </a:rPr>
               <a:t>).</a:t>
             </a:r>
           </a:p>
@@ -7944,44 +8092,82 @@
             <a:pPr lvl="1"/>
             <a:r>
               <a:rPr lang="en-US" sz="1600" dirty="0" err="1" smtClean="0">
-                <a:latin typeface="Courier New"/>
-                <a:cs typeface="Courier New"/>
+                <a:latin typeface="Monaco"/>
+                <a:cs typeface="Monaco"/>
               </a:rPr>
               <a:t>ExactWizard</a:t>
             </a:r>
             <a:r>
-              <a:rPr lang="en-US" sz="1600" dirty="0" smtClean="0"/>
+              <a:rPr lang="en-US" sz="1600" dirty="0" smtClean="0">
+                <a:latin typeface="Monaco"/>
+                <a:cs typeface="Monaco"/>
+              </a:rPr>
               <a:t> breaks inheritance model by overriding superclass methods with empty methods (e.g. </a:t>
             </a:r>
             <a:r>
               <a:rPr lang="en-US" sz="1600" dirty="0" smtClean="0">
-                <a:latin typeface="Courier New"/>
-                <a:cs typeface="Courier New"/>
+                <a:solidFill>
+                  <a:srgbClr val="FF0000"/>
+                </a:solidFill>
+                <a:latin typeface="Monaco"/>
+                <a:cs typeface="Monaco"/>
               </a:rPr>
               <a:t>finish()</a:t>
             </a:r>
             <a:r>
-              <a:rPr lang="en-US" sz="1600" dirty="0" smtClean="0"/>
+              <a:rPr lang="en-US" sz="1600" dirty="0" smtClean="0">
+                <a:latin typeface="Monaco"/>
+                <a:cs typeface="Monaco"/>
+              </a:rPr>
               <a:t> );  prefer to use interface to encapsulate commonality between classes in this case.</a:t>
             </a:r>
-            <a:endParaRPr lang="en-US" sz="1600" dirty="0"/>
-          </a:p>
-          <a:p>
-            <a:r>
-              <a:rPr lang="en-US" sz="2000" dirty="0" smtClean="0"/>
+            <a:endParaRPr lang="en-US" sz="1600" dirty="0">
+              <a:latin typeface="Monaco"/>
+              <a:cs typeface="Monaco"/>
+            </a:endParaRPr>
+          </a:p>
+          <a:p>
+            <a:r>
+              <a:rPr lang="en-US" sz="2000" dirty="0" smtClean="0">
+                <a:latin typeface="Monaco"/>
+                <a:cs typeface="Monaco"/>
+              </a:rPr>
               <a:t>Bugs</a:t>
             </a:r>
-            <a:endParaRPr lang="en-US" sz="2000" dirty="0"/>
+            <a:endParaRPr lang="en-US" sz="2000" dirty="0">
+              <a:latin typeface="Monaco"/>
+              <a:cs typeface="Monaco"/>
+            </a:endParaRPr>
           </a:p>
           <a:p>
             <a:pPr lvl="1"/>
             <a:r>
-              <a:rPr lang="en-US" sz="1600" dirty="0"/>
-              <a:t>Application shows inconsistencies between execution and documentation (i.e. naming of tabs in solution</a:t>
-            </a:r>
-            <a:r>
-              <a:rPr lang="en-US" sz="1600" dirty="0" smtClean="0"/>
-              <a:t>)</a:t>
+              <a:rPr lang="en-US" sz="1600" dirty="0">
+                <a:latin typeface="Monaco"/>
+                <a:cs typeface="Monaco"/>
+              </a:rPr>
+              <a:t>Application shows inconsistencies between execution and documentation </a:t>
+            </a:r>
+            <a:r>
+              <a:rPr lang="en-US" sz="1600" dirty="0" smtClean="0">
+                <a:latin typeface="Monaco"/>
+                <a:cs typeface="Monaco"/>
+              </a:rPr>
+              <a:t>(e.g. </a:t>
+            </a:r>
+            <a:r>
+              <a:rPr lang="en-US" sz="1600" dirty="0">
+                <a:latin typeface="Monaco"/>
+                <a:cs typeface="Monaco"/>
+              </a:rPr>
+              <a:t>naming of tabs in </a:t>
+            </a:r>
+            <a:r>
+              <a:rPr lang="en-US" sz="1600" dirty="0" smtClean="0">
+                <a:latin typeface="Monaco"/>
+                <a:cs typeface="Monaco"/>
+              </a:rPr>
+              <a:t>solutions frame)</a:t>
             </a:r>
           </a:p>
           <a:p>
@@ -8012,13 +8198,18 @@
           <a:lstStyle/>
           <a:p>
             <a:r>
-              <a:rPr lang="es-ES" dirty="0" smtClean="0">
+              <a:rPr lang="es-ES" dirty="0">
                 <a:solidFill>
                   <a:srgbClr val="000000"/>
                 </a:solidFill>
               </a:rPr>
-              <a:t>6</a:t>
-            </a:r>
+              <a:t>8</a:t>
+            </a:r>
+            <a:endParaRPr lang="es-ES" dirty="0" smtClean="0">
+              <a:solidFill>
+                <a:srgbClr val="000000"/>
+              </a:solidFill>
+            </a:endParaRPr>
           </a:p>
         </p:txBody>
       </p:sp>

--- a/jmva_presentation.pptx
+++ b/jmva_presentation.pptx
@@ -4549,7 +4549,7 @@
                 <a:latin typeface="Bank Gothic"/>
                 <a:cs typeface="Bank Gothic"/>
               </a:rPr>
-              <a:t>Deciphering the Codebase</a:t>
+              <a:t>Exploring JVMA</a:t>
             </a:r>
             <a:endParaRPr lang="en-US" sz="3200" dirty="0">
               <a:latin typeface="Bank Gothic"/>
@@ -5656,7 +5656,7 @@
                 <a:latin typeface="Bank Gothic"/>
                 <a:cs typeface="Bank Gothic"/>
               </a:rPr>
-              <a:t>Graphing the Structure</a:t>
+              <a:t>A Strong Cycle</a:t>
             </a:r>
             <a:endParaRPr lang="en-US" sz="3200" dirty="0">
               <a:latin typeface="Bank Gothic"/>
@@ -5685,70 +5685,57 @@
           <a:bodyPr/>
           <a:lstStyle/>
           <a:p>
+            <a:pPr>
+              <a:buFont typeface="Arial"/>
+              <a:buChar char="•"/>
+            </a:pPr>
+            <a:r>
+              <a:rPr lang="en-US" sz="2000" dirty="0" err="1">
+                <a:latin typeface="Monaco"/>
+                <a:cs typeface="Monaco"/>
+              </a:rPr>
+              <a:t>IntelliJ</a:t>
+            </a:r>
+            <a:r>
+              <a:rPr lang="en-US" sz="2000" dirty="0">
+                <a:latin typeface="Monaco"/>
+                <a:cs typeface="Monaco"/>
+              </a:rPr>
+              <a:t> Dependency Matrix show how much each pair of component is depended upon each </a:t>
+            </a:r>
             <a:r>
               <a:rPr lang="en-US" sz="2000" dirty="0" smtClean="0">
                 <a:latin typeface="Monaco"/>
                 <a:cs typeface="Monaco"/>
               </a:rPr>
-              <a:t>Deeper Analysis</a:t>
-            </a:r>
-          </a:p>
-          <a:p>
-            <a:pPr lvl="1"/>
+              <a:t>other.</a:t>
+            </a:r>
+          </a:p>
+          <a:p>
+            <a:pPr lvl="1">
+              <a:buFont typeface="Arial"/>
+              <a:buChar char="•"/>
+            </a:pPr>
             <a:r>
               <a:rPr lang="en-US" sz="1600" dirty="0" smtClean="0">
                 <a:latin typeface="Monaco"/>
                 <a:cs typeface="Monaco"/>
               </a:rPr>
-              <a:t>Use of JDepend was not helpful because of the size of the project and large number of circular dependencies</a:t>
-            </a:r>
-          </a:p>
-          <a:p>
-            <a:pPr lvl="1"/>
-            <a:r>
-              <a:rPr lang="en-US" sz="1600" dirty="0" smtClean="0">
-                <a:latin typeface="Monaco"/>
-                <a:cs typeface="Monaco"/>
-              </a:rPr>
-              <a:t>IntelliJ Pro Dependency Matrix of JMVA (Figure 1) shows the coupling between packages (i.e. </a:t>
+              <a:t>e.g. dependency cycle between </a:t>
             </a:r>
             <a:r>
               <a:rPr lang="en-US" sz="1600" dirty="0" smtClean="0">
                 <a:latin typeface="Courier New"/>
                 <a:cs typeface="Courier New"/>
               </a:rPr>
-              <a:t>analytical </a:t>
+              <a:t>analytical</a:t>
             </a:r>
             <a:r>
               <a:rPr lang="en-US" sz="1600" dirty="0" smtClean="0">
                 <a:latin typeface="Monaco"/>
                 <a:cs typeface="Monaco"/>
               </a:rPr>
-              <a:t>package depends on </a:t>
-            </a:r>
-            <a:r>
-              <a:rPr lang="en-US" sz="1600" dirty="0" smtClean="0">
-                <a:latin typeface="Courier New"/>
-                <a:cs typeface="Courier New"/>
-              </a:rPr>
-              <a:t>common </a:t>
-            </a:r>
-            <a:r>
-              <a:rPr lang="en-US" sz="1600" dirty="0" smtClean="0">
-                <a:latin typeface="Monaco"/>
-                <a:cs typeface="Monaco"/>
-              </a:rPr>
-              <a:t>package in 74 places, etc.)</a:t>
-            </a:r>
-          </a:p>
-          <a:p>
-            <a:pPr lvl="1"/>
-            <a:r>
-              <a:rPr lang="en-US" sz="1600" dirty="0" smtClean="0">
-                <a:latin typeface="Monaco"/>
-                <a:cs typeface="Monaco"/>
-              </a:rPr>
-              <a:t>Strong circular link between </a:t>
+              <a:t> and </a:t>
             </a:r>
             <a:r>
               <a:rPr lang="en-US" sz="1600" dirty="0" err="1" smtClean="0">
@@ -5759,136 +5746,113 @@
             </a:r>
             <a:r>
               <a:rPr lang="en-US" sz="1600" dirty="0" smtClean="0">
+                <a:latin typeface="Monaco"/>
+                <a:cs typeface="Monaco"/>
+              </a:rPr>
+              <a:t>.</a:t>
+            </a:r>
+          </a:p>
+          <a:p>
+            <a:pPr>
+              <a:buFont typeface="Arial"/>
+              <a:buChar char="•"/>
+            </a:pPr>
+            <a:r>
+              <a:rPr lang="en-US" sz="2000" dirty="0" smtClean="0">
+                <a:latin typeface="Monaco"/>
+                <a:cs typeface="Monaco"/>
+              </a:rPr>
+              <a:t>Expanding </a:t>
+            </a:r>
+            <a:r>
+              <a:rPr lang="en-US" sz="2000" dirty="0">
+                <a:latin typeface="Monaco"/>
+                <a:cs typeface="Monaco"/>
+              </a:rPr>
+              <a:t>the matrix, we see that </a:t>
+            </a:r>
+            <a:r>
+              <a:rPr lang="en-US" sz="2000" dirty="0" err="1">
                 <a:latin typeface="Courier New"/>
                 <a:cs typeface="Courier New"/>
               </a:rPr>
-              <a:t> </a:t>
-            </a:r>
-            <a:r>
-              <a:rPr lang="en-US" sz="1600" dirty="0" smtClean="0">
-                <a:latin typeface="Monaco"/>
-                <a:cs typeface="Monaco"/>
-              </a:rPr>
-              <a:t>and </a:t>
-            </a:r>
-            <a:r>
-              <a:rPr lang="en-US" sz="1600" dirty="0" smtClean="0">
-                <a:latin typeface="Courier New"/>
-                <a:cs typeface="Courier New"/>
-              </a:rPr>
-              <a:t>analytical</a:t>
-            </a:r>
-            <a:r>
-              <a:rPr lang="en-US" sz="1600" dirty="0">
-                <a:latin typeface="Monaco"/>
-                <a:cs typeface="Monaco"/>
-              </a:rPr>
-              <a:t> </a:t>
-            </a:r>
-            <a:r>
-              <a:rPr lang="en-US" sz="1600" dirty="0" smtClean="0">
-                <a:latin typeface="Monaco"/>
-                <a:cs typeface="Monaco"/>
-              </a:rPr>
-              <a:t>(</a:t>
-            </a:r>
-            <a:r>
-              <a:rPr lang="en-US" sz="1600" dirty="0" err="1" smtClean="0">
-                <a:latin typeface="Courier New"/>
-                <a:cs typeface="Courier New"/>
-              </a:rPr>
-              <a:t>gui</a:t>
-            </a:r>
-            <a:r>
-              <a:rPr lang="en-US" sz="1600" dirty="0" smtClean="0">
-                <a:latin typeface="Courier New"/>
-                <a:cs typeface="Courier New"/>
-              </a:rPr>
-              <a:t> -&gt; analytical, </a:t>
-            </a:r>
-            <a:r>
-              <a:rPr lang="en-US" sz="1600" dirty="0" smtClean="0">
-                <a:latin typeface="Monaco"/>
-                <a:cs typeface="Monaco"/>
-              </a:rPr>
-              <a:t>282 times, </a:t>
-            </a:r>
-            <a:r>
-              <a:rPr lang="en-US" sz="1600" dirty="0" smtClean="0">
-                <a:latin typeface="Courier New"/>
-                <a:cs typeface="Courier New"/>
-              </a:rPr>
-              <a:t>analytical -&gt; </a:t>
-            </a:r>
-            <a:r>
-              <a:rPr lang="en-US" sz="1600" dirty="0" err="1" smtClean="0">
-                <a:latin typeface="Courier New"/>
-                <a:cs typeface="Courier New"/>
-              </a:rPr>
-              <a:t>gui</a:t>
-            </a:r>
-            <a:r>
-              <a:rPr lang="en-US" sz="1600" dirty="0" smtClean="0">
-                <a:latin typeface="Courier New"/>
-                <a:cs typeface="Courier New"/>
-              </a:rPr>
-              <a:t> </a:t>
-            </a:r>
-            <a:r>
-              <a:rPr lang="en-US" sz="1600" dirty="0" smtClean="0">
-                <a:latin typeface="Monaco"/>
-                <a:cs typeface="Monaco"/>
-              </a:rPr>
-              <a:t>262 times)</a:t>
-            </a:r>
-          </a:p>
-          <a:p>
-            <a:pPr lvl="1"/>
-            <a:r>
-              <a:rPr lang="en-US" sz="1600" dirty="0" smtClean="0">
-                <a:latin typeface="Monaco"/>
-                <a:cs typeface="Monaco"/>
-              </a:rPr>
-              <a:t>Specifically, </a:t>
-            </a:r>
-            <a:r>
-              <a:rPr lang="en-US" sz="1600" dirty="0" err="1" smtClean="0">
-                <a:latin typeface="Courier New"/>
-                <a:cs typeface="Courier New"/>
-              </a:rPr>
               <a:t>ExactModel</a:t>
             </a:r>
             <a:r>
-              <a:rPr lang="en-US" sz="1600" dirty="0" smtClean="0">
-                <a:latin typeface="Courier New"/>
-                <a:cs typeface="Courier New"/>
-              </a:rPr>
-              <a:t> </a:t>
-            </a:r>
-            <a:r>
-              <a:rPr lang="en-US" sz="1600" dirty="0" smtClean="0">
-                <a:latin typeface="Monaco"/>
-                <a:cs typeface="Monaco"/>
-              </a:rPr>
-              <a:t>is the primary culprit as it is referenced in </a:t>
-            </a:r>
-            <a:r>
-              <a:rPr lang="en-US" sz="1600" dirty="0" smtClean="0">
-                <a:latin typeface="Courier New"/>
-                <a:cs typeface="Courier New"/>
-              </a:rPr>
-              <a:t>analytical </a:t>
-            </a:r>
-            <a:r>
-              <a:rPr lang="en-US" sz="1600" dirty="0" smtClean="0">
-                <a:latin typeface="Monaco"/>
-                <a:cs typeface="Monaco"/>
-              </a:rPr>
-              <a:t>package extensively</a:t>
-            </a:r>
-          </a:p>
-          <a:p>
-            <a:pPr lvl="1"/>
+              <a:rPr lang="en-US" sz="2000" dirty="0">
+                <a:latin typeface="Monaco"/>
+                <a:cs typeface="Monaco"/>
+              </a:rPr>
+              <a:t> is the </a:t>
+            </a:r>
+            <a:r>
+              <a:rPr lang="en-US" sz="2000" dirty="0" smtClean="0">
+                <a:latin typeface="Monaco"/>
+                <a:cs typeface="Monaco"/>
+              </a:rPr>
+              <a:t>primary culprit </a:t>
+            </a:r>
+            <a:r>
+              <a:rPr lang="en-US" sz="2000" dirty="0">
+                <a:latin typeface="Monaco"/>
+                <a:cs typeface="Monaco"/>
+              </a:rPr>
+              <a:t>in this </a:t>
+            </a:r>
+            <a:r>
+              <a:rPr lang="en-US" sz="2000" dirty="0" smtClean="0">
+                <a:latin typeface="Monaco"/>
+                <a:cs typeface="Monaco"/>
+              </a:rPr>
+              <a:t>cycle</a:t>
+            </a:r>
+          </a:p>
+          <a:p>
+            <a:pPr>
+              <a:buFont typeface="Arial"/>
+              <a:buChar char="•"/>
+            </a:pPr>
+            <a:r>
+              <a:rPr lang="en-US" sz="2000" dirty="0" smtClean="0">
+                <a:latin typeface="Monaco"/>
+                <a:cs typeface="Monaco"/>
+              </a:rPr>
+              <a:t>Because </a:t>
+            </a:r>
+            <a:r>
+              <a:rPr lang="en-US" sz="2000" dirty="0">
+                <a:latin typeface="Monaco"/>
+                <a:cs typeface="Monaco"/>
+              </a:rPr>
+              <a:t>of the coupling effect, these packages are impossible to reuse in other </a:t>
+            </a:r>
+            <a:r>
+              <a:rPr lang="en-US" sz="2000" dirty="0" smtClean="0">
+                <a:latin typeface="Monaco"/>
+                <a:cs typeface="Monaco"/>
+              </a:rPr>
+              <a:t>applications</a:t>
+            </a:r>
+          </a:p>
+          <a:p>
+            <a:pPr>
+              <a:buFont typeface="Arial"/>
+              <a:buChar char="•"/>
+            </a:pPr>
+            <a:r>
+              <a:rPr lang="en-US" sz="2000" dirty="0" smtClean="0">
+                <a:latin typeface="Monaco"/>
+                <a:cs typeface="Monaco"/>
+              </a:rPr>
+              <a:t>Another </a:t>
+            </a:r>
+            <a:r>
+              <a:rPr lang="en-US" sz="2000" dirty="0">
+                <a:latin typeface="Monaco"/>
+                <a:cs typeface="Monaco"/>
+              </a:rPr>
+              <a:t>strong cycle ... How to get rid of it?</a:t>
+            </a:r>
             <a:endParaRPr lang="en-US" sz="1600" dirty="0" smtClean="0">
               <a:latin typeface="Monaco"/>
               <a:cs typeface="Monaco"/>
@@ -5896,39 +5860,6 @@
           </a:p>
         </p:txBody>
       </p:sp>
-      <p:pic>
-        <p:nvPicPr>
-          <p:cNvPr id="4" name="Picture 3" descr="initial dependencies.png"/>
-          <p:cNvPicPr>
-            <a:picLocks noChangeAspect="1"/>
-          </p:cNvPicPr>
-          <p:nvPr/>
-        </p:nvPicPr>
-        <p:blipFill>
-          <a:blip r:embed="rId3">
-            <a:extLst>
-              <a:ext uri="{28A0092B-C50C-407E-A947-70E740481C1C}">
-                <a14:useLocalDpi xmlns:a14="http://schemas.microsoft.com/office/drawing/2010/main" val="0"/>
-              </a:ext>
-            </a:extLst>
-          </a:blip>
-          <a:stretch>
-            <a:fillRect/>
-          </a:stretch>
-        </p:blipFill>
-        <p:spPr>
-          <a:xfrm>
-            <a:off x="2262909" y="4096744"/>
-            <a:ext cx="4283364" cy="2076059"/>
-          </a:xfrm>
-          <a:prstGeom prst="rect">
-            <a:avLst/>
-          </a:prstGeom>
-          <a:effectLst>
-            <a:softEdge rad="25400"/>
-          </a:effectLst>
-        </p:spPr>
-      </p:pic>
       <p:sp>
         <p:nvSpPr>
           <p:cNvPr id="5" name="TextBox 4"/>
@@ -5956,6 +5887,32 @@
               <a:t>Figure 1</a:t>
             </a:r>
             <a:endParaRPr lang="en-US" sz="1000" dirty="0"/>
+          </a:p>
+        </p:txBody>
+      </p:sp>
+      <p:sp>
+        <p:nvSpPr>
+          <p:cNvPr id="24" name="幻灯片编号占位符 23"/>
+          <p:cNvSpPr>
+            <a:spLocks noGrp="1"/>
+          </p:cNvSpPr>
+          <p:nvPr>
+            <p:ph type="sldNum" sz="quarter" idx="12"/>
+          </p:nvPr>
+        </p:nvSpPr>
+        <p:spPr/>
+        <p:txBody>
+          <a:bodyPr/>
+          <a:lstStyle/>
+          <a:p>
+            <a:r>
+              <a:rPr lang="es-ES" dirty="0">
+                <a:solidFill>
+                  <a:srgbClr val="000000"/>
+                </a:solidFill>
+              </a:rPr>
+              <a:t>3</a:t>
+            </a:r>
           </a:p>
         </p:txBody>
       </p:sp>
@@ -6452,32 +6409,6 @@
           </p:txBody>
         </p:sp>
       </p:grpSp>
-      <p:sp>
-        <p:nvSpPr>
-          <p:cNvPr id="24" name="幻灯片编号占位符 23"/>
-          <p:cNvSpPr>
-            <a:spLocks noGrp="1"/>
-          </p:cNvSpPr>
-          <p:nvPr>
-            <p:ph type="sldNum" sz="quarter" idx="12"/>
-          </p:nvPr>
-        </p:nvSpPr>
-        <p:spPr/>
-        <p:txBody>
-          <a:bodyPr/>
-          <a:lstStyle/>
-          <a:p>
-            <a:r>
-              <a:rPr lang="es-ES" dirty="0">
-                <a:solidFill>
-                  <a:srgbClr val="000000"/>
-                </a:solidFill>
-              </a:rPr>
-              <a:t>3</a:t>
-            </a:r>
-          </a:p>
-        </p:txBody>
-      </p:sp>
     </p:spTree>
     <p:extLst>
       <p:ext uri="{BB962C8B-B14F-4D97-AF65-F5344CB8AC3E}">
